--- a/assets/pptx/First-steps-with-R_practicals_day1.pptx
+++ b/assets/pptx/First-steps-with-R_practicals_day1.pptx
@@ -235,7 +235,7 @@
           <a:bodyPr lIns="0" rIns="0" tIns="0" bIns="0" anchor="b"/>
           <a:p>
             <a:pPr algn="r"/>
-            <a:fld id="{02449E4C-7E74-4E33-9D4B-ADE525A9191C}" type="slidenum">
+            <a:fld id="{A684E116-171E-4756-BD7D-BAE9E4C01941}" type="slidenum">
               <a:rPr b="0" lang="en-US" sz="1400" spc="-1" strike="noStrike">
                 <a:latin typeface="Times New Roman"/>
               </a:rPr>
@@ -283,7 +283,7 @@
         <p:spPr>
           <a:xfrm>
             <a:off x="1143000" y="685800"/>
-            <a:ext cx="4566960" cy="3423960"/>
+            <a:ext cx="4566600" cy="3423600"/>
           </a:xfrm>
           <a:prstGeom prst="rect">
             <a:avLst/>
@@ -303,7 +303,7 @@
         <p:spPr>
           <a:xfrm>
             <a:off x="685800" y="4343400"/>
-            <a:ext cx="5481000" cy="4109400"/>
+            <a:ext cx="5480640" cy="4109040"/>
           </a:xfrm>
           <a:prstGeom prst="rect">
             <a:avLst/>
@@ -327,7 +327,7 @@
         <p:spPr>
           <a:xfrm>
             <a:off x="3884760" y="8685360"/>
-            <a:ext cx="2966400" cy="451800"/>
+            <a:ext cx="2966040" cy="451440"/>
           </a:xfrm>
           <a:prstGeom prst="rect">
             <a:avLst/>
@@ -379,7 +379,7 @@
         <p:spPr>
           <a:xfrm>
             <a:off x="1143000" y="685800"/>
-            <a:ext cx="4566960" cy="3423960"/>
+            <a:ext cx="4566600" cy="3423600"/>
           </a:xfrm>
           <a:prstGeom prst="rect">
             <a:avLst/>
@@ -399,7 +399,7 @@
         <p:spPr>
           <a:xfrm>
             <a:off x="685800" y="4343400"/>
-            <a:ext cx="5481000" cy="4109400"/>
+            <a:ext cx="5480640" cy="4109040"/>
           </a:xfrm>
           <a:prstGeom prst="rect">
             <a:avLst/>
@@ -408,7 +408,7 @@
         <p:txBody>
           <a:bodyPr lIns="0" rIns="0" tIns="0" bIns="0"/>
           <a:p>
-            <a:pPr marL="216000" indent="-214560">
+            <a:pPr marL="216000" indent="-214200">
               <a:lnSpc>
                 <a:spcPct val="100000"/>
               </a:lnSpc>
@@ -424,7 +424,7 @@
             </a:endParaRPr>
           </a:p>
           <a:p>
-            <a:pPr marL="216000" indent="-214560">
+            <a:pPr marL="216000" indent="-214200">
               <a:lnSpc>
                 <a:spcPct val="100000"/>
               </a:lnSpc>
@@ -440,7 +440,7 @@
             </a:endParaRPr>
           </a:p>
           <a:p>
-            <a:pPr marL="216000" indent="-214560">
+            <a:pPr marL="216000" indent="-214200">
               <a:lnSpc>
                 <a:spcPct val="100000"/>
               </a:lnSpc>
@@ -466,7 +466,7 @@
         <p:spPr>
           <a:xfrm>
             <a:off x="3884760" y="8685360"/>
-            <a:ext cx="2966400" cy="451800"/>
+            <a:ext cx="2966040" cy="451440"/>
           </a:xfrm>
           <a:prstGeom prst="rect">
             <a:avLst/>
@@ -518,7 +518,7 @@
         <p:spPr>
           <a:xfrm>
             <a:off x="1143000" y="685800"/>
-            <a:ext cx="4566960" cy="3423960"/>
+            <a:ext cx="4566600" cy="3423600"/>
           </a:xfrm>
           <a:prstGeom prst="rect">
             <a:avLst/>
@@ -538,7 +538,7 @@
         <p:spPr>
           <a:xfrm>
             <a:off x="685800" y="4343400"/>
-            <a:ext cx="5481000" cy="4109400"/>
+            <a:ext cx="5480640" cy="4109040"/>
           </a:xfrm>
           <a:prstGeom prst="rect">
             <a:avLst/>
@@ -547,7 +547,7 @@
         <p:txBody>
           <a:bodyPr lIns="0" rIns="0" tIns="0" bIns="0"/>
           <a:p>
-            <a:pPr marL="216000" indent="-210960">
+            <a:pPr marL="216000" indent="-210600">
               <a:lnSpc>
                 <a:spcPct val="100000"/>
               </a:lnSpc>
@@ -573,7 +573,7 @@
         <p:spPr>
           <a:xfrm>
             <a:off x="3884760" y="8685360"/>
-            <a:ext cx="2966400" cy="451800"/>
+            <a:ext cx="2966040" cy="451440"/>
           </a:xfrm>
           <a:prstGeom prst="rect">
             <a:avLst/>
@@ -625,7 +625,7 @@
         <p:spPr>
           <a:xfrm>
             <a:off x="1143000" y="685800"/>
-            <a:ext cx="4566960" cy="3423960"/>
+            <a:ext cx="4566600" cy="3423600"/>
           </a:xfrm>
           <a:prstGeom prst="rect">
             <a:avLst/>
@@ -645,7 +645,7 @@
         <p:spPr>
           <a:xfrm>
             <a:off x="685800" y="4343400"/>
-            <a:ext cx="5481000" cy="4109400"/>
+            <a:ext cx="5480640" cy="4109040"/>
           </a:xfrm>
           <a:prstGeom prst="rect">
             <a:avLst/>
@@ -654,7 +654,7 @@
         <p:txBody>
           <a:bodyPr lIns="0" rIns="0" tIns="0" bIns="0"/>
           <a:p>
-            <a:pPr marL="216000" indent="-210960">
+            <a:pPr marL="216000" indent="-210600">
               <a:lnSpc>
                 <a:spcPct val="100000"/>
               </a:lnSpc>
@@ -680,7 +680,7 @@
         <p:spPr>
           <a:xfrm>
             <a:off x="3884760" y="8685360"/>
-            <a:ext cx="2966400" cy="451800"/>
+            <a:ext cx="2966040" cy="451440"/>
           </a:xfrm>
           <a:prstGeom prst="rect">
             <a:avLst/>
@@ -732,7 +732,7 @@
         <p:spPr>
           <a:xfrm>
             <a:off x="1143000" y="685800"/>
-            <a:ext cx="4566960" cy="3423960"/>
+            <a:ext cx="4566600" cy="3423600"/>
           </a:xfrm>
           <a:prstGeom prst="rect">
             <a:avLst/>
@@ -752,7 +752,7 @@
         <p:spPr>
           <a:xfrm>
             <a:off x="685800" y="4343400"/>
-            <a:ext cx="5481000" cy="4109400"/>
+            <a:ext cx="5480640" cy="4109040"/>
           </a:xfrm>
           <a:prstGeom prst="rect">
             <a:avLst/>
@@ -761,7 +761,7 @@
         <p:txBody>
           <a:bodyPr lIns="0" rIns="0" tIns="0" bIns="0"/>
           <a:p>
-            <a:pPr marL="216000" indent="-210960">
+            <a:pPr marL="216000" indent="-210600">
               <a:lnSpc>
                 <a:spcPct val="100000"/>
               </a:lnSpc>
@@ -787,7 +787,7 @@
         <p:spPr>
           <a:xfrm>
             <a:off x="3884760" y="8685360"/>
-            <a:ext cx="2966400" cy="451800"/>
+            <a:ext cx="2966040" cy="451440"/>
           </a:xfrm>
           <a:prstGeom prst="rect">
             <a:avLst/>
@@ -839,7 +839,7 @@
         <p:spPr>
           <a:xfrm>
             <a:off x="1143000" y="685800"/>
-            <a:ext cx="4566960" cy="3423960"/>
+            <a:ext cx="4566600" cy="3423600"/>
           </a:xfrm>
           <a:prstGeom prst="rect">
             <a:avLst/>
@@ -859,7 +859,7 @@
         <p:spPr>
           <a:xfrm>
             <a:off x="685800" y="4343400"/>
-            <a:ext cx="5481000" cy="4109400"/>
+            <a:ext cx="5480640" cy="4109040"/>
           </a:xfrm>
           <a:prstGeom prst="rect">
             <a:avLst/>
@@ -868,7 +868,7 @@
         <p:txBody>
           <a:bodyPr lIns="0" rIns="0" tIns="0" bIns="0"/>
           <a:p>
-            <a:pPr marL="216000" indent="-210960">
+            <a:pPr marL="216000" indent="-210600">
               <a:lnSpc>
                 <a:spcPct val="100000"/>
               </a:lnSpc>
@@ -894,7 +894,7 @@
         <p:spPr>
           <a:xfrm>
             <a:off x="3884760" y="8685360"/>
-            <a:ext cx="2966400" cy="451800"/>
+            <a:ext cx="2966040" cy="451440"/>
           </a:xfrm>
           <a:prstGeom prst="rect">
             <a:avLst/>
@@ -946,7 +946,7 @@
         <p:spPr>
           <a:xfrm>
             <a:off x="1143000" y="685800"/>
-            <a:ext cx="4566960" cy="3423960"/>
+            <a:ext cx="4566600" cy="3423600"/>
           </a:xfrm>
           <a:prstGeom prst="rect">
             <a:avLst/>
@@ -966,7 +966,7 @@
         <p:spPr>
           <a:xfrm>
             <a:off x="685800" y="4343400"/>
-            <a:ext cx="5481000" cy="4109400"/>
+            <a:ext cx="5480640" cy="4109040"/>
           </a:xfrm>
           <a:prstGeom prst="rect">
             <a:avLst/>
@@ -975,7 +975,7 @@
         <p:txBody>
           <a:bodyPr lIns="0" rIns="0" tIns="0" bIns="0"/>
           <a:p>
-            <a:pPr marL="216000" indent="-210960">
+            <a:pPr marL="216000" indent="-210600">
               <a:lnSpc>
                 <a:spcPct val="100000"/>
               </a:lnSpc>
@@ -1001,7 +1001,7 @@
         <p:spPr>
           <a:xfrm>
             <a:off x="3884760" y="8685360"/>
-            <a:ext cx="2966400" cy="451800"/>
+            <a:ext cx="2966040" cy="451440"/>
           </a:xfrm>
           <a:prstGeom prst="rect">
             <a:avLst/>
@@ -5052,7 +5052,7 @@
         <p:spPr>
           <a:xfrm>
             <a:off x="8371800" y="6725520"/>
-            <a:ext cx="642240" cy="116640"/>
+            <a:ext cx="641880" cy="116280"/>
           </a:xfrm>
           <a:prstGeom prst="rect">
             <a:avLst/>
@@ -5336,7 +5336,7 @@
         <p:spPr>
           <a:xfrm>
             <a:off x="8371800" y="6725520"/>
-            <a:ext cx="642240" cy="116640"/>
+            <a:ext cx="641880" cy="116280"/>
           </a:xfrm>
           <a:prstGeom prst="rect">
             <a:avLst/>
@@ -5620,7 +5620,7 @@
         <p:spPr>
           <a:xfrm>
             <a:off x="8371800" y="6725520"/>
-            <a:ext cx="642240" cy="116640"/>
+            <a:ext cx="641880" cy="116280"/>
           </a:xfrm>
           <a:prstGeom prst="rect">
             <a:avLst/>
@@ -5897,7 +5897,7 @@
         <p:spPr>
           <a:xfrm>
             <a:off x="258480" y="216720"/>
-            <a:ext cx="8634960" cy="6376680"/>
+            <a:ext cx="8634600" cy="6376320"/>
           </a:xfrm>
           <a:prstGeom prst="rect">
             <a:avLst/>
@@ -5923,7 +5923,7 @@
         <p:spPr>
           <a:xfrm>
             <a:off x="393480" y="938160"/>
-            <a:ext cx="8468640" cy="5562360"/>
+            <a:ext cx="8468280" cy="5562000"/>
           </a:xfrm>
           <a:prstGeom prst="rect">
             <a:avLst/>
@@ -5942,7 +5942,7 @@
         <p:txBody>
           <a:bodyPr lIns="0" rIns="0" tIns="0" bIns="0"/>
           <a:p>
-            <a:pPr marL="266760" indent="-261360">
+            <a:pPr marL="266760" indent="-261000">
               <a:lnSpc>
                 <a:spcPct val="100000"/>
               </a:lnSpc>
@@ -5970,7 +5970,7 @@
             </a:endParaRPr>
           </a:p>
           <a:p>
-            <a:pPr marL="266760" indent="-261360">
+            <a:pPr marL="266760" indent="-261000">
               <a:lnSpc>
                 <a:spcPct val="100000"/>
               </a:lnSpc>
@@ -6018,7 +6018,7 @@
             </a:endParaRPr>
           </a:p>
           <a:p>
-            <a:pPr marL="457200" indent="-455400">
+            <a:pPr marL="457200" indent="-455040">
               <a:lnSpc>
                 <a:spcPct val="100000"/>
               </a:lnSpc>
@@ -6069,7 +6069,7 @@
         <p:spPr>
           <a:xfrm>
             <a:off x="258480" y="216720"/>
-            <a:ext cx="7937640" cy="604080"/>
+            <a:ext cx="7937280" cy="603720"/>
           </a:xfrm>
           <a:prstGeom prst="rect">
             <a:avLst/>
@@ -6167,7 +6167,7 @@
         <p:spPr>
           <a:xfrm>
             <a:off x="258480" y="216720"/>
-            <a:ext cx="8634960" cy="6376680"/>
+            <a:ext cx="8634600" cy="6376320"/>
           </a:xfrm>
           <a:prstGeom prst="rect">
             <a:avLst/>
@@ -6193,7 +6193,7 @@
         <p:spPr>
           <a:xfrm>
             <a:off x="258480" y="216720"/>
-            <a:ext cx="7937640" cy="604080"/>
+            <a:ext cx="7937280" cy="603720"/>
           </a:xfrm>
           <a:prstGeom prst="rect">
             <a:avLst/>
@@ -6242,7 +6242,7 @@
         <p:spPr>
           <a:xfrm>
             <a:off x="583560" y="4323960"/>
-            <a:ext cx="3373560" cy="2009160"/>
+            <a:ext cx="3373200" cy="2008800"/>
           </a:xfrm>
           <a:prstGeom prst="rect">
             <a:avLst/>
@@ -6401,7 +6401,7 @@
         <p:spPr>
           <a:xfrm>
             <a:off x="365760" y="821880"/>
-            <a:ext cx="8527680" cy="3470040"/>
+            <a:ext cx="8527320" cy="3469680"/>
           </a:xfrm>
           <a:prstGeom prst="rect">
             <a:avLst/>
@@ -6420,7 +6420,7 @@
         <p:txBody>
           <a:bodyPr lIns="90000" rIns="90000" tIns="45000" bIns="45000"/>
           <a:p>
-            <a:pPr marL="216000" indent="-214920">
+            <a:pPr marL="216000" indent="-214560">
               <a:lnSpc>
                 <a:spcPct val="100000"/>
               </a:lnSpc>
@@ -6455,7 +6455,7 @@
             </a:endParaRPr>
           </a:p>
           <a:p>
-            <a:pPr lvl="1" marL="432000" indent="-214920">
+            <a:pPr lvl="1" marL="432000" indent="-214560">
               <a:lnSpc>
                 <a:spcPct val="100000"/>
               </a:lnSpc>
@@ -6481,7 +6481,7 @@
             </a:endParaRPr>
           </a:p>
           <a:p>
-            <a:pPr lvl="1" marL="432000" indent="-214920">
+            <a:pPr lvl="1" marL="432000" indent="-214560">
               <a:lnSpc>
                 <a:spcPct val="100000"/>
               </a:lnSpc>
@@ -6507,7 +6507,7 @@
             </a:endParaRPr>
           </a:p>
           <a:p>
-            <a:pPr lvl="1" marL="432000" indent="-214920">
+            <a:pPr lvl="1" marL="432000" indent="-214560">
               <a:lnSpc>
                 <a:spcPct val="100000"/>
               </a:lnSpc>
@@ -6533,7 +6533,7 @@
             </a:endParaRPr>
           </a:p>
           <a:p>
-            <a:pPr lvl="1" marL="432000" indent="-214920">
+            <a:pPr lvl="1" marL="432000" indent="-214560">
               <a:lnSpc>
                 <a:spcPct val="100000"/>
               </a:lnSpc>
@@ -6559,7 +6559,7 @@
             </a:endParaRPr>
           </a:p>
           <a:p>
-            <a:pPr marL="216000" indent="-214920">
+            <a:pPr marL="216000" indent="-214560">
               <a:lnSpc>
                 <a:spcPct val="100000"/>
               </a:lnSpc>
@@ -6594,7 +6594,7 @@
             </a:endParaRPr>
           </a:p>
           <a:p>
-            <a:pPr lvl="1" marL="432000" indent="-214920">
+            <a:pPr lvl="1" marL="432000" indent="-214560">
               <a:lnSpc>
                 <a:spcPct val="100000"/>
               </a:lnSpc>
@@ -6620,7 +6620,7 @@
             </a:endParaRPr>
           </a:p>
           <a:p>
-            <a:pPr lvl="1" marL="432000" indent="-214920">
+            <a:pPr lvl="1" marL="432000" indent="-214560">
               <a:lnSpc>
                 <a:spcPct val="100000"/>
               </a:lnSpc>
@@ -6646,7 +6646,7 @@
             </a:endParaRPr>
           </a:p>
           <a:p>
-            <a:pPr lvl="1" marL="432000" indent="-214920">
+            <a:pPr lvl="1" marL="432000" indent="-214560">
               <a:lnSpc>
                 <a:spcPct val="100000"/>
               </a:lnSpc>
@@ -6672,7 +6672,7 @@
             </a:endParaRPr>
           </a:p>
           <a:p>
-            <a:pPr lvl="1" marL="432000" indent="-214920">
+            <a:pPr lvl="1" marL="432000" indent="-214560">
               <a:lnSpc>
                 <a:spcPct val="100000"/>
               </a:lnSpc>
@@ -6767,7 +6767,7 @@
         <p:spPr>
           <a:xfrm>
             <a:off x="258480" y="216720"/>
-            <a:ext cx="8634960" cy="6376680"/>
+            <a:ext cx="8634600" cy="6376320"/>
           </a:xfrm>
           <a:prstGeom prst="rect">
             <a:avLst/>
@@ -6793,7 +6793,7 @@
         <p:spPr>
           <a:xfrm>
             <a:off x="191880" y="560160"/>
-            <a:ext cx="7904160" cy="5889240"/>
+            <a:ext cx="7903800" cy="5888880"/>
           </a:xfrm>
           <a:prstGeom prst="rect">
             <a:avLst/>
@@ -6950,7 +6950,7 @@
             </a:endParaRPr>
           </a:p>
           <a:p>
-            <a:pPr marL="266760" indent="-261360">
+            <a:pPr marL="266760" indent="-261000">
               <a:lnSpc>
                 <a:spcPct val="100000"/>
               </a:lnSpc>
@@ -7432,7 +7432,7 @@
         <p:spPr>
           <a:xfrm>
             <a:off x="258480" y="-46800"/>
-            <a:ext cx="7937640" cy="604080"/>
+            <a:ext cx="7937280" cy="603720"/>
           </a:xfrm>
           <a:prstGeom prst="rect">
             <a:avLst/>
@@ -7530,7 +7530,7 @@
         <p:spPr>
           <a:xfrm>
             <a:off x="258480" y="216720"/>
-            <a:ext cx="8634960" cy="6376680"/>
+            <a:ext cx="8634600" cy="6376320"/>
           </a:xfrm>
           <a:prstGeom prst="rect">
             <a:avLst/>
@@ -7556,7 +7556,7 @@
         <p:spPr>
           <a:xfrm>
             <a:off x="191880" y="704160"/>
-            <a:ext cx="8809560" cy="5889240"/>
+            <a:ext cx="8809200" cy="5888880"/>
           </a:xfrm>
           <a:prstGeom prst="rect">
             <a:avLst/>
@@ -8071,7 +8071,7 @@
         <p:spPr>
           <a:xfrm>
             <a:off x="258480" y="-46800"/>
-            <a:ext cx="7937640" cy="604080"/>
+            <a:ext cx="7937280" cy="603720"/>
           </a:xfrm>
           <a:prstGeom prst="rect">
             <a:avLst/>
@@ -8169,7 +8169,7 @@
         <p:spPr>
           <a:xfrm>
             <a:off x="258480" y="216720"/>
-            <a:ext cx="8634960" cy="6376680"/>
+            <a:ext cx="8634600" cy="6376320"/>
           </a:xfrm>
           <a:prstGeom prst="rect">
             <a:avLst/>
@@ -8195,7 +8195,7 @@
         <p:spPr>
           <a:xfrm>
             <a:off x="191880" y="704160"/>
-            <a:ext cx="8853480" cy="6540840"/>
+            <a:ext cx="8853120" cy="6540480"/>
           </a:xfrm>
           <a:prstGeom prst="rect">
             <a:avLst/>
@@ -8227,7 +8227,7 @@
             </a:endParaRPr>
           </a:p>
           <a:p>
-            <a:pPr marL="216000" indent="-215280">
+            <a:pPr marL="216000" indent="-214920">
               <a:lnSpc>
                 <a:spcPct val="100000"/>
               </a:lnSpc>
@@ -8265,7 +8265,7 @@
             </a:endParaRPr>
           </a:p>
           <a:p>
-            <a:pPr marL="216000" indent="-215280">
+            <a:pPr marL="216000" indent="-214920">
               <a:lnSpc>
                 <a:spcPct val="100000"/>
               </a:lnSpc>
@@ -8323,7 +8323,7 @@
             </a:endParaRPr>
           </a:p>
           <a:p>
-            <a:pPr marL="216000" indent="-215280">
+            <a:pPr marL="216000" indent="-214920">
               <a:lnSpc>
                 <a:spcPct val="100000"/>
               </a:lnSpc>
@@ -8351,7 +8351,7 @@
             </a:endParaRPr>
           </a:p>
           <a:p>
-            <a:pPr marL="216000" indent="-215280">
+            <a:pPr marL="216000" indent="-214920">
               <a:lnSpc>
                 <a:spcPct val="100000"/>
               </a:lnSpc>
@@ -8409,7 +8409,7 @@
             </a:endParaRPr>
           </a:p>
           <a:p>
-            <a:pPr marL="216000" indent="-215280">
+            <a:pPr marL="216000" indent="-214920">
               <a:lnSpc>
                 <a:spcPct val="100000"/>
               </a:lnSpc>
@@ -8559,7 +8559,7 @@
         <p:spPr>
           <a:xfrm>
             <a:off x="258480" y="-46800"/>
-            <a:ext cx="7937640" cy="604080"/>
+            <a:ext cx="7937280" cy="603720"/>
           </a:xfrm>
           <a:prstGeom prst="rect">
             <a:avLst/>
@@ -8657,7 +8657,7 @@
         <p:spPr>
           <a:xfrm>
             <a:off x="0" y="115200"/>
-            <a:ext cx="7930800" cy="488880"/>
+            <a:ext cx="7930440" cy="488520"/>
           </a:xfrm>
           <a:prstGeom prst="rect">
             <a:avLst/>
@@ -8706,7 +8706,7 @@
         <p:spPr>
           <a:xfrm>
             <a:off x="209520" y="669240"/>
-            <a:ext cx="8145720" cy="6013080"/>
+            <a:ext cx="8145360" cy="6012720"/>
           </a:xfrm>
           <a:prstGeom prst="rect">
             <a:avLst/>
@@ -8751,7 +8751,7 @@
                 <a:latin typeface="Calibri"/>
                 <a:ea typeface="DejaVu Sans"/>
               </a:rPr>
-              <a:t>mice_data.csv</a:t>
+              <a:t>mice_data_mod.csv</a:t>
             </a:r>
             <a:r>
               <a:rPr b="0" i="1" lang="en-US" sz="2000" spc="-1" strike="noStrike">
@@ -8788,7 +8788,7 @@
             </a:endParaRPr>
           </a:p>
           <a:p>
-            <a:pPr lvl="1" marL="743040" indent="-280440">
+            <a:pPr lvl="1" marL="743040" indent="-280080">
               <a:lnSpc>
                 <a:spcPct val="100000"/>
               </a:lnSpc>
@@ -8819,7 +8819,7 @@
             </a:endParaRPr>
           </a:p>
           <a:p>
-            <a:pPr lvl="1" marL="743040" indent="-280440">
+            <a:pPr lvl="1" marL="743040" indent="-280080">
               <a:lnSpc>
                 <a:spcPct val="100000"/>
               </a:lnSpc>
@@ -8850,7 +8850,7 @@
             </a:endParaRPr>
           </a:p>
           <a:p>
-            <a:pPr lvl="1" marL="743040" indent="-280440">
+            <a:pPr lvl="1" marL="743040" indent="-280080">
               <a:lnSpc>
                 <a:spcPct val="100000"/>
               </a:lnSpc>
@@ -8881,7 +8881,7 @@
             </a:endParaRPr>
           </a:p>
           <a:p>
-            <a:pPr lvl="1" marL="743040" indent="-280440">
+            <a:pPr lvl="1" marL="743040" indent="-280080">
               <a:lnSpc>
                 <a:spcPct val="100000"/>
               </a:lnSpc>
@@ -8912,7 +8912,7 @@
             </a:endParaRPr>
           </a:p>
           <a:p>
-            <a:pPr lvl="1" marL="743040" indent="-280440">
+            <a:pPr lvl="1" marL="743040" indent="-280080">
               <a:lnSpc>
                 <a:spcPct val="100000"/>
               </a:lnSpc>
@@ -8943,7 +8943,7 @@
             </a:endParaRPr>
           </a:p>
           <a:p>
-            <a:pPr lvl="1" marL="743040" indent="-280440">
+            <a:pPr lvl="1" marL="743040" indent="-280080">
               <a:lnSpc>
                 <a:spcPct val="100000"/>
               </a:lnSpc>
@@ -8974,7 +8974,7 @@
             </a:endParaRPr>
           </a:p>
           <a:p>
-            <a:pPr lvl="1" marL="743040" indent="-280440">
+            <a:pPr lvl="1" marL="743040" indent="-280080">
               <a:lnSpc>
                 <a:spcPct val="100000"/>
               </a:lnSpc>
@@ -9080,7 +9080,7 @@
         <p:spPr>
           <a:xfrm>
             <a:off x="0" y="115200"/>
-            <a:ext cx="7930800" cy="488880"/>
+            <a:ext cx="7930440" cy="488520"/>
           </a:xfrm>
           <a:prstGeom prst="rect">
             <a:avLst/>
@@ -9129,7 +9129,7 @@
         <p:spPr>
           <a:xfrm>
             <a:off x="209520" y="669240"/>
-            <a:ext cx="8048160" cy="6013080"/>
+            <a:ext cx="8047800" cy="6012720"/>
           </a:xfrm>
           <a:prstGeom prst="rect">
             <a:avLst/>
@@ -9148,7 +9148,7 @@
         <p:txBody>
           <a:bodyPr lIns="90000" rIns="90000" tIns="45000" bIns="45000"/>
           <a:p>
-            <a:pPr lvl="1" marL="918000" indent="-455400">
+            <a:pPr lvl="1" marL="918000" indent="-455040">
               <a:lnSpc>
                 <a:spcPct val="100000"/>
               </a:lnSpc>
@@ -9179,7 +9179,7 @@
             </a:endParaRPr>
           </a:p>
           <a:p>
-            <a:pPr lvl="1" marL="918000" indent="-455400">
+            <a:pPr lvl="1" marL="918000" indent="-455040">
               <a:lnSpc>
                 <a:spcPct val="100000"/>
               </a:lnSpc>
@@ -9210,7 +9210,7 @@
             </a:endParaRPr>
           </a:p>
           <a:p>
-            <a:pPr lvl="1" marL="918000" indent="-455400">
+            <a:pPr lvl="1" marL="918000" indent="-455040">
               <a:lnSpc>
                 <a:spcPct val="100000"/>
               </a:lnSpc>
@@ -9241,7 +9241,7 @@
             </a:endParaRPr>
           </a:p>
           <a:p>
-            <a:pPr lvl="1" marL="918000" indent="-455400">
+            <a:pPr lvl="1" marL="918000" indent="-455040">
               <a:lnSpc>
                 <a:spcPct val="100000"/>
               </a:lnSpc>

--- a/assets/pptx/First-steps-with-R_practicals_day1.pptx
+++ b/assets/pptx/First-steps-with-R_practicals_day1.pptx
@@ -7,17 +7,18 @@
     <p:sldMasterId id="2147483700" r:id="rId3"/>
   </p:sldMasterIdLst>
   <p:notesMasterIdLst>
-    <p:notesMasterId r:id="rId12"/>
+    <p:notesMasterId r:id="rId13"/>
   </p:notesMasterIdLst>
   <p:sldIdLst>
     <p:sldId id="1199" r:id="rId4"/>
-    <p:sldId id="1201" r:id="rId5"/>
-    <p:sldId id="1209" r:id="rId6"/>
-    <p:sldId id="1254" r:id="rId7"/>
-    <p:sldId id="1256" r:id="rId8"/>
-    <p:sldId id="1257" r:id="rId9"/>
-    <p:sldId id="1242" r:id="rId10"/>
-    <p:sldId id="1243" r:id="rId11"/>
+    <p:sldId id="1258" r:id="rId5"/>
+    <p:sldId id="1201" r:id="rId6"/>
+    <p:sldId id="1209" r:id="rId7"/>
+    <p:sldId id="1254" r:id="rId8"/>
+    <p:sldId id="1259" r:id="rId9"/>
+    <p:sldId id="1257" r:id="rId10"/>
+    <p:sldId id="1242" r:id="rId11"/>
+    <p:sldId id="1243" r:id="rId12"/>
   </p:sldIdLst>
   <p:sldSz cx="9144000" cy="6858000" type="screen4x3"/>
   <p:notesSz cx="6858000" cy="9144000"/>
@@ -127,322 +128,10 @@
 <file path=ppt/revisionInfo.xml><?xml version="1.0" encoding="utf-8"?>
 <p1510:revInfo xmlns:a="http://schemas.openxmlformats.org/drawingml/2006/main" xmlns:r="http://schemas.openxmlformats.org/officeDocument/2006/relationships" xmlns:p1510="http://schemas.microsoft.com/office/powerpoint/2015/10/main">
   <p1510:revLst>
+    <p1510:client id="{3668C563-A3B1-C3A2-3085-6958FC89FB8A}" v="32" dt="2022-10-05T11:35:57.857"/>
     <p1510:client id="{BB7F667F-1F46-4DAB-84DD-61E39142F1F9}" v="8" dt="2022-06-07T22:31:05.630"/>
   </p1510:revLst>
 </p1510:revInfo>
-</file>
-
-<file path=ppt/changesInfos/changesInfo1.xml><?xml version="1.0" encoding="utf-8"?>
-<pc:chgInfo xmlns:a="http://schemas.openxmlformats.org/drawingml/2006/main" xmlns:r="http://schemas.openxmlformats.org/officeDocument/2006/relationships" xmlns:ac="http://schemas.microsoft.com/office/drawing/2013/main/command" xmlns:pc="http://schemas.microsoft.com/office/powerpoint/2013/main/command">
-  <pc:docChgLst>
-    <pc:chgData name="Leonore Wigger" userId="991f9400-5a01-4e9a-8061-fd7c6f87df97" providerId="ADAL" clId="{BB7F667F-1F46-4DAB-84DD-61E39142F1F9}"/>
-    <pc:docChg chg="addSld delSld modSld delMainMaster">
-      <pc:chgData name="Leonore Wigger" userId="991f9400-5a01-4e9a-8061-fd7c6f87df97" providerId="ADAL" clId="{BB7F667F-1F46-4DAB-84DD-61E39142F1F9}" dt="2022-06-07T22:31:50.733" v="10"/>
-      <pc:docMkLst>
-        <pc:docMk/>
-      </pc:docMkLst>
-      <pc:sldChg chg="del">
-        <pc:chgData name="Leonore Wigger" userId="991f9400-5a01-4e9a-8061-fd7c6f87df97" providerId="ADAL" clId="{BB7F667F-1F46-4DAB-84DD-61E39142F1F9}" dt="2022-06-07T22:09:20.655" v="0" actId="47"/>
-        <pc:sldMkLst>
-          <pc:docMk/>
-          <pc:sldMk cId="0" sldId="256"/>
-        </pc:sldMkLst>
-      </pc:sldChg>
-      <pc:sldChg chg="del">
-        <pc:chgData name="Leonore Wigger" userId="991f9400-5a01-4e9a-8061-fd7c6f87df97" providerId="ADAL" clId="{BB7F667F-1F46-4DAB-84DD-61E39142F1F9}" dt="2022-06-07T22:09:21.217" v="1" actId="47"/>
-        <pc:sldMkLst>
-          <pc:docMk/>
-          <pc:sldMk cId="0" sldId="257"/>
-        </pc:sldMkLst>
-      </pc:sldChg>
-      <pc:sldChg chg="del">
-        <pc:chgData name="Leonore Wigger" userId="991f9400-5a01-4e9a-8061-fd7c6f87df97" providerId="ADAL" clId="{BB7F667F-1F46-4DAB-84DD-61E39142F1F9}" dt="2022-06-07T22:09:21.727" v="2" actId="47"/>
-        <pc:sldMkLst>
-          <pc:docMk/>
-          <pc:sldMk cId="0" sldId="258"/>
-        </pc:sldMkLst>
-      </pc:sldChg>
-      <pc:sldChg chg="del">
-        <pc:chgData name="Leonore Wigger" userId="991f9400-5a01-4e9a-8061-fd7c6f87df97" providerId="ADAL" clId="{BB7F667F-1F46-4DAB-84DD-61E39142F1F9}" dt="2022-06-07T22:09:22.172" v="3" actId="47"/>
-        <pc:sldMkLst>
-          <pc:docMk/>
-          <pc:sldMk cId="0" sldId="259"/>
-        </pc:sldMkLst>
-      </pc:sldChg>
-      <pc:sldChg chg="del">
-        <pc:chgData name="Leonore Wigger" userId="991f9400-5a01-4e9a-8061-fd7c6f87df97" providerId="ADAL" clId="{BB7F667F-1F46-4DAB-84DD-61E39142F1F9}" dt="2022-06-07T22:09:22.563" v="4" actId="47"/>
-        <pc:sldMkLst>
-          <pc:docMk/>
-          <pc:sldMk cId="0" sldId="260"/>
-        </pc:sldMkLst>
-      </pc:sldChg>
-      <pc:sldChg chg="del">
-        <pc:chgData name="Leonore Wigger" userId="991f9400-5a01-4e9a-8061-fd7c6f87df97" providerId="ADAL" clId="{BB7F667F-1F46-4DAB-84DD-61E39142F1F9}" dt="2022-06-07T22:09:22.982" v="5" actId="47"/>
-        <pc:sldMkLst>
-          <pc:docMk/>
-          <pc:sldMk cId="0" sldId="261"/>
-        </pc:sldMkLst>
-      </pc:sldChg>
-      <pc:sldChg chg="del">
-        <pc:chgData name="Leonore Wigger" userId="991f9400-5a01-4e9a-8061-fd7c6f87df97" providerId="ADAL" clId="{BB7F667F-1F46-4DAB-84DD-61E39142F1F9}" dt="2022-06-07T22:09:23.539" v="6" actId="47"/>
-        <pc:sldMkLst>
-          <pc:docMk/>
-          <pc:sldMk cId="0" sldId="262"/>
-        </pc:sldMkLst>
-      </pc:sldChg>
-      <pc:sldChg chg="add">
-        <pc:chgData name="Leonore Wigger" userId="991f9400-5a01-4e9a-8061-fd7c6f87df97" providerId="ADAL" clId="{BB7F667F-1F46-4DAB-84DD-61E39142F1F9}" dt="2022-06-07T22:09:54.457" v="7"/>
-        <pc:sldMkLst>
-          <pc:docMk/>
-          <pc:sldMk cId="4241765841" sldId="1199"/>
-        </pc:sldMkLst>
-      </pc:sldChg>
-      <pc:sldChg chg="del">
-        <pc:chgData name="Leonore Wigger" userId="991f9400-5a01-4e9a-8061-fd7c6f87df97" providerId="ADAL" clId="{BB7F667F-1F46-4DAB-84DD-61E39142F1F9}" dt="2022-06-07T22:30:17.071" v="8" actId="47"/>
-        <pc:sldMkLst>
-          <pc:docMk/>
-          <pc:sldMk cId="4146848061" sldId="1210"/>
-        </pc:sldMkLst>
-      </pc:sldChg>
-      <pc:sldChg chg="modSp mod">
-        <pc:chgData name="Leonore Wigger" userId="991f9400-5a01-4e9a-8061-fd7c6f87df97" providerId="ADAL" clId="{BB7F667F-1F46-4DAB-84DD-61E39142F1F9}" dt="2022-06-07T22:31:50.733" v="10"/>
-        <pc:sldMkLst>
-          <pc:docMk/>
-          <pc:sldMk cId="72260443" sldId="1242"/>
-        </pc:sldMkLst>
-        <pc:spChg chg="mod">
-          <ac:chgData name="Leonore Wigger" userId="991f9400-5a01-4e9a-8061-fd7c6f87df97" providerId="ADAL" clId="{BB7F667F-1F46-4DAB-84DD-61E39142F1F9}" dt="2022-06-07T22:31:50.733" v="10"/>
-          <ac:spMkLst>
-            <pc:docMk/>
-            <pc:sldMk cId="72260443" sldId="1242"/>
-            <ac:spMk id="207" creationId="{00000000-0000-0000-0000-000000000000}"/>
-          </ac:spMkLst>
-        </pc:spChg>
-      </pc:sldChg>
-      <pc:sldChg chg="modSp mod">
-        <pc:chgData name="Leonore Wigger" userId="991f9400-5a01-4e9a-8061-fd7c6f87df97" providerId="ADAL" clId="{BB7F667F-1F46-4DAB-84DD-61E39142F1F9}" dt="2022-06-07T22:31:45.169" v="9"/>
-        <pc:sldMkLst>
-          <pc:docMk/>
-          <pc:sldMk cId="3449804977" sldId="1256"/>
-        </pc:sldMkLst>
-        <pc:spChg chg="mod">
-          <ac:chgData name="Leonore Wigger" userId="991f9400-5a01-4e9a-8061-fd7c6f87df97" providerId="ADAL" clId="{BB7F667F-1F46-4DAB-84DD-61E39142F1F9}" dt="2022-06-07T22:31:45.169" v="9"/>
-          <ac:spMkLst>
-            <pc:docMk/>
-            <pc:sldMk cId="3449804977" sldId="1256"/>
-            <ac:spMk id="824" creationId="{00000000-0000-0000-0000-000000000000}"/>
-          </ac:spMkLst>
-        </pc:spChg>
-      </pc:sldChg>
-      <pc:sldMasterChg chg="del delSldLayout">
-        <pc:chgData name="Leonore Wigger" userId="991f9400-5a01-4e9a-8061-fd7c6f87df97" providerId="ADAL" clId="{BB7F667F-1F46-4DAB-84DD-61E39142F1F9}" dt="2022-06-07T22:09:22.563" v="4" actId="47"/>
-        <pc:sldMasterMkLst>
-          <pc:docMk/>
-          <pc:sldMasterMk cId="0" sldId="2147483648"/>
-        </pc:sldMasterMkLst>
-        <pc:sldLayoutChg chg="del">
-          <pc:chgData name="Leonore Wigger" userId="991f9400-5a01-4e9a-8061-fd7c6f87df97" providerId="ADAL" clId="{BB7F667F-1F46-4DAB-84DD-61E39142F1F9}" dt="2022-06-07T22:09:22.563" v="4" actId="47"/>
-          <pc:sldLayoutMkLst>
-            <pc:docMk/>
-            <pc:sldMasterMk cId="0" sldId="2147483648"/>
-            <pc:sldLayoutMk cId="0" sldId="2147483649"/>
-          </pc:sldLayoutMkLst>
-        </pc:sldLayoutChg>
-        <pc:sldLayoutChg chg="del">
-          <pc:chgData name="Leonore Wigger" userId="991f9400-5a01-4e9a-8061-fd7c6f87df97" providerId="ADAL" clId="{BB7F667F-1F46-4DAB-84DD-61E39142F1F9}" dt="2022-06-07T22:09:22.563" v="4" actId="47"/>
-          <pc:sldLayoutMkLst>
-            <pc:docMk/>
-            <pc:sldMasterMk cId="0" sldId="2147483648"/>
-            <pc:sldLayoutMk cId="0" sldId="2147483650"/>
-          </pc:sldLayoutMkLst>
-        </pc:sldLayoutChg>
-        <pc:sldLayoutChg chg="del">
-          <pc:chgData name="Leonore Wigger" userId="991f9400-5a01-4e9a-8061-fd7c6f87df97" providerId="ADAL" clId="{BB7F667F-1F46-4DAB-84DD-61E39142F1F9}" dt="2022-06-07T22:09:22.563" v="4" actId="47"/>
-          <pc:sldLayoutMkLst>
-            <pc:docMk/>
-            <pc:sldMasterMk cId="0" sldId="2147483648"/>
-            <pc:sldLayoutMk cId="0" sldId="2147483651"/>
-          </pc:sldLayoutMkLst>
-        </pc:sldLayoutChg>
-        <pc:sldLayoutChg chg="del">
-          <pc:chgData name="Leonore Wigger" userId="991f9400-5a01-4e9a-8061-fd7c6f87df97" providerId="ADAL" clId="{BB7F667F-1F46-4DAB-84DD-61E39142F1F9}" dt="2022-06-07T22:09:22.563" v="4" actId="47"/>
-          <pc:sldLayoutMkLst>
-            <pc:docMk/>
-            <pc:sldMasterMk cId="0" sldId="2147483648"/>
-            <pc:sldLayoutMk cId="0" sldId="2147483652"/>
-          </pc:sldLayoutMkLst>
-        </pc:sldLayoutChg>
-        <pc:sldLayoutChg chg="del">
-          <pc:chgData name="Leonore Wigger" userId="991f9400-5a01-4e9a-8061-fd7c6f87df97" providerId="ADAL" clId="{BB7F667F-1F46-4DAB-84DD-61E39142F1F9}" dt="2022-06-07T22:09:22.563" v="4" actId="47"/>
-          <pc:sldLayoutMkLst>
-            <pc:docMk/>
-            <pc:sldMasterMk cId="0" sldId="2147483648"/>
-            <pc:sldLayoutMk cId="0" sldId="2147483653"/>
-          </pc:sldLayoutMkLst>
-        </pc:sldLayoutChg>
-        <pc:sldLayoutChg chg="del">
-          <pc:chgData name="Leonore Wigger" userId="991f9400-5a01-4e9a-8061-fd7c6f87df97" providerId="ADAL" clId="{BB7F667F-1F46-4DAB-84DD-61E39142F1F9}" dt="2022-06-07T22:09:22.563" v="4" actId="47"/>
-          <pc:sldLayoutMkLst>
-            <pc:docMk/>
-            <pc:sldMasterMk cId="0" sldId="2147483648"/>
-            <pc:sldLayoutMk cId="0" sldId="2147483654"/>
-          </pc:sldLayoutMkLst>
-        </pc:sldLayoutChg>
-        <pc:sldLayoutChg chg="del">
-          <pc:chgData name="Leonore Wigger" userId="991f9400-5a01-4e9a-8061-fd7c6f87df97" providerId="ADAL" clId="{BB7F667F-1F46-4DAB-84DD-61E39142F1F9}" dt="2022-06-07T22:09:22.563" v="4" actId="47"/>
-          <pc:sldLayoutMkLst>
-            <pc:docMk/>
-            <pc:sldMasterMk cId="0" sldId="2147483648"/>
-            <pc:sldLayoutMk cId="0" sldId="2147483655"/>
-          </pc:sldLayoutMkLst>
-        </pc:sldLayoutChg>
-        <pc:sldLayoutChg chg="del">
-          <pc:chgData name="Leonore Wigger" userId="991f9400-5a01-4e9a-8061-fd7c6f87df97" providerId="ADAL" clId="{BB7F667F-1F46-4DAB-84DD-61E39142F1F9}" dt="2022-06-07T22:09:22.563" v="4" actId="47"/>
-          <pc:sldLayoutMkLst>
-            <pc:docMk/>
-            <pc:sldMasterMk cId="0" sldId="2147483648"/>
-            <pc:sldLayoutMk cId="0" sldId="2147483656"/>
-          </pc:sldLayoutMkLst>
-        </pc:sldLayoutChg>
-        <pc:sldLayoutChg chg="del">
-          <pc:chgData name="Leonore Wigger" userId="991f9400-5a01-4e9a-8061-fd7c6f87df97" providerId="ADAL" clId="{BB7F667F-1F46-4DAB-84DD-61E39142F1F9}" dt="2022-06-07T22:09:22.563" v="4" actId="47"/>
-          <pc:sldLayoutMkLst>
-            <pc:docMk/>
-            <pc:sldMasterMk cId="0" sldId="2147483648"/>
-            <pc:sldLayoutMk cId="0" sldId="2147483657"/>
-          </pc:sldLayoutMkLst>
-        </pc:sldLayoutChg>
-        <pc:sldLayoutChg chg="del">
-          <pc:chgData name="Leonore Wigger" userId="991f9400-5a01-4e9a-8061-fd7c6f87df97" providerId="ADAL" clId="{BB7F667F-1F46-4DAB-84DD-61E39142F1F9}" dt="2022-06-07T22:09:22.563" v="4" actId="47"/>
-          <pc:sldLayoutMkLst>
-            <pc:docMk/>
-            <pc:sldMasterMk cId="0" sldId="2147483648"/>
-            <pc:sldLayoutMk cId="0" sldId="2147483658"/>
-          </pc:sldLayoutMkLst>
-        </pc:sldLayoutChg>
-        <pc:sldLayoutChg chg="del">
-          <pc:chgData name="Leonore Wigger" userId="991f9400-5a01-4e9a-8061-fd7c6f87df97" providerId="ADAL" clId="{BB7F667F-1F46-4DAB-84DD-61E39142F1F9}" dt="2022-06-07T22:09:22.563" v="4" actId="47"/>
-          <pc:sldLayoutMkLst>
-            <pc:docMk/>
-            <pc:sldMasterMk cId="0" sldId="2147483648"/>
-            <pc:sldLayoutMk cId="0" sldId="2147483659"/>
-          </pc:sldLayoutMkLst>
-        </pc:sldLayoutChg>
-        <pc:sldLayoutChg chg="del">
-          <pc:chgData name="Leonore Wigger" userId="991f9400-5a01-4e9a-8061-fd7c6f87df97" providerId="ADAL" clId="{BB7F667F-1F46-4DAB-84DD-61E39142F1F9}" dt="2022-06-07T22:09:22.563" v="4" actId="47"/>
-          <pc:sldLayoutMkLst>
-            <pc:docMk/>
-            <pc:sldMasterMk cId="0" sldId="2147483648"/>
-            <pc:sldLayoutMk cId="0" sldId="2147483660"/>
-          </pc:sldLayoutMkLst>
-        </pc:sldLayoutChg>
-      </pc:sldMasterChg>
-      <pc:sldMasterChg chg="del delSldLayout">
-        <pc:chgData name="Leonore Wigger" userId="991f9400-5a01-4e9a-8061-fd7c6f87df97" providerId="ADAL" clId="{BB7F667F-1F46-4DAB-84DD-61E39142F1F9}" dt="2022-06-07T22:09:21.217" v="1" actId="47"/>
-        <pc:sldMasterMkLst>
-          <pc:docMk/>
-          <pc:sldMasterMk cId="0" sldId="2147483661"/>
-        </pc:sldMasterMkLst>
-        <pc:sldLayoutChg chg="del">
-          <pc:chgData name="Leonore Wigger" userId="991f9400-5a01-4e9a-8061-fd7c6f87df97" providerId="ADAL" clId="{BB7F667F-1F46-4DAB-84DD-61E39142F1F9}" dt="2022-06-07T22:09:21.217" v="1" actId="47"/>
-          <pc:sldLayoutMkLst>
-            <pc:docMk/>
-            <pc:sldMasterMk cId="0" sldId="2147483661"/>
-            <pc:sldLayoutMk cId="0" sldId="2147483662"/>
-          </pc:sldLayoutMkLst>
-        </pc:sldLayoutChg>
-        <pc:sldLayoutChg chg="del">
-          <pc:chgData name="Leonore Wigger" userId="991f9400-5a01-4e9a-8061-fd7c6f87df97" providerId="ADAL" clId="{BB7F667F-1F46-4DAB-84DD-61E39142F1F9}" dt="2022-06-07T22:09:21.217" v="1" actId="47"/>
-          <pc:sldLayoutMkLst>
-            <pc:docMk/>
-            <pc:sldMasterMk cId="0" sldId="2147483661"/>
-            <pc:sldLayoutMk cId="0" sldId="2147483663"/>
-          </pc:sldLayoutMkLst>
-        </pc:sldLayoutChg>
-        <pc:sldLayoutChg chg="del">
-          <pc:chgData name="Leonore Wigger" userId="991f9400-5a01-4e9a-8061-fd7c6f87df97" providerId="ADAL" clId="{BB7F667F-1F46-4DAB-84DD-61E39142F1F9}" dt="2022-06-07T22:09:21.217" v="1" actId="47"/>
-          <pc:sldLayoutMkLst>
-            <pc:docMk/>
-            <pc:sldMasterMk cId="0" sldId="2147483661"/>
-            <pc:sldLayoutMk cId="0" sldId="2147483664"/>
-          </pc:sldLayoutMkLst>
-        </pc:sldLayoutChg>
-        <pc:sldLayoutChg chg="del">
-          <pc:chgData name="Leonore Wigger" userId="991f9400-5a01-4e9a-8061-fd7c6f87df97" providerId="ADAL" clId="{BB7F667F-1F46-4DAB-84DD-61E39142F1F9}" dt="2022-06-07T22:09:21.217" v="1" actId="47"/>
-          <pc:sldLayoutMkLst>
-            <pc:docMk/>
-            <pc:sldMasterMk cId="0" sldId="2147483661"/>
-            <pc:sldLayoutMk cId="0" sldId="2147483665"/>
-          </pc:sldLayoutMkLst>
-        </pc:sldLayoutChg>
-        <pc:sldLayoutChg chg="del">
-          <pc:chgData name="Leonore Wigger" userId="991f9400-5a01-4e9a-8061-fd7c6f87df97" providerId="ADAL" clId="{BB7F667F-1F46-4DAB-84DD-61E39142F1F9}" dt="2022-06-07T22:09:21.217" v="1" actId="47"/>
-          <pc:sldLayoutMkLst>
-            <pc:docMk/>
-            <pc:sldMasterMk cId="0" sldId="2147483661"/>
-            <pc:sldLayoutMk cId="0" sldId="2147483666"/>
-          </pc:sldLayoutMkLst>
-        </pc:sldLayoutChg>
-        <pc:sldLayoutChg chg="del">
-          <pc:chgData name="Leonore Wigger" userId="991f9400-5a01-4e9a-8061-fd7c6f87df97" providerId="ADAL" clId="{BB7F667F-1F46-4DAB-84DD-61E39142F1F9}" dt="2022-06-07T22:09:21.217" v="1" actId="47"/>
-          <pc:sldLayoutMkLst>
-            <pc:docMk/>
-            <pc:sldMasterMk cId="0" sldId="2147483661"/>
-            <pc:sldLayoutMk cId="0" sldId="2147483667"/>
-          </pc:sldLayoutMkLst>
-        </pc:sldLayoutChg>
-        <pc:sldLayoutChg chg="del">
-          <pc:chgData name="Leonore Wigger" userId="991f9400-5a01-4e9a-8061-fd7c6f87df97" providerId="ADAL" clId="{BB7F667F-1F46-4DAB-84DD-61E39142F1F9}" dt="2022-06-07T22:09:21.217" v="1" actId="47"/>
-          <pc:sldLayoutMkLst>
-            <pc:docMk/>
-            <pc:sldMasterMk cId="0" sldId="2147483661"/>
-            <pc:sldLayoutMk cId="0" sldId="2147483668"/>
-          </pc:sldLayoutMkLst>
-        </pc:sldLayoutChg>
-        <pc:sldLayoutChg chg="del">
-          <pc:chgData name="Leonore Wigger" userId="991f9400-5a01-4e9a-8061-fd7c6f87df97" providerId="ADAL" clId="{BB7F667F-1F46-4DAB-84DD-61E39142F1F9}" dt="2022-06-07T22:09:21.217" v="1" actId="47"/>
-          <pc:sldLayoutMkLst>
-            <pc:docMk/>
-            <pc:sldMasterMk cId="0" sldId="2147483661"/>
-            <pc:sldLayoutMk cId="0" sldId="2147483669"/>
-          </pc:sldLayoutMkLst>
-        </pc:sldLayoutChg>
-        <pc:sldLayoutChg chg="del">
-          <pc:chgData name="Leonore Wigger" userId="991f9400-5a01-4e9a-8061-fd7c6f87df97" providerId="ADAL" clId="{BB7F667F-1F46-4DAB-84DD-61E39142F1F9}" dt="2022-06-07T22:09:21.217" v="1" actId="47"/>
-          <pc:sldLayoutMkLst>
-            <pc:docMk/>
-            <pc:sldMasterMk cId="0" sldId="2147483661"/>
-            <pc:sldLayoutMk cId="0" sldId="2147483670"/>
-          </pc:sldLayoutMkLst>
-        </pc:sldLayoutChg>
-        <pc:sldLayoutChg chg="del">
-          <pc:chgData name="Leonore Wigger" userId="991f9400-5a01-4e9a-8061-fd7c6f87df97" providerId="ADAL" clId="{BB7F667F-1F46-4DAB-84DD-61E39142F1F9}" dt="2022-06-07T22:09:21.217" v="1" actId="47"/>
-          <pc:sldLayoutMkLst>
-            <pc:docMk/>
-            <pc:sldMasterMk cId="0" sldId="2147483661"/>
-            <pc:sldLayoutMk cId="0" sldId="2147483671"/>
-          </pc:sldLayoutMkLst>
-        </pc:sldLayoutChg>
-        <pc:sldLayoutChg chg="del">
-          <pc:chgData name="Leonore Wigger" userId="991f9400-5a01-4e9a-8061-fd7c6f87df97" providerId="ADAL" clId="{BB7F667F-1F46-4DAB-84DD-61E39142F1F9}" dt="2022-06-07T22:09:21.217" v="1" actId="47"/>
-          <pc:sldLayoutMkLst>
-            <pc:docMk/>
-            <pc:sldMasterMk cId="0" sldId="2147483661"/>
-            <pc:sldLayoutMk cId="0" sldId="2147483672"/>
-          </pc:sldLayoutMkLst>
-        </pc:sldLayoutChg>
-        <pc:sldLayoutChg chg="del">
-          <pc:chgData name="Leonore Wigger" userId="991f9400-5a01-4e9a-8061-fd7c6f87df97" providerId="ADAL" clId="{BB7F667F-1F46-4DAB-84DD-61E39142F1F9}" dt="2022-06-07T22:09:21.217" v="1" actId="47"/>
-          <pc:sldLayoutMkLst>
-            <pc:docMk/>
-            <pc:sldMasterMk cId="0" sldId="2147483661"/>
-            <pc:sldLayoutMk cId="0" sldId="2147483673"/>
-          </pc:sldLayoutMkLst>
-        </pc:sldLayoutChg>
-      </pc:sldMasterChg>
-    </pc:docChg>
-  </pc:docChgLst>
-</pc:chgInfo>
 </file>
 
 <file path=ppt/notesMasters/notesMaster1.xml><?xml version="1.0" encoding="utf-8"?>
@@ -950,29 +639,13 @@
               <a:rPr lang="en-US" sz="2000" b="0" strike="noStrike" spc="-1" dirty="0">
                 <a:latin typeface="Arial"/>
               </a:rPr>
-              <a:t>In online course:</a:t>
-            </a:r>
-          </a:p>
-          <a:p>
-            <a:r>
-              <a:rPr lang="en-US" sz="2000" b="0" strike="noStrike" spc="-1" dirty="0">
-                <a:latin typeface="Arial"/>
-              </a:rPr>
-              <a:t>Live</a:t>
+              <a:t>Works</a:t>
             </a:r>
             <a:r>
               <a:rPr lang="en-US" sz="2000" b="0" strike="noStrike" spc="-1" baseline="0" dirty="0">
                 <a:latin typeface="Arial"/>
               </a:rPr>
-              <a:t> demo</a:t>
-            </a:r>
-          </a:p>
-          <a:p>
-            <a:r>
-              <a:rPr lang="en-US" sz="2000" b="0" strike="noStrike" spc="-1" baseline="0" dirty="0">
-                <a:latin typeface="Arial"/>
-              </a:rPr>
-              <a:t>make the ex1.R available on a shared google doc so that they can copy it and play with it.</a:t>
+              <a:t> best when demonstrated live and students follow along rather than letting them try it by themselves.</a:t>
             </a:r>
             <a:endParaRPr lang="en-US" sz="2000" b="0" strike="noStrike" spc="-1" dirty="0">
               <a:latin typeface="Arial"/>
@@ -1015,7 +688,7 @@
     </p:spTree>
     <p:extLst>
       <p:ext uri="{BB962C8B-B14F-4D97-AF65-F5344CB8AC3E}">
-        <p14:creationId xmlns:p14="http://schemas.microsoft.com/office/powerpoint/2010/main" val="2592318732"/>
+        <p14:creationId xmlns:p14="http://schemas.microsoft.com/office/powerpoint/2010/main" val="1075411828"/>
       </p:ext>
     </p:extLst>
   </p:cSld>
@@ -1089,21 +762,31 @@
               <a:rPr lang="en-US" sz="2000" b="0" strike="noStrike" spc="-1" dirty="0">
                 <a:latin typeface="Arial"/>
               </a:rPr>
+              <a:t>In online course:</a:t>
+            </a:r>
+          </a:p>
+          <a:p>
+            <a:r>
+              <a:rPr lang="en-US" sz="2000" b="0" strike="noStrike" spc="-1" dirty="0">
+                <a:latin typeface="Arial"/>
+              </a:rPr>
               <a:t>Live</a:t>
             </a:r>
             <a:r>
               <a:rPr lang="en-US" sz="2000" b="0" strike="noStrike" spc="-1" baseline="0" dirty="0">
                 <a:latin typeface="Arial"/>
               </a:rPr>
-              <a:t> demo, they can </a:t>
-            </a:r>
-            <a:r>
-              <a:rPr lang="en-US" sz="2000" b="0" strike="noStrike" spc="-1" baseline="0">
+              <a:t> demo</a:t>
+            </a:r>
+          </a:p>
+          <a:p>
+            <a:r>
+              <a:rPr lang="en-US" sz="2000" b="0" strike="noStrike" spc="-1" baseline="0" dirty="0">
                 <a:latin typeface="Arial"/>
               </a:rPr>
-              <a:t>follow along</a:t>
-            </a:r>
-            <a:endParaRPr lang="en-US" sz="2000" b="0" strike="noStrike" spc="-1">
+              <a:t>make the ex1.R available on a shared google doc so that they can copy it and play with it.</a:t>
+            </a:r>
+            <a:endParaRPr lang="en-US" sz="2000" b="0" strike="noStrike" spc="-1" dirty="0">
               <a:latin typeface="Arial"/>
             </a:endParaRPr>
           </a:p>
@@ -1144,7 +827,7 @@
     </p:spTree>
     <p:extLst>
       <p:ext uri="{BB962C8B-B14F-4D97-AF65-F5344CB8AC3E}">
-        <p14:creationId xmlns:p14="http://schemas.microsoft.com/office/powerpoint/2010/main" val="3735930532"/>
+        <p14:creationId xmlns:p14="http://schemas.microsoft.com/office/powerpoint/2010/main" val="2592318732"/>
       </p:ext>
     </p:extLst>
   </p:cSld>
@@ -1173,7 +856,7 @@
       </p:grpSpPr>
       <p:sp>
         <p:nvSpPr>
-          <p:cNvPr id="1131" name="PlaceHolder 1"/>
+          <p:cNvPr id="224" name="PlaceHolder 1"/>
           <p:cNvSpPr>
             <a:spLocks noGrp="1" noRot="1" noChangeAspect="1"/>
           </p:cNvSpPr>
@@ -1183,17 +866,17 @@
         </p:nvSpPr>
         <p:spPr>
           <a:xfrm>
-            <a:off x="1143000" y="685800"/>
-            <a:ext cx="4567238" cy="3424238"/>
-          </a:xfrm>
-          <a:prstGeom prst="rect">
-            <a:avLst/>
-          </a:prstGeom>
-        </p:spPr>
-      </p:sp>
-      <p:sp>
-        <p:nvSpPr>
-          <p:cNvPr id="1132" name="PlaceHolder 2"/>
+            <a:off x="1106488" y="696913"/>
+            <a:ext cx="4641850" cy="3482975"/>
+          </a:xfrm>
+          <a:prstGeom prst="rect">
+            <a:avLst/>
+          </a:prstGeom>
+        </p:spPr>
+      </p:sp>
+      <p:sp>
+        <p:nvSpPr>
+          <p:cNvPr id="225" name="PlaceHolder 2"/>
           <p:cNvSpPr>
             <a:spLocks noGrp="1"/>
           </p:cNvSpPr>
@@ -1203,8 +886,8 @@
         </p:nvSpPr>
         <p:spPr>
           <a:xfrm>
-            <a:off x="685800" y="4343400"/>
-            <a:ext cx="5481360" cy="4109760"/>
+            <a:off x="685800" y="4415790"/>
+            <a:ext cx="5482800" cy="4179720"/>
           </a:xfrm>
           <a:prstGeom prst="rect">
             <a:avLst/>
@@ -1214,30 +897,40 @@
           <a:bodyPr lIns="0" tIns="0" rIns="0" bIns="0"/>
           <a:lstStyle/>
           <a:p>
-            <a:pPr marL="216000" indent="-211320">
-              <a:lnSpc>
-                <a:spcPct val="100000"/>
-              </a:lnSpc>
-            </a:pPr>
-            <a:r>
-              <a:rPr lang="en-US" sz="2000" b="0" strike="noStrike" spc="-1">
+            <a:r>
+              <a:rPr lang="en-US" sz="2000" b="0" strike="noStrike" spc="-1" dirty="0">
                 <a:latin typeface="Arial"/>
               </a:rPr>
-              <a:t>Don't forget to say that comments have to be added in front of the install.packages,  library, save.image, load otherwise the compilation won't work. </a:t>
-            </a:r>
-          </a:p>
-        </p:txBody>
-      </p:sp>
-      <p:sp>
-        <p:nvSpPr>
-          <p:cNvPr id="1133" name="CustomShape 3"/>
+              <a:t>Live</a:t>
+            </a:r>
+            <a:r>
+              <a:rPr lang="en-US" sz="2000" b="0" strike="noStrike" spc="-1" baseline="0" dirty="0">
+                <a:latin typeface="Arial"/>
+              </a:rPr>
+              <a:t> demo, they can </a:t>
+            </a:r>
+            <a:r>
+              <a:rPr lang="en-US" sz="2000" b="0" strike="noStrike" spc="-1" baseline="0">
+                <a:latin typeface="Arial"/>
+              </a:rPr>
+              <a:t>follow along</a:t>
+            </a:r>
+            <a:endParaRPr lang="en-US" sz="2000" b="0" strike="noStrike" spc="-1">
+              <a:latin typeface="Arial"/>
+            </a:endParaRPr>
+          </a:p>
+        </p:txBody>
+      </p:sp>
+      <p:sp>
+        <p:nvSpPr>
+          <p:cNvPr id="226" name="CustomShape 3"/>
           <p:cNvSpPr/>
           <p:nvPr/>
         </p:nvSpPr>
         <p:spPr>
           <a:xfrm>
-            <a:off x="3884760" y="8685360"/>
-            <a:ext cx="2966760" cy="452160"/>
+            <a:off x="3884760" y="8830116"/>
+            <a:ext cx="2968200" cy="461160"/>
           </a:xfrm>
           <a:prstGeom prst="rect">
             <a:avLst/>
@@ -1263,7 +956,7 @@
     </p:spTree>
     <p:extLst>
       <p:ext uri="{BB962C8B-B14F-4D97-AF65-F5344CB8AC3E}">
-        <p14:creationId xmlns:p14="http://schemas.microsoft.com/office/powerpoint/2010/main" val="1074972060"/>
+        <p14:creationId xmlns:p14="http://schemas.microsoft.com/office/powerpoint/2010/main" val="3735930532"/>
       </p:ext>
     </p:extLst>
   </p:cSld>
@@ -1292,7 +985,7 @@
       </p:grpSpPr>
       <p:sp>
         <p:nvSpPr>
-          <p:cNvPr id="1161" name="PlaceHolder 1"/>
+          <p:cNvPr id="1131" name="PlaceHolder 1"/>
           <p:cNvSpPr>
             <a:spLocks noGrp="1" noRot="1" noChangeAspect="1"/>
           </p:cNvSpPr>
@@ -1312,7 +1005,7 @@
       </p:sp>
       <p:sp>
         <p:nvSpPr>
-          <p:cNvPr id="1162" name="PlaceHolder 2"/>
+          <p:cNvPr id="1132" name="PlaceHolder 2"/>
           <p:cNvSpPr>
             <a:spLocks noGrp="1"/>
           </p:cNvSpPr>
@@ -1349,7 +1042,7 @@
       </p:sp>
       <p:sp>
         <p:nvSpPr>
-          <p:cNvPr id="1163" name="CustomShape 3"/>
+          <p:cNvPr id="1133" name="CustomShape 3"/>
           <p:cNvSpPr/>
           <p:nvPr/>
         </p:nvSpPr>
@@ -1382,7 +1075,7 @@
     </p:spTree>
     <p:extLst>
       <p:ext uri="{BB962C8B-B14F-4D97-AF65-F5344CB8AC3E}">
-        <p14:creationId xmlns:p14="http://schemas.microsoft.com/office/powerpoint/2010/main" val="1934472794"/>
+        <p14:creationId xmlns:p14="http://schemas.microsoft.com/office/powerpoint/2010/main" val="1074972060"/>
       </p:ext>
     </p:extLst>
   </p:cSld>
@@ -1411,7 +1104,7 @@
       </p:grpSpPr>
       <p:sp>
         <p:nvSpPr>
-          <p:cNvPr id="1200" name="PlaceHolder 1"/>
+          <p:cNvPr id="1161" name="PlaceHolder 1"/>
           <p:cNvSpPr>
             <a:spLocks noGrp="1" noRot="1" noChangeAspect="1"/>
           </p:cNvSpPr>
@@ -1431,7 +1124,7 @@
       </p:sp>
       <p:sp>
         <p:nvSpPr>
-          <p:cNvPr id="1201" name="PlaceHolder 2"/>
+          <p:cNvPr id="1162" name="PlaceHolder 2"/>
           <p:cNvSpPr>
             <a:spLocks noGrp="1"/>
           </p:cNvSpPr>
@@ -1442,7 +1135,7 @@
         <p:spPr>
           <a:xfrm>
             <a:off x="685800" y="4343400"/>
-            <a:ext cx="5481000" cy="4109400"/>
+            <a:ext cx="5481360" cy="4109760"/>
           </a:xfrm>
           <a:prstGeom prst="rect">
             <a:avLst/>
@@ -1452,7 +1145,7 @@
           <a:bodyPr lIns="0" tIns="0" rIns="0" bIns="0"/>
           <a:lstStyle/>
           <a:p>
-            <a:pPr marL="216000" indent="-210960">
+            <a:pPr marL="216000" indent="-211320">
               <a:lnSpc>
                 <a:spcPct val="100000"/>
               </a:lnSpc>
@@ -1468,14 +1161,14 @@
       </p:sp>
       <p:sp>
         <p:nvSpPr>
-          <p:cNvPr id="1202" name="CustomShape 3"/>
+          <p:cNvPr id="1163" name="CustomShape 3"/>
           <p:cNvSpPr/>
           <p:nvPr/>
         </p:nvSpPr>
         <p:spPr>
           <a:xfrm>
             <a:off x="3884760" y="8685360"/>
-            <a:ext cx="2966400" cy="451800"/>
+            <a:ext cx="2966760" cy="452160"/>
           </a:xfrm>
           <a:prstGeom prst="rect">
             <a:avLst/>
@@ -1501,7 +1194,7 @@
     </p:spTree>
     <p:extLst>
       <p:ext uri="{BB962C8B-B14F-4D97-AF65-F5344CB8AC3E}">
-        <p14:creationId xmlns:p14="http://schemas.microsoft.com/office/powerpoint/2010/main" val="2953747599"/>
+        <p14:creationId xmlns:p14="http://schemas.microsoft.com/office/powerpoint/2010/main" val="1934472794"/>
       </p:ext>
     </p:extLst>
   </p:cSld>
@@ -1530,6 +1223,125 @@
       </p:grpSpPr>
       <p:sp>
         <p:nvSpPr>
+          <p:cNvPr id="1200" name="PlaceHolder 1"/>
+          <p:cNvSpPr>
+            <a:spLocks noGrp="1" noRot="1" noChangeAspect="1"/>
+          </p:cNvSpPr>
+          <p:nvPr>
+            <p:ph type="sldImg"/>
+          </p:nvPr>
+        </p:nvSpPr>
+        <p:spPr>
+          <a:xfrm>
+            <a:off x="1143000" y="685800"/>
+            <a:ext cx="4567238" cy="3424238"/>
+          </a:xfrm>
+          <a:prstGeom prst="rect">
+            <a:avLst/>
+          </a:prstGeom>
+        </p:spPr>
+      </p:sp>
+      <p:sp>
+        <p:nvSpPr>
+          <p:cNvPr id="1201" name="PlaceHolder 2"/>
+          <p:cNvSpPr>
+            <a:spLocks noGrp="1"/>
+          </p:cNvSpPr>
+          <p:nvPr>
+            <p:ph type="body"/>
+          </p:nvPr>
+        </p:nvSpPr>
+        <p:spPr>
+          <a:xfrm>
+            <a:off x="685800" y="4343400"/>
+            <a:ext cx="5481000" cy="4109400"/>
+          </a:xfrm>
+          <a:prstGeom prst="rect">
+            <a:avLst/>
+          </a:prstGeom>
+        </p:spPr>
+        <p:txBody>
+          <a:bodyPr lIns="0" tIns="0" rIns="0" bIns="0"/>
+          <a:lstStyle/>
+          <a:p>
+            <a:pPr marL="216000" indent="-210960">
+              <a:lnSpc>
+                <a:spcPct val="100000"/>
+              </a:lnSpc>
+            </a:pPr>
+            <a:r>
+              <a:rPr lang="en-US" sz="2000" b="0" strike="noStrike" spc="-1">
+                <a:latin typeface="Arial"/>
+              </a:rPr>
+              <a:t>Don't forget to say that comments have to be added in front of the install.packages,  library, save.image, load otherwise the compilation won't work. </a:t>
+            </a:r>
+          </a:p>
+        </p:txBody>
+      </p:sp>
+      <p:sp>
+        <p:nvSpPr>
+          <p:cNvPr id="1202" name="CustomShape 3"/>
+          <p:cNvSpPr/>
+          <p:nvPr/>
+        </p:nvSpPr>
+        <p:spPr>
+          <a:xfrm>
+            <a:off x="3884760" y="8685360"/>
+            <a:ext cx="2966400" cy="451800"/>
+          </a:xfrm>
+          <a:prstGeom prst="rect">
+            <a:avLst/>
+          </a:prstGeom>
+          <a:noFill/>
+          <a:ln>
+            <a:noFill/>
+          </a:ln>
+        </p:spPr>
+        <p:style>
+          <a:lnRef idx="0">
+            <a:scrgbClr r="0" g="0" b="0"/>
+          </a:lnRef>
+          <a:fillRef idx="0">
+            <a:scrgbClr r="0" g="0" b="0"/>
+          </a:fillRef>
+          <a:effectRef idx="0">
+            <a:scrgbClr r="0" g="0" b="0"/>
+          </a:effectRef>
+          <a:fontRef idx="minor"/>
+        </p:style>
+      </p:sp>
+    </p:spTree>
+    <p:extLst>
+      <p:ext uri="{BB962C8B-B14F-4D97-AF65-F5344CB8AC3E}">
+        <p14:creationId xmlns:p14="http://schemas.microsoft.com/office/powerpoint/2010/main" val="2953747599"/>
+      </p:ext>
+    </p:extLst>
+  </p:cSld>
+  <p:clrMapOvr>
+    <a:masterClrMapping/>
+  </p:clrMapOvr>
+</p:notes>
+</file>
+
+<file path=ppt/notesSlides/notesSlide8.xml><?xml version="1.0" encoding="utf-8"?>
+<p:notes xmlns:a="http://schemas.openxmlformats.org/drawingml/2006/main" xmlns:r="http://schemas.openxmlformats.org/officeDocument/2006/relationships" xmlns:p="http://schemas.openxmlformats.org/presentationml/2006/main">
+  <p:cSld>
+    <p:spTree>
+      <p:nvGrpSpPr>
+        <p:cNvPr id="1" name=""/>
+        <p:cNvGrpSpPr/>
+        <p:nvPr/>
+      </p:nvGrpSpPr>
+      <p:grpSpPr>
+        <a:xfrm>
+          <a:off x="0" y="0"/>
+          <a:ext cx="0" cy="0"/>
+          <a:chOff x="0" y="0"/>
+          <a:chExt cx="0" cy="0"/>
+        </a:xfrm>
+      </p:grpSpPr>
+      <p:sp>
+        <p:nvSpPr>
           <p:cNvPr id="233" name="PlaceHolder 1"/>
           <p:cNvSpPr>
             <a:spLocks noGrp="1" noRot="1" noChangeAspect="1"/>
@@ -1633,7 +1445,7 @@
 </p:notes>
 </file>
 
-<file path=ppt/notesSlides/notesSlide8.xml><?xml version="1.0" encoding="utf-8"?>
+<file path=ppt/notesSlides/notesSlide9.xml><?xml version="1.0" encoding="utf-8"?>
 <p:notes xmlns:a="http://schemas.openxmlformats.org/drawingml/2006/main" xmlns:r="http://schemas.openxmlformats.org/officeDocument/2006/relationships" xmlns:p="http://schemas.openxmlformats.org/presentationml/2006/main">
   <p:cSld>
     <p:spTree>
@@ -7745,7 +7557,7 @@
 </file>
 
 <file path=ppt/slides/slide1.xml><?xml version="1.0" encoding="utf-8"?>
-<p:sld xmlns:a="http://schemas.openxmlformats.org/drawingml/2006/main" xmlns:r="http://schemas.openxmlformats.org/officeDocument/2006/relationships" xmlns:p="http://schemas.openxmlformats.org/presentationml/2006/main">
+<p:sld xmlns:a="http://schemas.openxmlformats.org/drawingml/2006/main" xmlns:r="http://schemas.openxmlformats.org/officeDocument/2006/relationships" xmlns:p="http://schemas.openxmlformats.org/presentationml/2006/main" show="0">
   <p:cSld>
     <p:spTree>
       <p:nvGrpSpPr>
@@ -8229,20 +8041,20 @@
       </p:grpSpPr>
       <p:sp>
         <p:nvSpPr>
-          <p:cNvPr id="198" name="CustomShape 1"/>
+          <p:cNvPr id="199" name="CustomShape 2"/>
           <p:cNvSpPr/>
           <p:nvPr/>
         </p:nvSpPr>
         <p:spPr>
           <a:xfrm>
-            <a:off x="258480" y="216720"/>
-            <a:ext cx="8636760" cy="6378480"/>
+            <a:off x="393480" y="938160"/>
+            <a:ext cx="8470440" cy="5564240"/>
           </a:xfrm>
           <a:prstGeom prst="rect">
             <a:avLst/>
           </a:prstGeom>
           <a:noFill/>
-          <a:ln w="25560">
+          <a:ln>
             <a:noFill/>
           </a:ln>
         </p:spPr>
@@ -8258,17 +8070,415 @@
           </a:effectRef>
           <a:fontRef idx="minor"/>
         </p:style>
-      </p:sp>
-      <p:sp>
-        <p:nvSpPr>
-          <p:cNvPr id="199" name="CustomShape 2"/>
+        <p:txBody>
+          <a:bodyPr lIns="0" tIns="0" rIns="0" bIns="0" anchor="t"/>
+          <a:lstStyle/>
+          <a:p>
+            <a:pPr marL="3175">
+              <a:spcAft>
+                <a:spcPts val="600"/>
+              </a:spcAft>
+              <a:buClr>
+                <a:srgbClr val="262626"/>
+              </a:buClr>
+            </a:pPr>
+            <a:r>
+              <a:rPr lang="en-US" sz="2000" b="1" spc="-1" dirty="0">
+                <a:solidFill>
+                  <a:srgbClr val="262626"/>
+                </a:solidFill>
+                <a:latin typeface="Calibri"/>
+                <a:ea typeface="Noto Sans CJK SC"/>
+              </a:rPr>
+              <a:t>1) Outside </a:t>
+            </a:r>
+            <a:r>
+              <a:rPr lang="en-US" sz="2000" b="1" spc="-1" dirty="0" err="1">
+                <a:solidFill>
+                  <a:srgbClr val="262626"/>
+                </a:solidFill>
+                <a:latin typeface="Calibri"/>
+                <a:ea typeface="Noto Sans CJK SC"/>
+              </a:rPr>
+              <a:t>Rstudio</a:t>
+            </a:r>
+            <a:r>
+              <a:rPr lang="en-US" sz="2000" b="1" spc="-1" dirty="0">
+                <a:solidFill>
+                  <a:srgbClr val="262626"/>
+                </a:solidFill>
+                <a:latin typeface="Calibri"/>
+                <a:ea typeface="Noto Sans CJK SC"/>
+              </a:rPr>
+              <a:t>: Prepare course data for exercises</a:t>
+            </a:r>
+            <a:endParaRPr lang="de-CH" sz="2000" b="1" spc="-1" dirty="0">
+              <a:solidFill>
+                <a:srgbClr val="262626"/>
+              </a:solidFill>
+              <a:latin typeface="Calibri"/>
+              <a:ea typeface="Noto Sans CJK SC"/>
+            </a:endParaRPr>
+          </a:p>
+          <a:p>
+            <a:pPr marL="342900" indent="-342900">
+              <a:spcAft>
+                <a:spcPts val="600"/>
+              </a:spcAft>
+              <a:buFont typeface="Arial" panose="020B0604020202020204" pitchFamily="34" charset="0"/>
+              <a:buChar char="•"/>
+            </a:pPr>
+            <a:r>
+              <a:rPr lang="en-US" sz="2000" spc="-1" dirty="0">
+                <a:solidFill>
+                  <a:srgbClr val="262626"/>
+                </a:solidFill>
+                <a:latin typeface="Calibri"/>
+                <a:ea typeface="Noto Sans CJK SC"/>
+              </a:rPr>
+              <a:t>Download the course material from : </a:t>
+            </a:r>
+          </a:p>
+          <a:p>
+            <a:pPr lvl="1">
+              <a:spcAft>
+                <a:spcPts val="600"/>
+              </a:spcAft>
+            </a:pPr>
+            <a:r>
+              <a:rPr lang="en-US" sz="2000" spc="-1" dirty="0">
+                <a:ea typeface="+mn-lt"/>
+                <a:cs typeface="+mn-lt"/>
+                <a:hlinkClick r:id="rId3"/>
+              </a:rPr>
+              <a:t>https://github.com/sib-swiss/first-steps-with-R-training</a:t>
+            </a:r>
+          </a:p>
+          <a:p>
+            <a:pPr lvl="1">
+              <a:spcAft>
+                <a:spcPts val="600"/>
+              </a:spcAft>
+            </a:pPr>
+            <a:r>
+              <a:rPr lang="en-US" sz="2000" spc="-1" dirty="0">
+                <a:solidFill>
+                  <a:srgbClr val="000000"/>
+                </a:solidFill>
+                <a:latin typeface="Arial"/>
+                <a:ea typeface="Noto Sans CJK SC"/>
+                <a:cs typeface="Arial"/>
+              </a:rPr>
+              <a:t>Either use </a:t>
+            </a:r>
+            <a:r>
+              <a:rPr lang="en-US" sz="2000" i="1" spc="-1" dirty="0">
+                <a:solidFill>
+                  <a:srgbClr val="000000"/>
+                </a:solidFill>
+                <a:latin typeface="Arial"/>
+                <a:ea typeface="Noto Sans CJK SC"/>
+                <a:cs typeface="Arial"/>
+              </a:rPr>
+              <a:t>git clone </a:t>
+            </a:r>
+            <a:r>
+              <a:rPr lang="en-US" sz="2000" spc="-1" dirty="0">
+                <a:solidFill>
+                  <a:srgbClr val="000000"/>
+                </a:solidFill>
+                <a:latin typeface="Arial"/>
+                <a:ea typeface="Noto Sans CJK SC"/>
+                <a:cs typeface="Arial"/>
+              </a:rPr>
+              <a:t>if you know how</a:t>
+            </a:r>
+          </a:p>
+          <a:p>
+            <a:pPr lvl="1">
+              <a:spcAft>
+                <a:spcPts val="600"/>
+              </a:spcAft>
+            </a:pPr>
+            <a:r>
+              <a:rPr lang="en-US" sz="2000" spc="-1" dirty="0">
+                <a:solidFill>
+                  <a:srgbClr val="000000"/>
+                </a:solidFill>
+                <a:latin typeface="Arial"/>
+                <a:ea typeface="Noto Sans CJK SC"/>
+                <a:cs typeface="Arial"/>
+              </a:rPr>
+              <a:t>OR click </a:t>
+            </a:r>
+            <a:r>
+              <a:rPr lang="en-US" sz="2000" b="1" spc="-1" dirty="0">
+                <a:solidFill>
+                  <a:srgbClr val="000000"/>
+                </a:solidFill>
+                <a:latin typeface="Arial"/>
+                <a:ea typeface="Noto Sans CJK SC"/>
+                <a:cs typeface="Arial"/>
+              </a:rPr>
+              <a:t>Download ZIP</a:t>
+            </a:r>
+          </a:p>
+          <a:p>
+            <a:pPr lvl="1">
+              <a:spcAft>
+                <a:spcPts val="600"/>
+              </a:spcAft>
+            </a:pPr>
+            <a:r>
+              <a:rPr lang="en-US" sz="2000" spc="-1" dirty="0">
+                <a:solidFill>
+                  <a:srgbClr val="000000"/>
+                </a:solidFill>
+                <a:latin typeface="Arial"/>
+                <a:ea typeface="Noto Sans CJK SC"/>
+                <a:cs typeface="Arial"/>
+              </a:rPr>
+              <a:t>       </a:t>
+            </a:r>
+          </a:p>
+          <a:p>
+            <a:pPr lvl="1">
+              <a:spcAft>
+                <a:spcPts val="600"/>
+              </a:spcAft>
+            </a:pPr>
+            <a:endParaRPr lang="en-US" sz="2000" spc="-1" dirty="0">
+              <a:solidFill>
+                <a:srgbClr val="000000"/>
+              </a:solidFill>
+              <a:latin typeface="Arial"/>
+              <a:ea typeface="Noto Sans CJK SC"/>
+              <a:cs typeface="Arial"/>
+            </a:endParaRPr>
+          </a:p>
+          <a:p>
+            <a:pPr lvl="1">
+              <a:spcAft>
+                <a:spcPts val="600"/>
+              </a:spcAft>
+            </a:pPr>
+            <a:endParaRPr lang="en-US" sz="2000" spc="-1" dirty="0">
+              <a:solidFill>
+                <a:srgbClr val="000000"/>
+              </a:solidFill>
+              <a:latin typeface="Arial"/>
+              <a:ea typeface="Noto Sans CJK SC"/>
+              <a:cs typeface="Arial"/>
+            </a:endParaRPr>
+          </a:p>
+          <a:p>
+            <a:pPr lvl="1">
+              <a:spcAft>
+                <a:spcPts val="600"/>
+              </a:spcAft>
+            </a:pPr>
+            <a:endParaRPr lang="en-US" sz="2000" spc="-1" dirty="0">
+              <a:solidFill>
+                <a:srgbClr val="000000"/>
+              </a:solidFill>
+              <a:latin typeface="Arial"/>
+              <a:ea typeface="Noto Sans CJK SC"/>
+              <a:cs typeface="Arial"/>
+            </a:endParaRPr>
+          </a:p>
+          <a:p>
+            <a:pPr lvl="1">
+              <a:spcAft>
+                <a:spcPts val="600"/>
+              </a:spcAft>
+            </a:pPr>
+            <a:endParaRPr lang="en-US" sz="2000" spc="-1" dirty="0">
+              <a:solidFill>
+                <a:srgbClr val="000000"/>
+              </a:solidFill>
+              <a:latin typeface="Arial"/>
+              <a:ea typeface="Noto Sans CJK SC"/>
+              <a:cs typeface="Arial"/>
+            </a:endParaRPr>
+          </a:p>
+          <a:p>
+            <a:pPr lvl="1">
+              <a:spcAft>
+                <a:spcPts val="600"/>
+              </a:spcAft>
+            </a:pPr>
+            <a:endParaRPr lang="en-US" sz="2000" spc="-1" dirty="0">
+              <a:solidFill>
+                <a:srgbClr val="000000"/>
+              </a:solidFill>
+              <a:latin typeface="Arial"/>
+              <a:ea typeface="Noto Sans CJK SC"/>
+              <a:cs typeface="Arial"/>
+            </a:endParaRPr>
+          </a:p>
+          <a:p>
+            <a:pPr lvl="1">
+              <a:spcAft>
+                <a:spcPts val="600"/>
+              </a:spcAft>
+            </a:pPr>
+            <a:r>
+              <a:rPr lang="en-US" sz="2000" spc="-1" dirty="0">
+                <a:solidFill>
+                  <a:srgbClr val="000000"/>
+                </a:solidFill>
+                <a:latin typeface="Arial"/>
+                <a:ea typeface="Noto Sans CJK SC"/>
+                <a:cs typeface="Arial"/>
+              </a:rPr>
+              <a:t>and </a:t>
+            </a:r>
+            <a:r>
+              <a:rPr lang="en-US" sz="2000" b="1" spc="-1" dirty="0">
+                <a:solidFill>
+                  <a:srgbClr val="000000"/>
+                </a:solidFill>
+                <a:latin typeface="Arial"/>
+                <a:ea typeface="Noto Sans CJK SC"/>
+                <a:cs typeface="Arial"/>
+              </a:rPr>
+              <a:t>unzip</a:t>
+            </a:r>
+            <a:r>
+              <a:rPr lang="en-US" sz="2000" spc="-1" dirty="0">
+                <a:solidFill>
+                  <a:srgbClr val="000000"/>
+                </a:solidFill>
+                <a:latin typeface="Arial"/>
+                <a:ea typeface="Noto Sans CJK SC"/>
+                <a:cs typeface="Arial"/>
+              </a:rPr>
+              <a:t>(optional) move folder where</a:t>
+            </a:r>
+            <a:r>
+              <a:rPr lang="en-US" sz="2000" spc="-1" dirty="0">
+                <a:solidFill>
+                  <a:srgbClr val="000000"/>
+                </a:solidFill>
+                <a:latin typeface="Arial"/>
+                <a:ea typeface="+mn-lt"/>
+                <a:cs typeface="+mn-lt"/>
+              </a:rPr>
+              <a:t> you want it </a:t>
+            </a:r>
+            <a:endParaRPr lang="en-US">
+              <a:solidFill>
+                <a:srgbClr val="000000"/>
+              </a:solidFill>
+              <a:latin typeface="Arial"/>
+              <a:ea typeface="+mn-lt"/>
+              <a:cs typeface="+mn-lt"/>
+            </a:endParaRPr>
+          </a:p>
+          <a:p>
+            <a:pPr marL="3175" lvl="1">
+              <a:spcAft>
+                <a:spcPts val="600"/>
+              </a:spcAft>
+            </a:pPr>
+            <a:r>
+              <a:rPr lang="de-CH" sz="2000" b="1" spc="-1" dirty="0">
+                <a:solidFill>
+                  <a:srgbClr val="262626"/>
+                </a:solidFill>
+                <a:ea typeface="+mn-lt"/>
+                <a:cs typeface="+mn-lt"/>
+              </a:rPr>
+              <a:t>2) Inside </a:t>
+            </a:r>
+            <a:r>
+              <a:rPr lang="de-CH" sz="2000" b="1" spc="-1" dirty="0" err="1">
+                <a:solidFill>
+                  <a:srgbClr val="262626"/>
+                </a:solidFill>
+                <a:ea typeface="+mn-lt"/>
+                <a:cs typeface="+mn-lt"/>
+              </a:rPr>
+              <a:t>Rstudio</a:t>
+            </a:r>
+            <a:r>
+              <a:rPr lang="de-CH" sz="2000" b="1" spc="-1" dirty="0">
+                <a:solidFill>
+                  <a:srgbClr val="262626"/>
+                </a:solidFill>
+                <a:ea typeface="+mn-lt"/>
+                <a:cs typeface="+mn-lt"/>
+              </a:rPr>
+              <a:t>: Project </a:t>
+            </a:r>
+            <a:r>
+              <a:rPr lang="de-CH" sz="2000" b="1" spc="-1" dirty="0" err="1">
+                <a:solidFill>
+                  <a:srgbClr val="262626"/>
+                </a:solidFill>
+                <a:ea typeface="+mn-lt"/>
+                <a:cs typeface="+mn-lt"/>
+              </a:rPr>
+              <a:t>set-up</a:t>
+            </a:r>
+            <a:endParaRPr lang="en-US" sz="2000" spc="-1">
+              <a:ea typeface="+mn-lt"/>
+              <a:cs typeface="+mn-lt"/>
+            </a:endParaRPr>
+          </a:p>
+          <a:p>
+            <a:pPr marL="3175" lvl="1">
+              <a:spcAft>
+                <a:spcPts val="600"/>
+              </a:spcAft>
+            </a:pPr>
+            <a:r>
+              <a:rPr lang="en-US" sz="2000" spc="-1" dirty="0">
+                <a:solidFill>
+                  <a:srgbClr val="262626"/>
+                </a:solidFill>
+                <a:ea typeface="+mn-lt"/>
+                <a:cs typeface="+mn-lt"/>
+              </a:rPr>
+              <a:t>In RStudio, create a new project in an existing directory, and set it as the </a:t>
+            </a:r>
+            <a:endParaRPr lang="en-US" sz="2000" spc="-1" dirty="0">
+              <a:solidFill>
+                <a:srgbClr val="000000"/>
+              </a:solidFill>
+              <a:ea typeface="+mn-lt"/>
+              <a:cs typeface="+mn-lt"/>
+            </a:endParaRPr>
+          </a:p>
+          <a:p>
+            <a:pPr marL="3175" lvl="1">
+              <a:spcAft>
+                <a:spcPts val="600"/>
+              </a:spcAft>
+            </a:pPr>
+            <a:r>
+              <a:rPr lang="en-US" sz="2000" spc="-1" dirty="0">
+                <a:solidFill>
+                  <a:srgbClr val="262626"/>
+                </a:solidFill>
+                <a:ea typeface="+mn-lt"/>
+                <a:cs typeface="+mn-lt"/>
+              </a:rPr>
+              <a:t>folder of the course material you just recovered.</a:t>
+            </a:r>
+          </a:p>
+        </p:txBody>
+      </p:sp>
+      <p:sp>
+        <p:nvSpPr>
+          <p:cNvPr id="200" name="CustomShape 3"/>
           <p:cNvSpPr/>
           <p:nvPr/>
         </p:nvSpPr>
         <p:spPr>
           <a:xfrm>
-            <a:off x="341640" y="892943"/>
-            <a:ext cx="8470440" cy="1729136"/>
+            <a:off x="258480" y="216720"/>
+            <a:ext cx="7939440" cy="605880"/>
           </a:xfrm>
           <a:prstGeom prst="rect">
             <a:avLst/>
@@ -8291,920 +8501,65 @@
           <a:fontRef idx="minor"/>
         </p:style>
         <p:txBody>
-          <a:bodyPr lIns="0" tIns="0" rIns="0" bIns="0"/>
-          <a:lstStyle/>
-          <a:p>
-            <a:pPr marL="0" marR="0" lvl="0" indent="0" algn="l" defTabSz="914400" rtl="0" eaLnBrk="1" fontAlgn="auto" latinLnBrk="0" hangingPunct="1">
+          <a:bodyPr lIns="144000" tIns="0" rIns="0" bIns="0" anchor="b"/>
+          <a:lstStyle/>
+          <a:p>
+            <a:pPr>
               <a:lnSpc>
-                <a:spcPct val="100000"/>
+                <a:spcPct val="90000"/>
               </a:lnSpc>
-              <a:spcBef>
-                <a:spcPts val="0"/>
-              </a:spcBef>
-              <a:spcAft>
-                <a:spcPts val="600"/>
-              </a:spcAft>
-              <a:buClrTx/>
-              <a:buSzTx/>
-              <a:buFontTx/>
-              <a:buNone/>
-              <a:tabLst/>
-              <a:defRPr/>
             </a:pPr>
             <a:r>
-              <a:rPr kumimoji="0" lang="en-US" sz="2000" b="1" i="0" u="none" strike="noStrike" kern="1200" cap="none" spc="-1" normalizeH="0" baseline="0" noProof="0" dirty="0">
-                <a:ln>
-                  <a:noFill/>
-                </a:ln>
-                <a:solidFill>
-                  <a:srgbClr val="262626"/>
-                </a:solidFill>
-                <a:effectLst/>
-                <a:uLnTx/>
-                <a:uFillTx/>
-                <a:latin typeface="Calibri"/>
-              </a:rPr>
-              <a:t>1) Prepare your first script</a:t>
-            </a:r>
-          </a:p>
-          <a:p>
-            <a:pPr marL="914400" marR="0" lvl="1" indent="-457200" algn="l" defTabSz="914400" rtl="0" eaLnBrk="1" fontAlgn="auto" latinLnBrk="0" hangingPunct="1">
-              <a:lnSpc>
-                <a:spcPct val="100000"/>
-              </a:lnSpc>
-              <a:spcBef>
-                <a:spcPts val="0"/>
-              </a:spcBef>
-              <a:spcAft>
-                <a:spcPts val="0"/>
-              </a:spcAft>
-              <a:buClrTx/>
-              <a:buSzTx/>
-              <a:buFont typeface="Arial" panose="020B0604020202020204" pitchFamily="34" charset="0"/>
-              <a:buChar char="•"/>
-              <a:tabLst/>
-              <a:defRPr/>
-            </a:pPr>
-            <a:r>
-              <a:rPr kumimoji="0" lang="en-US" sz="2000" b="0" i="0" u="none" strike="noStrike" kern="1200" cap="none" spc="-1" normalizeH="0" baseline="0" noProof="0" dirty="0">
-                <a:ln>
-                  <a:noFill/>
-                </a:ln>
-                <a:solidFill>
-                  <a:prstClr val="black"/>
-                </a:solidFill>
-                <a:effectLst/>
-                <a:uLnTx/>
-                <a:uFillTx/>
-                <a:latin typeface="Calibri" panose="020F0502020204030204" pitchFamily="34" charset="0"/>
-              </a:rPr>
-              <a:t>Open a script file and s</a:t>
-            </a:r>
-            <a:r>
-              <a:rPr kumimoji="0" lang="en-US" sz="2000" b="0" i="0" u="none" strike="noStrike" kern="1200" cap="none" spc="-1" normalizeH="0" baseline="0" noProof="0" dirty="0">
-                <a:ln>
-                  <a:noFill/>
-                </a:ln>
-                <a:solidFill>
-                  <a:srgbClr val="262626"/>
-                </a:solidFill>
-                <a:effectLst/>
-                <a:uLnTx/>
-                <a:uFillTx/>
-                <a:latin typeface="Calibri"/>
-              </a:rPr>
-              <a:t>ave it with file name "</a:t>
-            </a:r>
-            <a:r>
-              <a:rPr kumimoji="0" lang="en-US" sz="1800" b="0" i="0" u="none" strike="noStrike" kern="1200" cap="none" spc="0" normalizeH="0" baseline="0" noProof="0" dirty="0">
-                <a:ln>
-                  <a:noFill/>
-                </a:ln>
+              <a:rPr lang="en-US" sz="4000" spc="-1" dirty="0">
                 <a:solidFill>
                   <a:srgbClr val="4F81BD"/>
                 </a:solidFill>
-                <a:effectLst/>
-                <a:uLnTx/>
-                <a:uFillTx/>
-                <a:latin typeface="Consolas" panose="020B0609020204030204" pitchFamily="49" charset="0"/>
-                <a:cs typeface="Consolas" panose="020B0609020204030204" pitchFamily="49" charset="0"/>
-              </a:rPr>
-              <a:t>ex1.R</a:t>
-            </a:r>
-            <a:r>
-              <a:rPr kumimoji="0" lang="en-US" sz="2000" b="0" i="0" u="none" strike="noStrike" kern="1200" cap="none" spc="-1" normalizeH="0" baseline="0" noProof="0" dirty="0">
-                <a:ln>
-                  <a:noFill/>
-                </a:ln>
-                <a:solidFill>
-                  <a:srgbClr val="262626"/>
-                </a:solidFill>
-                <a:effectLst/>
-                <a:uLnTx/>
-                <a:uFillTx/>
-                <a:latin typeface="Calibri"/>
-              </a:rPr>
-              <a:t>"</a:t>
-            </a:r>
-            <a:endParaRPr kumimoji="0" lang="en-US" sz="2000" b="0" i="0" u="none" strike="noStrike" kern="1200" cap="none" spc="-1" normalizeH="0" baseline="0" noProof="0" dirty="0">
-              <a:ln>
-                <a:noFill/>
-              </a:ln>
+                <a:latin typeface="Calibri"/>
+              </a:rPr>
+              <a:t>Let’s practice – 1</a:t>
+            </a:r>
+            <a:endParaRPr lang="en-US" sz="4000" spc="-1" dirty="0">
               <a:solidFill>
                 <a:prstClr val="black"/>
               </a:solidFill>
-              <a:effectLst/>
-              <a:uLnTx/>
-              <a:uFillTx/>
-              <a:latin typeface="Calibri" panose="020F0502020204030204" pitchFamily="34" charset="0"/>
-            </a:endParaRPr>
-          </a:p>
-          <a:p>
-            <a:pPr marL="914400" marR="0" lvl="1" indent="-457200" algn="l" defTabSz="914400" rtl="0" eaLnBrk="1" fontAlgn="auto" latinLnBrk="0" hangingPunct="1">
-              <a:lnSpc>
-                <a:spcPct val="100000"/>
-              </a:lnSpc>
-              <a:spcBef>
-                <a:spcPts val="0"/>
-              </a:spcBef>
-              <a:spcAft>
-                <a:spcPts val="0"/>
-              </a:spcAft>
-              <a:buClrTx/>
-              <a:buSzTx/>
-              <a:buFont typeface="Arial" panose="020B0604020202020204" pitchFamily="34" charset="0"/>
-              <a:buChar char="•"/>
-              <a:tabLst/>
-              <a:defRPr/>
-            </a:pPr>
-            <a:r>
-              <a:rPr kumimoji="0" lang="en-US" sz="2000" b="0" i="0" u="none" strike="noStrike" kern="1200" cap="none" spc="-1" normalizeH="0" baseline="0" noProof="0" dirty="0">
-                <a:ln>
-                  <a:noFill/>
-                </a:ln>
-                <a:solidFill>
-                  <a:srgbClr val="262626"/>
-                </a:solidFill>
-                <a:effectLst/>
-                <a:uLnTx/>
-                <a:uFillTx/>
-                <a:latin typeface="Calibri"/>
-                <a:ea typeface="Noto Sans CJK SC"/>
-              </a:rPr>
-              <a:t>Comment it (# symbol at the beginning of the line).</a:t>
-            </a:r>
-          </a:p>
-          <a:p>
-            <a:pPr marL="914400" marR="0" lvl="1" indent="-457200" algn="l" defTabSz="914400" rtl="0" eaLnBrk="1" fontAlgn="auto" latinLnBrk="0" hangingPunct="1">
-              <a:lnSpc>
-                <a:spcPct val="100000"/>
-              </a:lnSpc>
-              <a:spcBef>
-                <a:spcPts val="0"/>
-              </a:spcBef>
-              <a:spcAft>
-                <a:spcPts val="0"/>
-              </a:spcAft>
-              <a:buClrTx/>
-              <a:buSzTx/>
-              <a:buFont typeface="Arial" panose="020B0604020202020204" pitchFamily="34" charset="0"/>
-              <a:buChar char="•"/>
-              <a:tabLst/>
-              <a:defRPr/>
-            </a:pPr>
-            <a:r>
-              <a:rPr kumimoji="0" lang="de-CH" sz="2000" b="0" i="0" u="none" strike="noStrike" kern="1200" cap="none" spc="-1" normalizeH="0" baseline="0" noProof="0" dirty="0">
-                <a:ln>
-                  <a:noFill/>
-                </a:ln>
-                <a:solidFill>
-                  <a:srgbClr val="262626"/>
-                </a:solidFill>
-                <a:effectLst/>
-                <a:uLnTx/>
-                <a:uFillTx/>
-                <a:latin typeface="Calibri"/>
-                <a:ea typeface="Noto Sans CJK SC"/>
-              </a:rPr>
-              <a:t>Type </a:t>
-            </a:r>
-            <a:r>
-              <a:rPr kumimoji="0" lang="de-CH" sz="2000" b="0" i="0" u="none" strike="noStrike" kern="1200" cap="none" spc="-1" normalizeH="0" baseline="0" noProof="0" dirty="0" err="1">
-                <a:ln>
-                  <a:noFill/>
-                </a:ln>
-                <a:solidFill>
-                  <a:srgbClr val="262626"/>
-                </a:solidFill>
-                <a:effectLst/>
-                <a:uLnTx/>
-                <a:uFillTx/>
-                <a:latin typeface="Calibri"/>
-                <a:ea typeface="Noto Sans CJK SC"/>
-              </a:rPr>
-              <a:t>or</a:t>
-            </a:r>
-            <a:r>
-              <a:rPr kumimoji="0" lang="de-CH" sz="2000" b="0" i="0" u="none" strike="noStrike" kern="1200" cap="none" spc="-1" normalizeH="0" baseline="0" noProof="0" dirty="0">
-                <a:ln>
-                  <a:noFill/>
-                </a:ln>
-                <a:solidFill>
-                  <a:srgbClr val="262626"/>
-                </a:solidFill>
-                <a:effectLst/>
-                <a:uLnTx/>
-                <a:uFillTx/>
-                <a:latin typeface="Calibri"/>
-                <a:ea typeface="Noto Sans CJK SC"/>
-              </a:rPr>
-              <a:t> </a:t>
-            </a:r>
-            <a:r>
-              <a:rPr kumimoji="0" lang="de-CH" sz="2000" b="0" i="0" u="none" strike="noStrike" kern="1200" cap="none" spc="-1" normalizeH="0" baseline="0" noProof="0" dirty="0" err="1">
-                <a:ln>
-                  <a:noFill/>
-                </a:ln>
-                <a:solidFill>
-                  <a:srgbClr val="262626"/>
-                </a:solidFill>
-                <a:effectLst/>
-                <a:uLnTx/>
-                <a:uFillTx/>
-                <a:latin typeface="Calibri"/>
-                <a:ea typeface="Noto Sans CJK SC"/>
-              </a:rPr>
-              <a:t>paste</a:t>
-            </a:r>
-            <a:r>
-              <a:rPr kumimoji="0" lang="de-CH" sz="2000" b="0" i="0" u="none" strike="noStrike" kern="1200" cap="none" spc="-1" normalizeH="0" baseline="0" noProof="0" dirty="0">
-                <a:ln>
-                  <a:noFill/>
-                </a:ln>
-                <a:solidFill>
-                  <a:srgbClr val="262626"/>
-                </a:solidFill>
-                <a:effectLst/>
-                <a:uLnTx/>
-                <a:uFillTx/>
-                <a:latin typeface="Calibri"/>
-                <a:ea typeface="Noto Sans CJK SC"/>
-              </a:rPr>
-              <a:t> </a:t>
-            </a:r>
-            <a:r>
-              <a:rPr kumimoji="0" lang="de-CH" sz="2000" b="0" i="0" u="none" strike="noStrike" kern="1200" cap="none" spc="-1" normalizeH="0" baseline="0" noProof="0" dirty="0" err="1">
-                <a:ln>
-                  <a:noFill/>
-                </a:ln>
-                <a:solidFill>
-                  <a:srgbClr val="262626"/>
-                </a:solidFill>
-                <a:effectLst/>
-                <a:uLnTx/>
-                <a:uFillTx/>
-                <a:latin typeface="Calibri"/>
-                <a:ea typeface="Noto Sans CJK SC"/>
-              </a:rPr>
-              <a:t>the</a:t>
-            </a:r>
-            <a:r>
-              <a:rPr kumimoji="0" lang="de-CH" sz="2000" b="0" i="0" u="none" strike="noStrike" kern="1200" cap="none" spc="-1" normalizeH="0" baseline="0" noProof="0" dirty="0">
-                <a:ln>
-                  <a:noFill/>
-                </a:ln>
-                <a:solidFill>
-                  <a:srgbClr val="262626"/>
-                </a:solidFill>
-                <a:effectLst/>
-                <a:uLnTx/>
-                <a:uFillTx/>
-                <a:latin typeface="Calibri"/>
-                <a:ea typeface="Noto Sans CJK SC"/>
-              </a:rPr>
-              <a:t> following code:</a:t>
-            </a:r>
-            <a:endParaRPr kumimoji="0" lang="en-US" sz="2000" b="0" i="0" u="none" strike="noStrike" kern="1200" cap="none" spc="-1" normalizeH="0" baseline="0" noProof="0" dirty="0">
-              <a:ln>
-                <a:noFill/>
-              </a:ln>
-              <a:solidFill>
-                <a:srgbClr val="262626"/>
-              </a:solidFill>
-              <a:effectLst/>
-              <a:uLnTx/>
-              <a:uFillTx/>
-              <a:latin typeface="Calibri"/>
-              <a:ea typeface="Noto Sans CJK SC"/>
-            </a:endParaRPr>
-          </a:p>
-        </p:txBody>
-      </p:sp>
-      <p:sp>
-        <p:nvSpPr>
-          <p:cNvPr id="200" name="CustomShape 3"/>
-          <p:cNvSpPr/>
+            </a:endParaRPr>
+          </a:p>
+        </p:txBody>
+      </p:sp>
+      <p:pic>
+        <p:nvPicPr>
+          <p:cNvPr id="2" name="Picture 2" descr="Graphical user interface, text, application, email&#10;&#10;Description automatically generated">
+            <a:extLst>
+              <a:ext uri="{FF2B5EF4-FFF2-40B4-BE49-F238E27FC236}">
+                <a16:creationId xmlns:a16="http://schemas.microsoft.com/office/drawing/2014/main" id="{E483A284-C6FD-C6C2-08B9-4F1123C4DA6C}"/>
+              </a:ext>
+            </a:extLst>
+          </p:cNvPr>
+          <p:cNvPicPr>
+            <a:picLocks noChangeAspect="1"/>
+          </p:cNvPicPr>
           <p:nvPr/>
-        </p:nvSpPr>
-        <p:spPr>
-          <a:xfrm>
-            <a:off x="258480" y="216720"/>
-            <a:ext cx="7939440" cy="605880"/>
-          </a:xfrm>
-          <a:prstGeom prst="rect">
-            <a:avLst/>
-          </a:prstGeom>
-          <a:noFill/>
-          <a:ln>
-            <a:noFill/>
-          </a:ln>
-        </p:spPr>
-        <p:style>
-          <a:lnRef idx="0">
-            <a:scrgbClr r="0" g="0" b="0"/>
-          </a:lnRef>
-          <a:fillRef idx="0">
-            <a:scrgbClr r="0" g="0" b="0"/>
-          </a:fillRef>
-          <a:effectRef idx="0">
-            <a:scrgbClr r="0" g="0" b="0"/>
-          </a:effectRef>
-          <a:fontRef idx="minor"/>
-        </p:style>
-        <p:txBody>
-          <a:bodyPr lIns="144000" tIns="0" rIns="0" bIns="0" anchor="b"/>
-          <a:lstStyle/>
-          <a:p>
-            <a:pPr marL="0" marR="0" lvl="0" indent="0" algn="l" defTabSz="914400" rtl="0" eaLnBrk="1" fontAlgn="auto" latinLnBrk="0" hangingPunct="1">
-              <a:lnSpc>
-                <a:spcPct val="90000"/>
-              </a:lnSpc>
-              <a:spcBef>
-                <a:spcPts val="0"/>
-              </a:spcBef>
-              <a:spcAft>
-                <a:spcPts val="0"/>
-              </a:spcAft>
-              <a:buClrTx/>
-              <a:buSzTx/>
-              <a:buFontTx/>
-              <a:buNone/>
-              <a:tabLst/>
-              <a:defRPr/>
-            </a:pPr>
-            <a:r>
-              <a:rPr kumimoji="0" lang="en-US" sz="4000" b="0" i="0" u="none" strike="noStrike" kern="1200" cap="none" spc="-1" normalizeH="0" baseline="0" noProof="0" dirty="0">
-                <a:ln>
-                  <a:noFill/>
-                </a:ln>
-                <a:solidFill>
-                  <a:srgbClr val="4F81BD"/>
-                </a:solidFill>
-                <a:effectLst/>
-                <a:uLnTx/>
-                <a:uFillTx/>
-                <a:latin typeface="Calibri"/>
-              </a:rPr>
-              <a:t>Let’s practice – 2 </a:t>
-            </a:r>
-            <a:endParaRPr kumimoji="0" lang="en-US" sz="4000" b="0" i="0" u="none" strike="noStrike" kern="1200" cap="none" spc="-1" normalizeH="0" baseline="0" noProof="0" dirty="0">
-              <a:ln>
-                <a:noFill/>
-              </a:ln>
-              <a:solidFill>
-                <a:prstClr val="black"/>
-              </a:solidFill>
-              <a:effectLst/>
-              <a:uLnTx/>
-              <a:uFillTx/>
-              <a:latin typeface="Arial"/>
-            </a:endParaRPr>
-          </a:p>
-        </p:txBody>
-      </p:sp>
-      <p:sp>
-        <p:nvSpPr>
-          <p:cNvPr id="2" name="Rectangle 1"/>
-          <p:cNvSpPr/>
-          <p:nvPr/>
-        </p:nvSpPr>
-        <p:spPr>
-          <a:xfrm>
-            <a:off x="400704" y="2364988"/>
-            <a:ext cx="3375535" cy="1477328"/>
-          </a:xfrm>
-          <a:prstGeom prst="rect">
-            <a:avLst/>
-          </a:prstGeom>
-        </p:spPr>
-        <p:txBody>
-          <a:bodyPr wrap="square">
-            <a:spAutoFit/>
-          </a:bodyPr>
-          <a:lstStyle/>
-          <a:p>
-            <a:pPr marL="0" marR="0" lvl="0" indent="0" algn="l" defTabSz="914400" rtl="0" eaLnBrk="1" fontAlgn="auto" latinLnBrk="0" hangingPunct="1">
-              <a:lnSpc>
-                <a:spcPct val="100000"/>
-              </a:lnSpc>
-              <a:spcBef>
-                <a:spcPts val="0"/>
-              </a:spcBef>
-              <a:spcAft>
-                <a:spcPts val="0"/>
-              </a:spcAft>
-              <a:buClrTx/>
-              <a:buSzTx/>
-              <a:buFontTx/>
-              <a:buNone/>
-              <a:tabLst/>
-              <a:defRPr/>
-            </a:pPr>
-            <a:r>
-              <a:rPr kumimoji="0" lang="en-US" sz="1800" b="0" i="0" u="none" strike="noStrike" kern="1200" cap="none" spc="0" normalizeH="0" baseline="0" noProof="0" dirty="0">
-                <a:ln>
-                  <a:noFill/>
-                </a:ln>
-                <a:solidFill>
-                  <a:srgbClr val="4F81BD"/>
-                </a:solidFill>
-                <a:effectLst/>
-                <a:uLnTx/>
-                <a:uFillTx/>
-                <a:latin typeface="Consolas" panose="020B0609020204030204" pitchFamily="49" charset="0"/>
-                <a:cs typeface="Consolas" panose="020B0609020204030204" pitchFamily="49" charset="0"/>
-              </a:rPr>
-              <a:t># First Steps, ex 1</a:t>
-            </a:r>
-          </a:p>
-          <a:p>
-            <a:pPr marL="0" marR="0" lvl="0" indent="0" algn="l" defTabSz="914400" rtl="0" eaLnBrk="1" fontAlgn="auto" latinLnBrk="0" hangingPunct="1">
-              <a:lnSpc>
-                <a:spcPct val="100000"/>
-              </a:lnSpc>
-              <a:spcBef>
-                <a:spcPts val="0"/>
-              </a:spcBef>
-              <a:spcAft>
-                <a:spcPts val="0"/>
-              </a:spcAft>
-              <a:buClrTx/>
-              <a:buSzTx/>
-              <a:buFontTx/>
-              <a:buNone/>
-              <a:tabLst/>
-              <a:defRPr/>
-            </a:pPr>
-            <a:r>
-              <a:rPr kumimoji="0" lang="en-US" sz="1800" b="0" i="0" u="none" strike="noStrike" kern="1200" cap="none" spc="0" normalizeH="0" baseline="0" noProof="0" dirty="0">
-                <a:ln>
-                  <a:noFill/>
-                </a:ln>
-                <a:solidFill>
-                  <a:srgbClr val="4F81BD"/>
-                </a:solidFill>
-                <a:effectLst/>
-                <a:uLnTx/>
-                <a:uFillTx/>
-                <a:latin typeface="Consolas" panose="020B0609020204030204" pitchFamily="49" charset="0"/>
-                <a:cs typeface="Consolas" panose="020B0609020204030204" pitchFamily="49" charset="0"/>
-              </a:rPr>
-              <a:t>w &lt;- 3</a:t>
-            </a:r>
-          </a:p>
-          <a:p>
-            <a:pPr marL="0" marR="0" lvl="0" indent="0" algn="l" defTabSz="914400" rtl="0" eaLnBrk="1" fontAlgn="auto" latinLnBrk="0" hangingPunct="1">
-              <a:lnSpc>
-                <a:spcPct val="100000"/>
-              </a:lnSpc>
-              <a:spcBef>
-                <a:spcPts val="0"/>
-              </a:spcBef>
-              <a:spcAft>
-                <a:spcPts val="0"/>
-              </a:spcAft>
-              <a:buClrTx/>
-              <a:buSzTx/>
-              <a:buFontTx/>
-              <a:buNone/>
-              <a:tabLst/>
-              <a:defRPr/>
-            </a:pPr>
-            <a:r>
-              <a:rPr kumimoji="0" lang="en-US" sz="1800" b="0" i="0" u="none" strike="noStrike" kern="1200" cap="none" spc="0" normalizeH="0" baseline="0" noProof="0" dirty="0">
-                <a:ln>
-                  <a:noFill/>
-                </a:ln>
-                <a:solidFill>
-                  <a:srgbClr val="4F81BD"/>
-                </a:solidFill>
-                <a:effectLst/>
-                <a:uLnTx/>
-                <a:uFillTx/>
-                <a:latin typeface="Consolas" panose="020B0609020204030204" pitchFamily="49" charset="0"/>
-                <a:cs typeface="Consolas" panose="020B0609020204030204" pitchFamily="49" charset="0"/>
-              </a:rPr>
-              <a:t>h &lt;- 0.5</a:t>
-            </a:r>
-          </a:p>
-          <a:p>
-            <a:pPr marL="0" marR="0" lvl="0" indent="0" algn="l" defTabSz="914400" rtl="0" eaLnBrk="1" fontAlgn="auto" latinLnBrk="0" hangingPunct="1">
-              <a:lnSpc>
-                <a:spcPct val="100000"/>
-              </a:lnSpc>
-              <a:spcBef>
-                <a:spcPts val="0"/>
-              </a:spcBef>
-              <a:spcAft>
-                <a:spcPts val="0"/>
-              </a:spcAft>
-              <a:buClrTx/>
-              <a:buSzTx/>
-              <a:buFontTx/>
-              <a:buNone/>
-              <a:tabLst/>
-              <a:defRPr/>
-            </a:pPr>
-            <a:r>
-              <a:rPr kumimoji="0" lang="en-US" sz="1800" b="0" i="0" u="none" strike="noStrike" kern="1200" cap="none" spc="0" normalizeH="0" baseline="0" noProof="0" dirty="0">
-                <a:ln>
-                  <a:noFill/>
-                </a:ln>
-                <a:solidFill>
-                  <a:srgbClr val="4F81BD"/>
-                </a:solidFill>
-                <a:effectLst/>
-                <a:uLnTx/>
-                <a:uFillTx/>
-                <a:latin typeface="Consolas" panose="020B0609020204030204" pitchFamily="49" charset="0"/>
-                <a:cs typeface="Consolas" panose="020B0609020204030204" pitchFamily="49" charset="0"/>
-              </a:rPr>
-              <a:t>area &lt;- w * h</a:t>
-            </a:r>
-          </a:p>
-          <a:p>
-            <a:pPr marL="0" marR="0" lvl="0" indent="0" algn="l" defTabSz="914400" rtl="0" eaLnBrk="1" fontAlgn="auto" latinLnBrk="0" hangingPunct="1">
-              <a:lnSpc>
-                <a:spcPct val="100000"/>
-              </a:lnSpc>
-              <a:spcBef>
-                <a:spcPts val="0"/>
-              </a:spcBef>
-              <a:spcAft>
-                <a:spcPts val="0"/>
-              </a:spcAft>
-              <a:buClrTx/>
-              <a:buSzTx/>
-              <a:buFontTx/>
-              <a:buNone/>
-              <a:tabLst/>
-              <a:defRPr/>
-            </a:pPr>
-            <a:r>
-              <a:rPr kumimoji="0" lang="en-US" sz="1800" b="0" i="0" u="none" strike="noStrike" kern="1200" cap="none" spc="0" normalizeH="0" baseline="0" noProof="0" dirty="0">
-                <a:ln>
-                  <a:noFill/>
-                </a:ln>
-                <a:solidFill>
-                  <a:srgbClr val="4F81BD"/>
-                </a:solidFill>
-                <a:effectLst/>
-                <a:uLnTx/>
-                <a:uFillTx/>
-                <a:latin typeface="Consolas" panose="020B0609020204030204" pitchFamily="49" charset="0"/>
-                <a:cs typeface="Consolas" panose="020B0609020204030204" pitchFamily="49" charset="0"/>
-              </a:rPr>
-              <a:t>area</a:t>
-            </a:r>
-          </a:p>
-        </p:txBody>
-      </p:sp>
-      <p:sp>
-        <p:nvSpPr>
-          <p:cNvPr id="8" name="CustomShape 2"/>
-          <p:cNvSpPr/>
-          <p:nvPr/>
-        </p:nvSpPr>
-        <p:spPr>
-          <a:xfrm>
-            <a:off x="240994" y="3949504"/>
-            <a:ext cx="8553600" cy="775873"/>
-          </a:xfrm>
-          <a:prstGeom prst="rect">
-            <a:avLst/>
-          </a:prstGeom>
-          <a:noFill/>
-          <a:ln>
-            <a:noFill/>
-          </a:ln>
-        </p:spPr>
-        <p:style>
-          <a:lnRef idx="0">
-            <a:scrgbClr r="0" g="0" b="0"/>
-          </a:lnRef>
-          <a:fillRef idx="0">
-            <a:scrgbClr r="0" g="0" b="0"/>
-          </a:fillRef>
-          <a:effectRef idx="0">
-            <a:scrgbClr r="0" g="0" b="0"/>
-          </a:effectRef>
-          <a:fontRef idx="minor"/>
-        </p:style>
-        <p:txBody>
-          <a:bodyPr lIns="0" tIns="0" rIns="0" bIns="0"/>
-          <a:lstStyle/>
-          <a:p>
-            <a:pPr marL="0" marR="0" lvl="0" indent="0" algn="l" defTabSz="914400" rtl="0" eaLnBrk="1" fontAlgn="auto" latinLnBrk="0" hangingPunct="1">
-              <a:lnSpc>
-                <a:spcPct val="100000"/>
-              </a:lnSpc>
-              <a:spcBef>
-                <a:spcPts val="0"/>
-              </a:spcBef>
-              <a:spcAft>
-                <a:spcPts val="600"/>
-              </a:spcAft>
-              <a:buClrTx/>
-              <a:buSzTx/>
-              <a:buFontTx/>
-              <a:buNone/>
-              <a:tabLst/>
-              <a:defRPr/>
-            </a:pPr>
-            <a:r>
-              <a:rPr kumimoji="0" lang="de-CH" sz="2000" b="1" i="0" u="none" strike="noStrike" kern="1200" cap="none" spc="-1" normalizeH="0" baseline="0" noProof="0" dirty="0">
-                <a:ln>
-                  <a:noFill/>
-                </a:ln>
-                <a:solidFill>
-                  <a:srgbClr val="262626"/>
-                </a:solidFill>
-                <a:effectLst/>
-                <a:uLnTx/>
-                <a:uFillTx/>
-                <a:latin typeface="Calibri"/>
-                <a:ea typeface="Noto Sans CJK SC"/>
-              </a:rPr>
-              <a:t>2) Look at the script (before trying to run it)</a:t>
-            </a:r>
-          </a:p>
-          <a:p>
-            <a:pPr marL="342900" marR="0" lvl="0" indent="-342900" algn="l" defTabSz="914400" rtl="0" eaLnBrk="1" fontAlgn="auto" latinLnBrk="0" hangingPunct="1">
-              <a:lnSpc>
-                <a:spcPct val="100000"/>
-              </a:lnSpc>
-              <a:spcBef>
-                <a:spcPts val="0"/>
-              </a:spcBef>
-              <a:spcAft>
-                <a:spcPts val="600"/>
-              </a:spcAft>
-              <a:buClrTx/>
-              <a:buSzTx/>
-              <a:buFont typeface="Arial" panose="020B0604020202020204" pitchFamily="34" charset="0"/>
-              <a:buChar char="•"/>
-              <a:tabLst/>
-              <a:defRPr/>
-            </a:pPr>
-            <a:r>
-              <a:rPr kumimoji="0" lang="de-CH" sz="2000" b="0" i="0" u="none" strike="noStrike" kern="1200" cap="none" spc="-1" normalizeH="0" baseline="0" noProof="0" dirty="0">
-                <a:ln>
-                  <a:noFill/>
-                </a:ln>
-                <a:solidFill>
-                  <a:srgbClr val="262626"/>
-                </a:solidFill>
-                <a:effectLst/>
-                <a:uLnTx/>
-                <a:uFillTx/>
-                <a:latin typeface="Calibri"/>
-                <a:ea typeface="Noto Sans CJK SC"/>
-              </a:rPr>
-              <a:t>Can you understand each line? What do you expect it to print to the console?</a:t>
-            </a:r>
-            <a:endParaRPr kumimoji="0" lang="de-CH" sz="2000" b="0" i="0" u="none" strike="noStrike" kern="1200" cap="none" spc="-1" normalizeH="0" baseline="0" noProof="0" dirty="0">
-              <a:ln>
-                <a:noFill/>
-              </a:ln>
-              <a:solidFill>
-                <a:srgbClr val="262626"/>
-              </a:solidFill>
-              <a:effectLst/>
-              <a:uLnTx/>
-              <a:uFillTx/>
-              <a:latin typeface="Calibri"/>
-            </a:endParaRPr>
-          </a:p>
-          <a:p>
-            <a:pPr marL="342900" marR="0" lvl="0" indent="-342900" algn="l" defTabSz="914400" rtl="0" eaLnBrk="1" fontAlgn="auto" latinLnBrk="0" hangingPunct="1">
-              <a:lnSpc>
-                <a:spcPct val="100000"/>
-              </a:lnSpc>
-              <a:spcBef>
-                <a:spcPts val="0"/>
-              </a:spcBef>
-              <a:spcAft>
-                <a:spcPts val="600"/>
-              </a:spcAft>
-              <a:buClrTx/>
-              <a:buSzTx/>
-              <a:buFont typeface="Arial" panose="020B0604020202020204" pitchFamily="34" charset="0"/>
-              <a:buChar char="•"/>
-              <a:tabLst/>
-              <a:defRPr/>
-            </a:pPr>
-            <a:endParaRPr kumimoji="0" lang="de-CH" sz="2000" b="0" i="0" u="none" strike="noStrike" kern="1200" cap="none" spc="-1" normalizeH="0" baseline="0" noProof="0" dirty="0">
-              <a:ln>
-                <a:noFill/>
-              </a:ln>
-              <a:solidFill>
-                <a:srgbClr val="262626"/>
-              </a:solidFill>
-              <a:effectLst/>
-              <a:uLnTx/>
-              <a:uFillTx/>
-              <a:latin typeface="Calibri"/>
-              <a:ea typeface="Noto Sans CJK SC"/>
-            </a:endParaRPr>
-          </a:p>
-        </p:txBody>
-      </p:sp>
-      <p:sp>
-        <p:nvSpPr>
-          <p:cNvPr id="7" name="CustomShape 2"/>
-          <p:cNvSpPr/>
-          <p:nvPr/>
-        </p:nvSpPr>
-        <p:spPr>
-          <a:xfrm>
-            <a:off x="258480" y="4832565"/>
-            <a:ext cx="8754891" cy="1869823"/>
-          </a:xfrm>
-          <a:prstGeom prst="rect">
-            <a:avLst/>
-          </a:prstGeom>
-          <a:noFill/>
-          <a:ln>
-            <a:noFill/>
-          </a:ln>
-        </p:spPr>
-        <p:style>
-          <a:lnRef idx="0">
-            <a:scrgbClr r="0" g="0" b="0"/>
-          </a:lnRef>
-          <a:fillRef idx="0">
-            <a:scrgbClr r="0" g="0" b="0"/>
-          </a:fillRef>
-          <a:effectRef idx="0">
-            <a:scrgbClr r="0" g="0" b="0"/>
-          </a:effectRef>
-          <a:fontRef idx="minor"/>
-        </p:style>
-        <p:txBody>
-          <a:bodyPr lIns="0" tIns="0" rIns="0" bIns="0"/>
-          <a:lstStyle/>
-          <a:p>
-            <a:pPr marL="0" marR="0" lvl="0" indent="0" algn="l" defTabSz="914400" rtl="0" eaLnBrk="1" fontAlgn="auto" latinLnBrk="0" hangingPunct="1">
-              <a:lnSpc>
-                <a:spcPct val="100000"/>
-              </a:lnSpc>
-              <a:spcBef>
-                <a:spcPts val="0"/>
-              </a:spcBef>
-              <a:spcAft>
-                <a:spcPts val="600"/>
-              </a:spcAft>
-              <a:buClrTx/>
-              <a:buSzTx/>
-              <a:buFontTx/>
-              <a:buNone/>
-              <a:tabLst/>
-              <a:defRPr/>
-            </a:pPr>
-            <a:r>
-              <a:rPr kumimoji="0" lang="de-CH" sz="2000" b="1" i="0" u="none" strike="noStrike" kern="1200" cap="none" spc="-1" normalizeH="0" baseline="0" noProof="0" dirty="0">
-                <a:ln>
-                  <a:noFill/>
-                </a:ln>
-                <a:solidFill>
-                  <a:srgbClr val="262626"/>
-                </a:solidFill>
-                <a:effectLst/>
-                <a:uLnTx/>
-                <a:uFillTx/>
-                <a:latin typeface="Calibri"/>
-              </a:rPr>
-              <a:t>3) Run the script and explore RStudio features</a:t>
-            </a:r>
-          </a:p>
-          <a:p>
-            <a:pPr marL="342900" marR="0" lvl="0" indent="-342900" algn="l" defTabSz="914400" rtl="0" eaLnBrk="1" fontAlgn="auto" latinLnBrk="0" hangingPunct="1">
-              <a:lnSpc>
-                <a:spcPct val="100000"/>
-              </a:lnSpc>
-              <a:spcBef>
-                <a:spcPts val="0"/>
-              </a:spcBef>
-              <a:spcAft>
-                <a:spcPts val="600"/>
-              </a:spcAft>
-              <a:buClrTx/>
-              <a:buSzTx/>
-              <a:buFont typeface="Arial" panose="020B0604020202020204" pitchFamily="34" charset="0"/>
-              <a:buChar char="•"/>
-              <a:tabLst/>
-              <a:defRPr/>
-            </a:pPr>
-            <a:r>
-              <a:rPr kumimoji="0" lang="de-CH" sz="2000" b="0" i="0" u="none" strike="noStrike" kern="1200" cap="none" spc="-1" normalizeH="0" baseline="0" noProof="0" dirty="0">
-                <a:ln>
-                  <a:noFill/>
-                </a:ln>
-                <a:solidFill>
-                  <a:srgbClr val="262626"/>
-                </a:solidFill>
-                <a:effectLst/>
-                <a:uLnTx/>
-                <a:uFillTx/>
-                <a:latin typeface="Calibri"/>
-                <a:ea typeface="Noto Sans CJK SC"/>
-              </a:rPr>
-              <a:t>Run the script line by line. Try both the "Run" button and the keyboard shortcut.  Watch variables appear in the Environment panel (top right).</a:t>
-            </a:r>
-          </a:p>
-          <a:p>
-            <a:pPr marL="342900" marR="0" lvl="0" indent="-342900" algn="l" defTabSz="914400" rtl="0" eaLnBrk="1" fontAlgn="auto" latinLnBrk="0" hangingPunct="1">
-              <a:lnSpc>
-                <a:spcPct val="100000"/>
-              </a:lnSpc>
-              <a:spcBef>
-                <a:spcPts val="0"/>
-              </a:spcBef>
-              <a:spcAft>
-                <a:spcPts val="600"/>
-              </a:spcAft>
-              <a:buClrTx/>
-              <a:buSzTx/>
-              <a:buFont typeface="Arial" panose="020B0604020202020204" pitchFamily="34" charset="0"/>
-              <a:buChar char="•"/>
-              <a:tabLst/>
-              <a:defRPr/>
-            </a:pPr>
-            <a:r>
-              <a:rPr kumimoji="0" lang="de-CH" sz="2000" b="0" i="0" u="none" strike="noStrike" kern="1200" cap="none" spc="-1" normalizeH="0" baseline="0" noProof="0" dirty="0">
-                <a:ln>
-                  <a:noFill/>
-                </a:ln>
-                <a:solidFill>
-                  <a:srgbClr val="262626"/>
-                </a:solidFill>
-                <a:effectLst/>
-                <a:uLnTx/>
-                <a:uFillTx/>
-                <a:latin typeface="Calibri"/>
-                <a:ea typeface="Noto Sans CJK SC"/>
-              </a:rPr>
-              <a:t>Watch what is printed to the console (bottom left). Does it match your expectation?</a:t>
-            </a:r>
-          </a:p>
-          <a:p>
-            <a:pPr marL="342900" marR="0" lvl="0" indent="-342900" algn="l" defTabSz="914400" rtl="0" eaLnBrk="1" fontAlgn="auto" latinLnBrk="0" hangingPunct="1">
-              <a:lnSpc>
-                <a:spcPct val="100000"/>
-              </a:lnSpc>
-              <a:spcBef>
-                <a:spcPts val="0"/>
-              </a:spcBef>
-              <a:spcAft>
-                <a:spcPts val="600"/>
-              </a:spcAft>
-              <a:buClrTx/>
-              <a:buSzTx/>
-              <a:buFont typeface="Arial" panose="020B0604020202020204" pitchFamily="34" charset="0"/>
-              <a:buChar char="•"/>
-              <a:tabLst/>
-              <a:defRPr/>
-            </a:pPr>
-            <a:endParaRPr kumimoji="0" lang="de-CH" sz="2000" b="0" i="0" u="none" strike="noStrike" kern="1200" cap="none" spc="-1" normalizeH="0" baseline="0" noProof="0" dirty="0">
-              <a:ln>
-                <a:noFill/>
-              </a:ln>
-              <a:solidFill>
-                <a:srgbClr val="262626"/>
-              </a:solidFill>
-              <a:effectLst/>
-              <a:uLnTx/>
-              <a:uFillTx/>
-              <a:latin typeface="Calibri"/>
-              <a:ea typeface="Noto Sans CJK SC"/>
-            </a:endParaRPr>
-          </a:p>
-        </p:txBody>
-      </p:sp>
+        </p:nvPicPr>
+        <p:blipFill>
+          <a:blip r:embed="rId4"/>
+          <a:stretch>
+            <a:fillRect/>
+          </a:stretch>
+        </p:blipFill>
+        <p:spPr>
+          <a:xfrm>
+            <a:off x="1925905" y="2751676"/>
+            <a:ext cx="5204528" cy="2244773"/>
+          </a:xfrm>
+          <a:prstGeom prst="rect">
+            <a:avLst/>
+          </a:prstGeom>
+        </p:spPr>
+      </p:pic>
     </p:spTree>
     <p:extLst>
       <p:ext uri="{BB962C8B-B14F-4D97-AF65-F5344CB8AC3E}">
-        <p14:creationId xmlns:p14="http://schemas.microsoft.com/office/powerpoint/2010/main" val="3326619997"/>
+        <p14:creationId xmlns:p14="http://schemas.microsoft.com/office/powerpoint/2010/main" val="89830399"/>
       </p:ext>
     </p:extLst>
   </p:cSld>
@@ -9298,8 +8653,8 @@
         </p:nvSpPr>
         <p:spPr>
           <a:xfrm>
-            <a:off x="393480" y="1366576"/>
-            <a:ext cx="8470440" cy="5135824"/>
+            <a:off x="341640" y="892943"/>
+            <a:ext cx="8470440" cy="1729136"/>
           </a:xfrm>
           <a:prstGeom prst="rect">
             <a:avLst/>
@@ -9325,807 +8680,306 @@
           <a:bodyPr lIns="0" tIns="0" rIns="0" bIns="0"/>
           <a:lstStyle/>
           <a:p>
-            <a:pPr>
+            <a:pPr marL="0" marR="0" lvl="0" indent="0" algn="l" defTabSz="914400" rtl="0" eaLnBrk="1" fontAlgn="auto" latinLnBrk="0" hangingPunct="1">
+              <a:lnSpc>
+                <a:spcPct val="100000"/>
+              </a:lnSpc>
               <a:spcBef>
-                <a:spcPts val="439"/>
+                <a:spcPts val="0"/>
               </a:spcBef>
+              <a:spcAft>
+                <a:spcPts val="600"/>
+              </a:spcAft>
+              <a:buClrTx/>
+              <a:buSzTx/>
+              <a:buFontTx/>
+              <a:buNone/>
+              <a:tabLst/>
+              <a:defRPr/>
             </a:pPr>
             <a:r>
-              <a:rPr lang="de-CH" sz="2000" spc="-1" dirty="0">
-                <a:solidFill>
-                  <a:srgbClr val="262626"/>
-                </a:solidFill>
+              <a:rPr kumimoji="0" lang="en-US" sz="2000" b="1" i="0" u="none" strike="noStrike" kern="1200" cap="none" spc="-1" normalizeH="0" baseline="0" noProof="0" dirty="0">
+                <a:ln>
+                  <a:noFill/>
+                </a:ln>
+                <a:solidFill>
+                  <a:srgbClr val="262626"/>
+                </a:solidFill>
+                <a:effectLst/>
+                <a:uLnTx/>
+                <a:uFillTx/>
+                <a:latin typeface="Calibri"/>
+              </a:rPr>
+              <a:t>1) Prepare your first script</a:t>
+            </a:r>
+          </a:p>
+          <a:p>
+            <a:pPr marL="914400" marR="0" lvl="1" indent="-457200" algn="l" defTabSz="914400" rtl="0" eaLnBrk="1" fontAlgn="auto" latinLnBrk="0" hangingPunct="1">
+              <a:lnSpc>
+                <a:spcPct val="100000"/>
+              </a:lnSpc>
+              <a:spcBef>
+                <a:spcPts val="0"/>
+              </a:spcBef>
+              <a:spcAft>
+                <a:spcPts val="0"/>
+              </a:spcAft>
+              <a:buClrTx/>
+              <a:buSzTx/>
+              <a:buFont typeface="Arial" panose="020B0604020202020204" pitchFamily="34" charset="0"/>
+              <a:buChar char="•"/>
+              <a:tabLst/>
+              <a:defRPr/>
+            </a:pPr>
+            <a:r>
+              <a:rPr kumimoji="0" lang="en-US" sz="2000" b="0" i="0" u="none" strike="noStrike" kern="1200" cap="none" spc="-1" normalizeH="0" baseline="0" noProof="0" dirty="0">
+                <a:ln>
+                  <a:noFill/>
+                </a:ln>
+                <a:solidFill>
+                  <a:prstClr val="black"/>
+                </a:solidFill>
+                <a:effectLst/>
+                <a:uLnTx/>
+                <a:uFillTx/>
+                <a:latin typeface="Calibri" panose="020F0502020204030204" pitchFamily="34" charset="0"/>
+              </a:rPr>
+              <a:t>Open a script file and s</a:t>
+            </a:r>
+            <a:r>
+              <a:rPr kumimoji="0" lang="en-US" sz="2000" b="0" i="0" u="none" strike="noStrike" kern="1200" cap="none" spc="-1" normalizeH="0" baseline="0" noProof="0" dirty="0">
+                <a:ln>
+                  <a:noFill/>
+                </a:ln>
+                <a:solidFill>
+                  <a:srgbClr val="262626"/>
+                </a:solidFill>
+                <a:effectLst/>
+                <a:uLnTx/>
+                <a:uFillTx/>
+                <a:latin typeface="Calibri"/>
+              </a:rPr>
+              <a:t>ave it with file name "</a:t>
+            </a:r>
+            <a:r>
+              <a:rPr kumimoji="0" lang="en-US" sz="1800" b="0" i="0" u="none" strike="noStrike" kern="1200" cap="none" spc="0" normalizeH="0" baseline="0" noProof="0" dirty="0">
+                <a:ln>
+                  <a:noFill/>
+                </a:ln>
+                <a:solidFill>
+                  <a:srgbClr val="4F81BD"/>
+                </a:solidFill>
+                <a:effectLst/>
+                <a:uLnTx/>
+                <a:uFillTx/>
+                <a:latin typeface="Consolas" panose="020B0609020204030204" pitchFamily="49" charset="0"/>
+                <a:cs typeface="Consolas" panose="020B0609020204030204" pitchFamily="49" charset="0"/>
+              </a:rPr>
+              <a:t>ex1.R</a:t>
+            </a:r>
+            <a:r>
+              <a:rPr kumimoji="0" lang="en-US" sz="2000" b="0" i="0" u="none" strike="noStrike" kern="1200" cap="none" spc="-1" normalizeH="0" baseline="0" noProof="0" dirty="0">
+                <a:ln>
+                  <a:noFill/>
+                </a:ln>
+                <a:solidFill>
+                  <a:srgbClr val="262626"/>
+                </a:solidFill>
+                <a:effectLst/>
+                <a:uLnTx/>
+                <a:uFillTx/>
+                <a:latin typeface="Calibri"/>
+              </a:rPr>
+              <a:t>"</a:t>
+            </a:r>
+            <a:endParaRPr kumimoji="0" lang="en-US" sz="2000" b="0" i="0" u="none" strike="noStrike" kern="1200" cap="none" spc="-1" normalizeH="0" baseline="0" noProof="0" dirty="0">
+              <a:ln>
+                <a:noFill/>
+              </a:ln>
+              <a:solidFill>
+                <a:prstClr val="black"/>
+              </a:solidFill>
+              <a:effectLst/>
+              <a:uLnTx/>
+              <a:uFillTx/>
+              <a:latin typeface="Calibri" panose="020F0502020204030204" pitchFamily="34" charset="0"/>
+            </a:endParaRPr>
+          </a:p>
+          <a:p>
+            <a:pPr marL="914400" marR="0" lvl="1" indent="-457200" algn="l" defTabSz="914400" rtl="0" eaLnBrk="1" fontAlgn="auto" latinLnBrk="0" hangingPunct="1">
+              <a:lnSpc>
+                <a:spcPct val="100000"/>
+              </a:lnSpc>
+              <a:spcBef>
+                <a:spcPts val="0"/>
+              </a:spcBef>
+              <a:spcAft>
+                <a:spcPts val="0"/>
+              </a:spcAft>
+              <a:buClrTx/>
+              <a:buSzTx/>
+              <a:buFont typeface="Arial" panose="020B0604020202020204" pitchFamily="34" charset="0"/>
+              <a:buChar char="•"/>
+              <a:tabLst/>
+              <a:defRPr/>
+            </a:pPr>
+            <a:r>
+              <a:rPr kumimoji="0" lang="en-US" sz="2000" b="0" i="0" u="none" strike="noStrike" kern="1200" cap="none" spc="-1" normalizeH="0" baseline="0" noProof="0" dirty="0">
+                <a:ln>
+                  <a:noFill/>
+                </a:ln>
+                <a:solidFill>
+                  <a:srgbClr val="262626"/>
+                </a:solidFill>
+                <a:effectLst/>
+                <a:uLnTx/>
+                <a:uFillTx/>
                 <a:latin typeface="Calibri"/>
                 <a:ea typeface="Noto Sans CJK SC"/>
               </a:rPr>
-              <a:t>4) Look at the </a:t>
-            </a:r>
-            <a:r>
-              <a:rPr lang="de-CH" sz="2000" spc="-1" dirty="0" err="1">
-                <a:solidFill>
-                  <a:srgbClr val="262626"/>
-                </a:solidFill>
+              <a:t>Comment it (# symbol at the beginning of the line).</a:t>
+            </a:r>
+          </a:p>
+          <a:p>
+            <a:pPr marL="914400" marR="0" lvl="1" indent="-457200" algn="l" defTabSz="914400" rtl="0" eaLnBrk="1" fontAlgn="auto" latinLnBrk="0" hangingPunct="1">
+              <a:lnSpc>
+                <a:spcPct val="100000"/>
+              </a:lnSpc>
+              <a:spcBef>
+                <a:spcPts val="0"/>
+              </a:spcBef>
+              <a:spcAft>
+                <a:spcPts val="0"/>
+              </a:spcAft>
+              <a:buClrTx/>
+              <a:buSzTx/>
+              <a:buFont typeface="Arial" panose="020B0604020202020204" pitchFamily="34" charset="0"/>
+              <a:buChar char="•"/>
+              <a:tabLst/>
+              <a:defRPr/>
+            </a:pPr>
+            <a:r>
+              <a:rPr kumimoji="0" lang="de-CH" sz="2000" b="0" i="0" u="none" strike="noStrike" kern="1200" cap="none" spc="-1" normalizeH="0" baseline="0" noProof="0" dirty="0">
+                <a:ln>
+                  <a:noFill/>
+                </a:ln>
+                <a:solidFill>
+                  <a:srgbClr val="262626"/>
+                </a:solidFill>
+                <a:effectLst/>
+                <a:uLnTx/>
+                <a:uFillTx/>
                 <a:latin typeface="Calibri"/>
                 <a:ea typeface="Noto Sans CJK SC"/>
               </a:rPr>
-              <a:t>project</a:t>
-            </a:r>
-            <a:r>
-              <a:rPr lang="de-CH" sz="2000" spc="-1" dirty="0">
-                <a:solidFill>
-                  <a:srgbClr val="262626"/>
-                </a:solidFill>
+              <a:t>Type </a:t>
+            </a:r>
+            <a:r>
+              <a:rPr kumimoji="0" lang="de-CH" sz="2000" b="0" i="0" u="none" strike="noStrike" kern="1200" cap="none" spc="-1" normalizeH="0" baseline="0" noProof="0" dirty="0" err="1">
+                <a:ln>
+                  <a:noFill/>
+                </a:ln>
+                <a:solidFill>
+                  <a:srgbClr val="262626"/>
+                </a:solidFill>
+                <a:effectLst/>
+                <a:uLnTx/>
+                <a:uFillTx/>
                 <a:latin typeface="Calibri"/>
                 <a:ea typeface="Noto Sans CJK SC"/>
               </a:rPr>
+              <a:t>or</a:t>
+            </a:r>
+            <a:r>
+              <a:rPr kumimoji="0" lang="de-CH" sz="2000" b="0" i="0" u="none" strike="noStrike" kern="1200" cap="none" spc="-1" normalizeH="0" baseline="0" noProof="0" dirty="0">
+                <a:ln>
+                  <a:noFill/>
+                </a:ln>
+                <a:solidFill>
+                  <a:srgbClr val="262626"/>
+                </a:solidFill>
+                <a:effectLst/>
+                <a:uLnTx/>
+                <a:uFillTx/>
+                <a:latin typeface="Calibri"/>
+                <a:ea typeface="Noto Sans CJK SC"/>
+              </a:rPr>
               <a:t> </a:t>
             </a:r>
             <a:r>
-              <a:rPr lang="de-CH" sz="2000" spc="-1" dirty="0" err="1">
-                <a:solidFill>
-                  <a:srgbClr val="262626"/>
-                </a:solidFill>
+              <a:rPr kumimoji="0" lang="de-CH" sz="2000" b="0" i="0" u="none" strike="noStrike" kern="1200" cap="none" spc="-1" normalizeH="0" baseline="0" noProof="0" dirty="0" err="1">
+                <a:ln>
+                  <a:noFill/>
+                </a:ln>
+                <a:solidFill>
+                  <a:srgbClr val="262626"/>
+                </a:solidFill>
+                <a:effectLst/>
+                <a:uLnTx/>
+                <a:uFillTx/>
                 <a:latin typeface="Calibri"/>
                 <a:ea typeface="Noto Sans CJK SC"/>
               </a:rPr>
-              <a:t>options</a:t>
-            </a:r>
-            <a:r>
-              <a:rPr lang="en-US" sz="2000" spc="-1" dirty="0">
-                <a:solidFill>
-                  <a:srgbClr val="262626"/>
-                </a:solidFill>
+              <a:t>paste</a:t>
+            </a:r>
+            <a:r>
+              <a:rPr kumimoji="0" lang="de-CH" sz="2000" b="0" i="0" u="none" strike="noStrike" kern="1200" cap="none" spc="-1" normalizeH="0" baseline="0" noProof="0" dirty="0">
+                <a:ln>
+                  <a:noFill/>
+                </a:ln>
+                <a:solidFill>
+                  <a:srgbClr val="262626"/>
+                </a:solidFill>
+                <a:effectLst/>
+                <a:uLnTx/>
+                <a:uFillTx/>
                 <a:latin typeface="Calibri"/>
                 <a:ea typeface="Noto Sans CJK SC"/>
               </a:rPr>
-              <a:t> (RStudio’s </a:t>
-            </a:r>
-            <a:r>
-              <a:rPr lang="en-US" sz="2000" i="1" spc="-1" dirty="0">
-                <a:solidFill>
-                  <a:srgbClr val="262626"/>
-                </a:solidFill>
+              <a:t> </a:t>
+            </a:r>
+            <a:r>
+              <a:rPr kumimoji="0" lang="de-CH" sz="2000" b="0" i="0" u="none" strike="noStrike" kern="1200" cap="none" spc="-1" normalizeH="0" baseline="0" noProof="0" dirty="0" err="1">
+                <a:ln>
+                  <a:noFill/>
+                </a:ln>
+                <a:solidFill>
+                  <a:srgbClr val="262626"/>
+                </a:solidFill>
+                <a:effectLst/>
+                <a:uLnTx/>
+                <a:uFillTx/>
                 <a:latin typeface="Calibri"/>
                 <a:ea typeface="Noto Sans CJK SC"/>
               </a:rPr>
-              <a:t>Tools</a:t>
-            </a:r>
-            <a:r>
-              <a:rPr lang="en-US" sz="2000" spc="-1" dirty="0">
-                <a:solidFill>
-                  <a:srgbClr val="262626"/>
-                </a:solidFill>
+              <a:t>the</a:t>
+            </a:r>
+            <a:r>
+              <a:rPr kumimoji="0" lang="de-CH" sz="2000" b="0" i="0" u="none" strike="noStrike" kern="1200" cap="none" spc="-1" normalizeH="0" baseline="0" noProof="0" dirty="0">
+                <a:ln>
+                  <a:noFill/>
+                </a:ln>
+                <a:solidFill>
+                  <a:srgbClr val="262626"/>
+                </a:solidFill>
+                <a:effectLst/>
+                <a:uLnTx/>
+                <a:uFillTx/>
                 <a:latin typeface="Calibri"/>
                 <a:ea typeface="Noto Sans CJK SC"/>
               </a:rPr>
-              <a:t> menu). If needed, modify them to save your workspace and history and to restore them at startup.</a:t>
-            </a:r>
-          </a:p>
-          <a:p>
-            <a:pPr>
-              <a:spcBef>
-                <a:spcPts val="439"/>
-              </a:spcBef>
-            </a:pPr>
-            <a:endParaRPr lang="de-CH" sz="2000" spc="-1" dirty="0">
+              <a:t> following code:</a:t>
+            </a:r>
+            <a:endParaRPr kumimoji="0" lang="en-US" sz="2000" b="0" i="0" u="none" strike="noStrike" kern="1200" cap="none" spc="-1" normalizeH="0" baseline="0" noProof="0" dirty="0">
+              <a:ln>
+                <a:noFill/>
+              </a:ln>
               <a:solidFill>
                 <a:srgbClr val="262626"/>
               </a:solidFill>
-              <a:latin typeface="Calibri"/>
-              <a:ea typeface="Noto Sans CJK SC"/>
-            </a:endParaRPr>
-          </a:p>
-          <a:p>
-            <a:pPr>
-              <a:spcBef>
-                <a:spcPts val="439"/>
-              </a:spcBef>
-            </a:pPr>
-            <a:r>
-              <a:rPr lang="de-CH" sz="2000" spc="-1" dirty="0">
-                <a:solidFill>
-                  <a:srgbClr val="262626"/>
-                </a:solidFill>
-                <a:latin typeface="Calibri"/>
-                <a:ea typeface="Noto Sans CJK SC"/>
-              </a:rPr>
-              <a:t>Check if this works:</a:t>
-            </a:r>
-          </a:p>
-          <a:p>
-            <a:pPr marL="342900" indent="-342900">
-              <a:spcBef>
-                <a:spcPts val="439"/>
-              </a:spcBef>
-              <a:buFont typeface="Arial" panose="020B0604020202020204" pitchFamily="34" charset="0"/>
-              <a:buChar char="•"/>
-            </a:pPr>
-            <a:r>
-              <a:rPr lang="de-CH" sz="2000" spc="-1" dirty="0">
-                <a:solidFill>
-                  <a:srgbClr val="262626"/>
-                </a:solidFill>
-                <a:latin typeface="Calibri"/>
-                <a:ea typeface="Noto Sans CJK SC"/>
-              </a:rPr>
-              <a:t>Close </a:t>
-            </a:r>
-            <a:r>
-              <a:rPr lang="de-CH" sz="2000" spc="-1" dirty="0" err="1">
-                <a:solidFill>
-                  <a:srgbClr val="262626"/>
-                </a:solidFill>
-                <a:latin typeface="Calibri"/>
-                <a:ea typeface="Noto Sans CJK SC"/>
-              </a:rPr>
-              <a:t>RStudio</a:t>
-            </a:r>
-            <a:r>
-              <a:rPr lang="de-CH" sz="2000" spc="-1" dirty="0">
-                <a:solidFill>
-                  <a:srgbClr val="262626"/>
-                </a:solidFill>
-                <a:latin typeface="Calibri"/>
-                <a:ea typeface="Noto Sans CJK SC"/>
-              </a:rPr>
-              <a:t>. </a:t>
-            </a:r>
-          </a:p>
-          <a:p>
-            <a:pPr marL="342900" indent="-342900">
-              <a:spcBef>
-                <a:spcPts val="439"/>
-              </a:spcBef>
-              <a:buFont typeface="Arial" panose="020B0604020202020204" pitchFamily="34" charset="0"/>
-              <a:buChar char="•"/>
-            </a:pPr>
-            <a:r>
-              <a:rPr lang="de-CH" sz="2000" spc="-1" dirty="0">
-                <a:solidFill>
-                  <a:srgbClr val="262626"/>
-                </a:solidFill>
-                <a:latin typeface="Calibri"/>
-                <a:ea typeface="Noto Sans CJK SC"/>
-              </a:rPr>
-              <a:t>In your course folder, (double-)click the .rproj file.</a:t>
-            </a:r>
-          </a:p>
-          <a:p>
-            <a:pPr marL="342900" indent="-342900">
-              <a:spcBef>
-                <a:spcPts val="439"/>
-              </a:spcBef>
-              <a:buFont typeface="Arial" panose="020B0604020202020204" pitchFamily="34" charset="0"/>
-              <a:buChar char="•"/>
-            </a:pPr>
-            <a:r>
-              <a:rPr lang="de-CH" sz="2000" spc="-1" dirty="0">
-                <a:solidFill>
-                  <a:srgbClr val="262626"/>
-                </a:solidFill>
-                <a:latin typeface="Calibri"/>
-                <a:ea typeface="Noto Sans CJK SC"/>
-              </a:rPr>
-              <a:t>Does your project open? Are your variables still in the Environment?</a:t>
-            </a:r>
-          </a:p>
-          <a:p>
-            <a:pPr>
-              <a:spcBef>
-                <a:spcPts val="439"/>
-              </a:spcBef>
-            </a:pPr>
-            <a:endParaRPr lang="de-CH" sz="2000" spc="-1" dirty="0">
-              <a:solidFill>
-                <a:srgbClr val="262626"/>
-              </a:solidFill>
-              <a:latin typeface="Calibri"/>
-              <a:ea typeface="Noto Sans CJK SC"/>
-            </a:endParaRPr>
-          </a:p>
-          <a:p>
-            <a:pPr>
-              <a:spcBef>
-                <a:spcPts val="439"/>
-              </a:spcBef>
-            </a:pPr>
-            <a:r>
-              <a:rPr lang="de-CH" sz="2000" spc="-1" dirty="0">
-                <a:solidFill>
-                  <a:srgbClr val="262626"/>
-                </a:solidFill>
-                <a:latin typeface="Calibri"/>
-                <a:ea typeface="Noto Sans CJK SC"/>
-              </a:rPr>
-              <a:t>Check </a:t>
-            </a:r>
-            <a:r>
-              <a:rPr lang="de-CH" sz="2000" spc="-1" dirty="0" err="1">
-                <a:solidFill>
-                  <a:srgbClr val="262626"/>
-                </a:solidFill>
-                <a:latin typeface="Calibri"/>
-                <a:ea typeface="Noto Sans CJK SC"/>
-              </a:rPr>
-              <a:t>if</a:t>
-            </a:r>
-            <a:r>
-              <a:rPr lang="de-CH" sz="2000" spc="-1" dirty="0">
-                <a:solidFill>
-                  <a:srgbClr val="262626"/>
-                </a:solidFill>
-                <a:latin typeface="Calibri"/>
-                <a:ea typeface="Noto Sans CJK SC"/>
-              </a:rPr>
-              <a:t> </a:t>
-            </a:r>
-            <a:r>
-              <a:rPr lang="de-CH" sz="2000" spc="-1" dirty="0" err="1">
-                <a:solidFill>
-                  <a:srgbClr val="262626"/>
-                </a:solidFill>
-                <a:latin typeface="Calibri"/>
-                <a:ea typeface="Noto Sans CJK SC"/>
-              </a:rPr>
-              <a:t>this</a:t>
-            </a:r>
-            <a:r>
-              <a:rPr lang="de-CH" sz="2000" spc="-1" dirty="0">
-                <a:solidFill>
-                  <a:srgbClr val="262626"/>
-                </a:solidFill>
-                <a:latin typeface="Calibri"/>
-                <a:ea typeface="Noto Sans CJK SC"/>
-              </a:rPr>
-              <a:t> </a:t>
-            </a:r>
-            <a:r>
-              <a:rPr lang="de-CH" sz="2000" spc="-1" dirty="0" err="1">
-                <a:solidFill>
-                  <a:srgbClr val="262626"/>
-                </a:solidFill>
-                <a:latin typeface="Calibri"/>
-                <a:ea typeface="Noto Sans CJK SC"/>
-              </a:rPr>
-              <a:t>works</a:t>
-            </a:r>
-            <a:r>
-              <a:rPr lang="de-CH" sz="2000" spc="-1" dirty="0">
-                <a:solidFill>
-                  <a:srgbClr val="262626"/>
-                </a:solidFill>
-                <a:latin typeface="Calibri"/>
-                <a:ea typeface="Noto Sans CJK SC"/>
-              </a:rPr>
-              <a:t>, </a:t>
-            </a:r>
-            <a:r>
-              <a:rPr lang="de-CH" sz="2000" spc="-1" dirty="0" err="1">
-                <a:solidFill>
-                  <a:srgbClr val="262626"/>
-                </a:solidFill>
-                <a:latin typeface="Calibri"/>
-                <a:ea typeface="Noto Sans CJK SC"/>
-              </a:rPr>
-              <a:t>too</a:t>
-            </a:r>
-            <a:r>
-              <a:rPr lang="de-CH" sz="2000" spc="-1" dirty="0">
-                <a:solidFill>
-                  <a:srgbClr val="262626"/>
-                </a:solidFill>
-                <a:latin typeface="Calibri"/>
-                <a:ea typeface="Noto Sans CJK SC"/>
-              </a:rPr>
-              <a:t>:</a:t>
-            </a:r>
-          </a:p>
-          <a:p>
-            <a:pPr marL="342900" indent="-342900">
-              <a:spcBef>
-                <a:spcPts val="439"/>
-              </a:spcBef>
-              <a:buFont typeface="Arial" panose="020B0604020202020204" pitchFamily="34" charset="0"/>
-              <a:buChar char="•"/>
-            </a:pPr>
-            <a:r>
-              <a:rPr lang="de-CH" sz="2000" spc="-1" dirty="0">
-                <a:solidFill>
-                  <a:srgbClr val="262626"/>
-                </a:solidFill>
-                <a:latin typeface="Calibri"/>
-                <a:ea typeface="Noto Sans CJK SC"/>
-              </a:rPr>
-              <a:t>Close </a:t>
-            </a:r>
-            <a:r>
-              <a:rPr lang="de-CH" sz="2000" spc="-1" dirty="0" err="1">
-                <a:solidFill>
-                  <a:srgbClr val="262626"/>
-                </a:solidFill>
-                <a:latin typeface="Calibri"/>
-                <a:ea typeface="Noto Sans CJK SC"/>
-              </a:rPr>
-              <a:t>RStudio</a:t>
-            </a:r>
-            <a:r>
-              <a:rPr lang="de-CH" sz="2000" spc="-1" dirty="0">
-                <a:solidFill>
-                  <a:srgbClr val="262626"/>
-                </a:solidFill>
-                <a:latin typeface="Calibri"/>
-                <a:ea typeface="Noto Sans CJK SC"/>
-              </a:rPr>
-              <a:t>.</a:t>
-            </a:r>
-          </a:p>
-          <a:p>
-            <a:pPr marL="342900" indent="-342900">
-              <a:spcBef>
-                <a:spcPts val="439"/>
-              </a:spcBef>
-              <a:buFont typeface="Arial" panose="020B0604020202020204" pitchFamily="34" charset="0"/>
-              <a:buChar char="•"/>
-            </a:pPr>
-            <a:r>
-              <a:rPr lang="de-CH" sz="2000" spc="-1" dirty="0">
-                <a:solidFill>
-                  <a:srgbClr val="262626"/>
-                </a:solidFill>
-                <a:latin typeface="Calibri"/>
-                <a:ea typeface="Noto Sans CJK SC"/>
-              </a:rPr>
-              <a:t>Open </a:t>
-            </a:r>
-            <a:r>
-              <a:rPr lang="de-CH" sz="2000" spc="-1" dirty="0" err="1">
-                <a:solidFill>
-                  <a:srgbClr val="262626"/>
-                </a:solidFill>
-                <a:latin typeface="Calibri"/>
-                <a:ea typeface="Noto Sans CJK SC"/>
-              </a:rPr>
-              <a:t>RStudio</a:t>
-            </a:r>
-            <a:r>
-              <a:rPr lang="de-CH" sz="2000" spc="-1" dirty="0">
-                <a:solidFill>
-                  <a:srgbClr val="262626"/>
-                </a:solidFill>
-                <a:latin typeface="Calibri"/>
-                <a:ea typeface="Noto Sans CJK SC"/>
-              </a:rPr>
-              <a:t> </a:t>
-            </a:r>
-            <a:r>
-              <a:rPr lang="de-CH" sz="2000" spc="-1" dirty="0" err="1">
-                <a:solidFill>
-                  <a:srgbClr val="262626"/>
-                </a:solidFill>
-                <a:latin typeface="Calibri"/>
-                <a:ea typeface="Noto Sans CJK SC"/>
-              </a:rPr>
-              <a:t>again</a:t>
-            </a:r>
-            <a:r>
-              <a:rPr lang="de-CH" sz="2000" spc="-1" dirty="0">
-                <a:solidFill>
-                  <a:srgbClr val="262626"/>
-                </a:solidFill>
-                <a:latin typeface="Calibri"/>
-                <a:ea typeface="Noto Sans CJK SC"/>
-              </a:rPr>
-              <a:t>. </a:t>
-            </a:r>
-          </a:p>
-          <a:p>
-            <a:pPr marL="342900" indent="-342900">
-              <a:spcBef>
-                <a:spcPts val="439"/>
-              </a:spcBef>
-              <a:buFont typeface="Arial" panose="020B0604020202020204" pitchFamily="34" charset="0"/>
-              <a:buChar char="•"/>
-            </a:pPr>
-            <a:r>
-              <a:rPr lang="de-CH" sz="2000" spc="-1" dirty="0" err="1">
-                <a:solidFill>
-                  <a:srgbClr val="262626"/>
-                </a:solidFill>
-                <a:latin typeface="Calibri"/>
-                <a:ea typeface="Noto Sans CJK SC"/>
-              </a:rPr>
-              <a:t>Verify</a:t>
-            </a:r>
-            <a:r>
-              <a:rPr lang="de-CH" sz="2000" spc="-1" dirty="0">
-                <a:solidFill>
-                  <a:srgbClr val="262626"/>
-                </a:solidFill>
-                <a:latin typeface="Calibri"/>
-                <a:ea typeface="Noto Sans CJK SC"/>
-              </a:rPr>
-              <a:t> </a:t>
-            </a:r>
-            <a:r>
-              <a:rPr lang="de-CH" sz="2000" spc="-1" dirty="0" err="1">
-                <a:solidFill>
-                  <a:srgbClr val="262626"/>
-                </a:solidFill>
-                <a:latin typeface="Calibri"/>
-                <a:ea typeface="Noto Sans CJK SC"/>
-              </a:rPr>
-              <a:t>that</a:t>
-            </a:r>
-            <a:r>
-              <a:rPr lang="de-CH" sz="2000" spc="-1" dirty="0">
-                <a:solidFill>
-                  <a:srgbClr val="262626"/>
-                </a:solidFill>
-                <a:latin typeface="Calibri"/>
-                <a:ea typeface="Noto Sans CJK SC"/>
-              </a:rPr>
-              <a:t> </a:t>
-            </a:r>
-            <a:r>
-              <a:rPr lang="de-CH" sz="2000" spc="-1" dirty="0" err="1">
-                <a:solidFill>
-                  <a:srgbClr val="262626"/>
-                </a:solidFill>
-                <a:latin typeface="Calibri"/>
-                <a:ea typeface="Noto Sans CJK SC"/>
-              </a:rPr>
-              <a:t>your</a:t>
-            </a:r>
-            <a:r>
-              <a:rPr lang="de-CH" sz="2000" spc="-1" dirty="0">
-                <a:solidFill>
-                  <a:srgbClr val="262626"/>
-                </a:solidFill>
-                <a:latin typeface="Calibri"/>
-                <a:ea typeface="Noto Sans CJK SC"/>
-              </a:rPr>
-              <a:t> </a:t>
-            </a:r>
-            <a:r>
-              <a:rPr lang="de-CH" sz="2000" spc="-1" dirty="0" err="1">
-                <a:solidFill>
-                  <a:srgbClr val="262626"/>
-                </a:solidFill>
-                <a:latin typeface="Calibri"/>
-                <a:ea typeface="Noto Sans CJK SC"/>
-              </a:rPr>
-              <a:t>project</a:t>
-            </a:r>
-            <a:r>
-              <a:rPr lang="de-CH" sz="2000" spc="-1" dirty="0">
-                <a:solidFill>
-                  <a:srgbClr val="262626"/>
-                </a:solidFill>
-                <a:latin typeface="Calibri"/>
-                <a:ea typeface="Noto Sans CJK SC"/>
-              </a:rPr>
-              <a:t> </a:t>
-            </a:r>
-            <a:r>
-              <a:rPr lang="de-CH" sz="2000" spc="-1" dirty="0" err="1">
-                <a:solidFill>
-                  <a:srgbClr val="262626"/>
-                </a:solidFill>
-                <a:latin typeface="Calibri"/>
-                <a:ea typeface="Noto Sans CJK SC"/>
-              </a:rPr>
-              <a:t>is</a:t>
-            </a:r>
-            <a:r>
-              <a:rPr lang="de-CH" sz="2000" spc="-1" dirty="0">
-                <a:solidFill>
-                  <a:srgbClr val="262626"/>
-                </a:solidFill>
-                <a:latin typeface="Calibri"/>
-                <a:ea typeface="Noto Sans CJK SC"/>
-              </a:rPr>
-              <a:t> </a:t>
-            </a:r>
-            <a:r>
-              <a:rPr lang="de-CH" sz="2000" spc="-1" dirty="0" err="1">
-                <a:solidFill>
-                  <a:srgbClr val="262626"/>
-                </a:solidFill>
-                <a:latin typeface="Calibri"/>
-                <a:ea typeface="Noto Sans CJK SC"/>
-              </a:rPr>
-              <a:t>currently</a:t>
-            </a:r>
-            <a:r>
-              <a:rPr lang="de-CH" sz="2000" spc="-1" dirty="0">
-                <a:solidFill>
-                  <a:srgbClr val="262626"/>
-                </a:solidFill>
-                <a:latin typeface="Calibri"/>
-                <a:ea typeface="Noto Sans CJK SC"/>
-              </a:rPr>
-              <a:t> </a:t>
-            </a:r>
-            <a:r>
-              <a:rPr lang="de-CH" sz="2000" spc="-1" dirty="0" err="1">
-                <a:solidFill>
-                  <a:srgbClr val="262626"/>
-                </a:solidFill>
-                <a:latin typeface="Calibri"/>
-                <a:ea typeface="Noto Sans CJK SC"/>
-              </a:rPr>
-              <a:t>closed</a:t>
-            </a:r>
-            <a:r>
-              <a:rPr lang="de-CH" sz="2000" spc="-1" dirty="0">
-                <a:solidFill>
-                  <a:srgbClr val="262626"/>
-                </a:solidFill>
-                <a:latin typeface="Calibri"/>
-                <a:ea typeface="Noto Sans CJK SC"/>
-              </a:rPr>
-              <a:t>. </a:t>
-            </a:r>
-            <a:r>
-              <a:rPr lang="de-CH" sz="2000" spc="-1" dirty="0" err="1">
-                <a:solidFill>
-                  <a:srgbClr val="262626"/>
-                </a:solidFill>
-                <a:latin typeface="Calibri"/>
-                <a:ea typeface="Noto Sans CJK SC"/>
-              </a:rPr>
-              <a:t>How</a:t>
-            </a:r>
-            <a:r>
-              <a:rPr lang="de-CH" sz="2000" spc="-1" dirty="0">
-                <a:solidFill>
-                  <a:srgbClr val="262626"/>
-                </a:solidFill>
-                <a:latin typeface="Calibri"/>
-                <a:ea typeface="Noto Sans CJK SC"/>
-              </a:rPr>
-              <a:t> do </a:t>
-            </a:r>
-            <a:r>
-              <a:rPr lang="de-CH" sz="2000" spc="-1" dirty="0" err="1">
-                <a:solidFill>
-                  <a:srgbClr val="262626"/>
-                </a:solidFill>
-                <a:latin typeface="Calibri"/>
-                <a:ea typeface="Noto Sans CJK SC"/>
-              </a:rPr>
-              <a:t>you</a:t>
-            </a:r>
-            <a:r>
-              <a:rPr lang="de-CH" sz="2000" spc="-1" dirty="0">
-                <a:solidFill>
-                  <a:srgbClr val="262626"/>
-                </a:solidFill>
-                <a:latin typeface="Calibri"/>
-                <a:ea typeface="Noto Sans CJK SC"/>
-              </a:rPr>
-              <a:t> </a:t>
-            </a:r>
-            <a:r>
-              <a:rPr lang="de-CH" sz="2000" spc="-1" dirty="0" err="1">
-                <a:solidFill>
-                  <a:srgbClr val="262626"/>
-                </a:solidFill>
-                <a:latin typeface="Calibri"/>
-                <a:ea typeface="Noto Sans CJK SC"/>
-              </a:rPr>
-              <a:t>see</a:t>
-            </a:r>
-            <a:r>
-              <a:rPr lang="de-CH" sz="2000" spc="-1" dirty="0">
-                <a:solidFill>
-                  <a:srgbClr val="262626"/>
-                </a:solidFill>
-                <a:latin typeface="Calibri"/>
-                <a:ea typeface="Noto Sans CJK SC"/>
-              </a:rPr>
-              <a:t> </a:t>
-            </a:r>
-            <a:r>
-              <a:rPr lang="de-CH" sz="2000" spc="-1" dirty="0" err="1">
-                <a:solidFill>
-                  <a:srgbClr val="262626"/>
-                </a:solidFill>
-                <a:latin typeface="Calibri"/>
-                <a:ea typeface="Noto Sans CJK SC"/>
-              </a:rPr>
-              <a:t>this</a:t>
-            </a:r>
-            <a:r>
-              <a:rPr lang="de-CH" sz="2000" spc="-1" dirty="0">
-                <a:solidFill>
-                  <a:srgbClr val="262626"/>
-                </a:solidFill>
-                <a:latin typeface="Calibri"/>
-                <a:ea typeface="Noto Sans CJK SC"/>
-              </a:rPr>
-              <a:t>?</a:t>
-            </a:r>
-          </a:p>
-          <a:p>
-            <a:pPr marL="342900" indent="-342900">
-              <a:spcBef>
-                <a:spcPts val="439"/>
-              </a:spcBef>
-              <a:buFont typeface="Arial" panose="020B0604020202020204" pitchFamily="34" charset="0"/>
-              <a:buChar char="•"/>
-            </a:pPr>
-            <a:r>
-              <a:rPr lang="de-CH" sz="2000" spc="-1" dirty="0" err="1">
-                <a:solidFill>
-                  <a:srgbClr val="262626"/>
-                </a:solidFill>
-                <a:latin typeface="Calibri"/>
-                <a:ea typeface="Noto Sans CJK SC"/>
-              </a:rPr>
-              <a:t>From</a:t>
-            </a:r>
-            <a:r>
-              <a:rPr lang="de-CH" sz="2000" spc="-1" dirty="0">
-                <a:solidFill>
-                  <a:srgbClr val="262626"/>
-                </a:solidFill>
-                <a:latin typeface="Calibri"/>
-                <a:ea typeface="Noto Sans CJK SC"/>
-              </a:rPr>
-              <a:t> </a:t>
-            </a:r>
-            <a:r>
-              <a:rPr lang="de-CH" sz="2000" spc="-1" dirty="0" err="1">
-                <a:solidFill>
-                  <a:srgbClr val="262626"/>
-                </a:solidFill>
-                <a:latin typeface="Calibri"/>
-                <a:ea typeface="Noto Sans CJK SC"/>
-              </a:rPr>
-              <a:t>inside</a:t>
-            </a:r>
-            <a:r>
-              <a:rPr lang="de-CH" sz="2000" spc="-1" dirty="0">
-                <a:solidFill>
-                  <a:srgbClr val="262626"/>
-                </a:solidFill>
-                <a:latin typeface="Calibri"/>
-                <a:ea typeface="Noto Sans CJK SC"/>
-              </a:rPr>
-              <a:t> </a:t>
-            </a:r>
-            <a:r>
-              <a:rPr lang="de-CH" sz="2000" spc="-1" dirty="0" err="1">
-                <a:solidFill>
-                  <a:srgbClr val="262626"/>
-                </a:solidFill>
-                <a:latin typeface="Calibri"/>
-                <a:ea typeface="Noto Sans CJK SC"/>
-              </a:rPr>
-              <a:t>RStudio</a:t>
-            </a:r>
-            <a:r>
-              <a:rPr lang="de-CH" sz="2000" spc="-1" dirty="0">
-                <a:solidFill>
-                  <a:srgbClr val="262626"/>
-                </a:solidFill>
-                <a:latin typeface="Calibri"/>
-                <a:ea typeface="Noto Sans CJK SC"/>
-              </a:rPr>
-              <a:t>, open </a:t>
-            </a:r>
-            <a:r>
-              <a:rPr lang="de-CH" sz="2000" spc="-1" dirty="0" err="1">
-                <a:solidFill>
-                  <a:srgbClr val="262626"/>
-                </a:solidFill>
-                <a:latin typeface="Calibri"/>
-                <a:ea typeface="Noto Sans CJK SC"/>
-              </a:rPr>
-              <a:t>your</a:t>
-            </a:r>
-            <a:r>
-              <a:rPr lang="de-CH" sz="2000" spc="-1" dirty="0">
-                <a:solidFill>
-                  <a:srgbClr val="262626"/>
-                </a:solidFill>
-                <a:latin typeface="Calibri"/>
-                <a:ea typeface="Noto Sans CJK SC"/>
-              </a:rPr>
-              <a:t> </a:t>
-            </a:r>
-            <a:r>
-              <a:rPr lang="de-CH" sz="2000" spc="-1" dirty="0" err="1">
-                <a:solidFill>
-                  <a:srgbClr val="262626"/>
-                </a:solidFill>
-                <a:latin typeface="Calibri"/>
-                <a:ea typeface="Noto Sans CJK SC"/>
-              </a:rPr>
-              <a:t>project</a:t>
-            </a:r>
-            <a:r>
-              <a:rPr lang="de-CH" sz="2000" spc="-1" dirty="0">
-                <a:solidFill>
-                  <a:srgbClr val="262626"/>
-                </a:solidFill>
-                <a:latin typeface="Calibri"/>
-                <a:ea typeface="Noto Sans CJK SC"/>
-              </a:rPr>
-              <a:t>. Are </a:t>
-            </a:r>
-            <a:r>
-              <a:rPr lang="de-CH" sz="2000" spc="-1" dirty="0" err="1">
-                <a:solidFill>
-                  <a:srgbClr val="262626"/>
-                </a:solidFill>
-                <a:latin typeface="Calibri"/>
-                <a:ea typeface="Noto Sans CJK SC"/>
-              </a:rPr>
-              <a:t>your</a:t>
-            </a:r>
-            <a:r>
-              <a:rPr lang="de-CH" sz="2000" spc="-1" dirty="0">
-                <a:solidFill>
-                  <a:srgbClr val="262626"/>
-                </a:solidFill>
-                <a:latin typeface="Calibri"/>
-                <a:ea typeface="Noto Sans CJK SC"/>
-              </a:rPr>
-              <a:t> variables </a:t>
-            </a:r>
-            <a:r>
-              <a:rPr lang="de-CH" sz="2000" spc="-1" dirty="0" err="1">
-                <a:solidFill>
-                  <a:srgbClr val="262626"/>
-                </a:solidFill>
-                <a:latin typeface="Calibri"/>
-                <a:ea typeface="Noto Sans CJK SC"/>
-              </a:rPr>
-              <a:t>now</a:t>
-            </a:r>
-            <a:r>
-              <a:rPr lang="de-CH" sz="2000" spc="-1" dirty="0">
-                <a:solidFill>
-                  <a:srgbClr val="262626"/>
-                </a:solidFill>
-                <a:latin typeface="Calibri"/>
-                <a:ea typeface="Noto Sans CJK SC"/>
-              </a:rPr>
-              <a:t> in </a:t>
-            </a:r>
-            <a:r>
-              <a:rPr lang="de-CH" sz="2000" spc="-1" dirty="0" err="1">
-                <a:solidFill>
-                  <a:srgbClr val="262626"/>
-                </a:solidFill>
-                <a:latin typeface="Calibri"/>
-                <a:ea typeface="Noto Sans CJK SC"/>
-              </a:rPr>
-              <a:t>the</a:t>
-            </a:r>
-            <a:r>
-              <a:rPr lang="de-CH" sz="2000" spc="-1" dirty="0">
-                <a:solidFill>
-                  <a:srgbClr val="262626"/>
-                </a:solidFill>
-                <a:latin typeface="Calibri"/>
-                <a:ea typeface="Noto Sans CJK SC"/>
-              </a:rPr>
-              <a:t> Environment? </a:t>
-            </a:r>
-          </a:p>
-          <a:p>
-            <a:pPr>
-              <a:spcBef>
-                <a:spcPts val="439"/>
-              </a:spcBef>
-            </a:pPr>
-            <a:endParaRPr lang="en-US" sz="2000" spc="-1" dirty="0">
-              <a:solidFill>
-                <a:srgbClr val="262626"/>
-              </a:solidFill>
+              <a:effectLst/>
+              <a:uLnTx/>
+              <a:uFillTx/>
               <a:latin typeface="Calibri"/>
               <a:ea typeface="Noto Sans CJK SC"/>
             </a:endParaRPr>
@@ -10167,24 +9021,568 @@
           <a:bodyPr lIns="144000" tIns="0" rIns="0" bIns="0" anchor="b"/>
           <a:lstStyle/>
           <a:p>
-            <a:pPr>
+            <a:pPr marL="0" marR="0" lvl="0" indent="0" algn="l" defTabSz="914400" rtl="0" eaLnBrk="1" fontAlgn="auto" latinLnBrk="0" hangingPunct="1">
               <a:lnSpc>
                 <a:spcPct val="90000"/>
               </a:lnSpc>
+              <a:spcBef>
+                <a:spcPts val="0"/>
+              </a:spcBef>
+              <a:spcAft>
+                <a:spcPts val="0"/>
+              </a:spcAft>
+              <a:buClrTx/>
+              <a:buSzTx/>
+              <a:buFontTx/>
+              <a:buNone/>
+              <a:tabLst/>
+              <a:defRPr/>
             </a:pPr>
             <a:r>
-              <a:rPr lang="en-US" sz="4000" spc="-1" dirty="0">
+              <a:rPr kumimoji="0" lang="en-US" sz="4000" b="0" i="0" u="none" strike="noStrike" kern="1200" cap="none" spc="-1" normalizeH="0" baseline="0" noProof="0" dirty="0">
+                <a:ln>
+                  <a:noFill/>
+                </a:ln>
                 <a:solidFill>
                   <a:srgbClr val="4F81BD"/>
                 </a:solidFill>
-                <a:latin typeface="Calibri"/>
-              </a:rPr>
-              <a:t>Let’s practice – 2bis</a:t>
-            </a:r>
-            <a:endParaRPr lang="en-US" sz="4000" spc="-1" dirty="0">
+                <a:effectLst/>
+                <a:uLnTx/>
+                <a:uFillTx/>
+                <a:latin typeface="Calibri"/>
+              </a:rPr>
+              <a:t>Let’s practice – 2 </a:t>
+            </a:r>
+            <a:endParaRPr kumimoji="0" lang="en-US" sz="4000" b="0" i="0" u="none" strike="noStrike" kern="1200" cap="none" spc="-1" normalizeH="0" baseline="0" noProof="0" dirty="0">
+              <a:ln>
+                <a:noFill/>
+              </a:ln>
               <a:solidFill>
                 <a:prstClr val="black"/>
               </a:solidFill>
+              <a:effectLst/>
+              <a:uLnTx/>
+              <a:uFillTx/>
+              <a:latin typeface="Arial"/>
+            </a:endParaRPr>
+          </a:p>
+        </p:txBody>
+      </p:sp>
+      <p:sp>
+        <p:nvSpPr>
+          <p:cNvPr id="2" name="Rectangle 1"/>
+          <p:cNvSpPr/>
+          <p:nvPr/>
+        </p:nvSpPr>
+        <p:spPr>
+          <a:xfrm>
+            <a:off x="400704" y="2364988"/>
+            <a:ext cx="3375535" cy="1477328"/>
+          </a:xfrm>
+          <a:prstGeom prst="rect">
+            <a:avLst/>
+          </a:prstGeom>
+        </p:spPr>
+        <p:txBody>
+          <a:bodyPr wrap="square">
+            <a:spAutoFit/>
+          </a:bodyPr>
+          <a:lstStyle/>
+          <a:p>
+            <a:pPr marL="0" marR="0" lvl="0" indent="0" algn="l" defTabSz="914400" rtl="0" eaLnBrk="1" fontAlgn="auto" latinLnBrk="0" hangingPunct="1">
+              <a:lnSpc>
+                <a:spcPct val="100000"/>
+              </a:lnSpc>
+              <a:spcBef>
+                <a:spcPts val="0"/>
+              </a:spcBef>
+              <a:spcAft>
+                <a:spcPts val="0"/>
+              </a:spcAft>
+              <a:buClrTx/>
+              <a:buSzTx/>
+              <a:buFontTx/>
+              <a:buNone/>
+              <a:tabLst/>
+              <a:defRPr/>
+            </a:pPr>
+            <a:r>
+              <a:rPr kumimoji="0" lang="en-US" sz="1800" b="0" i="0" u="none" strike="noStrike" kern="1200" cap="none" spc="0" normalizeH="0" baseline="0" noProof="0" dirty="0">
+                <a:ln>
+                  <a:noFill/>
+                </a:ln>
+                <a:solidFill>
+                  <a:srgbClr val="4F81BD"/>
+                </a:solidFill>
+                <a:effectLst/>
+                <a:uLnTx/>
+                <a:uFillTx/>
+                <a:latin typeface="Consolas" panose="020B0609020204030204" pitchFamily="49" charset="0"/>
+                <a:cs typeface="Consolas" panose="020B0609020204030204" pitchFamily="49" charset="0"/>
+              </a:rPr>
+              <a:t># First Steps, ex 1</a:t>
+            </a:r>
+          </a:p>
+          <a:p>
+            <a:pPr marL="0" marR="0" lvl="0" indent="0" algn="l" defTabSz="914400" rtl="0" eaLnBrk="1" fontAlgn="auto" latinLnBrk="0" hangingPunct="1">
+              <a:lnSpc>
+                <a:spcPct val="100000"/>
+              </a:lnSpc>
+              <a:spcBef>
+                <a:spcPts val="0"/>
+              </a:spcBef>
+              <a:spcAft>
+                <a:spcPts val="0"/>
+              </a:spcAft>
+              <a:buClrTx/>
+              <a:buSzTx/>
+              <a:buFontTx/>
+              <a:buNone/>
+              <a:tabLst/>
+              <a:defRPr/>
+            </a:pPr>
+            <a:r>
+              <a:rPr kumimoji="0" lang="en-US" sz="1800" b="0" i="0" u="none" strike="noStrike" kern="1200" cap="none" spc="0" normalizeH="0" baseline="0" noProof="0" dirty="0">
+                <a:ln>
+                  <a:noFill/>
+                </a:ln>
+                <a:solidFill>
+                  <a:srgbClr val="4F81BD"/>
+                </a:solidFill>
+                <a:effectLst/>
+                <a:uLnTx/>
+                <a:uFillTx/>
+                <a:latin typeface="Consolas" panose="020B0609020204030204" pitchFamily="49" charset="0"/>
+                <a:cs typeface="Consolas" panose="020B0609020204030204" pitchFamily="49" charset="0"/>
+              </a:rPr>
+              <a:t>w &lt;- 3</a:t>
+            </a:r>
+          </a:p>
+          <a:p>
+            <a:pPr marL="0" marR="0" lvl="0" indent="0" algn="l" defTabSz="914400" rtl="0" eaLnBrk="1" fontAlgn="auto" latinLnBrk="0" hangingPunct="1">
+              <a:lnSpc>
+                <a:spcPct val="100000"/>
+              </a:lnSpc>
+              <a:spcBef>
+                <a:spcPts val="0"/>
+              </a:spcBef>
+              <a:spcAft>
+                <a:spcPts val="0"/>
+              </a:spcAft>
+              <a:buClrTx/>
+              <a:buSzTx/>
+              <a:buFontTx/>
+              <a:buNone/>
+              <a:tabLst/>
+              <a:defRPr/>
+            </a:pPr>
+            <a:r>
+              <a:rPr kumimoji="0" lang="en-US" sz="1800" b="0" i="0" u="none" strike="noStrike" kern="1200" cap="none" spc="0" normalizeH="0" baseline="0" noProof="0" dirty="0">
+                <a:ln>
+                  <a:noFill/>
+                </a:ln>
+                <a:solidFill>
+                  <a:srgbClr val="4F81BD"/>
+                </a:solidFill>
+                <a:effectLst/>
+                <a:uLnTx/>
+                <a:uFillTx/>
+                <a:latin typeface="Consolas" panose="020B0609020204030204" pitchFamily="49" charset="0"/>
+                <a:cs typeface="Consolas" panose="020B0609020204030204" pitchFamily="49" charset="0"/>
+              </a:rPr>
+              <a:t>h &lt;- 0.5</a:t>
+            </a:r>
+          </a:p>
+          <a:p>
+            <a:pPr marL="0" marR="0" lvl="0" indent="0" algn="l" defTabSz="914400" rtl="0" eaLnBrk="1" fontAlgn="auto" latinLnBrk="0" hangingPunct="1">
+              <a:lnSpc>
+                <a:spcPct val="100000"/>
+              </a:lnSpc>
+              <a:spcBef>
+                <a:spcPts val="0"/>
+              </a:spcBef>
+              <a:spcAft>
+                <a:spcPts val="0"/>
+              </a:spcAft>
+              <a:buClrTx/>
+              <a:buSzTx/>
+              <a:buFontTx/>
+              <a:buNone/>
+              <a:tabLst/>
+              <a:defRPr/>
+            </a:pPr>
+            <a:r>
+              <a:rPr kumimoji="0" lang="en-US" sz="1800" b="0" i="0" u="none" strike="noStrike" kern="1200" cap="none" spc="0" normalizeH="0" baseline="0" noProof="0" dirty="0">
+                <a:ln>
+                  <a:noFill/>
+                </a:ln>
+                <a:solidFill>
+                  <a:srgbClr val="4F81BD"/>
+                </a:solidFill>
+                <a:effectLst/>
+                <a:uLnTx/>
+                <a:uFillTx/>
+                <a:latin typeface="Consolas" panose="020B0609020204030204" pitchFamily="49" charset="0"/>
+                <a:cs typeface="Consolas" panose="020B0609020204030204" pitchFamily="49" charset="0"/>
+              </a:rPr>
+              <a:t>area &lt;- w * h</a:t>
+            </a:r>
+          </a:p>
+          <a:p>
+            <a:pPr marL="0" marR="0" lvl="0" indent="0" algn="l" defTabSz="914400" rtl="0" eaLnBrk="1" fontAlgn="auto" latinLnBrk="0" hangingPunct="1">
+              <a:lnSpc>
+                <a:spcPct val="100000"/>
+              </a:lnSpc>
+              <a:spcBef>
+                <a:spcPts val="0"/>
+              </a:spcBef>
+              <a:spcAft>
+                <a:spcPts val="0"/>
+              </a:spcAft>
+              <a:buClrTx/>
+              <a:buSzTx/>
+              <a:buFontTx/>
+              <a:buNone/>
+              <a:tabLst/>
+              <a:defRPr/>
+            </a:pPr>
+            <a:r>
+              <a:rPr kumimoji="0" lang="en-US" sz="1800" b="0" i="0" u="none" strike="noStrike" kern="1200" cap="none" spc="0" normalizeH="0" baseline="0" noProof="0" dirty="0">
+                <a:ln>
+                  <a:noFill/>
+                </a:ln>
+                <a:solidFill>
+                  <a:srgbClr val="4F81BD"/>
+                </a:solidFill>
+                <a:effectLst/>
+                <a:uLnTx/>
+                <a:uFillTx/>
+                <a:latin typeface="Consolas" panose="020B0609020204030204" pitchFamily="49" charset="0"/>
+                <a:cs typeface="Consolas" panose="020B0609020204030204" pitchFamily="49" charset="0"/>
+              </a:rPr>
+              <a:t>area</a:t>
+            </a:r>
+          </a:p>
+        </p:txBody>
+      </p:sp>
+      <p:sp>
+        <p:nvSpPr>
+          <p:cNvPr id="8" name="CustomShape 2"/>
+          <p:cNvSpPr/>
+          <p:nvPr/>
+        </p:nvSpPr>
+        <p:spPr>
+          <a:xfrm>
+            <a:off x="240994" y="3949504"/>
+            <a:ext cx="8553600" cy="775873"/>
+          </a:xfrm>
+          <a:prstGeom prst="rect">
+            <a:avLst/>
+          </a:prstGeom>
+          <a:noFill/>
+          <a:ln>
+            <a:noFill/>
+          </a:ln>
+        </p:spPr>
+        <p:style>
+          <a:lnRef idx="0">
+            <a:scrgbClr r="0" g="0" b="0"/>
+          </a:lnRef>
+          <a:fillRef idx="0">
+            <a:scrgbClr r="0" g="0" b="0"/>
+          </a:fillRef>
+          <a:effectRef idx="0">
+            <a:scrgbClr r="0" g="0" b="0"/>
+          </a:effectRef>
+          <a:fontRef idx="minor"/>
+        </p:style>
+        <p:txBody>
+          <a:bodyPr lIns="0" tIns="0" rIns="0" bIns="0"/>
+          <a:lstStyle/>
+          <a:p>
+            <a:pPr marL="0" marR="0" lvl="0" indent="0" algn="l" defTabSz="914400" rtl="0" eaLnBrk="1" fontAlgn="auto" latinLnBrk="0" hangingPunct="1">
+              <a:lnSpc>
+                <a:spcPct val="100000"/>
+              </a:lnSpc>
+              <a:spcBef>
+                <a:spcPts val="0"/>
+              </a:spcBef>
+              <a:spcAft>
+                <a:spcPts val="600"/>
+              </a:spcAft>
+              <a:buClrTx/>
+              <a:buSzTx/>
+              <a:buFontTx/>
+              <a:buNone/>
+              <a:tabLst/>
+              <a:defRPr/>
+            </a:pPr>
+            <a:r>
+              <a:rPr kumimoji="0" lang="de-CH" sz="2000" b="1" i="0" u="none" strike="noStrike" kern="1200" cap="none" spc="-1" normalizeH="0" baseline="0" noProof="0" dirty="0">
+                <a:ln>
+                  <a:noFill/>
+                </a:ln>
+                <a:solidFill>
+                  <a:srgbClr val="262626"/>
+                </a:solidFill>
+                <a:effectLst/>
+                <a:uLnTx/>
+                <a:uFillTx/>
+                <a:latin typeface="Calibri"/>
+                <a:ea typeface="Noto Sans CJK SC"/>
+              </a:rPr>
+              <a:t>2) Look at the script (before trying to run it)</a:t>
+            </a:r>
+          </a:p>
+          <a:p>
+            <a:pPr marL="342900" marR="0" lvl="0" indent="-342900" algn="l" defTabSz="914400" rtl="0" eaLnBrk="1" fontAlgn="auto" latinLnBrk="0" hangingPunct="1">
+              <a:lnSpc>
+                <a:spcPct val="100000"/>
+              </a:lnSpc>
+              <a:spcBef>
+                <a:spcPts val="0"/>
+              </a:spcBef>
+              <a:spcAft>
+                <a:spcPts val="600"/>
+              </a:spcAft>
+              <a:buClrTx/>
+              <a:buSzTx/>
+              <a:buFont typeface="Arial" panose="020B0604020202020204" pitchFamily="34" charset="0"/>
+              <a:buChar char="•"/>
+              <a:tabLst/>
+              <a:defRPr/>
+            </a:pPr>
+            <a:r>
+              <a:rPr kumimoji="0" lang="de-CH" sz="2000" b="0" i="0" u="none" strike="noStrike" kern="1200" cap="none" spc="-1" normalizeH="0" baseline="0" noProof="0" dirty="0">
+                <a:ln>
+                  <a:noFill/>
+                </a:ln>
+                <a:solidFill>
+                  <a:srgbClr val="262626"/>
+                </a:solidFill>
+                <a:effectLst/>
+                <a:uLnTx/>
+                <a:uFillTx/>
+                <a:latin typeface="Calibri"/>
+                <a:ea typeface="Noto Sans CJK SC"/>
+              </a:rPr>
+              <a:t>Can you understand each line? What do you expect it to print to the console?</a:t>
+            </a:r>
+            <a:endParaRPr kumimoji="0" lang="de-CH" sz="2000" b="0" i="0" u="none" strike="noStrike" kern="1200" cap="none" spc="-1" normalizeH="0" baseline="0" noProof="0" dirty="0">
+              <a:ln>
+                <a:noFill/>
+              </a:ln>
+              <a:solidFill>
+                <a:srgbClr val="262626"/>
+              </a:solidFill>
+              <a:effectLst/>
+              <a:uLnTx/>
+              <a:uFillTx/>
+              <a:latin typeface="Calibri"/>
+            </a:endParaRPr>
+          </a:p>
+          <a:p>
+            <a:pPr marL="342900" marR="0" lvl="0" indent="-342900" algn="l" defTabSz="914400" rtl="0" eaLnBrk="1" fontAlgn="auto" latinLnBrk="0" hangingPunct="1">
+              <a:lnSpc>
+                <a:spcPct val="100000"/>
+              </a:lnSpc>
+              <a:spcBef>
+                <a:spcPts val="0"/>
+              </a:spcBef>
+              <a:spcAft>
+                <a:spcPts val="600"/>
+              </a:spcAft>
+              <a:buClrTx/>
+              <a:buSzTx/>
+              <a:buFont typeface="Arial" panose="020B0604020202020204" pitchFamily="34" charset="0"/>
+              <a:buChar char="•"/>
+              <a:tabLst/>
+              <a:defRPr/>
+            </a:pPr>
+            <a:endParaRPr kumimoji="0" lang="de-CH" sz="2000" b="0" i="0" u="none" strike="noStrike" kern="1200" cap="none" spc="-1" normalizeH="0" baseline="0" noProof="0" dirty="0">
+              <a:ln>
+                <a:noFill/>
+              </a:ln>
+              <a:solidFill>
+                <a:srgbClr val="262626"/>
+              </a:solidFill>
+              <a:effectLst/>
+              <a:uLnTx/>
+              <a:uFillTx/>
+              <a:latin typeface="Calibri"/>
+              <a:ea typeface="Noto Sans CJK SC"/>
+            </a:endParaRPr>
+          </a:p>
+        </p:txBody>
+      </p:sp>
+      <p:sp>
+        <p:nvSpPr>
+          <p:cNvPr id="7" name="CustomShape 2"/>
+          <p:cNvSpPr/>
+          <p:nvPr/>
+        </p:nvSpPr>
+        <p:spPr>
+          <a:xfrm>
+            <a:off x="258480" y="4832565"/>
+            <a:ext cx="8754891" cy="1869823"/>
+          </a:xfrm>
+          <a:prstGeom prst="rect">
+            <a:avLst/>
+          </a:prstGeom>
+          <a:noFill/>
+          <a:ln>
+            <a:noFill/>
+          </a:ln>
+        </p:spPr>
+        <p:style>
+          <a:lnRef idx="0">
+            <a:scrgbClr r="0" g="0" b="0"/>
+          </a:lnRef>
+          <a:fillRef idx="0">
+            <a:scrgbClr r="0" g="0" b="0"/>
+          </a:fillRef>
+          <a:effectRef idx="0">
+            <a:scrgbClr r="0" g="0" b="0"/>
+          </a:effectRef>
+          <a:fontRef idx="minor"/>
+        </p:style>
+        <p:txBody>
+          <a:bodyPr lIns="0" tIns="0" rIns="0" bIns="0"/>
+          <a:lstStyle/>
+          <a:p>
+            <a:pPr marL="0" marR="0" lvl="0" indent="0" algn="l" defTabSz="914400" rtl="0" eaLnBrk="1" fontAlgn="auto" latinLnBrk="0" hangingPunct="1">
+              <a:lnSpc>
+                <a:spcPct val="100000"/>
+              </a:lnSpc>
+              <a:spcBef>
+                <a:spcPts val="0"/>
+              </a:spcBef>
+              <a:spcAft>
+                <a:spcPts val="600"/>
+              </a:spcAft>
+              <a:buClrTx/>
+              <a:buSzTx/>
+              <a:buFontTx/>
+              <a:buNone/>
+              <a:tabLst/>
+              <a:defRPr/>
+            </a:pPr>
+            <a:r>
+              <a:rPr kumimoji="0" lang="de-CH" sz="2000" b="1" i="0" u="none" strike="noStrike" kern="1200" cap="none" spc="-1" normalizeH="0" baseline="0" noProof="0" dirty="0">
+                <a:ln>
+                  <a:noFill/>
+                </a:ln>
+                <a:solidFill>
+                  <a:srgbClr val="262626"/>
+                </a:solidFill>
+                <a:effectLst/>
+                <a:uLnTx/>
+                <a:uFillTx/>
+                <a:latin typeface="Calibri"/>
+              </a:rPr>
+              <a:t>3) Run the script and explore RStudio features</a:t>
+            </a:r>
+          </a:p>
+          <a:p>
+            <a:pPr marL="342900" marR="0" lvl="0" indent="-342900" algn="l" defTabSz="914400" rtl="0" eaLnBrk="1" fontAlgn="auto" latinLnBrk="0" hangingPunct="1">
+              <a:lnSpc>
+                <a:spcPct val="100000"/>
+              </a:lnSpc>
+              <a:spcBef>
+                <a:spcPts val="0"/>
+              </a:spcBef>
+              <a:spcAft>
+                <a:spcPts val="600"/>
+              </a:spcAft>
+              <a:buClrTx/>
+              <a:buSzTx/>
+              <a:buFont typeface="Arial" panose="020B0604020202020204" pitchFamily="34" charset="0"/>
+              <a:buChar char="•"/>
+              <a:tabLst/>
+              <a:defRPr/>
+            </a:pPr>
+            <a:r>
+              <a:rPr kumimoji="0" lang="de-CH" sz="2000" b="0" i="0" u="none" strike="noStrike" kern="1200" cap="none" spc="-1" normalizeH="0" baseline="0" noProof="0" dirty="0">
+                <a:ln>
+                  <a:noFill/>
+                </a:ln>
+                <a:solidFill>
+                  <a:srgbClr val="262626"/>
+                </a:solidFill>
+                <a:effectLst/>
+                <a:uLnTx/>
+                <a:uFillTx/>
+                <a:latin typeface="Calibri"/>
+                <a:ea typeface="Noto Sans CJK SC"/>
+              </a:rPr>
+              <a:t>Run the script line by line. Try both the "Run" button and the keyboard shortcut.  Watch variables appear in the Environment panel (top right).</a:t>
+            </a:r>
+          </a:p>
+          <a:p>
+            <a:pPr marL="342900" marR="0" lvl="0" indent="-342900" algn="l" defTabSz="914400" rtl="0" eaLnBrk="1" fontAlgn="auto" latinLnBrk="0" hangingPunct="1">
+              <a:lnSpc>
+                <a:spcPct val="100000"/>
+              </a:lnSpc>
+              <a:spcBef>
+                <a:spcPts val="0"/>
+              </a:spcBef>
+              <a:spcAft>
+                <a:spcPts val="600"/>
+              </a:spcAft>
+              <a:buClrTx/>
+              <a:buSzTx/>
+              <a:buFont typeface="Arial" panose="020B0604020202020204" pitchFamily="34" charset="0"/>
+              <a:buChar char="•"/>
+              <a:tabLst/>
+              <a:defRPr/>
+            </a:pPr>
+            <a:r>
+              <a:rPr kumimoji="0" lang="de-CH" sz="2000" b="0" i="0" u="none" strike="noStrike" kern="1200" cap="none" spc="-1" normalizeH="0" baseline="0" noProof="0" dirty="0">
+                <a:ln>
+                  <a:noFill/>
+                </a:ln>
+                <a:solidFill>
+                  <a:srgbClr val="262626"/>
+                </a:solidFill>
+                <a:effectLst/>
+                <a:uLnTx/>
+                <a:uFillTx/>
+                <a:latin typeface="Calibri"/>
+                <a:ea typeface="Noto Sans CJK SC"/>
+              </a:rPr>
+              <a:t>Watch what is printed to the console (bottom left). Does it match your expectation?</a:t>
+            </a:r>
+          </a:p>
+          <a:p>
+            <a:pPr marL="342900" marR="0" lvl="0" indent="-342900" algn="l" defTabSz="914400" rtl="0" eaLnBrk="1" fontAlgn="auto" latinLnBrk="0" hangingPunct="1">
+              <a:lnSpc>
+                <a:spcPct val="100000"/>
+              </a:lnSpc>
+              <a:spcBef>
+                <a:spcPts val="0"/>
+              </a:spcBef>
+              <a:spcAft>
+                <a:spcPts val="600"/>
+              </a:spcAft>
+              <a:buClrTx/>
+              <a:buSzTx/>
+              <a:buFont typeface="Arial" panose="020B0604020202020204" pitchFamily="34" charset="0"/>
+              <a:buChar char="•"/>
+              <a:tabLst/>
+              <a:defRPr/>
+            </a:pPr>
+            <a:endParaRPr kumimoji="0" lang="de-CH" sz="2000" b="0" i="0" u="none" strike="noStrike" kern="1200" cap="none" spc="-1" normalizeH="0" baseline="0" noProof="0" dirty="0">
+              <a:ln>
+                <a:noFill/>
+              </a:ln>
+              <a:solidFill>
+                <a:srgbClr val="262626"/>
+              </a:solidFill>
+              <a:effectLst/>
+              <a:uLnTx/>
+              <a:uFillTx/>
+              <a:latin typeface="Calibri"/>
+              <a:ea typeface="Noto Sans CJK SC"/>
             </a:endParaRPr>
           </a:p>
         </p:txBody>
@@ -10192,7 +9590,7 @@
     </p:spTree>
     <p:extLst>
       <p:ext uri="{BB962C8B-B14F-4D97-AF65-F5344CB8AC3E}">
-        <p14:creationId xmlns:p14="http://schemas.microsoft.com/office/powerpoint/2010/main" val="3914241962"/>
+        <p14:creationId xmlns:p14="http://schemas.microsoft.com/office/powerpoint/2010/main" val="3326619997"/>
       </p:ext>
     </p:extLst>
   </p:cSld>
@@ -10248,14 +9646,14 @@
       </p:grpSpPr>
       <p:sp>
         <p:nvSpPr>
-          <p:cNvPr id="789" name="CustomShape 1"/>
+          <p:cNvPr id="198" name="CustomShape 1"/>
           <p:cNvSpPr/>
           <p:nvPr/>
         </p:nvSpPr>
         <p:spPr>
           <a:xfrm>
             <a:off x="258480" y="216720"/>
-            <a:ext cx="8635320" cy="6377040"/>
+            <a:ext cx="8636760" cy="6378480"/>
           </a:xfrm>
           <a:prstGeom prst="rect">
             <a:avLst/>
@@ -10280,14 +9678,14 @@
       </p:sp>
       <p:sp>
         <p:nvSpPr>
-          <p:cNvPr id="790" name="CustomShape 2"/>
+          <p:cNvPr id="199" name="CustomShape 2"/>
           <p:cNvSpPr/>
           <p:nvPr/>
         </p:nvSpPr>
         <p:spPr>
           <a:xfrm>
-            <a:off x="258480" y="-46800"/>
-            <a:ext cx="7938000" cy="604440"/>
+            <a:off x="393480" y="1366576"/>
+            <a:ext cx="8470440" cy="5135824"/>
           </a:xfrm>
           <a:prstGeom prst="rect">
             <a:avLst/>
@@ -10310,66 +9708,826 @@
           <a:fontRef idx="minor"/>
         </p:style>
         <p:txBody>
-          <a:bodyPr lIns="144000" tIns="0" rIns="0" bIns="0" anchor="b"/>
-          <a:lstStyle/>
-          <a:p>
-            <a:pPr marL="0" marR="0" lvl="0" indent="0" algn="l" defTabSz="914400" rtl="0" eaLnBrk="1" fontAlgn="auto" latinLnBrk="0" hangingPunct="1">
-              <a:lnSpc>
-                <a:spcPct val="90000"/>
-              </a:lnSpc>
+          <a:bodyPr lIns="0" tIns="0" rIns="0" bIns="0"/>
+          <a:lstStyle/>
+          <a:p>
+            <a:pPr>
               <a:spcBef>
-                <a:spcPts val="0"/>
+                <a:spcPts val="439"/>
               </a:spcBef>
-              <a:spcAft>
-                <a:spcPts val="0"/>
-              </a:spcAft>
-              <a:buClrTx/>
-              <a:buSzTx/>
-              <a:buFontTx/>
-              <a:buNone/>
-              <a:tabLst/>
-              <a:defRPr/>
             </a:pPr>
             <a:r>
-              <a:rPr kumimoji="0" lang="en-US" sz="4000" b="0" i="0" u="none" strike="noStrike" kern="1200" cap="none" spc="-1" normalizeH="0" baseline="0" noProof="0">
-                <a:ln>
-                  <a:noFill/>
-                </a:ln>
-                <a:solidFill>
-                  <a:srgbClr val="4F81BD"/>
-                </a:solidFill>
-                <a:effectLst/>
-                <a:uLnTx/>
-                <a:uFillTx/>
-                <a:latin typeface="Calibri"/>
-              </a:rPr>
-              <a:t>Let’s practice – 3 </a:t>
-            </a:r>
-            <a:endParaRPr kumimoji="0" lang="en-US" sz="4000" b="0" i="0" u="none" strike="noStrike" kern="1200" cap="none" spc="-1" normalizeH="0" baseline="0" noProof="0">
-              <a:ln>
-                <a:noFill/>
-              </a:ln>
+              <a:rPr lang="de-CH" sz="2000" spc="-1" dirty="0">
+                <a:solidFill>
+                  <a:srgbClr val="262626"/>
+                </a:solidFill>
+                <a:latin typeface="Calibri"/>
+                <a:ea typeface="Noto Sans CJK SC"/>
+              </a:rPr>
+              <a:t>4) Look at the </a:t>
+            </a:r>
+            <a:r>
+              <a:rPr lang="de-CH" sz="2000" spc="-1" dirty="0" err="1">
+                <a:solidFill>
+                  <a:srgbClr val="262626"/>
+                </a:solidFill>
+                <a:latin typeface="Calibri"/>
+                <a:ea typeface="Noto Sans CJK SC"/>
+              </a:rPr>
+              <a:t>project</a:t>
+            </a:r>
+            <a:r>
+              <a:rPr lang="de-CH" sz="2000" spc="-1" dirty="0">
+                <a:solidFill>
+                  <a:srgbClr val="262626"/>
+                </a:solidFill>
+                <a:latin typeface="Calibri"/>
+                <a:ea typeface="Noto Sans CJK SC"/>
+              </a:rPr>
+              <a:t> </a:t>
+            </a:r>
+            <a:r>
+              <a:rPr lang="de-CH" sz="2000" spc="-1" dirty="0" err="1">
+                <a:solidFill>
+                  <a:srgbClr val="262626"/>
+                </a:solidFill>
+                <a:latin typeface="Calibri"/>
+                <a:ea typeface="Noto Sans CJK SC"/>
+              </a:rPr>
+              <a:t>options</a:t>
+            </a:r>
+            <a:r>
+              <a:rPr lang="en-US" sz="2000" spc="-1" dirty="0">
+                <a:solidFill>
+                  <a:srgbClr val="262626"/>
+                </a:solidFill>
+                <a:latin typeface="Calibri"/>
+                <a:ea typeface="Noto Sans CJK SC"/>
+              </a:rPr>
+              <a:t> (RStudio’s </a:t>
+            </a:r>
+            <a:r>
+              <a:rPr lang="en-US" sz="2000" i="1" spc="-1" dirty="0">
+                <a:solidFill>
+                  <a:srgbClr val="262626"/>
+                </a:solidFill>
+                <a:latin typeface="Calibri"/>
+                <a:ea typeface="Noto Sans CJK SC"/>
+              </a:rPr>
+              <a:t>Tools</a:t>
+            </a:r>
+            <a:r>
+              <a:rPr lang="en-US" sz="2000" spc="-1" dirty="0">
+                <a:solidFill>
+                  <a:srgbClr val="262626"/>
+                </a:solidFill>
+                <a:latin typeface="Calibri"/>
+                <a:ea typeface="Noto Sans CJK SC"/>
+              </a:rPr>
+              <a:t> menu). If needed, modify them to save your workspace and history and to restore them at startup.</a:t>
+            </a:r>
+          </a:p>
+          <a:p>
+            <a:pPr>
+              <a:spcBef>
+                <a:spcPts val="439"/>
+              </a:spcBef>
+            </a:pPr>
+            <a:endParaRPr lang="de-CH" sz="2000" spc="-1" dirty="0">
               <a:solidFill>
-                <a:prstClr val="black"/>
+                <a:srgbClr val="262626"/>
               </a:solidFill>
-              <a:effectLst/>
-              <a:uLnTx/>
-              <a:uFillTx/>
-              <a:latin typeface="Arial"/>
-            </a:endParaRPr>
-          </a:p>
-        </p:txBody>
-      </p:sp>
-      <p:sp>
-        <p:nvSpPr>
-          <p:cNvPr id="791" name="CustomShape 3"/>
+              <a:latin typeface="Calibri"/>
+              <a:ea typeface="Noto Sans CJK SC"/>
+            </a:endParaRPr>
+          </a:p>
+          <a:p>
+            <a:pPr>
+              <a:spcBef>
+                <a:spcPts val="439"/>
+              </a:spcBef>
+            </a:pPr>
+            <a:r>
+              <a:rPr lang="de-CH" sz="2000" spc="-1" dirty="0">
+                <a:solidFill>
+                  <a:srgbClr val="262626"/>
+                </a:solidFill>
+                <a:latin typeface="Calibri"/>
+                <a:ea typeface="Noto Sans CJK SC"/>
+              </a:rPr>
+              <a:t>Check if this works:</a:t>
+            </a:r>
+          </a:p>
+          <a:p>
+            <a:pPr marL="342900" indent="-342900">
+              <a:spcBef>
+                <a:spcPts val="439"/>
+              </a:spcBef>
+              <a:buFont typeface="Arial" panose="020B0604020202020204" pitchFamily="34" charset="0"/>
+              <a:buChar char="•"/>
+            </a:pPr>
+            <a:r>
+              <a:rPr lang="de-CH" sz="2000" spc="-1" dirty="0">
+                <a:solidFill>
+                  <a:srgbClr val="262626"/>
+                </a:solidFill>
+                <a:latin typeface="Calibri"/>
+                <a:ea typeface="Noto Sans CJK SC"/>
+              </a:rPr>
+              <a:t>Close </a:t>
+            </a:r>
+            <a:r>
+              <a:rPr lang="de-CH" sz="2000" spc="-1" dirty="0" err="1">
+                <a:solidFill>
+                  <a:srgbClr val="262626"/>
+                </a:solidFill>
+                <a:latin typeface="Calibri"/>
+                <a:ea typeface="Noto Sans CJK SC"/>
+              </a:rPr>
+              <a:t>RStudio</a:t>
+            </a:r>
+            <a:r>
+              <a:rPr lang="de-CH" sz="2000" spc="-1" dirty="0">
+                <a:solidFill>
+                  <a:srgbClr val="262626"/>
+                </a:solidFill>
+                <a:latin typeface="Calibri"/>
+                <a:ea typeface="Noto Sans CJK SC"/>
+              </a:rPr>
+              <a:t>. </a:t>
+            </a:r>
+          </a:p>
+          <a:p>
+            <a:pPr marL="342900" indent="-342900">
+              <a:spcBef>
+                <a:spcPts val="439"/>
+              </a:spcBef>
+              <a:buFont typeface="Arial" panose="020B0604020202020204" pitchFamily="34" charset="0"/>
+              <a:buChar char="•"/>
+            </a:pPr>
+            <a:r>
+              <a:rPr lang="de-CH" sz="2000" spc="-1" dirty="0">
+                <a:solidFill>
+                  <a:srgbClr val="262626"/>
+                </a:solidFill>
+                <a:latin typeface="Calibri"/>
+                <a:ea typeface="Noto Sans CJK SC"/>
+              </a:rPr>
+              <a:t>In your course folder, (double-)click the .rproj file.</a:t>
+            </a:r>
+          </a:p>
+          <a:p>
+            <a:pPr marL="342900" indent="-342900">
+              <a:spcBef>
+                <a:spcPts val="439"/>
+              </a:spcBef>
+              <a:buFont typeface="Arial" panose="020B0604020202020204" pitchFamily="34" charset="0"/>
+              <a:buChar char="•"/>
+            </a:pPr>
+            <a:r>
+              <a:rPr lang="de-CH" sz="2000" spc="-1" dirty="0">
+                <a:solidFill>
+                  <a:srgbClr val="262626"/>
+                </a:solidFill>
+                <a:latin typeface="Calibri"/>
+                <a:ea typeface="Noto Sans CJK SC"/>
+              </a:rPr>
+              <a:t>Does your project open? Are your variables still in the Environment?</a:t>
+            </a:r>
+          </a:p>
+          <a:p>
+            <a:pPr>
+              <a:spcBef>
+                <a:spcPts val="439"/>
+              </a:spcBef>
+            </a:pPr>
+            <a:endParaRPr lang="de-CH" sz="2000" spc="-1" dirty="0">
+              <a:solidFill>
+                <a:srgbClr val="262626"/>
+              </a:solidFill>
+              <a:latin typeface="Calibri"/>
+              <a:ea typeface="Noto Sans CJK SC"/>
+            </a:endParaRPr>
+          </a:p>
+          <a:p>
+            <a:pPr>
+              <a:spcBef>
+                <a:spcPts val="439"/>
+              </a:spcBef>
+            </a:pPr>
+            <a:r>
+              <a:rPr lang="de-CH" sz="2000" spc="-1" dirty="0">
+                <a:solidFill>
+                  <a:srgbClr val="262626"/>
+                </a:solidFill>
+                <a:latin typeface="Calibri"/>
+                <a:ea typeface="Noto Sans CJK SC"/>
+              </a:rPr>
+              <a:t>Check </a:t>
+            </a:r>
+            <a:r>
+              <a:rPr lang="de-CH" sz="2000" spc="-1" dirty="0" err="1">
+                <a:solidFill>
+                  <a:srgbClr val="262626"/>
+                </a:solidFill>
+                <a:latin typeface="Calibri"/>
+                <a:ea typeface="Noto Sans CJK SC"/>
+              </a:rPr>
+              <a:t>if</a:t>
+            </a:r>
+            <a:r>
+              <a:rPr lang="de-CH" sz="2000" spc="-1" dirty="0">
+                <a:solidFill>
+                  <a:srgbClr val="262626"/>
+                </a:solidFill>
+                <a:latin typeface="Calibri"/>
+                <a:ea typeface="Noto Sans CJK SC"/>
+              </a:rPr>
+              <a:t> </a:t>
+            </a:r>
+            <a:r>
+              <a:rPr lang="de-CH" sz="2000" spc="-1" dirty="0" err="1">
+                <a:solidFill>
+                  <a:srgbClr val="262626"/>
+                </a:solidFill>
+                <a:latin typeface="Calibri"/>
+                <a:ea typeface="Noto Sans CJK SC"/>
+              </a:rPr>
+              <a:t>this</a:t>
+            </a:r>
+            <a:r>
+              <a:rPr lang="de-CH" sz="2000" spc="-1" dirty="0">
+                <a:solidFill>
+                  <a:srgbClr val="262626"/>
+                </a:solidFill>
+                <a:latin typeface="Calibri"/>
+                <a:ea typeface="Noto Sans CJK SC"/>
+              </a:rPr>
+              <a:t> </a:t>
+            </a:r>
+            <a:r>
+              <a:rPr lang="de-CH" sz="2000" spc="-1" dirty="0" err="1">
+                <a:solidFill>
+                  <a:srgbClr val="262626"/>
+                </a:solidFill>
+                <a:latin typeface="Calibri"/>
+                <a:ea typeface="Noto Sans CJK SC"/>
+              </a:rPr>
+              <a:t>works</a:t>
+            </a:r>
+            <a:r>
+              <a:rPr lang="de-CH" sz="2000" spc="-1" dirty="0">
+                <a:solidFill>
+                  <a:srgbClr val="262626"/>
+                </a:solidFill>
+                <a:latin typeface="Calibri"/>
+                <a:ea typeface="Noto Sans CJK SC"/>
+              </a:rPr>
+              <a:t>, </a:t>
+            </a:r>
+            <a:r>
+              <a:rPr lang="de-CH" sz="2000" spc="-1" dirty="0" err="1">
+                <a:solidFill>
+                  <a:srgbClr val="262626"/>
+                </a:solidFill>
+                <a:latin typeface="Calibri"/>
+                <a:ea typeface="Noto Sans CJK SC"/>
+              </a:rPr>
+              <a:t>too</a:t>
+            </a:r>
+            <a:r>
+              <a:rPr lang="de-CH" sz="2000" spc="-1" dirty="0">
+                <a:solidFill>
+                  <a:srgbClr val="262626"/>
+                </a:solidFill>
+                <a:latin typeface="Calibri"/>
+                <a:ea typeface="Noto Sans CJK SC"/>
+              </a:rPr>
+              <a:t>:</a:t>
+            </a:r>
+          </a:p>
+          <a:p>
+            <a:pPr marL="342900" indent="-342900">
+              <a:spcBef>
+                <a:spcPts val="439"/>
+              </a:spcBef>
+              <a:buFont typeface="Arial" panose="020B0604020202020204" pitchFamily="34" charset="0"/>
+              <a:buChar char="•"/>
+            </a:pPr>
+            <a:r>
+              <a:rPr lang="de-CH" sz="2000" spc="-1" dirty="0">
+                <a:solidFill>
+                  <a:srgbClr val="262626"/>
+                </a:solidFill>
+                <a:latin typeface="Calibri"/>
+                <a:ea typeface="Noto Sans CJK SC"/>
+              </a:rPr>
+              <a:t>Close </a:t>
+            </a:r>
+            <a:r>
+              <a:rPr lang="de-CH" sz="2000" spc="-1" dirty="0" err="1">
+                <a:solidFill>
+                  <a:srgbClr val="262626"/>
+                </a:solidFill>
+                <a:latin typeface="Calibri"/>
+                <a:ea typeface="Noto Sans CJK SC"/>
+              </a:rPr>
+              <a:t>RStudio</a:t>
+            </a:r>
+            <a:r>
+              <a:rPr lang="de-CH" sz="2000" spc="-1" dirty="0">
+                <a:solidFill>
+                  <a:srgbClr val="262626"/>
+                </a:solidFill>
+                <a:latin typeface="Calibri"/>
+                <a:ea typeface="Noto Sans CJK SC"/>
+              </a:rPr>
+              <a:t>.</a:t>
+            </a:r>
+          </a:p>
+          <a:p>
+            <a:pPr marL="342900" indent="-342900">
+              <a:spcBef>
+                <a:spcPts val="439"/>
+              </a:spcBef>
+              <a:buFont typeface="Arial" panose="020B0604020202020204" pitchFamily="34" charset="0"/>
+              <a:buChar char="•"/>
+            </a:pPr>
+            <a:r>
+              <a:rPr lang="de-CH" sz="2000" spc="-1" dirty="0">
+                <a:solidFill>
+                  <a:srgbClr val="262626"/>
+                </a:solidFill>
+                <a:latin typeface="Calibri"/>
+                <a:ea typeface="Noto Sans CJK SC"/>
+              </a:rPr>
+              <a:t>Open </a:t>
+            </a:r>
+            <a:r>
+              <a:rPr lang="de-CH" sz="2000" spc="-1" dirty="0" err="1">
+                <a:solidFill>
+                  <a:srgbClr val="262626"/>
+                </a:solidFill>
+                <a:latin typeface="Calibri"/>
+                <a:ea typeface="Noto Sans CJK SC"/>
+              </a:rPr>
+              <a:t>RStudio</a:t>
+            </a:r>
+            <a:r>
+              <a:rPr lang="de-CH" sz="2000" spc="-1" dirty="0">
+                <a:solidFill>
+                  <a:srgbClr val="262626"/>
+                </a:solidFill>
+                <a:latin typeface="Calibri"/>
+                <a:ea typeface="Noto Sans CJK SC"/>
+              </a:rPr>
+              <a:t> </a:t>
+            </a:r>
+            <a:r>
+              <a:rPr lang="de-CH" sz="2000" spc="-1" dirty="0" err="1">
+                <a:solidFill>
+                  <a:srgbClr val="262626"/>
+                </a:solidFill>
+                <a:latin typeface="Calibri"/>
+                <a:ea typeface="Noto Sans CJK SC"/>
+              </a:rPr>
+              <a:t>again</a:t>
+            </a:r>
+            <a:r>
+              <a:rPr lang="de-CH" sz="2000" spc="-1" dirty="0">
+                <a:solidFill>
+                  <a:srgbClr val="262626"/>
+                </a:solidFill>
+                <a:latin typeface="Calibri"/>
+                <a:ea typeface="Noto Sans CJK SC"/>
+              </a:rPr>
+              <a:t>. </a:t>
+            </a:r>
+          </a:p>
+          <a:p>
+            <a:pPr marL="342900" indent="-342900">
+              <a:spcBef>
+                <a:spcPts val="439"/>
+              </a:spcBef>
+              <a:buFont typeface="Arial" panose="020B0604020202020204" pitchFamily="34" charset="0"/>
+              <a:buChar char="•"/>
+            </a:pPr>
+            <a:r>
+              <a:rPr lang="de-CH" sz="2000" spc="-1" dirty="0" err="1">
+                <a:solidFill>
+                  <a:srgbClr val="262626"/>
+                </a:solidFill>
+                <a:latin typeface="Calibri"/>
+                <a:ea typeface="Noto Sans CJK SC"/>
+              </a:rPr>
+              <a:t>Verify</a:t>
+            </a:r>
+            <a:r>
+              <a:rPr lang="de-CH" sz="2000" spc="-1" dirty="0">
+                <a:solidFill>
+                  <a:srgbClr val="262626"/>
+                </a:solidFill>
+                <a:latin typeface="Calibri"/>
+                <a:ea typeface="Noto Sans CJK SC"/>
+              </a:rPr>
+              <a:t> </a:t>
+            </a:r>
+            <a:r>
+              <a:rPr lang="de-CH" sz="2000" spc="-1" dirty="0" err="1">
+                <a:solidFill>
+                  <a:srgbClr val="262626"/>
+                </a:solidFill>
+                <a:latin typeface="Calibri"/>
+                <a:ea typeface="Noto Sans CJK SC"/>
+              </a:rPr>
+              <a:t>that</a:t>
+            </a:r>
+            <a:r>
+              <a:rPr lang="de-CH" sz="2000" spc="-1" dirty="0">
+                <a:solidFill>
+                  <a:srgbClr val="262626"/>
+                </a:solidFill>
+                <a:latin typeface="Calibri"/>
+                <a:ea typeface="Noto Sans CJK SC"/>
+              </a:rPr>
+              <a:t> </a:t>
+            </a:r>
+            <a:r>
+              <a:rPr lang="de-CH" sz="2000" spc="-1" dirty="0" err="1">
+                <a:solidFill>
+                  <a:srgbClr val="262626"/>
+                </a:solidFill>
+                <a:latin typeface="Calibri"/>
+                <a:ea typeface="Noto Sans CJK SC"/>
+              </a:rPr>
+              <a:t>your</a:t>
+            </a:r>
+            <a:r>
+              <a:rPr lang="de-CH" sz="2000" spc="-1" dirty="0">
+                <a:solidFill>
+                  <a:srgbClr val="262626"/>
+                </a:solidFill>
+                <a:latin typeface="Calibri"/>
+                <a:ea typeface="Noto Sans CJK SC"/>
+              </a:rPr>
+              <a:t> </a:t>
+            </a:r>
+            <a:r>
+              <a:rPr lang="de-CH" sz="2000" spc="-1" dirty="0" err="1">
+                <a:solidFill>
+                  <a:srgbClr val="262626"/>
+                </a:solidFill>
+                <a:latin typeface="Calibri"/>
+                <a:ea typeface="Noto Sans CJK SC"/>
+              </a:rPr>
+              <a:t>project</a:t>
+            </a:r>
+            <a:r>
+              <a:rPr lang="de-CH" sz="2000" spc="-1" dirty="0">
+                <a:solidFill>
+                  <a:srgbClr val="262626"/>
+                </a:solidFill>
+                <a:latin typeface="Calibri"/>
+                <a:ea typeface="Noto Sans CJK SC"/>
+              </a:rPr>
+              <a:t> </a:t>
+            </a:r>
+            <a:r>
+              <a:rPr lang="de-CH" sz="2000" spc="-1" dirty="0" err="1">
+                <a:solidFill>
+                  <a:srgbClr val="262626"/>
+                </a:solidFill>
+                <a:latin typeface="Calibri"/>
+                <a:ea typeface="Noto Sans CJK SC"/>
+              </a:rPr>
+              <a:t>is</a:t>
+            </a:r>
+            <a:r>
+              <a:rPr lang="de-CH" sz="2000" spc="-1" dirty="0">
+                <a:solidFill>
+                  <a:srgbClr val="262626"/>
+                </a:solidFill>
+                <a:latin typeface="Calibri"/>
+                <a:ea typeface="Noto Sans CJK SC"/>
+              </a:rPr>
+              <a:t> </a:t>
+            </a:r>
+            <a:r>
+              <a:rPr lang="de-CH" sz="2000" spc="-1" dirty="0" err="1">
+                <a:solidFill>
+                  <a:srgbClr val="262626"/>
+                </a:solidFill>
+                <a:latin typeface="Calibri"/>
+                <a:ea typeface="Noto Sans CJK SC"/>
+              </a:rPr>
+              <a:t>currently</a:t>
+            </a:r>
+            <a:r>
+              <a:rPr lang="de-CH" sz="2000" spc="-1" dirty="0">
+                <a:solidFill>
+                  <a:srgbClr val="262626"/>
+                </a:solidFill>
+                <a:latin typeface="Calibri"/>
+                <a:ea typeface="Noto Sans CJK SC"/>
+              </a:rPr>
+              <a:t> </a:t>
+            </a:r>
+            <a:r>
+              <a:rPr lang="de-CH" sz="2000" spc="-1" dirty="0" err="1">
+                <a:solidFill>
+                  <a:srgbClr val="262626"/>
+                </a:solidFill>
+                <a:latin typeface="Calibri"/>
+                <a:ea typeface="Noto Sans CJK SC"/>
+              </a:rPr>
+              <a:t>closed</a:t>
+            </a:r>
+            <a:r>
+              <a:rPr lang="de-CH" sz="2000" spc="-1" dirty="0">
+                <a:solidFill>
+                  <a:srgbClr val="262626"/>
+                </a:solidFill>
+                <a:latin typeface="Calibri"/>
+                <a:ea typeface="Noto Sans CJK SC"/>
+              </a:rPr>
+              <a:t>. </a:t>
+            </a:r>
+            <a:r>
+              <a:rPr lang="de-CH" sz="2000" spc="-1" dirty="0" err="1">
+                <a:solidFill>
+                  <a:srgbClr val="262626"/>
+                </a:solidFill>
+                <a:latin typeface="Calibri"/>
+                <a:ea typeface="Noto Sans CJK SC"/>
+              </a:rPr>
+              <a:t>How</a:t>
+            </a:r>
+            <a:r>
+              <a:rPr lang="de-CH" sz="2000" spc="-1" dirty="0">
+                <a:solidFill>
+                  <a:srgbClr val="262626"/>
+                </a:solidFill>
+                <a:latin typeface="Calibri"/>
+                <a:ea typeface="Noto Sans CJK SC"/>
+              </a:rPr>
+              <a:t> do </a:t>
+            </a:r>
+            <a:r>
+              <a:rPr lang="de-CH" sz="2000" spc="-1" dirty="0" err="1">
+                <a:solidFill>
+                  <a:srgbClr val="262626"/>
+                </a:solidFill>
+                <a:latin typeface="Calibri"/>
+                <a:ea typeface="Noto Sans CJK SC"/>
+              </a:rPr>
+              <a:t>you</a:t>
+            </a:r>
+            <a:r>
+              <a:rPr lang="de-CH" sz="2000" spc="-1" dirty="0">
+                <a:solidFill>
+                  <a:srgbClr val="262626"/>
+                </a:solidFill>
+                <a:latin typeface="Calibri"/>
+                <a:ea typeface="Noto Sans CJK SC"/>
+              </a:rPr>
+              <a:t> </a:t>
+            </a:r>
+            <a:r>
+              <a:rPr lang="de-CH" sz="2000" spc="-1" dirty="0" err="1">
+                <a:solidFill>
+                  <a:srgbClr val="262626"/>
+                </a:solidFill>
+                <a:latin typeface="Calibri"/>
+                <a:ea typeface="Noto Sans CJK SC"/>
+              </a:rPr>
+              <a:t>see</a:t>
+            </a:r>
+            <a:r>
+              <a:rPr lang="de-CH" sz="2000" spc="-1" dirty="0">
+                <a:solidFill>
+                  <a:srgbClr val="262626"/>
+                </a:solidFill>
+                <a:latin typeface="Calibri"/>
+                <a:ea typeface="Noto Sans CJK SC"/>
+              </a:rPr>
+              <a:t> </a:t>
+            </a:r>
+            <a:r>
+              <a:rPr lang="de-CH" sz="2000" spc="-1" dirty="0" err="1">
+                <a:solidFill>
+                  <a:srgbClr val="262626"/>
+                </a:solidFill>
+                <a:latin typeface="Calibri"/>
+                <a:ea typeface="Noto Sans CJK SC"/>
+              </a:rPr>
+              <a:t>this</a:t>
+            </a:r>
+            <a:r>
+              <a:rPr lang="de-CH" sz="2000" spc="-1" dirty="0">
+                <a:solidFill>
+                  <a:srgbClr val="262626"/>
+                </a:solidFill>
+                <a:latin typeface="Calibri"/>
+                <a:ea typeface="Noto Sans CJK SC"/>
+              </a:rPr>
+              <a:t>?</a:t>
+            </a:r>
+          </a:p>
+          <a:p>
+            <a:pPr marL="342900" indent="-342900">
+              <a:spcBef>
+                <a:spcPts val="439"/>
+              </a:spcBef>
+              <a:buFont typeface="Arial" panose="020B0604020202020204" pitchFamily="34" charset="0"/>
+              <a:buChar char="•"/>
+            </a:pPr>
+            <a:r>
+              <a:rPr lang="de-CH" sz="2000" spc="-1" dirty="0" err="1">
+                <a:solidFill>
+                  <a:srgbClr val="262626"/>
+                </a:solidFill>
+                <a:latin typeface="Calibri"/>
+                <a:ea typeface="Noto Sans CJK SC"/>
+              </a:rPr>
+              <a:t>From</a:t>
+            </a:r>
+            <a:r>
+              <a:rPr lang="de-CH" sz="2000" spc="-1" dirty="0">
+                <a:solidFill>
+                  <a:srgbClr val="262626"/>
+                </a:solidFill>
+                <a:latin typeface="Calibri"/>
+                <a:ea typeface="Noto Sans CJK SC"/>
+              </a:rPr>
+              <a:t> </a:t>
+            </a:r>
+            <a:r>
+              <a:rPr lang="de-CH" sz="2000" spc="-1" dirty="0" err="1">
+                <a:solidFill>
+                  <a:srgbClr val="262626"/>
+                </a:solidFill>
+                <a:latin typeface="Calibri"/>
+                <a:ea typeface="Noto Sans CJK SC"/>
+              </a:rPr>
+              <a:t>inside</a:t>
+            </a:r>
+            <a:r>
+              <a:rPr lang="de-CH" sz="2000" spc="-1" dirty="0">
+                <a:solidFill>
+                  <a:srgbClr val="262626"/>
+                </a:solidFill>
+                <a:latin typeface="Calibri"/>
+                <a:ea typeface="Noto Sans CJK SC"/>
+              </a:rPr>
+              <a:t> </a:t>
+            </a:r>
+            <a:r>
+              <a:rPr lang="de-CH" sz="2000" spc="-1" dirty="0" err="1">
+                <a:solidFill>
+                  <a:srgbClr val="262626"/>
+                </a:solidFill>
+                <a:latin typeface="Calibri"/>
+                <a:ea typeface="Noto Sans CJK SC"/>
+              </a:rPr>
+              <a:t>RStudio</a:t>
+            </a:r>
+            <a:r>
+              <a:rPr lang="de-CH" sz="2000" spc="-1" dirty="0">
+                <a:solidFill>
+                  <a:srgbClr val="262626"/>
+                </a:solidFill>
+                <a:latin typeface="Calibri"/>
+                <a:ea typeface="Noto Sans CJK SC"/>
+              </a:rPr>
+              <a:t>, open </a:t>
+            </a:r>
+            <a:r>
+              <a:rPr lang="de-CH" sz="2000" spc="-1" dirty="0" err="1">
+                <a:solidFill>
+                  <a:srgbClr val="262626"/>
+                </a:solidFill>
+                <a:latin typeface="Calibri"/>
+                <a:ea typeface="Noto Sans CJK SC"/>
+              </a:rPr>
+              <a:t>your</a:t>
+            </a:r>
+            <a:r>
+              <a:rPr lang="de-CH" sz="2000" spc="-1" dirty="0">
+                <a:solidFill>
+                  <a:srgbClr val="262626"/>
+                </a:solidFill>
+                <a:latin typeface="Calibri"/>
+                <a:ea typeface="Noto Sans CJK SC"/>
+              </a:rPr>
+              <a:t> </a:t>
+            </a:r>
+            <a:r>
+              <a:rPr lang="de-CH" sz="2000" spc="-1" dirty="0" err="1">
+                <a:solidFill>
+                  <a:srgbClr val="262626"/>
+                </a:solidFill>
+                <a:latin typeface="Calibri"/>
+                <a:ea typeface="Noto Sans CJK SC"/>
+              </a:rPr>
+              <a:t>project</a:t>
+            </a:r>
+            <a:r>
+              <a:rPr lang="de-CH" sz="2000" spc="-1" dirty="0">
+                <a:solidFill>
+                  <a:srgbClr val="262626"/>
+                </a:solidFill>
+                <a:latin typeface="Calibri"/>
+                <a:ea typeface="Noto Sans CJK SC"/>
+              </a:rPr>
+              <a:t>. Are </a:t>
+            </a:r>
+            <a:r>
+              <a:rPr lang="de-CH" sz="2000" spc="-1" dirty="0" err="1">
+                <a:solidFill>
+                  <a:srgbClr val="262626"/>
+                </a:solidFill>
+                <a:latin typeface="Calibri"/>
+                <a:ea typeface="Noto Sans CJK SC"/>
+              </a:rPr>
+              <a:t>your</a:t>
+            </a:r>
+            <a:r>
+              <a:rPr lang="de-CH" sz="2000" spc="-1" dirty="0">
+                <a:solidFill>
+                  <a:srgbClr val="262626"/>
+                </a:solidFill>
+                <a:latin typeface="Calibri"/>
+                <a:ea typeface="Noto Sans CJK SC"/>
+              </a:rPr>
+              <a:t> variables </a:t>
+            </a:r>
+            <a:r>
+              <a:rPr lang="de-CH" sz="2000" spc="-1" dirty="0" err="1">
+                <a:solidFill>
+                  <a:srgbClr val="262626"/>
+                </a:solidFill>
+                <a:latin typeface="Calibri"/>
+                <a:ea typeface="Noto Sans CJK SC"/>
+              </a:rPr>
+              <a:t>now</a:t>
+            </a:r>
+            <a:r>
+              <a:rPr lang="de-CH" sz="2000" spc="-1" dirty="0">
+                <a:solidFill>
+                  <a:srgbClr val="262626"/>
+                </a:solidFill>
+                <a:latin typeface="Calibri"/>
+                <a:ea typeface="Noto Sans CJK SC"/>
+              </a:rPr>
+              <a:t> in </a:t>
+            </a:r>
+            <a:r>
+              <a:rPr lang="de-CH" sz="2000" spc="-1" dirty="0" err="1">
+                <a:solidFill>
+                  <a:srgbClr val="262626"/>
+                </a:solidFill>
+                <a:latin typeface="Calibri"/>
+                <a:ea typeface="Noto Sans CJK SC"/>
+              </a:rPr>
+              <a:t>the</a:t>
+            </a:r>
+            <a:r>
+              <a:rPr lang="de-CH" sz="2000" spc="-1" dirty="0">
+                <a:solidFill>
+                  <a:srgbClr val="262626"/>
+                </a:solidFill>
+                <a:latin typeface="Calibri"/>
+                <a:ea typeface="Noto Sans CJK SC"/>
+              </a:rPr>
+              <a:t> Environment? </a:t>
+            </a:r>
+          </a:p>
+          <a:p>
+            <a:pPr>
+              <a:spcBef>
+                <a:spcPts val="439"/>
+              </a:spcBef>
+            </a:pPr>
+            <a:endParaRPr lang="en-US" sz="2000" spc="-1" dirty="0">
+              <a:solidFill>
+                <a:srgbClr val="262626"/>
+              </a:solidFill>
+              <a:latin typeface="Calibri"/>
+              <a:ea typeface="Noto Sans CJK SC"/>
+            </a:endParaRPr>
+          </a:p>
+        </p:txBody>
+      </p:sp>
+      <p:sp>
+        <p:nvSpPr>
+          <p:cNvPr id="200" name="CustomShape 3"/>
           <p:cNvSpPr/>
           <p:nvPr/>
         </p:nvSpPr>
         <p:spPr>
           <a:xfrm>
-            <a:off x="191880" y="564840"/>
-            <a:ext cx="7904520" cy="5889600"/>
+            <a:off x="258480" y="216720"/>
+            <a:ext cx="7939440" cy="605880"/>
           </a:xfrm>
           <a:prstGeom prst="rect">
             <a:avLst/>
@@ -10392,1058 +10550,27 @@
           <a:fontRef idx="minor"/>
         </p:style>
         <p:txBody>
-          <a:bodyPr lIns="0" tIns="0" rIns="0" bIns="0"/>
-          <a:lstStyle/>
-          <a:p>
-            <a:pPr marL="0" marR="0" lvl="0" indent="0" algn="l" defTabSz="914400" rtl="0" eaLnBrk="1" fontAlgn="auto" latinLnBrk="0" hangingPunct="1">
+          <a:bodyPr lIns="144000" tIns="0" rIns="0" bIns="0" anchor="b"/>
+          <a:lstStyle/>
+          <a:p>
+            <a:pPr>
               <a:lnSpc>
-                <a:spcPct val="100000"/>
+                <a:spcPct val="90000"/>
               </a:lnSpc>
-              <a:spcBef>
-                <a:spcPts val="400"/>
-              </a:spcBef>
-              <a:spcAft>
-                <a:spcPts val="0"/>
-              </a:spcAft>
-              <a:buClrTx/>
-              <a:buSzTx/>
-              <a:buFontTx/>
-              <a:buNone/>
-              <a:tabLst/>
-              <a:defRPr/>
             </a:pPr>
             <a:r>
-              <a:rPr kumimoji="0" lang="en-US" sz="2000" b="0" i="1" u="none" strike="noStrike" kern="1200" cap="none" spc="-1" normalizeH="0" baseline="0" noProof="0" dirty="0">
-                <a:ln>
-                  <a:noFill/>
-                </a:ln>
-                <a:solidFill>
-                  <a:srgbClr val="262626"/>
-                </a:solidFill>
-                <a:effectLst/>
-                <a:uLnTx/>
-                <a:uFillTx/>
-                <a:latin typeface="Calibri"/>
-              </a:rPr>
-              <a:t>For all exercises, feel free to use</a:t>
-            </a:r>
-            <a:endParaRPr kumimoji="0" lang="en-US" sz="2000" b="0" i="0" u="none" strike="noStrike" kern="1200" cap="none" spc="-1" normalizeH="0" baseline="0" noProof="0" dirty="0">
-              <a:ln>
-                <a:noFill/>
-              </a:ln>
+              <a:rPr lang="en-US" sz="4000" spc="-1" dirty="0">
+                <a:solidFill>
+                  <a:srgbClr val="4F81BD"/>
+                </a:solidFill>
+                <a:latin typeface="Calibri"/>
+              </a:rPr>
+              <a:t>Let’s practice – 2bis</a:t>
+            </a:r>
+            <a:endParaRPr lang="en-US" sz="4000" spc="-1" dirty="0">
               <a:solidFill>
                 <a:prstClr val="black"/>
               </a:solidFill>
-              <a:effectLst/>
-              <a:uLnTx/>
-              <a:uFillTx/>
-              <a:latin typeface="Arial"/>
-            </a:endParaRPr>
-          </a:p>
-          <a:p>
-            <a:pPr marL="0" marR="0" lvl="0" indent="0" algn="l" defTabSz="914400" rtl="0" eaLnBrk="1" fontAlgn="auto" latinLnBrk="0" hangingPunct="1">
-              <a:lnSpc>
-                <a:spcPct val="100000"/>
-              </a:lnSpc>
-              <a:spcBef>
-                <a:spcPts val="400"/>
-              </a:spcBef>
-              <a:spcAft>
-                <a:spcPts val="0"/>
-              </a:spcAft>
-              <a:buClrTx/>
-              <a:buSzTx/>
-              <a:buFontTx/>
-              <a:buNone/>
-              <a:tabLst/>
-              <a:defRPr/>
-            </a:pPr>
-            <a:r>
-              <a:rPr kumimoji="0" lang="en-US" sz="2000" b="0" i="1" u="none" strike="noStrike" kern="1200" cap="none" spc="-1" normalizeH="0" baseline="0" noProof="0" dirty="0">
-                <a:ln>
-                  <a:noFill/>
-                </a:ln>
-                <a:solidFill>
-                  <a:srgbClr val="262626"/>
-                </a:solidFill>
-                <a:effectLst/>
-                <a:uLnTx/>
-                <a:uFillTx/>
-                <a:latin typeface="Calibri"/>
-              </a:rPr>
-              <a:t>	- cheat sheets provided</a:t>
-            </a:r>
-            <a:endParaRPr kumimoji="0" lang="en-US" sz="2000" b="0" i="0" u="none" strike="noStrike" kern="1200" cap="none" spc="-1" normalizeH="0" baseline="0" noProof="0" dirty="0">
-              <a:ln>
-                <a:noFill/>
-              </a:ln>
-              <a:solidFill>
-                <a:prstClr val="black"/>
-              </a:solidFill>
-              <a:effectLst/>
-              <a:uLnTx/>
-              <a:uFillTx/>
-              <a:latin typeface="Arial"/>
-            </a:endParaRPr>
-          </a:p>
-          <a:p>
-            <a:pPr marL="0" marR="0" lvl="0" indent="0" algn="l" defTabSz="914400" rtl="0" eaLnBrk="1" fontAlgn="auto" latinLnBrk="0" hangingPunct="1">
-              <a:lnSpc>
-                <a:spcPct val="100000"/>
-              </a:lnSpc>
-              <a:spcBef>
-                <a:spcPts val="400"/>
-              </a:spcBef>
-              <a:spcAft>
-                <a:spcPts val="0"/>
-              </a:spcAft>
-              <a:buClrTx/>
-              <a:buSzTx/>
-              <a:buFontTx/>
-              <a:buNone/>
-              <a:tabLst/>
-              <a:defRPr/>
-            </a:pPr>
-            <a:r>
-              <a:rPr kumimoji="0" lang="en-US" sz="2000" b="0" i="1" u="none" strike="noStrike" kern="1200" cap="none" spc="-1" normalizeH="0" baseline="0" noProof="0" dirty="0">
-                <a:ln>
-                  <a:noFill/>
-                </a:ln>
-                <a:solidFill>
-                  <a:srgbClr val="262626"/>
-                </a:solidFill>
-                <a:effectLst/>
-                <a:uLnTx/>
-                <a:uFillTx/>
-                <a:latin typeface="Calibri"/>
-              </a:rPr>
-              <a:t>	- R help (? at command prompt)</a:t>
-            </a:r>
-            <a:endParaRPr kumimoji="0" lang="en-US" sz="2000" b="0" i="0" u="none" strike="noStrike" kern="1200" cap="none" spc="-1" normalizeH="0" baseline="0" noProof="0" dirty="0">
-              <a:ln>
-                <a:noFill/>
-              </a:ln>
-              <a:solidFill>
-                <a:prstClr val="black"/>
-              </a:solidFill>
-              <a:effectLst/>
-              <a:uLnTx/>
-              <a:uFillTx/>
-              <a:latin typeface="Arial"/>
-            </a:endParaRPr>
-          </a:p>
-          <a:p>
-            <a:pPr marL="0" marR="0" lvl="0" indent="0" algn="l" defTabSz="914400" rtl="0" eaLnBrk="1" fontAlgn="auto" latinLnBrk="0" hangingPunct="1">
-              <a:lnSpc>
-                <a:spcPct val="100000"/>
-              </a:lnSpc>
-              <a:spcBef>
-                <a:spcPts val="400"/>
-              </a:spcBef>
-              <a:spcAft>
-                <a:spcPts val="0"/>
-              </a:spcAft>
-              <a:buClrTx/>
-              <a:buSzTx/>
-              <a:buFontTx/>
-              <a:buNone/>
-              <a:tabLst/>
-              <a:defRPr/>
-            </a:pPr>
-            <a:endParaRPr kumimoji="0" lang="en-US" sz="2000" b="0" i="0" u="none" strike="noStrike" kern="1200" cap="none" spc="-1" normalizeH="0" baseline="0" noProof="0" dirty="0">
-              <a:ln>
-                <a:noFill/>
-              </a:ln>
-              <a:solidFill>
-                <a:prstClr val="black"/>
-              </a:solidFill>
-              <a:effectLst/>
-              <a:uLnTx/>
-              <a:uFillTx/>
-              <a:latin typeface="Arial"/>
-            </a:endParaRPr>
-          </a:p>
-          <a:p>
-            <a:pPr marL="0" marR="0" lvl="0" indent="0" algn="l" defTabSz="914400" rtl="0" eaLnBrk="1" fontAlgn="auto" latinLnBrk="0" hangingPunct="1">
-              <a:lnSpc>
-                <a:spcPct val="100000"/>
-              </a:lnSpc>
-              <a:spcBef>
-                <a:spcPts val="400"/>
-              </a:spcBef>
-              <a:spcAft>
-                <a:spcPts val="0"/>
-              </a:spcAft>
-              <a:buClrTx/>
-              <a:buSzTx/>
-              <a:buFontTx/>
-              <a:buNone/>
-              <a:tabLst/>
-              <a:defRPr/>
-            </a:pPr>
-            <a:r>
-              <a:rPr kumimoji="0" lang="de-CH" sz="2000" b="0" i="0" u="none" strike="noStrike" kern="1200" cap="none" spc="-1" normalizeH="0" baseline="0" noProof="0" dirty="0">
-                <a:ln>
-                  <a:noFill/>
-                </a:ln>
-                <a:solidFill>
-                  <a:srgbClr val="262626"/>
-                </a:solidFill>
-                <a:effectLst/>
-                <a:uLnTx/>
-                <a:uFillTx/>
-                <a:latin typeface="Calibri"/>
-              </a:rPr>
-              <a:t>Open a new script file and save it as </a:t>
-            </a:r>
-            <a:r>
-              <a:rPr kumimoji="0" lang="de-CH" sz="2000" b="0" i="0" u="none" strike="noStrike" kern="1200" cap="none" spc="-1" normalizeH="0" baseline="0" noProof="0" dirty="0">
-                <a:ln>
-                  <a:noFill/>
-                </a:ln>
-                <a:solidFill>
-                  <a:srgbClr val="4E81BD"/>
-                </a:solidFill>
-                <a:effectLst/>
-                <a:uLnTx/>
-                <a:uFillTx/>
-                <a:latin typeface="Calibri"/>
-              </a:rPr>
-              <a:t>ex3.R</a:t>
-            </a:r>
-            <a:endParaRPr kumimoji="0" lang="en-US" sz="2000" b="0" i="0" u="none" strike="noStrike" kern="1200" cap="none" spc="-1" normalizeH="0" baseline="0" noProof="0" dirty="0">
-              <a:ln>
-                <a:noFill/>
-              </a:ln>
-              <a:solidFill>
-                <a:srgbClr val="4E81BD"/>
-              </a:solidFill>
-              <a:effectLst/>
-              <a:uLnTx/>
-              <a:uFillTx/>
-              <a:latin typeface="Arial"/>
-            </a:endParaRPr>
-          </a:p>
-          <a:p>
-            <a:pPr marL="0" marR="0" lvl="0" indent="0" algn="l" defTabSz="914400" rtl="0" eaLnBrk="1" fontAlgn="auto" latinLnBrk="0" hangingPunct="1">
-              <a:lnSpc>
-                <a:spcPct val="100000"/>
-              </a:lnSpc>
-              <a:spcBef>
-                <a:spcPts val="400"/>
-              </a:spcBef>
-              <a:spcAft>
-                <a:spcPts val="0"/>
-              </a:spcAft>
-              <a:buClrTx/>
-              <a:buSzTx/>
-              <a:buFontTx/>
-              <a:buNone/>
-              <a:tabLst/>
-              <a:defRPr/>
-            </a:pPr>
-            <a:endParaRPr kumimoji="0" lang="en-US" sz="2000" b="0" i="0" u="none" strike="noStrike" kern="1200" cap="none" spc="-1" normalizeH="0" baseline="0" noProof="0" dirty="0">
-              <a:ln>
-                <a:noFill/>
-              </a:ln>
-              <a:solidFill>
-                <a:prstClr val="black"/>
-              </a:solidFill>
-              <a:effectLst/>
-              <a:uLnTx/>
-              <a:uFillTx/>
-              <a:latin typeface="Arial"/>
-            </a:endParaRPr>
-          </a:p>
-          <a:p>
-            <a:pPr marL="266760" marR="0" lvl="0" indent="-261720" algn="l" defTabSz="914400" rtl="0" eaLnBrk="1" fontAlgn="auto" latinLnBrk="0" hangingPunct="1">
-              <a:lnSpc>
-                <a:spcPct val="100000"/>
-              </a:lnSpc>
-              <a:spcBef>
-                <a:spcPts val="400"/>
-              </a:spcBef>
-              <a:spcAft>
-                <a:spcPts val="0"/>
-              </a:spcAft>
-              <a:buClr>
-                <a:srgbClr val="000000"/>
-              </a:buClr>
-              <a:buSzTx/>
-              <a:buFont typeface="StarSymbol"/>
-              <a:buAutoNum type="arabicParenR"/>
-              <a:tabLst/>
-              <a:defRPr/>
-            </a:pPr>
-            <a:r>
-              <a:rPr kumimoji="0" lang="en-US" sz="2000" b="0" i="0" u="none" strike="noStrike" kern="1200" cap="none" spc="-1" normalizeH="0" baseline="0" noProof="0" dirty="0">
-                <a:ln>
-                  <a:noFill/>
-                </a:ln>
-                <a:solidFill>
-                  <a:srgbClr val="262626"/>
-                </a:solidFill>
-                <a:effectLst/>
-                <a:uLnTx/>
-                <a:uFillTx/>
-                <a:latin typeface="Calibri"/>
-              </a:rPr>
-              <a:t>Assign the values 6</a:t>
-            </a:r>
-            <a:r>
-              <a:rPr kumimoji="0" lang="en-US" sz="2000" b="1" i="0" u="none" strike="noStrike" kern="1200" cap="none" spc="-1" normalizeH="0" baseline="0" noProof="0" dirty="0">
-                <a:ln>
-                  <a:noFill/>
-                </a:ln>
-                <a:solidFill>
-                  <a:srgbClr val="262626"/>
-                </a:solidFill>
-                <a:effectLst/>
-                <a:uLnTx/>
-                <a:uFillTx/>
-                <a:latin typeface="Calibri"/>
-              </a:rPr>
-              <a:t>.</a:t>
-            </a:r>
-            <a:r>
-              <a:rPr kumimoji="0" lang="en-US" sz="2000" b="0" i="0" u="none" strike="noStrike" kern="1200" cap="none" spc="-1" normalizeH="0" baseline="0" noProof="0" dirty="0">
-                <a:ln>
-                  <a:noFill/>
-                </a:ln>
-                <a:solidFill>
-                  <a:srgbClr val="262626"/>
-                </a:solidFill>
-                <a:effectLst/>
-                <a:uLnTx/>
-                <a:uFillTx/>
-                <a:latin typeface="Calibri"/>
-              </a:rPr>
-              <a:t>7 and 56</a:t>
-            </a:r>
-            <a:r>
-              <a:rPr kumimoji="0" lang="en-US" sz="2000" b="1" i="0" u="none" strike="noStrike" kern="1200" cap="none" spc="-1" normalizeH="0" baseline="0" noProof="0" dirty="0">
-                <a:ln>
-                  <a:noFill/>
-                </a:ln>
-                <a:solidFill>
-                  <a:srgbClr val="262626"/>
-                </a:solidFill>
-                <a:effectLst/>
-                <a:uLnTx/>
-                <a:uFillTx/>
-                <a:latin typeface="Calibri"/>
-              </a:rPr>
-              <a:t>.</a:t>
-            </a:r>
-            <a:r>
-              <a:rPr kumimoji="0" lang="en-US" sz="2000" b="0" i="0" u="none" strike="noStrike" kern="1200" cap="none" spc="-1" normalizeH="0" baseline="0" noProof="0" dirty="0">
-                <a:ln>
-                  <a:noFill/>
-                </a:ln>
-                <a:solidFill>
-                  <a:srgbClr val="262626"/>
-                </a:solidFill>
-                <a:effectLst/>
-                <a:uLnTx/>
-                <a:uFillTx/>
-                <a:latin typeface="Calibri"/>
-              </a:rPr>
-              <a:t>3 to variables </a:t>
-            </a:r>
-            <a:r>
-              <a:rPr kumimoji="0" lang="en-US" sz="2000" b="1" i="0" u="none" strike="noStrike" kern="1200" cap="none" spc="-1" normalizeH="0" baseline="0" noProof="0" dirty="0">
-                <a:ln>
-                  <a:noFill/>
-                </a:ln>
-                <a:solidFill>
-                  <a:srgbClr val="262626"/>
-                </a:solidFill>
-                <a:effectLst/>
-                <a:uLnTx/>
-                <a:uFillTx/>
-                <a:latin typeface="Calibri"/>
-              </a:rPr>
-              <a:t>a</a:t>
-            </a:r>
-            <a:r>
-              <a:rPr kumimoji="0" lang="en-US" sz="2000" b="0" i="0" u="none" strike="noStrike" kern="1200" cap="none" spc="-1" normalizeH="0" baseline="0" noProof="0" dirty="0">
-                <a:ln>
-                  <a:noFill/>
-                </a:ln>
-                <a:solidFill>
-                  <a:srgbClr val="262626"/>
-                </a:solidFill>
-                <a:effectLst/>
-                <a:uLnTx/>
-                <a:uFillTx/>
-                <a:latin typeface="Calibri"/>
-              </a:rPr>
-              <a:t> and </a:t>
-            </a:r>
-            <a:r>
-              <a:rPr kumimoji="0" lang="en-US" sz="2000" b="1" i="0" u="none" strike="noStrike" kern="1200" cap="none" spc="-1" normalizeH="0" baseline="0" noProof="0" dirty="0">
-                <a:ln>
-                  <a:noFill/>
-                </a:ln>
-                <a:solidFill>
-                  <a:srgbClr val="262626"/>
-                </a:solidFill>
-                <a:effectLst/>
-                <a:uLnTx/>
-                <a:uFillTx/>
-                <a:latin typeface="Calibri"/>
-              </a:rPr>
-              <a:t>b</a:t>
-            </a:r>
-            <a:r>
-              <a:rPr kumimoji="0" lang="en-US" sz="2000" b="0" i="0" u="none" strike="noStrike" kern="1200" cap="none" spc="-1" normalizeH="0" baseline="0" noProof="0" dirty="0">
-                <a:ln>
-                  <a:noFill/>
-                </a:ln>
-                <a:solidFill>
-                  <a:srgbClr val="262626"/>
-                </a:solidFill>
-                <a:effectLst/>
-                <a:uLnTx/>
-                <a:uFillTx/>
-                <a:latin typeface="Calibri"/>
-              </a:rPr>
-              <a:t>, respectively.</a:t>
-            </a:r>
-            <a:endParaRPr kumimoji="0" lang="en-US" sz="2000" b="0" i="0" u="none" strike="noStrike" kern="1200" cap="none" spc="-1" normalizeH="0" baseline="0" noProof="0" dirty="0">
-              <a:ln>
-                <a:noFill/>
-              </a:ln>
-              <a:solidFill>
-                <a:prstClr val="black"/>
-              </a:solidFill>
-              <a:effectLst/>
-              <a:uLnTx/>
-              <a:uFillTx/>
-              <a:latin typeface="Arial"/>
-            </a:endParaRPr>
-          </a:p>
-          <a:p>
-            <a:pPr marL="3600" marR="0" lvl="0" indent="0" algn="l" defTabSz="914400" rtl="0" eaLnBrk="1" fontAlgn="auto" latinLnBrk="0" hangingPunct="1">
-              <a:lnSpc>
-                <a:spcPct val="100000"/>
-              </a:lnSpc>
-              <a:spcBef>
-                <a:spcPts val="400"/>
-              </a:spcBef>
-              <a:spcAft>
-                <a:spcPts val="0"/>
-              </a:spcAft>
-              <a:buClrTx/>
-              <a:buSzTx/>
-              <a:buFontTx/>
-              <a:buNone/>
-              <a:tabLst/>
-              <a:defRPr/>
-            </a:pPr>
-            <a:endParaRPr kumimoji="0" lang="en-US" sz="2000" b="0" i="0" u="none" strike="noStrike" kern="1200" cap="none" spc="-1" normalizeH="0" baseline="0" noProof="0" dirty="0">
-              <a:ln>
-                <a:noFill/>
-              </a:ln>
-              <a:solidFill>
-                <a:prstClr val="black"/>
-              </a:solidFill>
-              <a:effectLst/>
-              <a:uLnTx/>
-              <a:uFillTx/>
-              <a:latin typeface="Arial"/>
-            </a:endParaRPr>
-          </a:p>
-          <a:p>
-            <a:pPr marL="3600" marR="0" lvl="0" indent="0" algn="l" defTabSz="914400" rtl="0" eaLnBrk="1" fontAlgn="auto" latinLnBrk="0" hangingPunct="1">
-              <a:lnSpc>
-                <a:spcPct val="100000"/>
-              </a:lnSpc>
-              <a:spcBef>
-                <a:spcPts val="400"/>
-              </a:spcBef>
-              <a:spcAft>
-                <a:spcPts val="0"/>
-              </a:spcAft>
-              <a:buClrTx/>
-              <a:buSzTx/>
-              <a:buFontTx/>
-              <a:buNone/>
-              <a:tabLst/>
-              <a:defRPr/>
-            </a:pPr>
-            <a:r>
-              <a:rPr kumimoji="0" lang="en-US" sz="2000" b="0" i="0" u="none" strike="noStrike" kern="1200" cap="none" spc="-1" normalizeH="0" baseline="0" noProof="0" dirty="0">
-                <a:ln>
-                  <a:noFill/>
-                </a:ln>
-                <a:solidFill>
-                  <a:srgbClr val="262626"/>
-                </a:solidFill>
-                <a:effectLst/>
-                <a:uLnTx/>
-                <a:uFillTx/>
-                <a:latin typeface="Arial"/>
-              </a:rPr>
-              <a:t>2) </a:t>
-            </a:r>
-            <a:r>
-              <a:rPr kumimoji="0" lang="en-US" sz="2000" b="0" i="0" u="none" strike="noStrike" kern="1200" cap="none" spc="-1" normalizeH="0" baseline="0" noProof="0" dirty="0">
-                <a:ln>
-                  <a:noFill/>
-                </a:ln>
-                <a:solidFill>
-                  <a:srgbClr val="262626"/>
-                </a:solidFill>
-                <a:effectLst/>
-                <a:uLnTx/>
-                <a:uFillTx/>
-                <a:latin typeface="Calibri"/>
-              </a:rPr>
-              <a:t>Calculate (2*a)/b + (a*b) and assign the result to variable </a:t>
-            </a:r>
-            <a:r>
-              <a:rPr kumimoji="0" lang="en-US" sz="2000" b="1" i="0" u="none" strike="noStrike" kern="1200" cap="none" spc="-1" normalizeH="0" baseline="0" noProof="0" dirty="0">
-                <a:ln>
-                  <a:noFill/>
-                </a:ln>
-                <a:solidFill>
-                  <a:srgbClr val="262626"/>
-                </a:solidFill>
-                <a:effectLst/>
-                <a:uLnTx/>
-                <a:uFillTx/>
-                <a:latin typeface="Calibri"/>
-              </a:rPr>
-              <a:t>x</a:t>
-            </a:r>
-            <a:r>
-              <a:rPr kumimoji="0" lang="en-US" sz="2000" b="0" i="0" u="none" strike="noStrike" kern="1200" cap="none" spc="-1" normalizeH="0" baseline="0" noProof="0" dirty="0">
-                <a:ln>
-                  <a:noFill/>
-                </a:ln>
-                <a:solidFill>
-                  <a:srgbClr val="262626"/>
-                </a:solidFill>
-                <a:effectLst/>
-                <a:uLnTx/>
-                <a:uFillTx/>
-                <a:latin typeface="Calibri"/>
-              </a:rPr>
-              <a:t>. Display the content of </a:t>
-            </a:r>
-            <a:r>
-              <a:rPr kumimoji="0" lang="en-US" sz="2000" b="1" i="0" u="none" strike="noStrike" kern="1200" cap="none" spc="-1" normalizeH="0" baseline="0" noProof="0" dirty="0">
-                <a:ln>
-                  <a:noFill/>
-                </a:ln>
-                <a:solidFill>
-                  <a:srgbClr val="262626"/>
-                </a:solidFill>
-                <a:effectLst/>
-                <a:uLnTx/>
-                <a:uFillTx/>
-                <a:latin typeface="Calibri"/>
-              </a:rPr>
-              <a:t>x</a:t>
-            </a:r>
-            <a:r>
-              <a:rPr kumimoji="0" lang="en-US" sz="2000" b="0" i="0" u="none" strike="noStrike" kern="1200" cap="none" spc="-1" normalizeH="0" baseline="0" noProof="0" dirty="0">
-                <a:ln>
-                  <a:noFill/>
-                </a:ln>
-                <a:solidFill>
-                  <a:srgbClr val="262626"/>
-                </a:solidFill>
-                <a:effectLst/>
-                <a:uLnTx/>
-                <a:uFillTx/>
-                <a:latin typeface="Calibri"/>
-              </a:rPr>
-              <a:t>.</a:t>
-            </a:r>
-            <a:endParaRPr kumimoji="0" lang="en-US" sz="2000" b="0" i="0" u="none" strike="noStrike" kern="1200" cap="none" spc="-1" normalizeH="0" baseline="0" noProof="0" dirty="0">
-              <a:ln>
-                <a:noFill/>
-              </a:ln>
-              <a:solidFill>
-                <a:prstClr val="black"/>
-              </a:solidFill>
-              <a:effectLst/>
-              <a:uLnTx/>
-              <a:uFillTx/>
-              <a:latin typeface="Arial"/>
-            </a:endParaRPr>
-          </a:p>
-          <a:p>
-            <a:pPr marL="3600" marR="0" lvl="0" indent="0" algn="l" defTabSz="914400" rtl="0" eaLnBrk="1" fontAlgn="auto" latinLnBrk="0" hangingPunct="1">
-              <a:lnSpc>
-                <a:spcPct val="100000"/>
-              </a:lnSpc>
-              <a:spcBef>
-                <a:spcPts val="400"/>
-              </a:spcBef>
-              <a:spcAft>
-                <a:spcPts val="0"/>
-              </a:spcAft>
-              <a:buClrTx/>
-              <a:buSzTx/>
-              <a:buFontTx/>
-              <a:buNone/>
-              <a:tabLst/>
-              <a:defRPr/>
-            </a:pPr>
-            <a:endParaRPr kumimoji="0" lang="en-US" sz="2000" b="0" i="0" u="none" strike="noStrike" kern="1200" cap="none" spc="-1" normalizeH="0" baseline="0" noProof="0" dirty="0">
-              <a:ln>
-                <a:noFill/>
-              </a:ln>
-              <a:solidFill>
-                <a:prstClr val="black"/>
-              </a:solidFill>
-              <a:effectLst/>
-              <a:uLnTx/>
-              <a:uFillTx/>
-              <a:latin typeface="Arial"/>
-            </a:endParaRPr>
-          </a:p>
-          <a:p>
-            <a:pPr marL="3600" marR="0" lvl="0" indent="0" algn="l" defTabSz="914400" rtl="0" eaLnBrk="1" fontAlgn="auto" latinLnBrk="0" hangingPunct="1">
-              <a:lnSpc>
-                <a:spcPct val="100000"/>
-              </a:lnSpc>
-              <a:spcBef>
-                <a:spcPts val="400"/>
-              </a:spcBef>
-              <a:spcAft>
-                <a:spcPts val="0"/>
-              </a:spcAft>
-              <a:buClrTx/>
-              <a:buSzTx/>
-              <a:buFontTx/>
-              <a:buNone/>
-              <a:tabLst/>
-              <a:defRPr/>
-            </a:pPr>
-            <a:r>
-              <a:rPr kumimoji="0" lang="en-US" sz="2000" b="0" i="0" u="none" strike="noStrike" kern="1200" cap="none" spc="-1" normalizeH="0" baseline="0" noProof="0" dirty="0">
-                <a:ln>
-                  <a:noFill/>
-                </a:ln>
-                <a:solidFill>
-                  <a:srgbClr val="262626"/>
-                </a:solidFill>
-                <a:effectLst/>
-                <a:uLnTx/>
-                <a:uFillTx/>
-                <a:latin typeface="Arial"/>
-              </a:rPr>
-              <a:t>3) </a:t>
-            </a:r>
-            <a:r>
-              <a:rPr kumimoji="0" lang="en-US" sz="2000" b="0" i="0" u="none" strike="noStrike" kern="1200" cap="none" spc="-1" normalizeH="0" baseline="0" noProof="0" dirty="0">
-                <a:ln>
-                  <a:noFill/>
-                </a:ln>
-                <a:solidFill>
-                  <a:srgbClr val="262626"/>
-                </a:solidFill>
-                <a:effectLst/>
-                <a:uLnTx/>
-                <a:uFillTx/>
-                <a:latin typeface="Calibri"/>
-              </a:rPr>
-              <a:t>Find out how to compute the square root of variables. Compute the square roots of </a:t>
-            </a:r>
-            <a:r>
-              <a:rPr kumimoji="0" lang="en-US" sz="2000" b="1" i="0" u="none" strike="noStrike" kern="1200" cap="none" spc="-1" normalizeH="0" baseline="0" noProof="0" dirty="0">
-                <a:ln>
-                  <a:noFill/>
-                </a:ln>
-                <a:solidFill>
-                  <a:srgbClr val="262626"/>
-                </a:solidFill>
-                <a:effectLst/>
-                <a:uLnTx/>
-                <a:uFillTx/>
-                <a:latin typeface="Calibri"/>
-              </a:rPr>
-              <a:t>a </a:t>
-            </a:r>
-            <a:r>
-              <a:rPr kumimoji="0" lang="en-US" sz="2000" b="0" i="0" u="none" strike="noStrike" kern="1200" cap="none" spc="-1" normalizeH="0" baseline="0" noProof="0" dirty="0">
-                <a:ln>
-                  <a:noFill/>
-                </a:ln>
-                <a:solidFill>
-                  <a:srgbClr val="262626"/>
-                </a:solidFill>
-                <a:effectLst/>
-                <a:uLnTx/>
-                <a:uFillTx/>
-                <a:latin typeface="Calibri"/>
-              </a:rPr>
-              <a:t>and </a:t>
-            </a:r>
-            <a:r>
-              <a:rPr kumimoji="0" lang="en-US" sz="2000" b="1" i="0" u="none" strike="noStrike" kern="1200" cap="none" spc="-1" normalizeH="0" baseline="0" noProof="0" dirty="0">
-                <a:ln>
-                  <a:noFill/>
-                </a:ln>
-                <a:solidFill>
-                  <a:srgbClr val="262626"/>
-                </a:solidFill>
-                <a:effectLst/>
-                <a:uLnTx/>
-                <a:uFillTx/>
-                <a:latin typeface="Calibri"/>
-              </a:rPr>
-              <a:t>b</a:t>
-            </a:r>
-            <a:r>
-              <a:rPr kumimoji="0" lang="en-US" sz="2000" b="0" i="0" u="none" strike="noStrike" kern="1200" cap="none" spc="-1" normalizeH="0" baseline="0" noProof="0" dirty="0">
-                <a:ln>
-                  <a:noFill/>
-                </a:ln>
-                <a:solidFill>
-                  <a:srgbClr val="262626"/>
-                </a:solidFill>
-                <a:effectLst/>
-                <a:uLnTx/>
-                <a:uFillTx/>
-                <a:latin typeface="Calibri"/>
-              </a:rPr>
-              <a:t> and of the ratio </a:t>
-            </a:r>
-            <a:r>
-              <a:rPr kumimoji="0" lang="en-US" sz="2000" b="1" i="0" u="none" strike="noStrike" kern="1200" cap="none" spc="-1" normalizeH="0" baseline="0" noProof="0" dirty="0">
-                <a:ln>
-                  <a:noFill/>
-                </a:ln>
-                <a:solidFill>
-                  <a:srgbClr val="262626"/>
-                </a:solidFill>
-                <a:effectLst/>
-                <a:uLnTx/>
-                <a:uFillTx/>
-                <a:latin typeface="Calibri"/>
-              </a:rPr>
-              <a:t>a/b</a:t>
-            </a:r>
-            <a:r>
-              <a:rPr kumimoji="0" lang="en-US" sz="2000" b="0" i="0" u="none" strike="noStrike" kern="1200" cap="none" spc="-1" normalizeH="0" baseline="0" noProof="0" dirty="0">
-                <a:ln>
-                  <a:noFill/>
-                </a:ln>
-                <a:solidFill>
-                  <a:srgbClr val="262626"/>
-                </a:solidFill>
-                <a:effectLst/>
-                <a:uLnTx/>
-                <a:uFillTx/>
-                <a:latin typeface="Calibri"/>
-              </a:rPr>
-              <a:t>.</a:t>
-            </a:r>
-            <a:endParaRPr kumimoji="0" lang="en-US" sz="2000" b="0" i="0" u="none" strike="noStrike" kern="1200" cap="none" spc="-1" normalizeH="0" baseline="0" noProof="0" dirty="0">
-              <a:ln>
-                <a:noFill/>
-              </a:ln>
-              <a:solidFill>
-                <a:prstClr val="black"/>
-              </a:solidFill>
-              <a:effectLst/>
-              <a:uLnTx/>
-              <a:uFillTx/>
-              <a:latin typeface="Arial"/>
-            </a:endParaRPr>
-          </a:p>
-          <a:p>
-            <a:pPr marL="3600" marR="0" lvl="0" indent="0" algn="l" defTabSz="914400" rtl="0" eaLnBrk="1" fontAlgn="auto" latinLnBrk="0" hangingPunct="1">
-              <a:lnSpc>
-                <a:spcPct val="100000"/>
-              </a:lnSpc>
-              <a:spcBef>
-                <a:spcPts val="400"/>
-              </a:spcBef>
-              <a:spcAft>
-                <a:spcPts val="0"/>
-              </a:spcAft>
-              <a:buClrTx/>
-              <a:buSzTx/>
-              <a:buFontTx/>
-              <a:buNone/>
-              <a:tabLst/>
-              <a:defRPr/>
-            </a:pPr>
-            <a:endParaRPr kumimoji="0" lang="en-US" sz="2000" b="0" i="0" u="none" strike="noStrike" kern="1200" cap="none" spc="-1" normalizeH="0" baseline="0" noProof="0" dirty="0">
-              <a:ln>
-                <a:noFill/>
-              </a:ln>
-              <a:solidFill>
-                <a:prstClr val="black"/>
-              </a:solidFill>
-              <a:effectLst/>
-              <a:uLnTx/>
-              <a:uFillTx/>
-              <a:latin typeface="Arial"/>
-            </a:endParaRPr>
-          </a:p>
-          <a:p>
-            <a:pPr marL="3600" marR="0" lvl="0" indent="0" algn="l" defTabSz="914400" rtl="0" eaLnBrk="1" fontAlgn="auto" latinLnBrk="0" hangingPunct="1">
-              <a:lnSpc>
-                <a:spcPct val="100000"/>
-              </a:lnSpc>
-              <a:spcBef>
-                <a:spcPts val="400"/>
-              </a:spcBef>
-              <a:spcAft>
-                <a:spcPts val="0"/>
-              </a:spcAft>
-              <a:buClrTx/>
-              <a:buSzTx/>
-              <a:buFontTx/>
-              <a:buNone/>
-              <a:tabLst/>
-              <a:defRPr/>
-            </a:pPr>
-            <a:r>
-              <a:rPr kumimoji="0" lang="en-US" sz="2000" b="0" i="0" u="none" strike="noStrike" kern="1200" cap="none" spc="-1" normalizeH="0" baseline="0" noProof="0" dirty="0">
-                <a:ln>
-                  <a:noFill/>
-                </a:ln>
-                <a:solidFill>
-                  <a:srgbClr val="262626"/>
-                </a:solidFill>
-                <a:effectLst/>
-                <a:uLnTx/>
-                <a:uFillTx/>
-                <a:latin typeface="Arial"/>
-              </a:rPr>
-              <a:t>4) </a:t>
-            </a:r>
-            <a:r>
-              <a:rPr kumimoji="0" lang="en-US" sz="2000" b="0" i="0" u="none" strike="noStrike" kern="1200" cap="none" spc="-1" normalizeH="0" baseline="0" noProof="0" dirty="0">
-                <a:ln>
-                  <a:noFill/>
-                </a:ln>
-                <a:solidFill>
-                  <a:srgbClr val="262626"/>
-                </a:solidFill>
-                <a:effectLst/>
-                <a:uLnTx/>
-                <a:uFillTx/>
-                <a:latin typeface="Calibri"/>
-              </a:rPr>
-              <a:t>a) Calculate the logarithm to the base 2 of </a:t>
-            </a:r>
-            <a:r>
-              <a:rPr kumimoji="0" lang="en-US" sz="2000" b="1" i="0" u="none" strike="noStrike" kern="1200" cap="none" spc="-1" normalizeH="0" baseline="0" noProof="0" dirty="0">
-                <a:ln>
-                  <a:noFill/>
-                </a:ln>
-                <a:solidFill>
-                  <a:srgbClr val="262626"/>
-                </a:solidFill>
-                <a:effectLst/>
-                <a:uLnTx/>
-                <a:uFillTx/>
-                <a:latin typeface="Calibri"/>
-              </a:rPr>
-              <a:t>x</a:t>
-            </a:r>
-            <a:r>
-              <a:rPr kumimoji="0" lang="en-US" sz="2000" b="0" i="0" u="none" strike="noStrike" kern="1200" cap="none" spc="-1" normalizeH="0" baseline="0" noProof="0" dirty="0">
-                <a:ln>
-                  <a:noFill/>
-                </a:ln>
-                <a:solidFill>
-                  <a:srgbClr val="262626"/>
-                </a:solidFill>
-                <a:effectLst/>
-                <a:uLnTx/>
-                <a:uFillTx/>
-                <a:latin typeface="Calibri"/>
-              </a:rPr>
-              <a:t> (i.e., log</a:t>
-            </a:r>
-            <a:r>
-              <a:rPr kumimoji="0" lang="en-US" sz="2000" b="0" i="0" u="none" strike="noStrike" kern="1200" cap="none" spc="-1" normalizeH="0" baseline="-25000" noProof="0" dirty="0">
-                <a:ln>
-                  <a:noFill/>
-                </a:ln>
-                <a:solidFill>
-                  <a:srgbClr val="262626"/>
-                </a:solidFill>
-                <a:effectLst/>
-                <a:uLnTx/>
-                <a:uFillTx/>
-                <a:latin typeface="Calibri"/>
-              </a:rPr>
-              <a:t>2 </a:t>
-            </a:r>
-            <a:r>
-              <a:rPr kumimoji="0" lang="en-US" sz="2000" b="0" i="0" u="none" strike="noStrike" kern="1200" cap="none" spc="-1" normalizeH="0" baseline="0" noProof="0" dirty="0">
-                <a:ln>
-                  <a:noFill/>
-                </a:ln>
-                <a:solidFill>
-                  <a:srgbClr val="262626"/>
-                </a:solidFill>
-                <a:effectLst/>
-                <a:uLnTx/>
-                <a:uFillTx/>
-                <a:latin typeface="Calibri"/>
-              </a:rPr>
-              <a:t>x).</a:t>
-            </a:r>
-            <a:endParaRPr kumimoji="0" lang="en-US" sz="2000" b="0" i="0" u="none" strike="noStrike" kern="1200" cap="none" spc="-1" normalizeH="0" baseline="0" noProof="0" dirty="0">
-              <a:ln>
-                <a:noFill/>
-              </a:ln>
-              <a:solidFill>
-                <a:prstClr val="black"/>
-              </a:solidFill>
-              <a:effectLst/>
-              <a:uLnTx/>
-              <a:uFillTx/>
-              <a:latin typeface="Arial"/>
-            </a:endParaRPr>
-          </a:p>
-          <a:p>
-            <a:pPr marL="3600" marR="0" lvl="0" indent="0" algn="l" defTabSz="914400" rtl="0" eaLnBrk="1" fontAlgn="auto" latinLnBrk="0" hangingPunct="1">
-              <a:lnSpc>
-                <a:spcPct val="100000"/>
-              </a:lnSpc>
-              <a:spcBef>
-                <a:spcPts val="400"/>
-              </a:spcBef>
-              <a:spcAft>
-                <a:spcPts val="0"/>
-              </a:spcAft>
-              <a:buClrTx/>
-              <a:buSzTx/>
-              <a:buFontTx/>
-              <a:buNone/>
-              <a:tabLst/>
-              <a:defRPr/>
-            </a:pPr>
-            <a:r>
-              <a:rPr kumimoji="0" lang="en-US" sz="2000" b="0" i="0" u="none" strike="noStrike" kern="1200" cap="none" spc="-1" normalizeH="0" baseline="0" noProof="0" dirty="0">
-                <a:ln>
-                  <a:noFill/>
-                </a:ln>
-                <a:solidFill>
-                  <a:srgbClr val="262626"/>
-                </a:solidFill>
-                <a:effectLst/>
-                <a:uLnTx/>
-                <a:uFillTx/>
-                <a:latin typeface="Calibri"/>
-              </a:rPr>
-              <a:t>     b) Calculate the natural logarithm of </a:t>
-            </a:r>
-            <a:r>
-              <a:rPr kumimoji="0" lang="en-US" sz="2000" b="1" i="0" u="none" strike="noStrike" kern="1200" cap="none" spc="-1" normalizeH="0" baseline="0" noProof="0" dirty="0">
-                <a:ln>
-                  <a:noFill/>
-                </a:ln>
-                <a:solidFill>
-                  <a:srgbClr val="262626"/>
-                </a:solidFill>
-                <a:effectLst/>
-                <a:uLnTx/>
-                <a:uFillTx/>
-                <a:latin typeface="Calibri"/>
-              </a:rPr>
-              <a:t>x</a:t>
-            </a:r>
-            <a:r>
-              <a:rPr kumimoji="0" lang="en-US" sz="2000" b="0" i="0" u="none" strike="noStrike" kern="1200" cap="none" spc="-1" normalizeH="0" baseline="0" noProof="0" dirty="0">
-                <a:ln>
-                  <a:noFill/>
-                </a:ln>
-                <a:solidFill>
-                  <a:srgbClr val="262626"/>
-                </a:solidFill>
-                <a:effectLst/>
-                <a:uLnTx/>
-                <a:uFillTx/>
-                <a:latin typeface="Calibri"/>
-              </a:rPr>
-              <a:t> (i.e., log</a:t>
-            </a:r>
-            <a:r>
-              <a:rPr kumimoji="0" lang="en-US" sz="2000" b="0" i="0" u="none" strike="noStrike" kern="1200" cap="none" spc="-1" normalizeH="0" baseline="-25000" noProof="0" dirty="0">
-                <a:ln>
-                  <a:noFill/>
-                </a:ln>
-                <a:solidFill>
-                  <a:srgbClr val="262626"/>
-                </a:solidFill>
-                <a:effectLst/>
-                <a:uLnTx/>
-                <a:uFillTx/>
-                <a:latin typeface="Calibri"/>
-              </a:rPr>
-              <a:t>e </a:t>
-            </a:r>
-            <a:r>
-              <a:rPr kumimoji="0" lang="en-US" sz="2000" b="0" i="0" u="none" strike="noStrike" kern="1200" cap="none" spc="-1" normalizeH="0" baseline="0" noProof="0" dirty="0">
-                <a:ln>
-                  <a:noFill/>
-                </a:ln>
-                <a:solidFill>
-                  <a:srgbClr val="262626"/>
-                </a:solidFill>
-                <a:effectLst/>
-                <a:uLnTx/>
-                <a:uFillTx/>
-                <a:latin typeface="Calibri"/>
-              </a:rPr>
-              <a:t>x).</a:t>
-            </a:r>
-            <a:endParaRPr kumimoji="0" lang="en-US" sz="2000" b="0" i="0" u="none" strike="noStrike" kern="1200" cap="none" spc="-1" normalizeH="0" baseline="0" noProof="0" dirty="0">
-              <a:ln>
-                <a:noFill/>
-              </a:ln>
-              <a:solidFill>
-                <a:prstClr val="black"/>
-              </a:solidFill>
-              <a:effectLst/>
-              <a:uLnTx/>
-              <a:uFillTx/>
-              <a:latin typeface="Arial"/>
-            </a:endParaRPr>
-          </a:p>
-          <a:p>
-            <a:pPr marL="3600" marR="0" lvl="0" indent="0" algn="l" defTabSz="914400" rtl="0" eaLnBrk="1" fontAlgn="auto" latinLnBrk="0" hangingPunct="1">
-              <a:lnSpc>
-                <a:spcPct val="100000"/>
-              </a:lnSpc>
-              <a:spcBef>
-                <a:spcPts val="400"/>
-              </a:spcBef>
-              <a:spcAft>
-                <a:spcPts val="0"/>
-              </a:spcAft>
-              <a:buClrTx/>
-              <a:buSzTx/>
-              <a:buFontTx/>
-              <a:buNone/>
-              <a:tabLst/>
-              <a:defRPr/>
-            </a:pPr>
-            <a:endParaRPr kumimoji="0" lang="en-US" sz="2000" b="0" i="0" u="none" strike="noStrike" kern="1200" cap="none" spc="-1" normalizeH="0" baseline="0" noProof="0" dirty="0">
-              <a:ln>
-                <a:noFill/>
-              </a:ln>
-              <a:solidFill>
-                <a:prstClr val="black"/>
-              </a:solidFill>
-              <a:effectLst/>
-              <a:uLnTx/>
-              <a:uFillTx/>
-              <a:latin typeface="Arial"/>
             </a:endParaRPr>
           </a:p>
         </p:txBody>
@@ -11451,7 +10578,7 @@
     </p:spTree>
     <p:extLst>
       <p:ext uri="{BB962C8B-B14F-4D97-AF65-F5344CB8AC3E}">
-        <p14:creationId xmlns:p14="http://schemas.microsoft.com/office/powerpoint/2010/main" val="4007334547"/>
+        <p14:creationId xmlns:p14="http://schemas.microsoft.com/office/powerpoint/2010/main" val="3914241962"/>
       </p:ext>
     </p:extLst>
   </p:cSld>
@@ -11507,7 +10634,7 @@
       </p:grpSpPr>
       <p:sp>
         <p:nvSpPr>
-          <p:cNvPr id="823" name="CustomShape 1"/>
+          <p:cNvPr id="789" name="CustomShape 1"/>
           <p:cNvSpPr/>
           <p:nvPr/>
         </p:nvSpPr>
@@ -11539,7 +10666,7 @@
       </p:sp>
       <p:sp>
         <p:nvSpPr>
-          <p:cNvPr id="824" name="CustomShape 2"/>
+          <p:cNvPr id="790" name="CustomShape 2"/>
           <p:cNvSpPr/>
           <p:nvPr/>
         </p:nvSpPr>
@@ -11590,7 +10717,7 @@
               <a:defRPr/>
             </a:pPr>
             <a:r>
-              <a:rPr kumimoji="0" lang="en-US" sz="4000" b="0" i="0" u="none" strike="noStrike" kern="1200" cap="none" spc="-1" normalizeH="0" baseline="0" noProof="0" dirty="0">
+              <a:rPr kumimoji="0" lang="en-US" sz="4000" b="0" i="0" u="none" strike="noStrike" kern="1200" cap="none" spc="-1" normalizeH="0" baseline="0" noProof="0">
                 <a:ln>
                   <a:noFill/>
                 </a:ln>
@@ -11602,33 +10729,9 @@
                 <a:uFillTx/>
                 <a:latin typeface="Calibri"/>
               </a:rPr>
-              <a:t>Let’s practice </a:t>
-            </a:r>
-            <a:r>
-              <a:rPr lang="en-US" sz="4000" spc="-1" dirty="0">
-                <a:solidFill>
-                  <a:srgbClr val="4F81BD"/>
-                </a:solidFill>
-                <a:latin typeface="Calibri"/>
-              </a:rPr>
-              <a:t>–</a:t>
-            </a:r>
-            <a:r>
-              <a:rPr kumimoji="0" lang="en-US" sz="4000" b="0" i="0" u="none" strike="noStrike" kern="1200" cap="none" spc="-1" normalizeH="0" baseline="0" noProof="0" dirty="0">
-                <a:ln>
-                  <a:noFill/>
-                </a:ln>
-                <a:solidFill>
-                  <a:srgbClr val="4F81BD"/>
-                </a:solidFill>
-                <a:effectLst/>
-                <a:uLnTx/>
-                <a:uFillTx/>
-                <a:latin typeface="Calibri"/>
-              </a:rPr>
-              <a:t> 4 </a:t>
-            </a:r>
-            <a:endParaRPr kumimoji="0" lang="en-US" sz="4000" b="0" i="0" u="none" strike="noStrike" kern="1200" cap="none" spc="-1" normalizeH="0" baseline="0" noProof="0" dirty="0">
+              <a:t>Let’s practice – 3 </a:t>
+            </a:r>
+            <a:endParaRPr kumimoji="0" lang="en-US" sz="4000" b="0" i="0" u="none" strike="noStrike" kern="1200" cap="none" spc="-1" normalizeH="0" baseline="0" noProof="0">
               <a:ln>
                 <a:noFill/>
               </a:ln>
@@ -11645,14 +10748,14 @@
       </p:sp>
       <p:sp>
         <p:nvSpPr>
-          <p:cNvPr id="825" name="CustomShape 3"/>
+          <p:cNvPr id="791" name="CustomShape 3"/>
           <p:cNvSpPr/>
           <p:nvPr/>
         </p:nvSpPr>
         <p:spPr>
           <a:xfrm>
-            <a:off x="191880" y="704160"/>
-            <a:ext cx="8809920" cy="5889600"/>
+            <a:off x="191880" y="564840"/>
+            <a:ext cx="7904520" cy="5889600"/>
           </a:xfrm>
           <a:prstGeom prst="rect">
             <a:avLst/>
@@ -11696,7 +10799,7 @@
               <a:defRPr/>
             </a:pPr>
             <a:r>
-              <a:rPr kumimoji="0" lang="en-US" sz="2000" b="0" i="0" u="none" strike="noStrike" kern="1200" cap="none" spc="-1" normalizeH="0" baseline="0" noProof="0" dirty="0">
+              <a:rPr kumimoji="0" lang="en-US" sz="2000" b="0" i="1" u="none" strike="noStrike" kern="1200" cap="none" spc="-1" normalizeH="0" baseline="0" noProof="0" dirty="0">
                 <a:ln>
                   <a:noFill/>
                 </a:ln>
@@ -11708,10 +10811,41 @@
                 <a:uFillTx/>
                 <a:latin typeface="Calibri"/>
               </a:rPr>
-              <a:t> 1) Create two vectors, </a:t>
-            </a:r>
-            <a:r>
-              <a:rPr kumimoji="0" lang="en-US" sz="2000" b="1" i="0" u="none" strike="noStrike" kern="1200" cap="none" spc="-1" normalizeH="0" baseline="0" noProof="0" dirty="0" err="1">
+              <a:t>For all exercises, feel free to use</a:t>
+            </a:r>
+            <a:endParaRPr kumimoji="0" lang="en-US" sz="2000" b="0" i="0" u="none" strike="noStrike" kern="1200" cap="none" spc="-1" normalizeH="0" baseline="0" noProof="0" dirty="0">
+              <a:ln>
+                <a:noFill/>
+              </a:ln>
+              <a:solidFill>
+                <a:prstClr val="black"/>
+              </a:solidFill>
+              <a:effectLst/>
+              <a:uLnTx/>
+              <a:uFillTx/>
+              <a:latin typeface="Arial"/>
+            </a:endParaRPr>
+          </a:p>
+          <a:p>
+            <a:pPr marL="0" marR="0" lvl="0" indent="0" algn="l" defTabSz="914400" rtl="0" eaLnBrk="1" fontAlgn="auto" latinLnBrk="0" hangingPunct="1">
+              <a:lnSpc>
+                <a:spcPct val="100000"/>
+              </a:lnSpc>
+              <a:spcBef>
+                <a:spcPts val="400"/>
+              </a:spcBef>
+              <a:spcAft>
+                <a:spcPts val="0"/>
+              </a:spcAft>
+              <a:buClrTx/>
+              <a:buSzTx/>
+              <a:buFontTx/>
+              <a:buNone/>
+              <a:tabLst/>
+              <a:defRPr/>
+            </a:pPr>
+            <a:r>
+              <a:rPr kumimoji="0" lang="en-US" sz="2000" b="0" i="1" u="none" strike="noStrike" kern="1200" cap="none" spc="-1" normalizeH="0" baseline="0" noProof="0" dirty="0">
                 <a:ln>
                   <a:noFill/>
                 </a:ln>
@@ -11723,10 +10857,41 @@
                 <a:uFillTx/>
                 <a:latin typeface="Calibri"/>
               </a:rPr>
-              <a:t>vector_a</a:t>
-            </a:r>
-            <a:r>
-              <a:rPr kumimoji="0" lang="en-US" sz="2000" b="1" i="0" u="none" strike="noStrike" kern="1200" cap="none" spc="-1" normalizeH="0" baseline="0" noProof="0" dirty="0">
+              <a:t>	- cheat sheets provided</a:t>
+            </a:r>
+            <a:endParaRPr kumimoji="0" lang="en-US" sz="2000" b="0" i="0" u="none" strike="noStrike" kern="1200" cap="none" spc="-1" normalizeH="0" baseline="0" noProof="0" dirty="0">
+              <a:ln>
+                <a:noFill/>
+              </a:ln>
+              <a:solidFill>
+                <a:prstClr val="black"/>
+              </a:solidFill>
+              <a:effectLst/>
+              <a:uLnTx/>
+              <a:uFillTx/>
+              <a:latin typeface="Arial"/>
+            </a:endParaRPr>
+          </a:p>
+          <a:p>
+            <a:pPr marL="0" marR="0" lvl="0" indent="0" algn="l" defTabSz="914400" rtl="0" eaLnBrk="1" fontAlgn="auto" latinLnBrk="0" hangingPunct="1">
+              <a:lnSpc>
+                <a:spcPct val="100000"/>
+              </a:lnSpc>
+              <a:spcBef>
+                <a:spcPts val="400"/>
+              </a:spcBef>
+              <a:spcAft>
+                <a:spcPts val="0"/>
+              </a:spcAft>
+              <a:buClrTx/>
+              <a:buSzTx/>
+              <a:buFontTx/>
+              <a:buNone/>
+              <a:tabLst/>
+              <a:defRPr/>
+            </a:pPr>
+            <a:r>
+              <a:rPr kumimoji="0" lang="en-US" sz="2000" b="0" i="1" u="none" strike="noStrike" kern="1200" cap="none" spc="-1" normalizeH="0" baseline="0" noProof="0" dirty="0">
                 <a:ln>
                   <a:noFill/>
                 </a:ln>
@@ -11738,52 +10903,7 @@
                 <a:uFillTx/>
                 <a:latin typeface="Calibri"/>
               </a:rPr>
-              <a:t> </a:t>
-            </a:r>
-            <a:r>
-              <a:rPr kumimoji="0" lang="en-US" sz="2000" b="0" i="0" u="none" strike="noStrike" kern="1200" cap="none" spc="-1" normalizeH="0" baseline="0" noProof="0" dirty="0">
-                <a:ln>
-                  <a:noFill/>
-                </a:ln>
-                <a:solidFill>
-                  <a:srgbClr val="262626"/>
-                </a:solidFill>
-                <a:effectLst/>
-                <a:uLnTx/>
-                <a:uFillTx/>
-                <a:latin typeface="Calibri"/>
-              </a:rPr>
-              <a:t>and </a:t>
-            </a:r>
-            <a:r>
-              <a:rPr kumimoji="0" lang="en-US" sz="2000" b="1" i="0" u="none" strike="noStrike" kern="1200" cap="none" spc="-1" normalizeH="0" baseline="0" noProof="0" dirty="0" err="1">
-                <a:ln>
-                  <a:noFill/>
-                </a:ln>
-                <a:solidFill>
-                  <a:srgbClr val="262626"/>
-                </a:solidFill>
-                <a:effectLst/>
-                <a:uLnTx/>
-                <a:uFillTx/>
-                <a:latin typeface="Calibri"/>
-              </a:rPr>
-              <a:t>vector_b</a:t>
-            </a:r>
-            <a:r>
-              <a:rPr kumimoji="0" lang="en-US" sz="2000" b="0" i="0" u="none" strike="noStrike" kern="1200" cap="none" spc="-1" normalizeH="0" baseline="0" noProof="0" dirty="0">
-                <a:ln>
-                  <a:noFill/>
-                </a:ln>
-                <a:solidFill>
-                  <a:srgbClr val="262626"/>
-                </a:solidFill>
-                <a:effectLst/>
-                <a:uLnTx/>
-                <a:uFillTx/>
-                <a:latin typeface="Calibri"/>
-              </a:rPr>
-              <a:t>, containing the values from −5 to 5 and from 10 down to 0, respectively.</a:t>
+              <a:t>	- R help (? at command prompt)</a:t>
             </a:r>
             <a:endParaRPr kumimoji="0" lang="en-US" sz="2000" b="0" i="0" u="none" strike="noStrike" kern="1200" cap="none" spc="-1" normalizeH="0" baseline="0" noProof="0" dirty="0">
               <a:ln>
@@ -11848,7 +10968,7 @@
               <a:defRPr/>
             </a:pPr>
             <a:r>
-              <a:rPr kumimoji="0" lang="en-US" sz="2000" b="0" i="0" u="none" strike="noStrike" kern="1200" cap="none" spc="-1" normalizeH="0" baseline="0" noProof="0" dirty="0">
+              <a:rPr kumimoji="0" lang="de-CH" sz="2000" b="0" i="0" u="none" strike="noStrike" kern="1200" cap="none" spc="-1" normalizeH="0" baseline="0" noProof="0" dirty="0">
                 <a:ln>
                   <a:noFill/>
                 </a:ln>
@@ -11860,89 +10980,29 @@
                 <a:uFillTx/>
                 <a:latin typeface="Calibri"/>
               </a:rPr>
-              <a:t>2) Calculate the (element-wise) sum, difference and product between the elements of </a:t>
-            </a:r>
-            <a:r>
-              <a:rPr kumimoji="0" lang="en-US" sz="2000" b="1" i="0" u="none" strike="noStrike" kern="1200" cap="none" spc="-1" normalizeH="0" baseline="0" noProof="0" dirty="0" err="1">
+              <a:t>Open a new script file and save it as </a:t>
+            </a:r>
+            <a:r>
+              <a:rPr kumimoji="0" lang="de-CH" sz="2000" b="0" i="0" u="none" strike="noStrike" kern="1200" cap="none" spc="-1" normalizeH="0" baseline="0" noProof="0" dirty="0">
                 <a:ln>
                   <a:noFill/>
                 </a:ln>
                 <a:solidFill>
-                  <a:srgbClr val="262626"/>
+                  <a:srgbClr val="4E81BD"/>
                 </a:solidFill>
                 <a:effectLst/>
                 <a:uLnTx/>
                 <a:uFillTx/>
                 <a:latin typeface="Calibri"/>
               </a:rPr>
-              <a:t>vector_a</a:t>
-            </a:r>
-            <a:r>
-              <a:rPr kumimoji="0" lang="en-US" sz="2000" b="0" i="0" u="none" strike="noStrike" kern="1200" cap="none" spc="-1" normalizeH="0" baseline="0" noProof="0" dirty="0">
-                <a:ln>
-                  <a:noFill/>
-                </a:ln>
-                <a:solidFill>
-                  <a:srgbClr val="262626"/>
-                </a:solidFill>
-                <a:effectLst/>
-                <a:uLnTx/>
-                <a:uFillTx/>
-                <a:latin typeface="Calibri"/>
-              </a:rPr>
-              <a:t> and </a:t>
-            </a:r>
-            <a:r>
-              <a:rPr kumimoji="0" lang="en-US" sz="2000" b="1" i="0" u="none" strike="noStrike" kern="1200" cap="none" spc="-1" normalizeH="0" baseline="0" noProof="0" dirty="0" err="1">
-                <a:ln>
-                  <a:noFill/>
-                </a:ln>
-                <a:solidFill>
-                  <a:srgbClr val="262626"/>
-                </a:solidFill>
-                <a:effectLst/>
-                <a:uLnTx/>
-                <a:uFillTx/>
-                <a:latin typeface="Calibri"/>
-              </a:rPr>
-              <a:t>vector_b</a:t>
-            </a:r>
-            <a:r>
-              <a:rPr kumimoji="0" lang="en-US" sz="2000" b="0" i="0" u="none" strike="noStrike" kern="1200" cap="none" spc="-1" normalizeH="0" baseline="0" noProof="0" dirty="0">
-                <a:ln>
-                  <a:noFill/>
-                </a:ln>
-                <a:solidFill>
-                  <a:srgbClr val="262626"/>
-                </a:solidFill>
-                <a:effectLst/>
-                <a:uLnTx/>
-                <a:uFillTx/>
-                <a:latin typeface="Calibri"/>
-              </a:rPr>
-              <a:t>.</a:t>
-            </a:r>
-            <a:r>
-              <a:rPr kumimoji="0" lang="en-US" sz="2000" b="0" i="1" u="none" strike="noStrike" kern="1200" cap="none" spc="-1" normalizeH="0" baseline="0" noProof="0" dirty="0">
-                <a:ln>
-                  <a:noFill/>
-                </a:ln>
-                <a:solidFill>
-                  <a:srgbClr val="262626"/>
-                </a:solidFill>
-                <a:effectLst/>
-                <a:uLnTx/>
-                <a:uFillTx/>
-                <a:latin typeface="Calibri"/>
-              </a:rPr>
-              <a:t> </a:t>
+              <a:t>ex3.R</a:t>
             </a:r>
             <a:endParaRPr kumimoji="0" lang="en-US" sz="2000" b="0" i="0" u="none" strike="noStrike" kern="1200" cap="none" spc="-1" normalizeH="0" baseline="0" noProof="0" dirty="0">
               <a:ln>
                 <a:noFill/>
               </a:ln>
               <a:solidFill>
-                <a:prstClr val="black"/>
+                <a:srgbClr val="4E81BD"/>
               </a:solidFill>
               <a:effectLst/>
               <a:uLnTx/>
@@ -11982,7 +11042,7 @@
             </a:endParaRPr>
           </a:p>
           <a:p>
-            <a:pPr marL="0" marR="0" lvl="0" indent="0" algn="l" defTabSz="914400" rtl="0" eaLnBrk="1" fontAlgn="auto" latinLnBrk="0" hangingPunct="1">
+            <a:pPr marL="266760" marR="0" lvl="0" indent="-261720" algn="l" defTabSz="914400" rtl="0" eaLnBrk="1" fontAlgn="auto" latinLnBrk="0" hangingPunct="1">
               <a:lnSpc>
                 <a:spcPct val="100000"/>
               </a:lnSpc>
@@ -11992,10 +11052,12 @@
               <a:spcAft>
                 <a:spcPts val="0"/>
               </a:spcAft>
-              <a:buClrTx/>
+              <a:buClr>
+                <a:srgbClr val="000000"/>
+              </a:buClr>
               <a:buSzTx/>
-              <a:buFontTx/>
-              <a:buNone/>
+              <a:buFont typeface="StarSymbol"/>
+              <a:buAutoNum type="arabicParenR"/>
               <a:tabLst/>
               <a:defRPr/>
             </a:pPr>
@@ -12012,10 +11074,10 @@
                 <a:uFillTx/>
                 <a:latin typeface="Calibri"/>
               </a:rPr>
-              <a:t>3) a) Calculate the sum of elements in </a:t>
-            </a:r>
-            <a:r>
-              <a:rPr kumimoji="0" lang="en-US" sz="2000" b="1" i="0" u="none" strike="noStrike" kern="1200" cap="none" spc="-1" normalizeH="0" baseline="0" noProof="0" dirty="0" err="1">
+              <a:t>Assign the values 6</a:t>
+            </a:r>
+            <a:r>
+              <a:rPr kumimoji="0" lang="en-US" sz="2000" b="1" i="0" u="none" strike="noStrike" kern="1200" cap="none" spc="-1" normalizeH="0" baseline="0" noProof="0" dirty="0">
                 <a:ln>
                   <a:noFill/>
                 </a:ln>
@@ -12027,7 +11089,7 @@
                 <a:uFillTx/>
                 <a:latin typeface="Calibri"/>
               </a:rPr>
-              <a:t>vector_a</a:t>
+              <a:t>.</a:t>
             </a:r>
             <a:r>
               <a:rPr kumimoji="0" lang="en-US" sz="2000" b="0" i="0" u="none" strike="noStrike" kern="1200" cap="none" spc="-1" normalizeH="0" baseline="0" noProof="0" dirty="0">
@@ -12042,7 +11104,97 @@
                 <a:uFillTx/>
                 <a:latin typeface="Calibri"/>
               </a:rPr>
-              <a:t>. </a:t>
+              <a:t>7 and 56</a:t>
+            </a:r>
+            <a:r>
+              <a:rPr kumimoji="0" lang="en-US" sz="2000" b="1" i="0" u="none" strike="noStrike" kern="1200" cap="none" spc="-1" normalizeH="0" baseline="0" noProof="0" dirty="0">
+                <a:ln>
+                  <a:noFill/>
+                </a:ln>
+                <a:solidFill>
+                  <a:srgbClr val="262626"/>
+                </a:solidFill>
+                <a:effectLst/>
+                <a:uLnTx/>
+                <a:uFillTx/>
+                <a:latin typeface="Calibri"/>
+              </a:rPr>
+              <a:t>.</a:t>
+            </a:r>
+            <a:r>
+              <a:rPr kumimoji="0" lang="en-US" sz="2000" b="0" i="0" u="none" strike="noStrike" kern="1200" cap="none" spc="-1" normalizeH="0" baseline="0" noProof="0" dirty="0">
+                <a:ln>
+                  <a:noFill/>
+                </a:ln>
+                <a:solidFill>
+                  <a:srgbClr val="262626"/>
+                </a:solidFill>
+                <a:effectLst/>
+                <a:uLnTx/>
+                <a:uFillTx/>
+                <a:latin typeface="Calibri"/>
+              </a:rPr>
+              <a:t>3 to variables </a:t>
+            </a:r>
+            <a:r>
+              <a:rPr kumimoji="0" lang="en-US" sz="2000" b="1" i="0" u="none" strike="noStrike" kern="1200" cap="none" spc="-1" normalizeH="0" baseline="0" noProof="0" dirty="0">
+                <a:ln>
+                  <a:noFill/>
+                </a:ln>
+                <a:solidFill>
+                  <a:srgbClr val="262626"/>
+                </a:solidFill>
+                <a:effectLst/>
+                <a:uLnTx/>
+                <a:uFillTx/>
+                <a:latin typeface="Calibri"/>
+              </a:rPr>
+              <a:t>a</a:t>
+            </a:r>
+            <a:r>
+              <a:rPr kumimoji="0" lang="en-US" sz="2000" b="0" i="0" u="none" strike="noStrike" kern="1200" cap="none" spc="-1" normalizeH="0" baseline="0" noProof="0" dirty="0">
+                <a:ln>
+                  <a:noFill/>
+                </a:ln>
+                <a:solidFill>
+                  <a:srgbClr val="262626"/>
+                </a:solidFill>
+                <a:effectLst/>
+                <a:uLnTx/>
+                <a:uFillTx/>
+                <a:latin typeface="Calibri"/>
+              </a:rPr>
+              <a:t> and </a:t>
+            </a:r>
+            <a:r>
+              <a:rPr kumimoji="0" lang="en-US" sz="2000" b="1" i="0" u="none" strike="noStrike" kern="1200" cap="none" spc="-1" normalizeH="0" baseline="0" noProof="0" dirty="0">
+                <a:ln>
+                  <a:noFill/>
+                </a:ln>
+                <a:solidFill>
+                  <a:srgbClr val="262626"/>
+                </a:solidFill>
+                <a:effectLst/>
+                <a:uLnTx/>
+                <a:uFillTx/>
+                <a:latin typeface="Calibri"/>
+              </a:rPr>
+              <a:t>b</a:t>
+            </a:r>
+            <a:r>
+              <a:rPr kumimoji="0" lang="en-US" sz="2000" b="0" i="0" u="none" strike="noStrike" kern="1200" cap="none" spc="-1" normalizeH="0" baseline="0" noProof="0" dirty="0">
+                <a:ln>
+                  <a:noFill/>
+                </a:ln>
+                <a:solidFill>
+                  <a:srgbClr val="262626"/>
+                </a:solidFill>
+                <a:effectLst/>
+                <a:uLnTx/>
+                <a:uFillTx/>
+                <a:latin typeface="Calibri"/>
+              </a:rPr>
+              <a:t>, respectively.</a:t>
             </a:r>
             <a:endParaRPr kumimoji="0" lang="en-US" sz="2000" b="0" i="0" u="none" strike="noStrike" kern="1200" cap="none" spc="-1" normalizeH="0" baseline="0" noProof="0" dirty="0">
               <a:ln>
@@ -12058,113 +11210,7 @@
             </a:endParaRPr>
           </a:p>
           <a:p>
-            <a:pPr marL="0" marR="0" lvl="0" indent="0" algn="l" defTabSz="914400" rtl="0" eaLnBrk="1" fontAlgn="auto" latinLnBrk="0" hangingPunct="1">
-              <a:lnSpc>
-                <a:spcPct val="100000"/>
-              </a:lnSpc>
-              <a:spcBef>
-                <a:spcPts val="400"/>
-              </a:spcBef>
-              <a:spcAft>
-                <a:spcPts val="0"/>
-              </a:spcAft>
-              <a:buClrTx/>
-              <a:buSzTx/>
-              <a:buFontTx/>
-              <a:buNone/>
-              <a:tabLst/>
-              <a:defRPr/>
-            </a:pPr>
-            <a:r>
-              <a:rPr kumimoji="0" lang="en-US" sz="2000" b="0" i="0" u="none" strike="noStrike" kern="1200" cap="none" spc="-1" normalizeH="0" baseline="0" noProof="0" dirty="0">
-                <a:ln>
-                  <a:noFill/>
-                </a:ln>
-                <a:solidFill>
-                  <a:srgbClr val="262626"/>
-                </a:solidFill>
-                <a:effectLst/>
-                <a:uLnTx/>
-                <a:uFillTx/>
-                <a:latin typeface="Calibri"/>
-              </a:rPr>
-              <a:t>     b) Calculate the overall sum of elements in both </a:t>
-            </a:r>
-            <a:r>
-              <a:rPr kumimoji="0" lang="en-US" sz="2000" b="1" i="0" u="none" strike="noStrike" kern="1200" cap="none" spc="-1" normalizeH="0" baseline="0" noProof="0" dirty="0" err="1">
-                <a:ln>
-                  <a:noFill/>
-                </a:ln>
-                <a:solidFill>
-                  <a:srgbClr val="262626"/>
-                </a:solidFill>
-                <a:effectLst/>
-                <a:uLnTx/>
-                <a:uFillTx/>
-                <a:latin typeface="Calibri"/>
-              </a:rPr>
-              <a:t>vector_a</a:t>
-            </a:r>
-            <a:r>
-              <a:rPr kumimoji="0" lang="en-US" sz="2000" b="0" i="0" u="none" strike="noStrike" kern="1200" cap="none" spc="-1" normalizeH="0" baseline="0" noProof="0" dirty="0">
-                <a:ln>
-                  <a:noFill/>
-                </a:ln>
-                <a:solidFill>
-                  <a:srgbClr val="262626"/>
-                </a:solidFill>
-                <a:effectLst/>
-                <a:uLnTx/>
-                <a:uFillTx/>
-                <a:latin typeface="Calibri"/>
-              </a:rPr>
-              <a:t> and </a:t>
-            </a:r>
-            <a:r>
-              <a:rPr kumimoji="0" lang="en-US" sz="2000" b="1" i="0" u="none" strike="noStrike" kern="1200" cap="none" spc="-1" normalizeH="0" baseline="0" noProof="0" dirty="0" err="1">
-                <a:ln>
-                  <a:noFill/>
-                </a:ln>
-                <a:solidFill>
-                  <a:srgbClr val="262626"/>
-                </a:solidFill>
-                <a:effectLst/>
-                <a:uLnTx/>
-                <a:uFillTx/>
-                <a:latin typeface="Calibri"/>
-              </a:rPr>
-              <a:t>vector_b</a:t>
-            </a:r>
-            <a:r>
-              <a:rPr kumimoji="0" lang="en-US" sz="2000" b="0" i="0" u="none" strike="noStrike" kern="1200" cap="none" spc="-1" normalizeH="0" baseline="0" noProof="0" dirty="0">
-                <a:ln>
-                  <a:noFill/>
-                </a:ln>
-                <a:solidFill>
-                  <a:srgbClr val="262626"/>
-                </a:solidFill>
-                <a:effectLst/>
-                <a:uLnTx/>
-                <a:uFillTx/>
-                <a:latin typeface="Calibri"/>
-              </a:rPr>
-              <a:t>.</a:t>
-            </a:r>
-            <a:endParaRPr kumimoji="0" lang="en-US" sz="2000" b="0" i="0" u="none" strike="noStrike" kern="1200" cap="none" spc="-1" normalizeH="0" baseline="0" noProof="0" dirty="0">
-              <a:ln>
-                <a:noFill/>
-              </a:ln>
-              <a:solidFill>
-                <a:prstClr val="black"/>
-              </a:solidFill>
-              <a:effectLst/>
-              <a:uLnTx/>
-              <a:uFillTx/>
-              <a:latin typeface="Arial"/>
-            </a:endParaRPr>
-          </a:p>
-          <a:p>
-            <a:pPr marL="0" marR="0" lvl="0" indent="0" algn="l" defTabSz="914400" rtl="0" eaLnBrk="1" fontAlgn="auto" latinLnBrk="0" hangingPunct="1">
+            <a:pPr marL="3600" marR="0" lvl="0" indent="0" algn="l" defTabSz="914400" rtl="0" eaLnBrk="1" fontAlgn="auto" latinLnBrk="0" hangingPunct="1">
               <a:lnSpc>
                 <a:spcPct val="100000"/>
               </a:lnSpc>
@@ -12195,7 +11241,7 @@
             </a:endParaRPr>
           </a:p>
           <a:p>
-            <a:pPr marL="0" marR="0" lvl="0" indent="0" algn="l" defTabSz="914400" rtl="0" eaLnBrk="1" fontAlgn="auto" latinLnBrk="0" hangingPunct="1">
+            <a:pPr marL="3600" marR="0" lvl="0" indent="0" algn="l" defTabSz="914400" rtl="0" eaLnBrk="1" fontAlgn="auto" latinLnBrk="0" hangingPunct="1">
               <a:lnSpc>
                 <a:spcPct val="100000"/>
               </a:lnSpc>
@@ -12223,24 +11269,9 @@
                 <a:effectLst/>
                 <a:uLnTx/>
                 <a:uFillTx/>
-                <a:latin typeface="Calibri"/>
-              </a:rPr>
-              <a:t>4) Identify the smallest and the largest value among both </a:t>
-            </a:r>
-            <a:r>
-              <a:rPr kumimoji="0" lang="en-US" sz="2000" b="1" i="0" u="none" strike="noStrike" kern="1200" cap="none" spc="-1" normalizeH="0" baseline="0" noProof="0" dirty="0" err="1">
-                <a:ln>
-                  <a:noFill/>
-                </a:ln>
-                <a:solidFill>
-                  <a:srgbClr val="262626"/>
-                </a:solidFill>
-                <a:effectLst/>
-                <a:uLnTx/>
-                <a:uFillTx/>
-                <a:latin typeface="Calibri"/>
-              </a:rPr>
-              <a:t>vector_a</a:t>
+                <a:latin typeface="Arial"/>
+              </a:rPr>
+              <a:t>2) </a:t>
             </a:r>
             <a:r>
               <a:rPr kumimoji="0" lang="en-US" sz="2000" b="0" i="0" u="none" strike="noStrike" kern="1200" cap="none" spc="-1" normalizeH="0" baseline="0" noProof="0" dirty="0">
@@ -12255,10 +11286,10 @@
                 <a:uFillTx/>
                 <a:latin typeface="Calibri"/>
               </a:rPr>
-              <a:t> and </a:t>
-            </a:r>
-            <a:r>
-              <a:rPr kumimoji="0" lang="en-US" sz="2000" b="1" i="0" u="none" strike="noStrike" kern="1200" cap="none" spc="-1" normalizeH="0" baseline="0" noProof="0" dirty="0" err="1">
+              <a:t>Calculate (2*a)/b + (a*b) and assign the result to variable </a:t>
+            </a:r>
+            <a:r>
+              <a:rPr kumimoji="0" lang="en-US" sz="2000" b="1" i="0" u="none" strike="noStrike" kern="1200" cap="none" spc="-1" normalizeH="0" baseline="0" noProof="0" dirty="0">
                 <a:ln>
                   <a:noFill/>
                 </a:ln>
@@ -12270,7 +11301,37 @@
                 <a:uFillTx/>
                 <a:latin typeface="Calibri"/>
               </a:rPr>
-              <a:t>vector_b</a:t>
+              <a:t>x</a:t>
+            </a:r>
+            <a:r>
+              <a:rPr kumimoji="0" lang="en-US" sz="2000" b="0" i="0" u="none" strike="noStrike" kern="1200" cap="none" spc="-1" normalizeH="0" baseline="0" noProof="0" dirty="0">
+                <a:ln>
+                  <a:noFill/>
+                </a:ln>
+                <a:solidFill>
+                  <a:srgbClr val="262626"/>
+                </a:solidFill>
+                <a:effectLst/>
+                <a:uLnTx/>
+                <a:uFillTx/>
+                <a:latin typeface="Calibri"/>
+              </a:rPr>
+              <a:t>. Display the content of </a:t>
+            </a:r>
+            <a:r>
+              <a:rPr kumimoji="0" lang="en-US" sz="2000" b="1" i="0" u="none" strike="noStrike" kern="1200" cap="none" spc="-1" normalizeH="0" baseline="0" noProof="0" dirty="0">
+                <a:ln>
+                  <a:noFill/>
+                </a:ln>
+                <a:solidFill>
+                  <a:srgbClr val="262626"/>
+                </a:solidFill>
+                <a:effectLst/>
+                <a:uLnTx/>
+                <a:uFillTx/>
+                <a:latin typeface="Calibri"/>
+              </a:rPr>
+              <a:t>x</a:t>
             </a:r>
             <a:r>
               <a:rPr kumimoji="0" lang="en-US" sz="2000" b="0" i="0" u="none" strike="noStrike" kern="1200" cap="none" spc="-1" normalizeH="0" baseline="0" noProof="0" dirty="0">
@@ -12301,7 +11362,7 @@
             </a:endParaRPr>
           </a:p>
           <a:p>
-            <a:pPr marL="0" marR="0" lvl="0" indent="0" algn="l" defTabSz="914400" rtl="0" eaLnBrk="1" fontAlgn="auto" latinLnBrk="0" hangingPunct="1">
+            <a:pPr marL="3600" marR="0" lvl="0" indent="0" algn="l" defTabSz="914400" rtl="0" eaLnBrk="1" fontAlgn="auto" latinLnBrk="0" hangingPunct="1">
               <a:lnSpc>
                 <a:spcPct val="100000"/>
               </a:lnSpc>
@@ -12332,7 +11393,7 @@
             </a:endParaRPr>
           </a:p>
           <a:p>
-            <a:pPr marL="0" marR="0" lvl="0" indent="0" algn="l" defTabSz="914400" rtl="0" eaLnBrk="1" fontAlgn="auto" latinLnBrk="0" hangingPunct="1">
+            <a:pPr marL="3600" marR="0" lvl="0" indent="0" algn="l" defTabSz="914400" rtl="0" eaLnBrk="1" fontAlgn="auto" latinLnBrk="0" hangingPunct="1">
               <a:lnSpc>
                 <a:spcPct val="100000"/>
               </a:lnSpc>
@@ -12360,24 +11421,9 @@
                 <a:effectLst/>
                 <a:uLnTx/>
                 <a:uFillTx/>
-                <a:latin typeface="Calibri"/>
-              </a:rPr>
-              <a:t>5)  Compute the overall mean of the values among both </a:t>
-            </a:r>
-            <a:r>
-              <a:rPr kumimoji="0" lang="en-US" sz="2000" b="1" i="0" u="none" strike="noStrike" kern="1200" cap="none" spc="-1" normalizeH="0" baseline="0" noProof="0" dirty="0" err="1">
-                <a:ln>
-                  <a:noFill/>
-                </a:ln>
-                <a:solidFill>
-                  <a:srgbClr val="262626"/>
-                </a:solidFill>
-                <a:effectLst/>
-                <a:uLnTx/>
-                <a:uFillTx/>
-                <a:latin typeface="Calibri"/>
-              </a:rPr>
-              <a:t>vector_a</a:t>
+                <a:latin typeface="Arial"/>
+              </a:rPr>
+              <a:t>3) </a:t>
             </a:r>
             <a:r>
               <a:rPr kumimoji="0" lang="en-US" sz="2000" b="0" i="0" u="none" strike="noStrike" kern="1200" cap="none" spc="-1" normalizeH="0" baseline="0" noProof="0" dirty="0">
@@ -12392,10 +11438,10 @@
                 <a:uFillTx/>
                 <a:latin typeface="Calibri"/>
               </a:rPr>
-              <a:t> and </a:t>
-            </a:r>
-            <a:r>
-              <a:rPr kumimoji="0" lang="en-US" sz="2000" b="1" i="0" u="none" strike="noStrike" kern="1200" cap="none" spc="-1" normalizeH="0" baseline="0" noProof="0" dirty="0" err="1">
+              <a:t>Find out how to compute the square root of variables. Compute the square roots of </a:t>
+            </a:r>
+            <a:r>
+              <a:rPr kumimoji="0" lang="en-US" sz="2000" b="1" i="0" u="none" strike="noStrike" kern="1200" cap="none" spc="-1" normalizeH="0" baseline="0" noProof="0" dirty="0">
                 <a:ln>
                   <a:noFill/>
                 </a:ln>
@@ -12407,7 +11453,67 @@
                 <a:uFillTx/>
                 <a:latin typeface="Calibri"/>
               </a:rPr>
-              <a:t>vector_b</a:t>
+              <a:t>a </a:t>
+            </a:r>
+            <a:r>
+              <a:rPr kumimoji="0" lang="en-US" sz="2000" b="0" i="0" u="none" strike="noStrike" kern="1200" cap="none" spc="-1" normalizeH="0" baseline="0" noProof="0" dirty="0">
+                <a:ln>
+                  <a:noFill/>
+                </a:ln>
+                <a:solidFill>
+                  <a:srgbClr val="262626"/>
+                </a:solidFill>
+                <a:effectLst/>
+                <a:uLnTx/>
+                <a:uFillTx/>
+                <a:latin typeface="Calibri"/>
+              </a:rPr>
+              <a:t>and </a:t>
+            </a:r>
+            <a:r>
+              <a:rPr kumimoji="0" lang="en-US" sz="2000" b="1" i="0" u="none" strike="noStrike" kern="1200" cap="none" spc="-1" normalizeH="0" baseline="0" noProof="0" dirty="0">
+                <a:ln>
+                  <a:noFill/>
+                </a:ln>
+                <a:solidFill>
+                  <a:srgbClr val="262626"/>
+                </a:solidFill>
+                <a:effectLst/>
+                <a:uLnTx/>
+                <a:uFillTx/>
+                <a:latin typeface="Calibri"/>
+              </a:rPr>
+              <a:t>b</a:t>
+            </a:r>
+            <a:r>
+              <a:rPr kumimoji="0" lang="en-US" sz="2000" b="0" i="0" u="none" strike="noStrike" kern="1200" cap="none" spc="-1" normalizeH="0" baseline="0" noProof="0" dirty="0">
+                <a:ln>
+                  <a:noFill/>
+                </a:ln>
+                <a:solidFill>
+                  <a:srgbClr val="262626"/>
+                </a:solidFill>
+                <a:effectLst/>
+                <a:uLnTx/>
+                <a:uFillTx/>
+                <a:latin typeface="Calibri"/>
+              </a:rPr>
+              <a:t> and of the ratio </a:t>
+            </a:r>
+            <a:r>
+              <a:rPr kumimoji="0" lang="en-US" sz="2000" b="1" i="0" u="none" strike="noStrike" kern="1200" cap="none" spc="-1" normalizeH="0" baseline="0" noProof="0" dirty="0">
+                <a:ln>
+                  <a:noFill/>
+                </a:ln>
+                <a:solidFill>
+                  <a:srgbClr val="262626"/>
+                </a:solidFill>
+                <a:effectLst/>
+                <a:uLnTx/>
+                <a:uFillTx/>
+                <a:latin typeface="Calibri"/>
+              </a:rPr>
+              <a:t>a/b</a:t>
             </a:r>
             <a:r>
               <a:rPr kumimoji="0" lang="en-US" sz="2000" b="0" i="0" u="none" strike="noStrike" kern="1200" cap="none" spc="-1" normalizeH="0" baseline="0" noProof="0" dirty="0">
@@ -12438,7 +11544,7 @@
             </a:endParaRPr>
           </a:p>
           <a:p>
-            <a:pPr marL="0" marR="0" lvl="0" indent="0" algn="l" defTabSz="914400" rtl="0" eaLnBrk="1" fontAlgn="auto" latinLnBrk="0" hangingPunct="1">
+            <a:pPr marL="3600" marR="0" lvl="0" indent="0" algn="l" defTabSz="914400" rtl="0" eaLnBrk="1" fontAlgn="auto" latinLnBrk="0" hangingPunct="1">
               <a:lnSpc>
                 <a:spcPct val="100000"/>
               </a:lnSpc>
@@ -12469,7 +11575,7 @@
             </a:endParaRPr>
           </a:p>
           <a:p>
-            <a:pPr marL="0" marR="0" lvl="0" indent="0" algn="l" defTabSz="914400" rtl="0" eaLnBrk="1" fontAlgn="auto" latinLnBrk="0" hangingPunct="1">
+            <a:pPr marL="3600" marR="0" lvl="0" indent="0" algn="l" defTabSz="914400" rtl="0" eaLnBrk="1" fontAlgn="auto" latinLnBrk="0" hangingPunct="1">
               <a:lnSpc>
                 <a:spcPct val="100000"/>
               </a:lnSpc>
@@ -12487,19 +11593,94 @@
               <a:defRPr/>
             </a:pPr>
             <a:r>
-              <a:rPr kumimoji="0" lang="en-US" sz="2000" b="0" i="1" u="none" strike="noStrike" kern="1200" cap="none" spc="-1" normalizeH="0" baseline="0" noProof="0" dirty="0">
+              <a:rPr kumimoji="0" lang="en-US" sz="2000" b="0" i="0" u="none" strike="noStrike" kern="1200" cap="none" spc="-1" normalizeH="0" baseline="0" noProof="0" dirty="0">
                 <a:ln>
                   <a:noFill/>
                 </a:ln>
                 <a:solidFill>
-                  <a:srgbClr val="000000"/>
+                  <a:srgbClr val="262626"/>
                 </a:solidFill>
                 <a:effectLst/>
                 <a:uLnTx/>
                 <a:uFillTx/>
                 <a:latin typeface="Arial"/>
               </a:rPr>
-              <a:t>Hint: Each task in exercises 6-9 can be performed in a single statement per vector</a:t>
+              <a:t>4) </a:t>
+            </a:r>
+            <a:r>
+              <a:rPr kumimoji="0" lang="en-US" sz="2000" b="0" i="0" u="none" strike="noStrike" kern="1200" cap="none" spc="-1" normalizeH="0" baseline="0" noProof="0" dirty="0">
+                <a:ln>
+                  <a:noFill/>
+                </a:ln>
+                <a:solidFill>
+                  <a:srgbClr val="262626"/>
+                </a:solidFill>
+                <a:effectLst/>
+                <a:uLnTx/>
+                <a:uFillTx/>
+                <a:latin typeface="Calibri"/>
+              </a:rPr>
+              <a:t>a) Calculate the logarithm to the base 2 of </a:t>
+            </a:r>
+            <a:r>
+              <a:rPr kumimoji="0" lang="en-US" sz="2000" b="1" i="0" u="none" strike="noStrike" kern="1200" cap="none" spc="-1" normalizeH="0" baseline="0" noProof="0" dirty="0">
+                <a:ln>
+                  <a:noFill/>
+                </a:ln>
+                <a:solidFill>
+                  <a:srgbClr val="262626"/>
+                </a:solidFill>
+                <a:effectLst/>
+                <a:uLnTx/>
+                <a:uFillTx/>
+                <a:latin typeface="Calibri"/>
+              </a:rPr>
+              <a:t>x</a:t>
+            </a:r>
+            <a:r>
+              <a:rPr kumimoji="0" lang="en-US" sz="2000" b="0" i="0" u="none" strike="noStrike" kern="1200" cap="none" spc="-1" normalizeH="0" baseline="0" noProof="0" dirty="0">
+                <a:ln>
+                  <a:noFill/>
+                </a:ln>
+                <a:solidFill>
+                  <a:srgbClr val="262626"/>
+                </a:solidFill>
+                <a:effectLst/>
+                <a:uLnTx/>
+                <a:uFillTx/>
+                <a:latin typeface="Calibri"/>
+              </a:rPr>
+              <a:t> (i.e., log</a:t>
+            </a:r>
+            <a:r>
+              <a:rPr kumimoji="0" lang="en-US" sz="2000" b="0" i="0" u="none" strike="noStrike" kern="1200" cap="none" spc="-1" normalizeH="0" baseline="-25000" noProof="0" dirty="0">
+                <a:ln>
+                  <a:noFill/>
+                </a:ln>
+                <a:solidFill>
+                  <a:srgbClr val="262626"/>
+                </a:solidFill>
+                <a:effectLst/>
+                <a:uLnTx/>
+                <a:uFillTx/>
+                <a:latin typeface="Calibri"/>
+              </a:rPr>
+              <a:t>2 </a:t>
+            </a:r>
+            <a:r>
+              <a:rPr kumimoji="0" lang="en-US" sz="2000" b="0" i="0" u="none" strike="noStrike" kern="1200" cap="none" spc="-1" normalizeH="0" baseline="0" noProof="0" dirty="0">
+                <a:ln>
+                  <a:noFill/>
+                </a:ln>
+                <a:solidFill>
+                  <a:srgbClr val="262626"/>
+                </a:solidFill>
+                <a:effectLst/>
+                <a:uLnTx/>
+                <a:uFillTx/>
+                <a:latin typeface="Calibri"/>
+              </a:rPr>
+              <a:t>x).</a:t>
             </a:r>
             <a:endParaRPr kumimoji="0" lang="en-US" sz="2000" b="0" i="0" u="none" strike="noStrike" kern="1200" cap="none" spc="-1" normalizeH="0" baseline="0" noProof="0" dirty="0">
               <a:ln>
@@ -12514,12 +11695,149 @@
               <a:latin typeface="Arial"/>
             </a:endParaRPr>
           </a:p>
+          <a:p>
+            <a:pPr marL="3600" marR="0" lvl="0" indent="0" algn="l" defTabSz="914400" rtl="0" eaLnBrk="1" fontAlgn="auto" latinLnBrk="0" hangingPunct="1">
+              <a:lnSpc>
+                <a:spcPct val="100000"/>
+              </a:lnSpc>
+              <a:spcBef>
+                <a:spcPts val="400"/>
+              </a:spcBef>
+              <a:spcAft>
+                <a:spcPts val="0"/>
+              </a:spcAft>
+              <a:buClrTx/>
+              <a:buSzTx/>
+              <a:buFontTx/>
+              <a:buNone/>
+              <a:tabLst/>
+              <a:defRPr/>
+            </a:pPr>
+            <a:r>
+              <a:rPr kumimoji="0" lang="en-US" sz="2000" b="0" i="0" u="none" strike="noStrike" kern="1200" cap="none" spc="-1" normalizeH="0" baseline="0" noProof="0" dirty="0">
+                <a:ln>
+                  <a:noFill/>
+                </a:ln>
+                <a:solidFill>
+                  <a:srgbClr val="262626"/>
+                </a:solidFill>
+                <a:effectLst/>
+                <a:uLnTx/>
+                <a:uFillTx/>
+                <a:latin typeface="Calibri"/>
+              </a:rPr>
+              <a:t>     b) Calculate the natural logarithm of </a:t>
+            </a:r>
+            <a:r>
+              <a:rPr kumimoji="0" lang="en-US" sz="2000" b="1" i="0" u="none" strike="noStrike" kern="1200" cap="none" spc="-1" normalizeH="0" baseline="0" noProof="0" dirty="0">
+                <a:ln>
+                  <a:noFill/>
+                </a:ln>
+                <a:solidFill>
+                  <a:srgbClr val="262626"/>
+                </a:solidFill>
+                <a:effectLst/>
+                <a:uLnTx/>
+                <a:uFillTx/>
+                <a:latin typeface="Calibri"/>
+              </a:rPr>
+              <a:t>x</a:t>
+            </a:r>
+            <a:r>
+              <a:rPr kumimoji="0" lang="en-US" sz="2000" b="0" i="0" u="none" strike="noStrike" kern="1200" cap="none" spc="-1" normalizeH="0" baseline="0" noProof="0" dirty="0">
+                <a:ln>
+                  <a:noFill/>
+                </a:ln>
+                <a:solidFill>
+                  <a:srgbClr val="262626"/>
+                </a:solidFill>
+                <a:effectLst/>
+                <a:uLnTx/>
+                <a:uFillTx/>
+                <a:latin typeface="Calibri"/>
+              </a:rPr>
+              <a:t> (i.e., log</a:t>
+            </a:r>
+            <a:r>
+              <a:rPr kumimoji="0" lang="en-US" sz="2000" b="0" i="0" u="none" strike="noStrike" kern="1200" cap="none" spc="-1" normalizeH="0" baseline="-25000" noProof="0" dirty="0">
+                <a:ln>
+                  <a:noFill/>
+                </a:ln>
+                <a:solidFill>
+                  <a:srgbClr val="262626"/>
+                </a:solidFill>
+                <a:effectLst/>
+                <a:uLnTx/>
+                <a:uFillTx/>
+                <a:latin typeface="Calibri"/>
+              </a:rPr>
+              <a:t>e </a:t>
+            </a:r>
+            <a:r>
+              <a:rPr kumimoji="0" lang="en-US" sz="2000" b="0" i="0" u="none" strike="noStrike" kern="1200" cap="none" spc="-1" normalizeH="0" baseline="0" noProof="0" dirty="0">
+                <a:ln>
+                  <a:noFill/>
+                </a:ln>
+                <a:solidFill>
+                  <a:srgbClr val="262626"/>
+                </a:solidFill>
+                <a:effectLst/>
+                <a:uLnTx/>
+                <a:uFillTx/>
+                <a:latin typeface="Calibri"/>
+              </a:rPr>
+              <a:t>x).</a:t>
+            </a:r>
+            <a:endParaRPr kumimoji="0" lang="en-US" sz="2000" b="0" i="0" u="none" strike="noStrike" kern="1200" cap="none" spc="-1" normalizeH="0" baseline="0" noProof="0" dirty="0">
+              <a:ln>
+                <a:noFill/>
+              </a:ln>
+              <a:solidFill>
+                <a:prstClr val="black"/>
+              </a:solidFill>
+              <a:effectLst/>
+              <a:uLnTx/>
+              <a:uFillTx/>
+              <a:latin typeface="Arial"/>
+            </a:endParaRPr>
+          </a:p>
+          <a:p>
+            <a:pPr marL="3600" marR="0" lvl="0" indent="0" algn="l" defTabSz="914400" rtl="0" eaLnBrk="1" fontAlgn="auto" latinLnBrk="0" hangingPunct="1">
+              <a:lnSpc>
+                <a:spcPct val="100000"/>
+              </a:lnSpc>
+              <a:spcBef>
+                <a:spcPts val="400"/>
+              </a:spcBef>
+              <a:spcAft>
+                <a:spcPts val="0"/>
+              </a:spcAft>
+              <a:buClrTx/>
+              <a:buSzTx/>
+              <a:buFontTx/>
+              <a:buNone/>
+              <a:tabLst/>
+              <a:defRPr/>
+            </a:pPr>
+            <a:endParaRPr kumimoji="0" lang="en-US" sz="2000" b="0" i="0" u="none" strike="noStrike" kern="1200" cap="none" spc="-1" normalizeH="0" baseline="0" noProof="0" dirty="0">
+              <a:ln>
+                <a:noFill/>
+              </a:ln>
+              <a:solidFill>
+                <a:prstClr val="black"/>
+              </a:solidFill>
+              <a:effectLst/>
+              <a:uLnTx/>
+              <a:uFillTx/>
+              <a:latin typeface="Arial"/>
+            </a:endParaRPr>
+          </a:p>
         </p:txBody>
       </p:sp>
     </p:spTree>
     <p:extLst>
       <p:ext uri="{BB962C8B-B14F-4D97-AF65-F5344CB8AC3E}">
-        <p14:creationId xmlns:p14="http://schemas.microsoft.com/office/powerpoint/2010/main" val="3449804977"/>
+        <p14:creationId xmlns:p14="http://schemas.microsoft.com/office/powerpoint/2010/main" val="4007334547"/>
       </p:ext>
     </p:extLst>
   </p:cSld>
@@ -12575,14 +11893,14 @@
       </p:grpSpPr>
       <p:sp>
         <p:nvSpPr>
-          <p:cNvPr id="853" name="CustomShape 1"/>
+          <p:cNvPr id="823" name="CustomShape 1"/>
           <p:cNvSpPr/>
           <p:nvPr/>
         </p:nvSpPr>
         <p:spPr>
           <a:xfrm>
             <a:off x="258480" y="216720"/>
-            <a:ext cx="8634960" cy="6376680"/>
+            <a:ext cx="8635320" cy="6377040"/>
           </a:xfrm>
           <a:prstGeom prst="rect">
             <a:avLst/>
@@ -12607,14 +11925,14 @@
       </p:sp>
       <p:sp>
         <p:nvSpPr>
-          <p:cNvPr id="854" name="CustomShape 2"/>
+          <p:cNvPr id="824" name="CustomShape 2"/>
           <p:cNvSpPr/>
           <p:nvPr/>
         </p:nvSpPr>
         <p:spPr>
           <a:xfrm>
-            <a:off x="191880" y="704160"/>
-            <a:ext cx="8853480" cy="6540840"/>
+            <a:off x="258480" y="-46800"/>
+            <a:ext cx="7938000" cy="604440"/>
           </a:xfrm>
           <a:prstGeom prst="rect">
             <a:avLst/>
@@ -12637,384 +11955,41 @@
           <a:fontRef idx="minor"/>
         </p:style>
         <p:txBody>
-          <a:bodyPr lIns="0" tIns="0" rIns="0" bIns="0"/>
-          <a:lstStyle/>
-          <a:p>
-            <a:pPr marL="720">
-              <a:spcBef>
-                <a:spcPts val="400"/>
-              </a:spcBef>
-              <a:buClr>
-                <a:srgbClr val="262626"/>
-              </a:buClr>
+          <a:bodyPr lIns="144000" tIns="0" rIns="0" bIns="0" anchor="b"/>
+          <a:lstStyle/>
+          <a:p>
+            <a:pPr>
+              <a:lnSpc>
+                <a:spcPct val="90000"/>
+              </a:lnSpc>
             </a:pPr>
             <a:r>
-              <a:rPr lang="de-CH" sz="2000" spc="-1" dirty="0">
-                <a:solidFill>
-                  <a:prstClr val="black"/>
-                </a:solidFill>
-                <a:latin typeface="Calibri" panose="020F0502020204030204" pitchFamily="34" charset="0"/>
-              </a:rPr>
-              <a:t>Open a new script and save it as "Ex5.R". Comment it.</a:t>
-            </a:r>
-          </a:p>
-          <a:p>
-            <a:pPr marL="216000" indent="-215280">
-              <a:spcBef>
-                <a:spcPts val="400"/>
-              </a:spcBef>
-              <a:buClr>
-                <a:srgbClr val="262626"/>
-              </a:buClr>
-              <a:buFont typeface="StarSymbol"/>
-              <a:buAutoNum type="arabicParenR"/>
-            </a:pPr>
-            <a:r>
-              <a:rPr lang="de-CH" sz="2000" spc="-1" dirty="0">
-                <a:solidFill>
-                  <a:prstClr val="black"/>
-                </a:solidFill>
-                <a:latin typeface="Calibri" panose="020F0502020204030204" pitchFamily="34" charset="0"/>
-              </a:rPr>
-              <a:t> In your script, write commands to install and load the package "MASS".</a:t>
-            </a:r>
-          </a:p>
-          <a:p>
-            <a:pPr marL="216000" indent="-215280">
-              <a:spcBef>
-                <a:spcPts val="400"/>
-              </a:spcBef>
-              <a:buClr>
-                <a:srgbClr val="262626"/>
-              </a:buClr>
-              <a:buFont typeface="StarSymbol"/>
-              <a:buAutoNum type="arabicParenR"/>
-            </a:pPr>
-            <a:r>
-              <a:rPr lang="de-CH" sz="2000" spc="-1" dirty="0">
-                <a:solidFill>
-                  <a:prstClr val="black"/>
-                </a:solidFill>
-                <a:latin typeface="Calibri" panose="020F0502020204030204" pitchFamily="34" charset="0"/>
-              </a:rPr>
-              <a:t> Write a command to load the bacteria data set from the package MASS:</a:t>
-            </a:r>
-            <a:endParaRPr lang="de-CH" sz="2000" spc="-1" dirty="0">
-              <a:solidFill>
-                <a:srgbClr val="4F81BD"/>
-              </a:solidFill>
-              <a:latin typeface="Calibri"/>
-            </a:endParaRPr>
-          </a:p>
-          <a:p>
-            <a:pPr marL="720">
-              <a:spcBef>
-                <a:spcPts val="400"/>
-              </a:spcBef>
-              <a:buClr>
-                <a:srgbClr val="262626"/>
-              </a:buClr>
-            </a:pPr>
-            <a:r>
-              <a:rPr lang="de-CH" spc="-1" dirty="0">
+              <a:rPr lang="en-US" sz="4000" spc="-1">
                 <a:solidFill>
                   <a:srgbClr val="4F81BD"/>
                 </a:solidFill>
-                <a:latin typeface="Lucida Console" panose="020B0609040504020204" pitchFamily="49" charset="0"/>
-              </a:rPr>
-              <a:t>  data(bacteria) </a:t>
-            </a:r>
-            <a:r>
-              <a:rPr lang="de-CH" spc="-1" dirty="0">
-                <a:solidFill>
-                  <a:schemeClr val="accent3">
-                    <a:lumMod val="50000"/>
-                  </a:schemeClr>
-                </a:solidFill>
-                <a:latin typeface="Lucida Console" panose="020B0609040504020204" pitchFamily="49" charset="0"/>
-              </a:rPr>
-              <a:t># loads the bacteria data set (from MASS) </a:t>
-            </a:r>
-          </a:p>
-          <a:p>
-            <a:pPr marL="720">
-              <a:spcBef>
-                <a:spcPts val="400"/>
-              </a:spcBef>
-              <a:buClr>
-                <a:srgbClr val="262626"/>
-              </a:buClr>
-            </a:pPr>
-            <a:endParaRPr lang="de-CH" sz="2000" spc="-1" dirty="0">
-              <a:solidFill>
-                <a:schemeClr val="accent3">
-                  <a:lumMod val="50000"/>
-                </a:schemeClr>
-              </a:solidFill>
-              <a:latin typeface="Lucida Console" panose="020B0609040504020204" pitchFamily="49" charset="0"/>
-            </a:endParaRPr>
-          </a:p>
-          <a:p>
-            <a:pPr marL="720">
-              <a:spcBef>
-                <a:spcPts val="400"/>
-              </a:spcBef>
-              <a:buClr>
-                <a:srgbClr val="262626"/>
-              </a:buClr>
-            </a:pPr>
-            <a:r>
-              <a:rPr lang="de-CH" sz="2000" spc="-1" dirty="0">
-                <a:solidFill>
-                  <a:srgbClr val="000000"/>
-                </a:solidFill>
-                <a:latin typeface="Calibri"/>
-              </a:rPr>
-              <a:t>Execute the command. Check: You should have a variable named "bacteria" in your Environment.</a:t>
-            </a:r>
-          </a:p>
-          <a:p>
-            <a:pPr marL="720">
-              <a:spcBef>
-                <a:spcPts val="400"/>
-              </a:spcBef>
-              <a:buClr>
-                <a:srgbClr val="262626"/>
-              </a:buClr>
-            </a:pPr>
-            <a:endParaRPr lang="de-CH" sz="2000" spc="-1" dirty="0">
-              <a:solidFill>
-                <a:srgbClr val="000000"/>
-              </a:solidFill>
-              <a:latin typeface="Calibri"/>
-            </a:endParaRPr>
-          </a:p>
-          <a:p>
-            <a:pPr marL="720">
-              <a:spcBef>
-                <a:spcPts val="400"/>
-              </a:spcBef>
-              <a:buClr>
-                <a:srgbClr val="262626"/>
-              </a:buClr>
-            </a:pPr>
-            <a:r>
-              <a:rPr lang="en-US" sz="2000" spc="-1" dirty="0">
-                <a:solidFill>
-                  <a:srgbClr val="000000"/>
-                </a:solidFill>
-                <a:latin typeface="Calibri"/>
-              </a:rPr>
-              <a:t>3) What are the names of the columns of the </a:t>
-            </a:r>
-            <a:r>
-              <a:rPr lang="en-US" sz="2000" b="1" spc="-1" dirty="0">
-                <a:solidFill>
-                  <a:srgbClr val="000000"/>
-                </a:solidFill>
-                <a:latin typeface="Calibri"/>
-              </a:rPr>
-              <a:t>bacteria</a:t>
-            </a:r>
-            <a:r>
-              <a:rPr lang="en-US" sz="2000" spc="-1" dirty="0">
-                <a:solidFill>
-                  <a:srgbClr val="000000"/>
-                </a:solidFill>
-                <a:latin typeface="Calibri"/>
-              </a:rPr>
-              <a:t> </a:t>
-            </a:r>
-            <a:r>
-              <a:rPr lang="en-US" sz="2000" spc="-1" dirty="0" err="1">
-                <a:solidFill>
-                  <a:srgbClr val="000000"/>
-                </a:solidFill>
-                <a:latin typeface="Calibri"/>
-              </a:rPr>
-              <a:t>data.frame</a:t>
-            </a:r>
-            <a:r>
-              <a:rPr lang="en-US" sz="2000" spc="-1" dirty="0">
-                <a:solidFill>
-                  <a:srgbClr val="000000"/>
-                </a:solidFill>
-                <a:latin typeface="Calibri"/>
-              </a:rPr>
-              <a:t> ?</a:t>
-            </a:r>
-            <a:endParaRPr lang="en-US" sz="2000" spc="-1" dirty="0">
+                <a:latin typeface="Calibri"/>
+              </a:rPr>
+              <a:t>Let’s practice - 4 </a:t>
+            </a:r>
+            <a:endParaRPr lang="en-US" sz="4000" spc="-1">
               <a:solidFill>
                 <a:prstClr val="black"/>
               </a:solidFill>
             </a:endParaRPr>
           </a:p>
-          <a:p>
-            <a:pPr marL="720">
-              <a:spcBef>
-                <a:spcPts val="400"/>
-              </a:spcBef>
-              <a:buClr>
-                <a:srgbClr val="262626"/>
-              </a:buClr>
-            </a:pPr>
-            <a:r>
-              <a:rPr lang="en-US" sz="2000" spc="-1" dirty="0">
-                <a:solidFill>
-                  <a:srgbClr val="000000"/>
-                </a:solidFill>
-                <a:latin typeface="Calibri"/>
-              </a:rPr>
-              <a:t>4) Use </a:t>
-            </a:r>
-            <a:r>
-              <a:rPr lang="en-US" sz="2000" b="1" spc="-1" dirty="0">
-                <a:solidFill>
-                  <a:srgbClr val="000000"/>
-                </a:solidFill>
-                <a:latin typeface="Calibri"/>
-              </a:rPr>
-              <a:t>[]</a:t>
-            </a:r>
-            <a:r>
-              <a:rPr lang="en-US" sz="2000" spc="-1" dirty="0">
-                <a:solidFill>
-                  <a:srgbClr val="000000"/>
-                </a:solidFill>
-                <a:latin typeface="Calibri"/>
-              </a:rPr>
-              <a:t>  to select rows 100 to 119 of the column “</a:t>
-            </a:r>
-            <a:r>
-              <a:rPr lang="en-US" sz="2000" spc="-1" dirty="0" err="1">
-                <a:solidFill>
-                  <a:srgbClr val="000000"/>
-                </a:solidFill>
-                <a:latin typeface="Calibri"/>
-              </a:rPr>
-              <a:t>ap</a:t>
-            </a:r>
-            <a:r>
-              <a:rPr lang="en-US" sz="2000" spc="-1" dirty="0">
-                <a:solidFill>
-                  <a:srgbClr val="000000"/>
-                </a:solidFill>
-                <a:latin typeface="Calibri"/>
-              </a:rPr>
-              <a:t>” .</a:t>
-            </a:r>
-          </a:p>
-          <a:p>
-            <a:pPr marL="720">
-              <a:spcBef>
-                <a:spcPts val="400"/>
-              </a:spcBef>
-              <a:buClr>
-                <a:srgbClr val="262626"/>
-              </a:buClr>
-            </a:pPr>
-            <a:r>
-              <a:rPr lang="de-CH" sz="2000" spc="-1" dirty="0">
-                <a:solidFill>
-                  <a:srgbClr val="000000"/>
-                </a:solidFill>
-                <a:latin typeface="Calibri"/>
-              </a:rPr>
-              <a:t>5) Use $ to get the column "week" and check how many missing values it has.</a:t>
-            </a:r>
-            <a:endParaRPr lang="en-US" sz="2000" spc="-1" dirty="0">
-              <a:solidFill>
-                <a:prstClr val="black"/>
-              </a:solidFill>
-            </a:endParaRPr>
-          </a:p>
-          <a:p>
-            <a:pPr>
-              <a:spcBef>
-                <a:spcPts val="400"/>
-              </a:spcBef>
-            </a:pPr>
-            <a:endParaRPr lang="en-US" sz="2000" spc="-1" dirty="0">
-              <a:solidFill>
-                <a:prstClr val="black"/>
-              </a:solidFill>
-            </a:endParaRPr>
-          </a:p>
-          <a:p>
-            <a:pPr>
-              <a:spcBef>
-                <a:spcPts val="400"/>
-              </a:spcBef>
-            </a:pPr>
-            <a:r>
-              <a:rPr lang="en-US" sz="2000" spc="-1" dirty="0">
-                <a:solidFill>
-                  <a:srgbClr val="262626"/>
-                </a:solidFill>
-                <a:latin typeface="Calibri"/>
-              </a:rPr>
-              <a:t>Optional : 6) Count how many rows correspond to a “placebo” treatment (“</a:t>
-            </a:r>
-            <a:r>
-              <a:rPr lang="en-US" sz="2000" spc="-1" dirty="0" err="1">
-                <a:solidFill>
-                  <a:srgbClr val="262626"/>
-                </a:solidFill>
-                <a:latin typeface="Calibri"/>
-              </a:rPr>
-              <a:t>trt</a:t>
-            </a:r>
-            <a:r>
-              <a:rPr lang="en-US" sz="2000" spc="-1" dirty="0">
-                <a:solidFill>
-                  <a:srgbClr val="262626"/>
-                </a:solidFill>
-                <a:latin typeface="Calibri"/>
-              </a:rPr>
-              <a:t>” column) using the comparison operator "==".</a:t>
-            </a:r>
-            <a:endParaRPr lang="en-US" sz="2000" spc="-1" dirty="0">
-              <a:solidFill>
-                <a:prstClr val="black"/>
-              </a:solidFill>
-            </a:endParaRPr>
-          </a:p>
-          <a:p>
-            <a:pPr>
-              <a:spcBef>
-                <a:spcPts val="400"/>
-              </a:spcBef>
-            </a:pPr>
-            <a:endParaRPr lang="en-US" sz="2000" spc="-1" dirty="0">
-              <a:solidFill>
-                <a:prstClr val="black"/>
-              </a:solidFill>
-            </a:endParaRPr>
-          </a:p>
-          <a:p>
-            <a:pPr>
-              <a:spcBef>
-                <a:spcPts val="439"/>
-              </a:spcBef>
-            </a:pPr>
-            <a:endParaRPr lang="en-US" sz="2000" spc="-1" dirty="0">
-              <a:solidFill>
-                <a:prstClr val="black"/>
-              </a:solidFill>
-            </a:endParaRPr>
-          </a:p>
-        </p:txBody>
-      </p:sp>
-      <p:sp>
-        <p:nvSpPr>
-          <p:cNvPr id="855" name="CustomShape 3"/>
+        </p:txBody>
+      </p:sp>
+      <p:sp>
+        <p:nvSpPr>
+          <p:cNvPr id="825" name="CustomShape 3"/>
           <p:cNvSpPr/>
           <p:nvPr/>
         </p:nvSpPr>
         <p:spPr>
           <a:xfrm>
-            <a:off x="258480" y="-46800"/>
-            <a:ext cx="7937640" cy="604080"/>
+            <a:off x="191880" y="704160"/>
+            <a:ext cx="8809920" cy="5889600"/>
           </a:xfrm>
           <a:prstGeom prst="rect">
             <a:avLst/>
@@ -13037,35 +12012,463 @@
           <a:fontRef idx="minor"/>
         </p:style>
         <p:txBody>
-          <a:bodyPr lIns="144000" tIns="0" rIns="0" bIns="0" anchor="b"/>
+          <a:bodyPr lIns="0" tIns="0" rIns="0" bIns="0" anchor="t"/>
           <a:lstStyle/>
           <a:p>
             <a:pPr>
-              <a:lnSpc>
-                <a:spcPct val="90000"/>
-              </a:lnSpc>
+              <a:spcBef>
+                <a:spcPts val="400"/>
+              </a:spcBef>
             </a:pPr>
             <a:r>
-              <a:rPr lang="en-US" sz="4000" spc="-1">
-                <a:solidFill>
-                  <a:srgbClr val="4F81BD"/>
-                </a:solidFill>
-                <a:latin typeface="Calibri"/>
-              </a:rPr>
-              <a:t>Let’s practice – 5 </a:t>
-            </a:r>
-            <a:endParaRPr lang="en-US" sz="4000" spc="-1">
+              <a:rPr lang="en-US" sz="2000" spc="-1" dirty="0">
+                <a:solidFill>
+                  <a:srgbClr val="262626"/>
+                </a:solidFill>
+                <a:latin typeface="Calibri"/>
+              </a:rPr>
+              <a:t> 1) Create two vectors, </a:t>
+            </a:r>
+            <a:r>
+              <a:rPr lang="en-US" sz="2000" b="1" spc="-1" dirty="0" err="1">
+                <a:solidFill>
+                  <a:srgbClr val="262626"/>
+                </a:solidFill>
+                <a:latin typeface="Calibri"/>
+              </a:rPr>
+              <a:t>vector_a</a:t>
+            </a:r>
+            <a:r>
+              <a:rPr lang="en-US" sz="2000" b="1" spc="-1" dirty="0">
+                <a:solidFill>
+                  <a:srgbClr val="262626"/>
+                </a:solidFill>
+                <a:latin typeface="Calibri"/>
+              </a:rPr>
+              <a:t> </a:t>
+            </a:r>
+            <a:r>
+              <a:rPr lang="en-US" sz="2000" spc="-1" dirty="0">
+                <a:solidFill>
+                  <a:srgbClr val="262626"/>
+                </a:solidFill>
+                <a:latin typeface="Calibri"/>
+              </a:rPr>
+              <a:t>and </a:t>
+            </a:r>
+            <a:r>
+              <a:rPr lang="en-US" sz="2000" b="1" spc="-1" dirty="0" err="1">
+                <a:solidFill>
+                  <a:srgbClr val="262626"/>
+                </a:solidFill>
+                <a:latin typeface="Calibri"/>
+              </a:rPr>
+              <a:t>vector_b</a:t>
+            </a:r>
+            <a:r>
+              <a:rPr lang="en-US" sz="2000" spc="-1" dirty="0">
+                <a:solidFill>
+                  <a:srgbClr val="262626"/>
+                </a:solidFill>
+                <a:latin typeface="Calibri"/>
+              </a:rPr>
+              <a:t>, containing the values from −5 to 5 and from 10 down to 0, respectively.</a:t>
+            </a:r>
+            <a:endParaRPr lang="en-US" sz="2000" spc="-1" dirty="0">
               <a:solidFill>
                 <a:prstClr val="black"/>
               </a:solidFill>
             </a:endParaRPr>
           </a:p>
+          <a:p>
+            <a:pPr>
+              <a:spcBef>
+                <a:spcPts val="400"/>
+              </a:spcBef>
+            </a:pPr>
+            <a:endParaRPr lang="en-US" sz="2000" spc="-1" dirty="0">
+              <a:solidFill>
+                <a:prstClr val="black"/>
+              </a:solidFill>
+            </a:endParaRPr>
+          </a:p>
+          <a:p>
+            <a:pPr>
+              <a:spcBef>
+                <a:spcPts val="400"/>
+              </a:spcBef>
+            </a:pPr>
+            <a:r>
+              <a:rPr lang="en-US" sz="2000" spc="-1" dirty="0">
+                <a:solidFill>
+                  <a:srgbClr val="262626"/>
+                </a:solidFill>
+                <a:latin typeface="Calibri"/>
+              </a:rPr>
+              <a:t>2) Calculate the (element-wise) sum, difference and product between the elements of </a:t>
+            </a:r>
+            <a:r>
+              <a:rPr lang="en-US" sz="2000" b="1" spc="-1" dirty="0" err="1">
+                <a:solidFill>
+                  <a:srgbClr val="262626"/>
+                </a:solidFill>
+                <a:latin typeface="Calibri"/>
+              </a:rPr>
+              <a:t>vector_a</a:t>
+            </a:r>
+            <a:r>
+              <a:rPr lang="en-US" sz="2000" spc="-1" dirty="0">
+                <a:solidFill>
+                  <a:srgbClr val="262626"/>
+                </a:solidFill>
+                <a:latin typeface="Calibri"/>
+              </a:rPr>
+              <a:t> and </a:t>
+            </a:r>
+            <a:r>
+              <a:rPr lang="en-US" sz="2000" b="1" spc="-1" dirty="0" err="1">
+                <a:solidFill>
+                  <a:srgbClr val="262626"/>
+                </a:solidFill>
+                <a:latin typeface="Calibri"/>
+              </a:rPr>
+              <a:t>vector_b</a:t>
+            </a:r>
+            <a:r>
+              <a:rPr lang="en-US" sz="2000" spc="-1" dirty="0">
+                <a:solidFill>
+                  <a:srgbClr val="262626"/>
+                </a:solidFill>
+                <a:latin typeface="Calibri"/>
+              </a:rPr>
+              <a:t>.</a:t>
+            </a:r>
+            <a:r>
+              <a:rPr lang="en-US" sz="2000" i="1" spc="-1" dirty="0">
+                <a:solidFill>
+                  <a:srgbClr val="262626"/>
+                </a:solidFill>
+                <a:latin typeface="Calibri"/>
+              </a:rPr>
+              <a:t> </a:t>
+            </a:r>
+            <a:endParaRPr lang="en-US" sz="2000" spc="-1" dirty="0">
+              <a:solidFill>
+                <a:prstClr val="black"/>
+              </a:solidFill>
+            </a:endParaRPr>
+          </a:p>
+          <a:p>
+            <a:pPr>
+              <a:spcBef>
+                <a:spcPts val="400"/>
+              </a:spcBef>
+            </a:pPr>
+            <a:endParaRPr lang="en-US" sz="2000" spc="-1" dirty="0">
+              <a:solidFill>
+                <a:prstClr val="black"/>
+              </a:solidFill>
+            </a:endParaRPr>
+          </a:p>
+          <a:p>
+            <a:pPr>
+              <a:spcBef>
+                <a:spcPts val="400"/>
+              </a:spcBef>
+            </a:pPr>
+            <a:r>
+              <a:rPr lang="en-US" sz="2000" spc="-1" dirty="0">
+                <a:solidFill>
+                  <a:srgbClr val="262626"/>
+                </a:solidFill>
+                <a:latin typeface="Calibri"/>
+              </a:rPr>
+              <a:t>3) a) Calculate the sum of elements in </a:t>
+            </a:r>
+            <a:r>
+              <a:rPr lang="en-US" sz="2000" b="1" spc="-1" dirty="0" err="1">
+                <a:solidFill>
+                  <a:srgbClr val="262626"/>
+                </a:solidFill>
+                <a:latin typeface="Calibri"/>
+              </a:rPr>
+              <a:t>vector_a</a:t>
+            </a:r>
+            <a:r>
+              <a:rPr lang="en-US" sz="2000" spc="-1" dirty="0">
+                <a:solidFill>
+                  <a:srgbClr val="262626"/>
+                </a:solidFill>
+                <a:latin typeface="Calibri"/>
+              </a:rPr>
+              <a:t>. </a:t>
+            </a:r>
+            <a:endParaRPr lang="en-US" sz="2000" spc="-1" dirty="0">
+              <a:solidFill>
+                <a:prstClr val="black"/>
+              </a:solidFill>
+            </a:endParaRPr>
+          </a:p>
+          <a:p>
+            <a:pPr>
+              <a:spcBef>
+                <a:spcPts val="400"/>
+              </a:spcBef>
+            </a:pPr>
+            <a:r>
+              <a:rPr lang="en-US" sz="2000" spc="-1" dirty="0">
+                <a:solidFill>
+                  <a:srgbClr val="262626"/>
+                </a:solidFill>
+                <a:latin typeface="Calibri"/>
+              </a:rPr>
+              <a:t>     b) Calculate the overall sum of elements in both </a:t>
+            </a:r>
+            <a:r>
+              <a:rPr lang="en-US" sz="2000" b="1" spc="-1" dirty="0" err="1">
+                <a:solidFill>
+                  <a:srgbClr val="262626"/>
+                </a:solidFill>
+                <a:latin typeface="Calibri"/>
+              </a:rPr>
+              <a:t>vector_a</a:t>
+            </a:r>
+            <a:r>
+              <a:rPr lang="en-US" sz="2000" spc="-1" dirty="0">
+                <a:solidFill>
+                  <a:srgbClr val="262626"/>
+                </a:solidFill>
+                <a:latin typeface="Calibri"/>
+              </a:rPr>
+              <a:t> and </a:t>
+            </a:r>
+            <a:r>
+              <a:rPr lang="en-US" sz="2000" b="1" spc="-1" dirty="0" err="1">
+                <a:solidFill>
+                  <a:srgbClr val="262626"/>
+                </a:solidFill>
+                <a:latin typeface="Calibri"/>
+              </a:rPr>
+              <a:t>vector_b</a:t>
+            </a:r>
+            <a:r>
+              <a:rPr lang="en-US" sz="2000" spc="-1" dirty="0">
+                <a:solidFill>
+                  <a:srgbClr val="262626"/>
+                </a:solidFill>
+                <a:latin typeface="Calibri"/>
+              </a:rPr>
+              <a:t>.</a:t>
+            </a:r>
+            <a:endParaRPr lang="en-US" sz="2000" spc="-1" dirty="0">
+              <a:solidFill>
+                <a:prstClr val="black"/>
+              </a:solidFill>
+            </a:endParaRPr>
+          </a:p>
+          <a:p>
+            <a:pPr>
+              <a:spcBef>
+                <a:spcPts val="400"/>
+              </a:spcBef>
+            </a:pPr>
+            <a:endParaRPr lang="en-US" sz="2000" spc="-1" dirty="0">
+              <a:solidFill>
+                <a:prstClr val="black"/>
+              </a:solidFill>
+            </a:endParaRPr>
+          </a:p>
+          <a:p>
+            <a:pPr>
+              <a:spcBef>
+                <a:spcPts val="400"/>
+              </a:spcBef>
+            </a:pPr>
+            <a:r>
+              <a:rPr lang="en-US" sz="2000" spc="-1" dirty="0">
+                <a:solidFill>
+                  <a:srgbClr val="262626"/>
+                </a:solidFill>
+                <a:latin typeface="Calibri"/>
+              </a:rPr>
+              <a:t>4) a) Identify the smallest and the largest value in </a:t>
+            </a:r>
+            <a:r>
+              <a:rPr lang="en-US" sz="2000" b="1" spc="-1" dirty="0" err="1">
+                <a:solidFill>
+                  <a:srgbClr val="262626"/>
+                </a:solidFill>
+                <a:latin typeface="Calibri"/>
+              </a:rPr>
+              <a:t>vector_a</a:t>
+            </a:r>
+            <a:endParaRPr lang="en-US" sz="2000" spc="-1" dirty="0" err="1">
+              <a:solidFill>
+                <a:srgbClr val="000000"/>
+              </a:solidFill>
+              <a:latin typeface="Arial"/>
+            </a:endParaRPr>
+          </a:p>
+          <a:p>
+            <a:pPr>
+              <a:spcBef>
+                <a:spcPts val="400"/>
+              </a:spcBef>
+            </a:pPr>
+            <a:r>
+              <a:rPr lang="en-US" sz="2000" spc="-1" dirty="0">
+                <a:solidFill>
+                  <a:srgbClr val="262626"/>
+                </a:solidFill>
+                <a:latin typeface="Calibri"/>
+              </a:rPr>
+              <a:t>     b) among both </a:t>
+            </a:r>
+            <a:r>
+              <a:rPr lang="en-US" sz="2000" b="1" spc="-1" dirty="0" err="1">
+                <a:solidFill>
+                  <a:srgbClr val="262626"/>
+                </a:solidFill>
+                <a:latin typeface="Calibri"/>
+              </a:rPr>
+              <a:t>vector_a</a:t>
+            </a:r>
+            <a:r>
+              <a:rPr lang="en-US" sz="2000" spc="-1" dirty="0">
+                <a:solidFill>
+                  <a:srgbClr val="262626"/>
+                </a:solidFill>
+                <a:latin typeface="Calibri"/>
+              </a:rPr>
+              <a:t> and  </a:t>
+            </a:r>
+            <a:r>
+              <a:rPr lang="en-US" sz="2000" b="1" spc="-1" dirty="0" err="1">
+                <a:solidFill>
+                  <a:srgbClr val="262626"/>
+                </a:solidFill>
+                <a:latin typeface="Calibri"/>
+              </a:rPr>
+              <a:t>vector_b</a:t>
+            </a:r>
+            <a:r>
+              <a:rPr lang="en-US" sz="2000" spc="-1" dirty="0">
+                <a:solidFill>
+                  <a:srgbClr val="262626"/>
+                </a:solidFill>
+                <a:latin typeface="Calibri"/>
+              </a:rPr>
+              <a:t>.</a:t>
+            </a:r>
+            <a:endParaRPr lang="en-US" sz="2000" spc="-1"/>
+          </a:p>
+          <a:p>
+            <a:pPr>
+              <a:spcBef>
+                <a:spcPts val="400"/>
+              </a:spcBef>
+            </a:pPr>
+            <a:endParaRPr lang="en-US" sz="2000" spc="-1" dirty="0">
+              <a:solidFill>
+                <a:prstClr val="black"/>
+              </a:solidFill>
+            </a:endParaRPr>
+          </a:p>
+          <a:p>
+            <a:pPr>
+              <a:spcBef>
+                <a:spcPts val="400"/>
+              </a:spcBef>
+            </a:pPr>
+            <a:r>
+              <a:rPr lang="en-US" sz="2000" spc="-1" dirty="0">
+                <a:solidFill>
+                  <a:srgbClr val="262626"/>
+                </a:solidFill>
+                <a:latin typeface="Calibri"/>
+              </a:rPr>
+              <a:t>5)  Compute the overall mean of the values among both </a:t>
+            </a:r>
+            <a:r>
+              <a:rPr lang="en-US" sz="2000" b="1" spc="-1" dirty="0" err="1">
+                <a:solidFill>
+                  <a:srgbClr val="262626"/>
+                </a:solidFill>
+                <a:latin typeface="Calibri"/>
+              </a:rPr>
+              <a:t>vector_a</a:t>
+            </a:r>
+            <a:r>
+              <a:rPr lang="en-US" sz="2000" spc="-1" dirty="0">
+                <a:solidFill>
+                  <a:srgbClr val="262626"/>
+                </a:solidFill>
+                <a:latin typeface="Calibri"/>
+              </a:rPr>
+              <a:t> and </a:t>
+            </a:r>
+            <a:r>
+              <a:rPr lang="en-US" sz="2000" b="1" spc="-1" dirty="0" err="1">
+                <a:solidFill>
+                  <a:srgbClr val="262626"/>
+                </a:solidFill>
+                <a:latin typeface="Calibri"/>
+              </a:rPr>
+              <a:t>vector_b</a:t>
+            </a:r>
+            <a:r>
+              <a:rPr lang="en-US" sz="2000" spc="-1" dirty="0">
+                <a:solidFill>
+                  <a:srgbClr val="262626"/>
+                </a:solidFill>
+                <a:latin typeface="Calibri"/>
+              </a:rPr>
+              <a:t>.</a:t>
+            </a:r>
+            <a:endParaRPr lang="en-US" sz="2000" spc="-1" dirty="0">
+              <a:solidFill>
+                <a:prstClr val="black"/>
+              </a:solidFill>
+            </a:endParaRPr>
+          </a:p>
+          <a:p>
+            <a:pPr>
+              <a:spcBef>
+                <a:spcPts val="400"/>
+              </a:spcBef>
+            </a:pPr>
+            <a:endParaRPr lang="en-US" sz="2000" spc="-1" dirty="0">
+              <a:solidFill>
+                <a:prstClr val="black"/>
+              </a:solidFill>
+            </a:endParaRPr>
+          </a:p>
+          <a:p>
+            <a:pPr>
+              <a:spcBef>
+                <a:spcPts val="400"/>
+              </a:spcBef>
+            </a:pPr>
+            <a:r>
+              <a:rPr lang="en-US" sz="2000" i="1" spc="-1" dirty="0">
+                <a:solidFill>
+                  <a:srgbClr val="000000"/>
+                </a:solidFill>
+              </a:rPr>
+              <a:t>Hint: Each task in exercises 1-5 can be performed in a single statement per vector (the minimum and maximum count as 2 tasks)</a:t>
+            </a:r>
+            <a:endParaRPr lang="en-US" sz="2000" spc="-1" dirty="0">
+              <a:solidFill>
+                <a:prstClr val="black"/>
+              </a:solidFill>
+            </a:endParaRPr>
+          </a:p>
         </p:txBody>
       </p:sp>
     </p:spTree>
     <p:extLst>
       <p:ext uri="{BB962C8B-B14F-4D97-AF65-F5344CB8AC3E}">
-        <p14:creationId xmlns:p14="http://schemas.microsoft.com/office/powerpoint/2010/main" val="746353579"/>
+        <p14:creationId xmlns:p14="http://schemas.microsoft.com/office/powerpoint/2010/main" val="1843684882"/>
       </p:ext>
     </p:extLst>
   </p:cSld>
@@ -13121,20 +12524,20 @@
       </p:grpSpPr>
       <p:sp>
         <p:nvSpPr>
-          <p:cNvPr id="207" name="CustomShape 1"/>
+          <p:cNvPr id="853" name="CustomShape 1"/>
           <p:cNvSpPr/>
           <p:nvPr/>
         </p:nvSpPr>
         <p:spPr>
           <a:xfrm>
-            <a:off x="0" y="115200"/>
-            <a:ext cx="7932600" cy="490680"/>
+            <a:off x="258480" y="216720"/>
+            <a:ext cx="8634960" cy="6376680"/>
           </a:xfrm>
           <a:prstGeom prst="rect">
             <a:avLst/>
           </a:prstGeom>
           <a:noFill/>
-          <a:ln>
+          <a:ln w="25560">
             <a:noFill/>
           </a:ln>
         </p:spPr>
@@ -13150,42 +12553,17 @@
           </a:effectRef>
           <a:fontRef idx="minor"/>
         </p:style>
-        <p:txBody>
-          <a:bodyPr lIns="144000" tIns="0" rIns="0" bIns="0" anchor="b"/>
-          <a:lstStyle/>
-          <a:p>
-            <a:pPr>
-              <a:lnSpc>
-                <a:spcPct val="90000"/>
-              </a:lnSpc>
-            </a:pPr>
-            <a:r>
-              <a:rPr lang="en-US" sz="4000" spc="-1" dirty="0">
-                <a:solidFill>
-                  <a:srgbClr val="4F81BD"/>
-                </a:solidFill>
-                <a:latin typeface="Calibri"/>
-              </a:rPr>
-              <a:t>Let’s practice – 6</a:t>
-            </a:r>
-            <a:endParaRPr lang="en-US" sz="4000" spc="-1" dirty="0">
-              <a:solidFill>
-                <a:prstClr val="black"/>
-              </a:solidFill>
-            </a:endParaRPr>
-          </a:p>
-        </p:txBody>
-      </p:sp>
-      <p:sp>
-        <p:nvSpPr>
-          <p:cNvPr id="208" name="CustomShape 2"/>
+      </p:sp>
+      <p:sp>
+        <p:nvSpPr>
+          <p:cNvPr id="854" name="CustomShape 2"/>
           <p:cNvSpPr/>
           <p:nvPr/>
         </p:nvSpPr>
         <p:spPr>
           <a:xfrm>
-            <a:off x="209520" y="669240"/>
-            <a:ext cx="8147496" cy="6014880"/>
+            <a:off x="191880" y="704160"/>
+            <a:ext cx="8853480" cy="6540840"/>
           </a:xfrm>
           <a:prstGeom prst="rect">
             <a:avLst/>
@@ -13208,34 +12586,323 @@
           <a:fontRef idx="minor"/>
         </p:style>
         <p:txBody>
-          <a:bodyPr lIns="90000" tIns="45000" rIns="90000" bIns="45000"/>
-          <a:lstStyle/>
-          <a:p>
-            <a:pPr>
+          <a:bodyPr lIns="0" tIns="0" rIns="0" bIns="0" anchor="t"/>
+          <a:lstStyle/>
+          <a:p>
+            <a:pPr marL="635">
               <a:spcBef>
-                <a:spcPts val="499"/>
+                <a:spcPts val="400"/>
               </a:spcBef>
+              <a:buClr>
+                <a:srgbClr val="262626"/>
+              </a:buClr>
             </a:pPr>
             <a:r>
+              <a:rPr lang="de-CH" sz="2000" spc="-1" dirty="0">
+                <a:solidFill>
+                  <a:prstClr val="black"/>
+                </a:solidFill>
+                <a:latin typeface="Calibri" panose="020F0502020204030204" pitchFamily="34" charset="0"/>
+              </a:rPr>
+              <a:t>Open a new script and save it as "Ex5.R". Comment it.</a:t>
+            </a:r>
+            <a:endParaRPr lang="en-US"/>
+          </a:p>
+          <a:p>
+            <a:pPr marL="215900" indent="-215265">
+              <a:spcBef>
+                <a:spcPts val="400"/>
+              </a:spcBef>
+              <a:buClr>
+                <a:srgbClr val="262626"/>
+              </a:buClr>
+              <a:buFont typeface="StarSymbol"/>
+              <a:buAutoNum type="arabicParenR"/>
+            </a:pPr>
+            <a:r>
+              <a:rPr lang="de-CH" sz="2000" spc="-1" dirty="0">
+                <a:solidFill>
+                  <a:prstClr val="black"/>
+                </a:solidFill>
+                <a:latin typeface="Calibri" panose="020F0502020204030204" pitchFamily="34" charset="0"/>
+              </a:rPr>
+              <a:t> In your script, write commands to install and load the package "MASS".</a:t>
+            </a:r>
+          </a:p>
+          <a:p>
+            <a:pPr marL="215900" indent="-215265">
+              <a:spcBef>
+                <a:spcPts val="400"/>
+              </a:spcBef>
+              <a:buClr>
+                <a:srgbClr val="262626"/>
+              </a:buClr>
+              <a:buFont typeface="StarSymbol"/>
+              <a:buAutoNum type="arabicParenR"/>
+            </a:pPr>
+            <a:r>
+              <a:rPr lang="de-CH" sz="2000" spc="-1" dirty="0">
+                <a:latin typeface="Calibri"/>
+              </a:rPr>
+              <a:t> Write </a:t>
+            </a:r>
+            <a:r>
+              <a:rPr lang="de-CH" sz="2000" spc="-1" dirty="0" err="1">
+                <a:latin typeface="Calibri"/>
+              </a:rPr>
+              <a:t>the</a:t>
+            </a:r>
+            <a:r>
+              <a:rPr lang="de-CH" sz="2000" spc="-1" dirty="0">
+                <a:latin typeface="Calibri"/>
+              </a:rPr>
+              <a:t> </a:t>
+            </a:r>
+            <a:r>
+              <a:rPr lang="de-CH" sz="2000" spc="-1" dirty="0" err="1">
+                <a:latin typeface="Calibri"/>
+              </a:rPr>
+              <a:t>following</a:t>
+            </a:r>
+            <a:r>
+              <a:rPr lang="de-CH" sz="2000" spc="-1" dirty="0">
+                <a:latin typeface="Calibri"/>
+              </a:rPr>
+              <a:t> </a:t>
+            </a:r>
+            <a:r>
+              <a:rPr lang="de-CH" sz="2000" spc="-1" dirty="0" err="1">
+                <a:latin typeface="Calibri"/>
+              </a:rPr>
+              <a:t>command</a:t>
+            </a:r>
+            <a:r>
+              <a:rPr lang="de-CH" sz="2000" spc="-1" dirty="0">
+                <a:latin typeface="Calibri"/>
+              </a:rPr>
+              <a:t> </a:t>
+            </a:r>
+            <a:r>
+              <a:rPr lang="de-CH" sz="2000" spc="-1" dirty="0" err="1">
+                <a:latin typeface="Calibri"/>
+              </a:rPr>
+              <a:t>to</a:t>
+            </a:r>
+            <a:r>
+              <a:rPr lang="de-CH" sz="2000" spc="-1" dirty="0">
+                <a:latin typeface="Calibri"/>
+              </a:rPr>
+              <a:t> </a:t>
+            </a:r>
+            <a:r>
+              <a:rPr lang="de-CH" sz="2000" spc="-1" dirty="0" err="1">
+                <a:latin typeface="Calibri"/>
+              </a:rPr>
+              <a:t>load</a:t>
+            </a:r>
+            <a:r>
+              <a:rPr lang="de-CH" sz="2000" spc="-1" dirty="0">
+                <a:latin typeface="Calibri"/>
+              </a:rPr>
+              <a:t> </a:t>
+            </a:r>
+            <a:r>
+              <a:rPr lang="de-CH" sz="2000" spc="-1" dirty="0" err="1">
+                <a:latin typeface="Calibri"/>
+              </a:rPr>
+              <a:t>the</a:t>
+            </a:r>
+            <a:r>
+              <a:rPr lang="de-CH" sz="2000" spc="-1" dirty="0">
+                <a:latin typeface="Calibri"/>
+              </a:rPr>
+              <a:t> </a:t>
+            </a:r>
+            <a:r>
+              <a:rPr lang="de-CH" sz="2000" spc="-1" dirty="0" err="1">
+                <a:latin typeface="Calibri"/>
+              </a:rPr>
+              <a:t>bacteria</a:t>
+            </a:r>
+            <a:r>
+              <a:rPr lang="de-CH" sz="2000" spc="-1" dirty="0">
+                <a:latin typeface="Calibri"/>
+              </a:rPr>
+              <a:t> </a:t>
+            </a:r>
+            <a:r>
+              <a:rPr lang="de-CH" sz="2000" spc="-1" dirty="0" err="1">
+                <a:latin typeface="Calibri"/>
+              </a:rPr>
+              <a:t>data</a:t>
+            </a:r>
+            <a:r>
+              <a:rPr lang="de-CH" sz="2000" spc="-1" dirty="0">
+                <a:latin typeface="Calibri"/>
+              </a:rPr>
+              <a:t> </a:t>
+            </a:r>
+            <a:r>
+              <a:rPr lang="de-CH" sz="2000" spc="-1" dirty="0" err="1">
+                <a:latin typeface="Calibri"/>
+              </a:rPr>
+              <a:t>set</a:t>
+            </a:r>
+            <a:r>
+              <a:rPr lang="de-CH" sz="2000" spc="-1" dirty="0">
+                <a:latin typeface="Calibri"/>
+              </a:rPr>
+              <a:t> </a:t>
+            </a:r>
+            <a:r>
+              <a:rPr lang="de-CH" sz="2000" spc="-1" dirty="0" err="1">
+                <a:latin typeface="Calibri"/>
+              </a:rPr>
+              <a:t>from</a:t>
+            </a:r>
+            <a:r>
+              <a:rPr lang="de-CH" sz="2000" spc="-1" dirty="0">
+                <a:latin typeface="Calibri"/>
+              </a:rPr>
+              <a:t> </a:t>
+            </a:r>
+            <a:r>
+              <a:rPr lang="de-CH" sz="2000" spc="-1" dirty="0" err="1">
+                <a:latin typeface="Calibri"/>
+              </a:rPr>
+              <a:t>the</a:t>
+            </a:r>
+            <a:r>
+              <a:rPr lang="de-CH" sz="2000" spc="-1" dirty="0">
+                <a:latin typeface="Calibri"/>
+              </a:rPr>
+              <a:t> </a:t>
+            </a:r>
+            <a:r>
+              <a:rPr lang="de-CH" sz="2000" spc="-1" dirty="0" err="1">
+                <a:latin typeface="Calibri"/>
+              </a:rPr>
+              <a:t>package</a:t>
+            </a:r>
+            <a:r>
+              <a:rPr lang="de-CH" sz="2000" spc="-1" dirty="0">
+                <a:latin typeface="Calibri"/>
+              </a:rPr>
+              <a:t> MASS:</a:t>
+            </a:r>
+          </a:p>
+          <a:p>
+            <a:pPr marL="635">
+              <a:spcBef>
+                <a:spcPts val="400"/>
+              </a:spcBef>
+              <a:buClr>
+                <a:srgbClr val="262626"/>
+              </a:buClr>
+            </a:pPr>
+            <a:r>
+              <a:rPr lang="de-CH" spc="-1" dirty="0">
+                <a:solidFill>
+                  <a:srgbClr val="4F81BD"/>
+                </a:solidFill>
+                <a:latin typeface="Lucida Console" panose="020B0609040504020204" pitchFamily="49" charset="0"/>
+              </a:rPr>
+              <a:t>  data(bacteria) </a:t>
+            </a:r>
+            <a:r>
+              <a:rPr lang="de-CH" spc="-1" dirty="0">
+                <a:solidFill>
+                  <a:schemeClr val="accent3">
+                    <a:lumMod val="50000"/>
+                  </a:schemeClr>
+                </a:solidFill>
+                <a:latin typeface="Lucida Console" panose="020B0609040504020204" pitchFamily="49" charset="0"/>
+              </a:rPr>
+              <a:t># loads the bacteria data set (from MASS) </a:t>
+            </a:r>
+          </a:p>
+          <a:p>
+            <a:pPr marL="635">
+              <a:spcBef>
+                <a:spcPts val="400"/>
+              </a:spcBef>
+              <a:buClr>
+                <a:srgbClr val="262626"/>
+              </a:buClr>
+            </a:pPr>
+            <a:endParaRPr lang="de-CH" sz="2000" spc="-1" dirty="0">
+              <a:solidFill>
+                <a:schemeClr val="accent3">
+                  <a:lumMod val="50000"/>
+                </a:schemeClr>
+              </a:solidFill>
+              <a:latin typeface="Lucida Console" panose="020B0609040504020204" pitchFamily="49" charset="0"/>
+            </a:endParaRPr>
+          </a:p>
+          <a:p>
+            <a:pPr marL="635">
+              <a:spcBef>
+                <a:spcPts val="400"/>
+              </a:spcBef>
+              <a:buClr>
+                <a:srgbClr val="262626"/>
+              </a:buClr>
+            </a:pPr>
+            <a:r>
+              <a:rPr lang="de-CH" sz="2000" spc="-1" dirty="0">
+                <a:solidFill>
+                  <a:srgbClr val="000000"/>
+                </a:solidFill>
+                <a:latin typeface="Calibri"/>
+              </a:rPr>
+              <a:t>Execute the command. Check: You should have a variable named "bacteria" in your Environment.</a:t>
+            </a:r>
+          </a:p>
+          <a:p>
+            <a:pPr marL="635">
+              <a:spcBef>
+                <a:spcPts val="400"/>
+              </a:spcBef>
+              <a:buClr>
+                <a:srgbClr val="262626"/>
+              </a:buClr>
+            </a:pPr>
+            <a:endParaRPr lang="de-CH" sz="2000" spc="-1" dirty="0">
+              <a:solidFill>
+                <a:srgbClr val="000000"/>
+              </a:solidFill>
+              <a:latin typeface="Calibri"/>
+            </a:endParaRPr>
+          </a:p>
+          <a:p>
+            <a:pPr marL="635">
+              <a:spcBef>
+                <a:spcPts val="400"/>
+              </a:spcBef>
+              <a:buClr>
+                <a:srgbClr val="262626"/>
+              </a:buClr>
+            </a:pPr>
+            <a:r>
               <a:rPr lang="en-US" sz="2000" spc="-1" dirty="0">
                 <a:solidFill>
                   <a:srgbClr val="000000"/>
                 </a:solidFill>
                 <a:latin typeface="Calibri"/>
               </a:rPr>
-              <a:t>A dataset from mouse experiments at 18 weeks is available in the file </a:t>
-            </a:r>
-            <a:r>
-              <a:rPr lang="en-US" sz="2000" b="1" i="1" spc="-1" dirty="0">
+              <a:t>3) What are the names of the columns of the </a:t>
+            </a:r>
+            <a:r>
+              <a:rPr lang="en-US" sz="2000" b="1" spc="-1" dirty="0">
                 <a:solidFill>
                   <a:srgbClr val="000000"/>
                 </a:solidFill>
                 <a:latin typeface="Calibri"/>
               </a:rPr>
-              <a:t>mice_data.csv</a:t>
-            </a:r>
-            <a:r>
-              <a:rPr lang="en-US" sz="2000" i="1" spc="-1" dirty="0">
+              <a:t>bacteria</a:t>
+            </a:r>
+            <a:r>
+              <a:rPr lang="en-US" sz="2000" spc="-1" dirty="0">
                 <a:solidFill>
                   <a:srgbClr val="000000"/>
                 </a:solidFill>
@@ -13244,40 +12911,22 @@
               <a:t> </a:t>
             </a:r>
             <a:r>
-              <a:rPr lang="en-US" sz="1600" i="1" spc="-1" dirty="0">
+              <a:rPr lang="en-US" sz="2000" spc="-1" dirty="0" err="1">
                 <a:solidFill>
                   <a:srgbClr val="000000"/>
                 </a:solidFill>
                 <a:latin typeface="Calibri"/>
               </a:rPr>
-              <a:t>(courtesy of F Schutz and F. </a:t>
-            </a:r>
-            <a:r>
-              <a:rPr lang="en-US" sz="1600" i="1" spc="-1" dirty="0" err="1">
+              <a:t>data.frame</a:t>
+            </a:r>
+            <a:r>
+              <a:rPr lang="en-US" sz="2000" spc="-1" dirty="0">
                 <a:solidFill>
                   <a:srgbClr val="000000"/>
                 </a:solidFill>
                 <a:latin typeface="Calibri"/>
               </a:rPr>
-              <a:t>Preitner</a:t>
-            </a:r>
-            <a:r>
-              <a:rPr lang="en-US" sz="1600" i="1" spc="-1" dirty="0">
-                <a:solidFill>
-                  <a:srgbClr val="000000"/>
-                </a:solidFill>
-                <a:latin typeface="Calibri"/>
-              </a:rPr>
-              <a:t>)</a:t>
-            </a:r>
-            <a:r>
-              <a:rPr lang="en-US" sz="2000" spc="-1" dirty="0">
-                <a:solidFill>
-                  <a:srgbClr val="000000"/>
-                </a:solidFill>
-                <a:latin typeface="Calibri"/>
-              </a:rPr>
-              <a:t>. Let's explore the dataset to see what it contains.</a:t>
+              <a:t> ?</a:t>
             </a:r>
             <a:endParaRPr lang="en-US" sz="2000" spc="-1" dirty="0">
               <a:solidFill>
@@ -13286,18 +12935,13 @@
             </a:endParaRPr>
           </a:p>
           <a:p>
-            <a:pPr marL="743040" lvl="1" indent="-282240">
+            <a:pPr marL="635">
               <a:spcBef>
-                <a:spcPts val="723"/>
+                <a:spcPts val="400"/>
               </a:spcBef>
-              <a:spcAft>
-                <a:spcPts val="283"/>
-              </a:spcAft>
               <a:buClr>
-                <a:srgbClr val="000000"/>
+                <a:srgbClr val="262626"/>
               </a:buClr>
-              <a:buFont typeface="StarSymbol"/>
-              <a:buAutoNum type="arabicParenR"/>
             </a:pPr>
             <a:r>
               <a:rPr lang="en-US" sz="2000" spc="-1" dirty="0">
@@ -13306,31 +12950,44 @@
                 </a:solidFill>
                 <a:latin typeface="Calibri"/>
               </a:rPr>
-              <a:t>Open a new script file in R studio, comment it and save it.</a:t>
-            </a:r>
-          </a:p>
-          <a:p>
-            <a:pPr marL="743040" lvl="1" indent="-282240">
+              <a:t>4) Use </a:t>
+            </a:r>
+            <a:r>
+              <a:rPr lang="en-US" sz="2000" b="1" spc="-1" dirty="0">
+                <a:solidFill>
+                  <a:srgbClr val="000000"/>
+                </a:solidFill>
+                <a:latin typeface="Calibri"/>
+              </a:rPr>
+              <a:t>[]</a:t>
+            </a:r>
+            <a:r>
+              <a:rPr lang="en-US" sz="2000" spc="-1" dirty="0">
+                <a:solidFill>
+                  <a:srgbClr val="000000"/>
+                </a:solidFill>
+                <a:latin typeface="Calibri"/>
+              </a:rPr>
+              <a:t>  to select rows 100 to 119 of the column “ap” .</a:t>
+            </a:r>
+          </a:p>
+          <a:p>
+            <a:pPr marL="635">
               <a:spcBef>
-                <a:spcPts val="723"/>
+                <a:spcPts val="400"/>
               </a:spcBef>
-              <a:spcAft>
-                <a:spcPts val="283"/>
-              </a:spcAft>
               <a:buClr>
-                <a:srgbClr val="000000"/>
+                <a:srgbClr val="262626"/>
               </a:buClr>
-              <a:buFont typeface="StarSymbol"/>
-              <a:buAutoNum type="arabicParenR"/>
             </a:pPr>
             <a:r>
-              <a:rPr lang="en-US" sz="2000" spc="-1" dirty="0">
+              <a:rPr lang="de-CH" sz="2000" spc="-1" dirty="0">
                 <a:solidFill>
                   <a:srgbClr val="000000"/>
                 </a:solidFill>
                 <a:latin typeface="Calibri"/>
               </a:rPr>
-              <a:t>Have look at the csv file in R studio's file explorer. What do you need to check in order to be able to read in the file correctly?</a:t>
+              <a:t>5) Use $ to get the column "week" and check how many missing values it has.</a:t>
             </a:r>
             <a:endParaRPr lang="en-US" sz="2000" spc="-1" dirty="0">
               <a:solidFill>
@@ -13339,189 +12996,10 @@
             </a:endParaRPr>
           </a:p>
           <a:p>
-            <a:pPr marL="743040" lvl="1" indent="-282240">
-              <a:spcBef>
-                <a:spcPts val="723"/>
-              </a:spcBef>
-              <a:spcAft>
-                <a:spcPts val="283"/>
-              </a:spcAft>
-              <a:buClr>
-                <a:srgbClr val="000000"/>
-              </a:buClr>
-              <a:buFont typeface="StarSymbol"/>
-              <a:buAutoNum type="arabicParenR"/>
-            </a:pPr>
-            <a:r>
-              <a:rPr lang="en-US" sz="2000" spc="-1" dirty="0">
-                <a:solidFill>
-                  <a:srgbClr val="000000"/>
-                </a:solidFill>
-                <a:latin typeface="Calibri"/>
-              </a:rPr>
-              <a:t>Read the file into R, assign its content to object "</a:t>
-            </a:r>
-            <a:r>
-              <a:rPr lang="en-US" sz="2000" spc="-1" dirty="0" err="1">
-                <a:solidFill>
-                  <a:srgbClr val="000000"/>
-                </a:solidFill>
-                <a:latin typeface="Calibri"/>
-              </a:rPr>
-              <a:t>mice_data</a:t>
-            </a:r>
-            <a:r>
-              <a:rPr lang="en-US" sz="2000" spc="-1" dirty="0">
-                <a:solidFill>
-                  <a:srgbClr val="000000"/>
-                </a:solidFill>
-                <a:latin typeface="Calibri"/>
-              </a:rPr>
-              <a:t>". Examine the object.</a:t>
-            </a:r>
-            <a:endParaRPr lang="en-US" sz="2000" spc="-1" dirty="0">
-              <a:solidFill>
-                <a:prstClr val="black"/>
-              </a:solidFill>
-            </a:endParaRPr>
-          </a:p>
-          <a:p>
-            <a:pPr marL="743040" lvl="1" indent="-282240">
-              <a:spcBef>
-                <a:spcPts val="723"/>
-              </a:spcBef>
-              <a:spcAft>
-                <a:spcPts val="283"/>
-              </a:spcAft>
-              <a:buClr>
-                <a:srgbClr val="000000"/>
-              </a:buClr>
-              <a:buFont typeface="StarSymbol"/>
-              <a:buAutoNum type="arabicParenR"/>
-            </a:pPr>
-            <a:r>
-              <a:rPr lang="en-US" sz="2000" spc="-1" dirty="0">
-                <a:solidFill>
-                  <a:srgbClr val="000000"/>
-                </a:solidFill>
-                <a:latin typeface="Calibri"/>
-              </a:rPr>
-              <a:t>How many observations and variables does the dataset have? </a:t>
-            </a:r>
-            <a:endParaRPr lang="en-US" sz="2000" spc="-1" dirty="0">
-              <a:solidFill>
-                <a:prstClr val="black"/>
-              </a:solidFill>
-            </a:endParaRPr>
-          </a:p>
-          <a:p>
-            <a:pPr marL="743040" lvl="1" indent="-282240">
-              <a:spcBef>
-                <a:spcPts val="723"/>
-              </a:spcBef>
-              <a:spcAft>
-                <a:spcPts val="283"/>
-              </a:spcAft>
-              <a:buClr>
-                <a:srgbClr val="000000"/>
-              </a:buClr>
-              <a:buFont typeface="StarSymbol"/>
-              <a:buAutoNum type="arabicParenR"/>
-            </a:pPr>
-            <a:r>
-              <a:rPr lang="en-US" sz="2000" spc="-1" dirty="0">
-                <a:solidFill>
-                  <a:srgbClr val="000000"/>
-                </a:solidFill>
-                <a:latin typeface="Calibri"/>
-              </a:rPr>
-              <a:t>What is the structure of the dataset? What are the names and classes of the variables? </a:t>
-            </a:r>
-          </a:p>
-          <a:p>
-            <a:pPr marL="743040" lvl="1" indent="-282240">
-              <a:spcBef>
-                <a:spcPts val="723"/>
-              </a:spcBef>
-              <a:spcAft>
-                <a:spcPts val="283"/>
-              </a:spcAft>
-              <a:buClr>
-                <a:srgbClr val="000000"/>
-              </a:buClr>
-              <a:buFont typeface="StarSymbol"/>
-              <a:buAutoNum type="arabicParenR"/>
-            </a:pPr>
-            <a:r>
-              <a:rPr lang="en-US" sz="2000" spc="-1" dirty="0">
-                <a:solidFill>
-                  <a:srgbClr val="000000"/>
-                </a:solidFill>
-                <a:latin typeface="Calibri"/>
-              </a:rPr>
-              <a:t>Which variables appear to be categorical? Convert them to factors.</a:t>
-            </a:r>
-            <a:endParaRPr lang="en-US" sz="2000" spc="-1" dirty="0">
-              <a:solidFill>
-                <a:prstClr val="black"/>
-              </a:solidFill>
-            </a:endParaRPr>
-          </a:p>
-          <a:p>
-            <a:pPr marL="743040" lvl="1" indent="-282240">
-              <a:spcBef>
-                <a:spcPts val="723"/>
-              </a:spcBef>
-              <a:spcAft>
-                <a:spcPts val="283"/>
-              </a:spcAft>
-              <a:buClr>
-                <a:srgbClr val="000000"/>
-              </a:buClr>
-              <a:buFont typeface="StarSymbol"/>
-              <a:buAutoNum type="arabicParenR"/>
-            </a:pPr>
-            <a:r>
-              <a:rPr lang="en-US" sz="2000" spc="-1" dirty="0">
-                <a:solidFill>
-                  <a:srgbClr val="000000"/>
-                </a:solidFill>
-                <a:latin typeface="Calibri"/>
-              </a:rPr>
-              <a:t>Get the summary statistics of  "</a:t>
-            </a:r>
-            <a:r>
-              <a:rPr lang="en-US" sz="2000" spc="-1" dirty="0" err="1">
-                <a:solidFill>
-                  <a:srgbClr val="000000"/>
-                </a:solidFill>
-                <a:latin typeface="Calibri"/>
-              </a:rPr>
-              <a:t>mice_data</a:t>
-            </a:r>
-            <a:r>
-              <a:rPr lang="en-US" sz="2000" spc="-1" dirty="0">
-                <a:solidFill>
-                  <a:srgbClr val="000000"/>
-                </a:solidFill>
-                <a:latin typeface="Calibri"/>
-              </a:rPr>
-              <a:t>"</a:t>
-            </a:r>
-            <a:endParaRPr lang="en-US" sz="2000" spc="-1" dirty="0">
-              <a:solidFill>
-                <a:prstClr val="black"/>
-              </a:solidFill>
-            </a:endParaRPr>
-          </a:p>
-          <a:p>
             <a:pPr>
               <a:spcBef>
-                <a:spcPts val="723"/>
+                <a:spcPts val="400"/>
               </a:spcBef>
-              <a:spcAft>
-                <a:spcPts val="283"/>
-              </a:spcAft>
             </a:pPr>
             <a:endParaRPr lang="en-US" sz="2000" spc="-1" dirty="0">
               <a:solidFill>
@@ -13529,12 +13007,132 @@
               </a:solidFill>
             </a:endParaRPr>
           </a:p>
+          <a:p>
+            <a:pPr>
+              <a:spcBef>
+                <a:spcPts val="400"/>
+              </a:spcBef>
+            </a:pPr>
+            <a:r>
+              <a:rPr lang="en-US" sz="2000" spc="-1" dirty="0">
+                <a:solidFill>
+                  <a:srgbClr val="262626"/>
+                </a:solidFill>
+                <a:latin typeface="Calibri"/>
+              </a:rPr>
+              <a:t>Optional : 6) Count how many rows correspond to a “placebo” treatment (“</a:t>
+            </a:r>
+            <a:r>
+              <a:rPr lang="en-US" sz="2000" spc="-1" dirty="0" err="1">
+                <a:solidFill>
+                  <a:srgbClr val="262626"/>
+                </a:solidFill>
+                <a:latin typeface="Calibri"/>
+              </a:rPr>
+              <a:t>trt</a:t>
+            </a:r>
+            <a:r>
+              <a:rPr lang="en-US" sz="2000" spc="-1" dirty="0">
+                <a:solidFill>
+                  <a:srgbClr val="262626"/>
+                </a:solidFill>
+                <a:latin typeface="Calibri"/>
+              </a:rPr>
+              <a:t>” column) using the comparison operator "==".</a:t>
+            </a:r>
+            <a:endParaRPr lang="en-US" sz="2000" spc="-1" dirty="0">
+              <a:solidFill>
+                <a:prstClr val="black"/>
+              </a:solidFill>
+            </a:endParaRPr>
+          </a:p>
+          <a:p>
+            <a:pPr>
+              <a:spcBef>
+                <a:spcPts val="400"/>
+              </a:spcBef>
+            </a:pPr>
+            <a:endParaRPr lang="en-US" sz="2000" spc="-1" dirty="0">
+              <a:solidFill>
+                <a:prstClr val="black"/>
+              </a:solidFill>
+            </a:endParaRPr>
+          </a:p>
+          <a:p>
+            <a:pPr>
+              <a:spcBef>
+                <a:spcPts val="439"/>
+              </a:spcBef>
+            </a:pPr>
+            <a:endParaRPr lang="en-US" sz="2000" spc="-1" dirty="0">
+              <a:solidFill>
+                <a:prstClr val="black"/>
+              </a:solidFill>
+            </a:endParaRPr>
+          </a:p>
+        </p:txBody>
+      </p:sp>
+      <p:sp>
+        <p:nvSpPr>
+          <p:cNvPr id="855" name="CustomShape 3"/>
+          <p:cNvSpPr/>
+          <p:nvPr/>
+        </p:nvSpPr>
+        <p:spPr>
+          <a:xfrm>
+            <a:off x="258480" y="-46800"/>
+            <a:ext cx="7937640" cy="604080"/>
+          </a:xfrm>
+          <a:prstGeom prst="rect">
+            <a:avLst/>
+          </a:prstGeom>
+          <a:noFill/>
+          <a:ln>
+            <a:noFill/>
+          </a:ln>
+        </p:spPr>
+        <p:style>
+          <a:lnRef idx="0">
+            <a:scrgbClr r="0" g="0" b="0"/>
+          </a:lnRef>
+          <a:fillRef idx="0">
+            <a:scrgbClr r="0" g="0" b="0"/>
+          </a:fillRef>
+          <a:effectRef idx="0">
+            <a:scrgbClr r="0" g="0" b="0"/>
+          </a:effectRef>
+          <a:fontRef idx="minor"/>
+        </p:style>
+        <p:txBody>
+          <a:bodyPr lIns="144000" tIns="0" rIns="0" bIns="0" anchor="b"/>
+          <a:lstStyle/>
+          <a:p>
+            <a:pPr>
+              <a:lnSpc>
+                <a:spcPct val="90000"/>
+              </a:lnSpc>
+            </a:pPr>
+            <a:r>
+              <a:rPr lang="en-US" sz="4000" spc="-1">
+                <a:solidFill>
+                  <a:srgbClr val="4F81BD"/>
+                </a:solidFill>
+                <a:latin typeface="Calibri"/>
+              </a:rPr>
+              <a:t>Let’s practice – 5 </a:t>
+            </a:r>
+            <a:endParaRPr lang="en-US" sz="4000" spc="-1">
+              <a:solidFill>
+                <a:prstClr val="black"/>
+              </a:solidFill>
+            </a:endParaRPr>
+          </a:p>
         </p:txBody>
       </p:sp>
     </p:spTree>
     <p:extLst>
       <p:ext uri="{BB962C8B-B14F-4D97-AF65-F5344CB8AC3E}">
-        <p14:creationId xmlns:p14="http://schemas.microsoft.com/office/powerpoint/2010/main" val="72260443"/>
+        <p14:creationId xmlns:p14="http://schemas.microsoft.com/office/powerpoint/2010/main" val="746353579"/>
       </p:ext>
     </p:extLst>
   </p:cSld>
@@ -13635,7 +13233,7 @@
                 </a:solidFill>
                 <a:latin typeface="Calibri"/>
               </a:rPr>
-              <a:t>Let’s practice – 6bis</a:t>
+              <a:t>Let’s practice – 6</a:t>
             </a:r>
             <a:endParaRPr lang="en-US" sz="4000" spc="-1" dirty="0">
               <a:solidFill>
@@ -13654,7 +13252,7 @@
         <p:spPr>
           <a:xfrm>
             <a:off x="209520" y="669240"/>
-            <a:ext cx="8050060" cy="6014880"/>
+            <a:ext cx="8147496" cy="6014880"/>
           </a:xfrm>
           <a:prstGeom prst="rect">
             <a:avLst/>
@@ -13680,7 +13278,476 @@
           <a:bodyPr lIns="90000" tIns="45000" rIns="90000" bIns="45000"/>
           <a:lstStyle/>
           <a:p>
-            <a:pPr marL="918000" lvl="1" indent="-457200">
+            <a:pPr>
+              <a:spcBef>
+                <a:spcPts val="499"/>
+              </a:spcBef>
+            </a:pPr>
+            <a:r>
+              <a:rPr lang="en-US" sz="2000" spc="-1" dirty="0">
+                <a:solidFill>
+                  <a:srgbClr val="000000"/>
+                </a:solidFill>
+                <a:latin typeface="Calibri"/>
+              </a:rPr>
+              <a:t>A dataset from mouse experiments at 18 weeks is available in the file </a:t>
+            </a:r>
+            <a:r>
+              <a:rPr lang="en-US" sz="2000" b="1" i="1" spc="-1" dirty="0">
+                <a:solidFill>
+                  <a:srgbClr val="000000"/>
+                </a:solidFill>
+                <a:latin typeface="Calibri"/>
+              </a:rPr>
+              <a:t>mice_data.csv</a:t>
+            </a:r>
+            <a:r>
+              <a:rPr lang="en-US" sz="2000" i="1" spc="-1" dirty="0">
+                <a:solidFill>
+                  <a:srgbClr val="000000"/>
+                </a:solidFill>
+                <a:latin typeface="Calibri"/>
+              </a:rPr>
+              <a:t> </a:t>
+            </a:r>
+            <a:r>
+              <a:rPr lang="en-US" sz="1600" i="1" spc="-1" dirty="0">
+                <a:solidFill>
+                  <a:srgbClr val="000000"/>
+                </a:solidFill>
+                <a:latin typeface="Calibri"/>
+              </a:rPr>
+              <a:t>(courtesy of F Schutz and F. </a:t>
+            </a:r>
+            <a:r>
+              <a:rPr lang="en-US" sz="1600" i="1" spc="-1" dirty="0" err="1">
+                <a:solidFill>
+                  <a:srgbClr val="000000"/>
+                </a:solidFill>
+                <a:latin typeface="Calibri"/>
+              </a:rPr>
+              <a:t>Preitner</a:t>
+            </a:r>
+            <a:r>
+              <a:rPr lang="en-US" sz="1600" i="1" spc="-1" dirty="0">
+                <a:solidFill>
+                  <a:srgbClr val="000000"/>
+                </a:solidFill>
+                <a:latin typeface="Calibri"/>
+              </a:rPr>
+              <a:t>)</a:t>
+            </a:r>
+            <a:r>
+              <a:rPr lang="en-US" sz="2000" spc="-1" dirty="0">
+                <a:solidFill>
+                  <a:srgbClr val="000000"/>
+                </a:solidFill>
+                <a:latin typeface="Calibri"/>
+              </a:rPr>
+              <a:t>. Let's explore the dataset to see what it contains.</a:t>
+            </a:r>
+            <a:endParaRPr lang="en-US" sz="2000" spc="-1" dirty="0">
+              <a:solidFill>
+                <a:prstClr val="black"/>
+              </a:solidFill>
+            </a:endParaRPr>
+          </a:p>
+          <a:p>
+            <a:pPr marL="743040" lvl="1" indent="-282240">
+              <a:spcBef>
+                <a:spcPts val="723"/>
+              </a:spcBef>
+              <a:spcAft>
+                <a:spcPts val="283"/>
+              </a:spcAft>
+              <a:buClr>
+                <a:srgbClr val="000000"/>
+              </a:buClr>
+              <a:buFont typeface="StarSymbol"/>
+              <a:buAutoNum type="arabicParenR"/>
+            </a:pPr>
+            <a:r>
+              <a:rPr lang="en-US" sz="2000" spc="-1" dirty="0">
+                <a:solidFill>
+                  <a:srgbClr val="000000"/>
+                </a:solidFill>
+                <a:latin typeface="Calibri"/>
+              </a:rPr>
+              <a:t>Open a new script file in R studio, comment it and save it.</a:t>
+            </a:r>
+          </a:p>
+          <a:p>
+            <a:pPr marL="743040" lvl="1" indent="-282240">
+              <a:spcBef>
+                <a:spcPts val="723"/>
+              </a:spcBef>
+              <a:spcAft>
+                <a:spcPts val="283"/>
+              </a:spcAft>
+              <a:buClr>
+                <a:srgbClr val="000000"/>
+              </a:buClr>
+              <a:buFont typeface="StarSymbol"/>
+              <a:buAutoNum type="arabicParenR"/>
+            </a:pPr>
+            <a:r>
+              <a:rPr lang="en-US" sz="2000" spc="-1" dirty="0">
+                <a:solidFill>
+                  <a:srgbClr val="000000"/>
+                </a:solidFill>
+                <a:latin typeface="Calibri"/>
+              </a:rPr>
+              <a:t>Have look at the csv file in R studio's file explorer. What do you need to check in order to be able to read in the file correctly?</a:t>
+            </a:r>
+            <a:endParaRPr lang="en-US" sz="2000" spc="-1" dirty="0">
+              <a:solidFill>
+                <a:prstClr val="black"/>
+              </a:solidFill>
+            </a:endParaRPr>
+          </a:p>
+          <a:p>
+            <a:pPr marL="743040" lvl="1" indent="-282240">
+              <a:spcBef>
+                <a:spcPts val="723"/>
+              </a:spcBef>
+              <a:spcAft>
+                <a:spcPts val="283"/>
+              </a:spcAft>
+              <a:buClr>
+                <a:srgbClr val="000000"/>
+              </a:buClr>
+              <a:buFont typeface="StarSymbol"/>
+              <a:buAutoNum type="arabicParenR"/>
+            </a:pPr>
+            <a:r>
+              <a:rPr lang="en-US" sz="2000" spc="-1" dirty="0">
+                <a:solidFill>
+                  <a:srgbClr val="000000"/>
+                </a:solidFill>
+                <a:latin typeface="Calibri"/>
+              </a:rPr>
+              <a:t>Read the file into R, assign its content to object "</a:t>
+            </a:r>
+            <a:r>
+              <a:rPr lang="en-US" sz="2000" spc="-1" dirty="0" err="1">
+                <a:solidFill>
+                  <a:srgbClr val="000000"/>
+                </a:solidFill>
+                <a:latin typeface="Calibri"/>
+              </a:rPr>
+              <a:t>mice_data</a:t>
+            </a:r>
+            <a:r>
+              <a:rPr lang="en-US" sz="2000" spc="-1" dirty="0">
+                <a:solidFill>
+                  <a:srgbClr val="000000"/>
+                </a:solidFill>
+                <a:latin typeface="Calibri"/>
+              </a:rPr>
+              <a:t>". Examine the object.</a:t>
+            </a:r>
+            <a:endParaRPr lang="en-US" sz="2000" spc="-1" dirty="0">
+              <a:solidFill>
+                <a:prstClr val="black"/>
+              </a:solidFill>
+            </a:endParaRPr>
+          </a:p>
+          <a:p>
+            <a:pPr marL="743040" lvl="1" indent="-282240">
+              <a:spcBef>
+                <a:spcPts val="723"/>
+              </a:spcBef>
+              <a:spcAft>
+                <a:spcPts val="283"/>
+              </a:spcAft>
+              <a:buClr>
+                <a:srgbClr val="000000"/>
+              </a:buClr>
+              <a:buFont typeface="StarSymbol"/>
+              <a:buAutoNum type="arabicParenR"/>
+            </a:pPr>
+            <a:r>
+              <a:rPr lang="en-US" sz="2000" spc="-1" dirty="0">
+                <a:solidFill>
+                  <a:srgbClr val="000000"/>
+                </a:solidFill>
+                <a:latin typeface="Calibri"/>
+              </a:rPr>
+              <a:t>How many observations and variables does the dataset have? </a:t>
+            </a:r>
+            <a:endParaRPr lang="en-US" sz="2000" spc="-1" dirty="0">
+              <a:solidFill>
+                <a:prstClr val="black"/>
+              </a:solidFill>
+            </a:endParaRPr>
+          </a:p>
+          <a:p>
+            <a:pPr marL="743040" lvl="1" indent="-282240">
+              <a:spcBef>
+                <a:spcPts val="723"/>
+              </a:spcBef>
+              <a:spcAft>
+                <a:spcPts val="283"/>
+              </a:spcAft>
+              <a:buClr>
+                <a:srgbClr val="000000"/>
+              </a:buClr>
+              <a:buFont typeface="StarSymbol"/>
+              <a:buAutoNum type="arabicParenR"/>
+            </a:pPr>
+            <a:r>
+              <a:rPr lang="en-US" sz="2000" spc="-1" dirty="0">
+                <a:solidFill>
+                  <a:srgbClr val="000000"/>
+                </a:solidFill>
+                <a:latin typeface="Calibri"/>
+              </a:rPr>
+              <a:t>What is the structure of the dataset? What are the names and classes of the variables? </a:t>
+            </a:r>
+          </a:p>
+          <a:p>
+            <a:pPr marL="743040" lvl="1" indent="-282240">
+              <a:spcBef>
+                <a:spcPts val="723"/>
+              </a:spcBef>
+              <a:spcAft>
+                <a:spcPts val="283"/>
+              </a:spcAft>
+              <a:buClr>
+                <a:srgbClr val="000000"/>
+              </a:buClr>
+              <a:buFont typeface="StarSymbol"/>
+              <a:buAutoNum type="arabicParenR"/>
+            </a:pPr>
+            <a:r>
+              <a:rPr lang="en-US" sz="2000" spc="-1" dirty="0">
+                <a:solidFill>
+                  <a:srgbClr val="000000"/>
+                </a:solidFill>
+                <a:latin typeface="Calibri"/>
+              </a:rPr>
+              <a:t>Which variables appear to be categorical? Convert them to factors.</a:t>
+            </a:r>
+            <a:endParaRPr lang="en-US" sz="2000" spc="-1" dirty="0">
+              <a:solidFill>
+                <a:prstClr val="black"/>
+              </a:solidFill>
+            </a:endParaRPr>
+          </a:p>
+          <a:p>
+            <a:pPr marL="743040" lvl="1" indent="-282240">
+              <a:spcBef>
+                <a:spcPts val="723"/>
+              </a:spcBef>
+              <a:spcAft>
+                <a:spcPts val="283"/>
+              </a:spcAft>
+              <a:buClr>
+                <a:srgbClr val="000000"/>
+              </a:buClr>
+              <a:buFont typeface="StarSymbol"/>
+              <a:buAutoNum type="arabicParenR"/>
+            </a:pPr>
+            <a:r>
+              <a:rPr lang="en-US" sz="2000" spc="-1" dirty="0">
+                <a:solidFill>
+                  <a:srgbClr val="000000"/>
+                </a:solidFill>
+                <a:latin typeface="Calibri"/>
+              </a:rPr>
+              <a:t>Get the summary statistics of  "</a:t>
+            </a:r>
+            <a:r>
+              <a:rPr lang="en-US" sz="2000" spc="-1" dirty="0" err="1">
+                <a:solidFill>
+                  <a:srgbClr val="000000"/>
+                </a:solidFill>
+                <a:latin typeface="Calibri"/>
+              </a:rPr>
+              <a:t>mice_data</a:t>
+            </a:r>
+            <a:r>
+              <a:rPr lang="en-US" sz="2000" spc="-1" dirty="0">
+                <a:solidFill>
+                  <a:srgbClr val="000000"/>
+                </a:solidFill>
+                <a:latin typeface="Calibri"/>
+              </a:rPr>
+              <a:t>"</a:t>
+            </a:r>
+            <a:endParaRPr lang="en-US" sz="2000" spc="-1" dirty="0">
+              <a:solidFill>
+                <a:prstClr val="black"/>
+              </a:solidFill>
+            </a:endParaRPr>
+          </a:p>
+          <a:p>
+            <a:pPr>
+              <a:spcBef>
+                <a:spcPts val="723"/>
+              </a:spcBef>
+              <a:spcAft>
+                <a:spcPts val="283"/>
+              </a:spcAft>
+            </a:pPr>
+            <a:endParaRPr lang="en-US" sz="2000" spc="-1" dirty="0">
+              <a:solidFill>
+                <a:prstClr val="black"/>
+              </a:solidFill>
+            </a:endParaRPr>
+          </a:p>
+        </p:txBody>
+      </p:sp>
+    </p:spTree>
+    <p:extLst>
+      <p:ext uri="{BB962C8B-B14F-4D97-AF65-F5344CB8AC3E}">
+        <p14:creationId xmlns:p14="http://schemas.microsoft.com/office/powerpoint/2010/main" val="72260443"/>
+      </p:ext>
+    </p:extLst>
+  </p:cSld>
+  <p:clrMapOvr>
+    <a:masterClrMapping/>
+  </p:clrMapOvr>
+  <p:timing>
+    <p:tnLst>
+      <p:par>
+        <p:cTn id="1" dur="indefinite" restart="never" nodeType="tmRoot">
+          <p:childTnLst>
+            <p:seq>
+              <p:cTn id="2" dur="indefinite" nodeType="mainSeq"/>
+              <p:prevCondLst>
+                <p:cond evt="onPrev" delay="0">
+                  <p:tgtEl>
+                    <p:sldTgt/>
+                  </p:tgtEl>
+                </p:cond>
+              </p:prevCondLst>
+              <p:nextCondLst>
+                <p:cond evt="onNext" delay="0">
+                  <p:tgtEl>
+                    <p:sldTgt/>
+                  </p:tgtEl>
+                </p:cond>
+              </p:nextCondLst>
+            </p:seq>
+          </p:childTnLst>
+        </p:cTn>
+      </p:par>
+    </p:tnLst>
+  </p:timing>
+</p:sld>
+</file>
+
+<file path=ppt/slides/slide9.xml><?xml version="1.0" encoding="utf-8"?>
+<p:sld xmlns:a="http://schemas.openxmlformats.org/drawingml/2006/main" xmlns:r="http://schemas.openxmlformats.org/officeDocument/2006/relationships" xmlns:p="http://schemas.openxmlformats.org/presentationml/2006/main">
+  <p:cSld>
+    <p:spTree>
+      <p:nvGrpSpPr>
+        <p:cNvPr id="1" name=""/>
+        <p:cNvGrpSpPr/>
+        <p:nvPr/>
+      </p:nvGrpSpPr>
+      <p:grpSpPr>
+        <a:xfrm>
+          <a:off x="0" y="0"/>
+          <a:ext cx="0" cy="0"/>
+          <a:chOff x="0" y="0"/>
+          <a:chExt cx="0" cy="0"/>
+        </a:xfrm>
+      </p:grpSpPr>
+      <p:sp>
+        <p:nvSpPr>
+          <p:cNvPr id="207" name="CustomShape 1"/>
+          <p:cNvSpPr/>
+          <p:nvPr/>
+        </p:nvSpPr>
+        <p:spPr>
+          <a:xfrm>
+            <a:off x="0" y="115200"/>
+            <a:ext cx="7932600" cy="490680"/>
+          </a:xfrm>
+          <a:prstGeom prst="rect">
+            <a:avLst/>
+          </a:prstGeom>
+          <a:noFill/>
+          <a:ln>
+            <a:noFill/>
+          </a:ln>
+        </p:spPr>
+        <p:style>
+          <a:lnRef idx="0">
+            <a:scrgbClr r="0" g="0" b="0"/>
+          </a:lnRef>
+          <a:fillRef idx="0">
+            <a:scrgbClr r="0" g="0" b="0"/>
+          </a:fillRef>
+          <a:effectRef idx="0">
+            <a:scrgbClr r="0" g="0" b="0"/>
+          </a:effectRef>
+          <a:fontRef idx="minor"/>
+        </p:style>
+        <p:txBody>
+          <a:bodyPr lIns="144000" tIns="0" rIns="0" bIns="0" anchor="b"/>
+          <a:lstStyle/>
+          <a:p>
+            <a:pPr>
+              <a:lnSpc>
+                <a:spcPct val="90000"/>
+              </a:lnSpc>
+            </a:pPr>
+            <a:r>
+              <a:rPr lang="en-US" sz="4000" spc="-1" dirty="0">
+                <a:solidFill>
+                  <a:srgbClr val="4F81BD"/>
+                </a:solidFill>
+                <a:latin typeface="Calibri"/>
+              </a:rPr>
+              <a:t>Let’s practice – 6bis</a:t>
+            </a:r>
+            <a:endParaRPr lang="en-US" sz="4000" spc="-1" dirty="0">
+              <a:solidFill>
+                <a:prstClr val="black"/>
+              </a:solidFill>
+            </a:endParaRPr>
+          </a:p>
+        </p:txBody>
+      </p:sp>
+      <p:sp>
+        <p:nvSpPr>
+          <p:cNvPr id="208" name="CustomShape 2"/>
+          <p:cNvSpPr/>
+          <p:nvPr/>
+        </p:nvSpPr>
+        <p:spPr>
+          <a:xfrm>
+            <a:off x="209520" y="669240"/>
+            <a:ext cx="8050060" cy="6014880"/>
+          </a:xfrm>
+          <a:prstGeom prst="rect">
+            <a:avLst/>
+          </a:prstGeom>
+          <a:noFill/>
+          <a:ln>
+            <a:noFill/>
+          </a:ln>
+        </p:spPr>
+        <p:style>
+          <a:lnRef idx="0">
+            <a:scrgbClr r="0" g="0" b="0"/>
+          </a:lnRef>
+          <a:fillRef idx="0">
+            <a:scrgbClr r="0" g="0" b="0"/>
+          </a:fillRef>
+          <a:effectRef idx="0">
+            <a:scrgbClr r="0" g="0" b="0"/>
+          </a:effectRef>
+          <a:fontRef idx="minor"/>
+        </p:style>
+        <p:txBody>
+          <a:bodyPr lIns="90000" tIns="45000" rIns="90000" bIns="45000" anchor="t"/>
+          <a:lstStyle/>
+          <a:p>
+            <a:pPr marL="917575" lvl="1" indent="-457200">
               <a:spcBef>
                 <a:spcPts val="723"/>
               </a:spcBef>
@@ -13702,9 +13769,35 @@
               </a:rPr>
               <a:t>Use the function table() to compute the number of observations in different mouse groups. a) How many mice are included of each genotype (WT, KO)? b) How many mice are included per diet (HFD, CHOW)? c) Make a 2x2 table by genotype and diet crossed.</a:t>
             </a:r>
-          </a:p>
-          <a:p>
-            <a:pPr marL="918000" lvl="1" indent="-457200">
+            <a:endParaRPr lang="en-US" sz="2000" spc="-1" dirty="0">
+              <a:latin typeface="Calibri"/>
+            </a:endParaRPr>
+          </a:p>
+          <a:p>
+            <a:pPr marL="917575" lvl="2">
+              <a:spcBef>
+                <a:spcPts val="723"/>
+              </a:spcBef>
+              <a:spcAft>
+                <a:spcPts val="283"/>
+              </a:spcAft>
+              <a:buClr>
+                <a:srgbClr val="000000"/>
+              </a:buClr>
+            </a:pPr>
+            <a:r>
+              <a:rPr lang="en-US" sz="2000" spc="-1" dirty="0">
+                <a:ea typeface="+mn-lt"/>
+                <a:cs typeface="+mn-lt"/>
+              </a:rPr>
+              <a:t>Hint : try some of the example in the help(table) page.</a:t>
+            </a:r>
+            <a:endParaRPr lang="en-US" sz="2000" spc="-1" dirty="0">
+              <a:latin typeface="Calibri"/>
+            </a:endParaRPr>
+          </a:p>
+          <a:p>
+            <a:pPr marL="917575" lvl="1" indent="-457200">
               <a:spcBef>
                 <a:spcPts val="723"/>
               </a:spcBef>
@@ -13728,7 +13821,7 @@
             </a:r>
           </a:p>
           <a:p>
-            <a:pPr marL="918000" lvl="1" indent="-457200">
+            <a:pPr marL="917575" lvl="1" indent="-457200">
               <a:spcBef>
                 <a:spcPts val="723"/>
               </a:spcBef>
@@ -13752,7 +13845,7 @@
             </a:r>
           </a:p>
           <a:p>
-            <a:pPr marL="918000" lvl="1" indent="-457200">
+            <a:pPr marL="917575" lvl="1" indent="-457200">
               <a:spcBef>
                 <a:spcPts val="723"/>
               </a:spcBef>
@@ -13803,7 +13896,7 @@
             </a:r>
           </a:p>
           <a:p>
-            <a:pPr marL="460800" lvl="1">
+            <a:pPr marL="460375" lvl="1">
               <a:spcBef>
                 <a:spcPts val="723"/>
               </a:spcBef>
